--- a/docs/spec/BlockLang.pptx
+++ b/docs/spec/BlockLang.pptx
@@ -12,6 +12,7 @@
     <p:sldId id="259" r:id="rId4"/>
     <p:sldId id="257" r:id="rId6"/>
     <p:sldId id="258" r:id="rId7"/>
+    <p:sldId id="262" r:id="rId8"/>
   </p:sldIdLst>
   <p:sldSz cx="12192000" cy="6858000"/>
   <p:notesSz cx="6858000" cy="9144000"/>
@@ -1047,6 +1048,84 @@
           <a:lstStyle/>
           <a:p>
             <a:fld id="{DFABD8BB-C302-47D9-AAB9-DBC434ADBAC2}" type="slidenum">
+              <a:rPr lang="zh-CN" altLang="en-US" smtClean="0"/>
+            </a:fld>
+            <a:endParaRPr lang="zh-CN" altLang="en-US"/>
+          </a:p>
+        </p:txBody>
+      </p:sp>
+    </p:spTree>
+  </p:cSld>
+  <p:clrMapOvr>
+    <a:masterClrMapping/>
+  </p:clrMapOvr>
+</p:notes>
+</file>
+
+<file path=ppt/notesSlides/notesSlide3.xml><?xml version="1.0" encoding="utf-8"?>
+<p:notes xmlns:a="http://schemas.openxmlformats.org/drawingml/2006/main" xmlns:r="http://schemas.openxmlformats.org/officeDocument/2006/relationships" xmlns:p="http://schemas.openxmlformats.org/presentationml/2006/main">
+  <p:cSld>
+    <p:spTree>
+      <p:nvGrpSpPr>
+        <p:cNvPr id="1" name=""/>
+        <p:cNvGrpSpPr/>
+        <p:nvPr/>
+      </p:nvGrpSpPr>
+      <p:grpSpPr>
+        <a:xfrm>
+          <a:off x="0" y="0"/>
+          <a:ext cx="0" cy="0"/>
+          <a:chOff x="0" y="0"/>
+          <a:chExt cx="0" cy="0"/>
+        </a:xfrm>
+      </p:grpSpPr>
+      <p:sp>
+        <p:nvSpPr>
+          <p:cNvPr id="2" name="幻灯片图像占位符 1"/>
+          <p:cNvSpPr>
+            <a:spLocks noGrp="1" noRot="1" noChangeAspect="1"/>
+          </p:cNvSpPr>
+          <p:nvPr>
+            <p:ph type="sldImg"/>
+          </p:nvPr>
+        </p:nvSpPr>
+        <p:spPr/>
+      </p:sp>
+      <p:sp>
+        <p:nvSpPr>
+          <p:cNvPr id="3" name="备注占位符 2"/>
+          <p:cNvSpPr>
+            <a:spLocks noGrp="1"/>
+          </p:cNvSpPr>
+          <p:nvPr>
+            <p:ph type="body" idx="1"/>
+          </p:nvPr>
+        </p:nvSpPr>
+        <p:spPr/>
+        <p:txBody>
+          <a:bodyPr/>
+          <a:lstStyle/>
+          <a:p>
+            <a:endParaRPr lang="zh-CN" altLang="en-US" dirty="0"/>
+          </a:p>
+        </p:txBody>
+      </p:sp>
+      <p:sp>
+        <p:nvSpPr>
+          <p:cNvPr id="4" name="灯片编号占位符 3"/>
+          <p:cNvSpPr>
+            <a:spLocks noGrp="1"/>
+          </p:cNvSpPr>
+          <p:nvPr>
+            <p:ph type="sldNum" sz="quarter" idx="10"/>
+          </p:nvPr>
+        </p:nvSpPr>
+        <p:spPr/>
+        <p:txBody>
+          <a:bodyPr/>
+          <a:lstStyle/>
+          <a:p>
+            <a:fld id="{7FBEF316-36F0-48A5-93A6-FD1426A1C377}" type="slidenum">
               <a:rPr lang="zh-CN" altLang="en-US" smtClean="0"/>
             </a:fld>
             <a:endParaRPr lang="zh-CN" altLang="en-US"/>
@@ -7900,6 +7979,1610 @@
   <p:clrMapOvr>
     <a:masterClrMapping/>
   </p:clrMapOvr>
+</p:sld>
+</file>
+
+<file path=ppt/slides/slide5.xml><?xml version="1.0" encoding="utf-8"?>
+<p:sld xmlns:a="http://schemas.openxmlformats.org/drawingml/2006/main" xmlns:r="http://schemas.openxmlformats.org/officeDocument/2006/relationships" xmlns:p="http://schemas.openxmlformats.org/presentationml/2006/main">
+  <p:cSld>
+    <p:spTree>
+      <p:nvGrpSpPr>
+        <p:cNvPr id="1" name=""/>
+        <p:cNvGrpSpPr/>
+        <p:nvPr/>
+      </p:nvGrpSpPr>
+      <p:grpSpPr>
+        <a:xfrm>
+          <a:off x="0" y="0"/>
+          <a:ext cx="0" cy="0"/>
+          <a:chOff x="0" y="0"/>
+          <a:chExt cx="0" cy="0"/>
+        </a:xfrm>
+      </p:grpSpPr>
+      <p:sp>
+        <p:nvSpPr>
+          <p:cNvPr id="2" name="标题 1"/>
+          <p:cNvSpPr>
+            <a:spLocks noGrp="1"/>
+          </p:cNvSpPr>
+          <p:nvPr>
+            <p:ph type="title"/>
+          </p:nvPr>
+        </p:nvSpPr>
+        <p:spPr>
+          <a:xfrm>
+            <a:off x="838200" y="205471"/>
+            <a:ext cx="10515600" cy="752475"/>
+          </a:xfrm>
+        </p:spPr>
+        <p:txBody>
+          <a:bodyPr>
+            <a:normAutofit/>
+          </a:bodyPr>
+          <a:lstStyle/>
+          <a:p>
+            <a:r>
+              <a:rPr lang="zh-CN" altLang="en-US" sz="2800" b="1" dirty="0" smtClean="0">
+                <a:latin typeface="微软雅黑" panose="020B0503020204020204" pitchFamily="34" charset="-122"/>
+                <a:ea typeface="微软雅黑" panose="020B0503020204020204" pitchFamily="34" charset="-122"/>
+              </a:rPr>
+              <a:t>程序模块结构和</a:t>
+            </a:r>
+            <a:r>
+              <a:rPr lang="zh-CN" altLang="en-US" sz="2800" b="1">
+                <a:latin typeface="微软雅黑" panose="020B0503020204020204" pitchFamily="34" charset="-122"/>
+                <a:ea typeface="微软雅黑" panose="020B0503020204020204" pitchFamily="34" charset="-122"/>
+              </a:rPr>
+              <a:t>关系</a:t>
+            </a:r>
+            <a:r>
+              <a:rPr lang="zh-CN" altLang="en-US" sz="2800" b="1" smtClean="0">
+                <a:latin typeface="微软雅黑" panose="020B0503020204020204" pitchFamily="34" charset="-122"/>
+                <a:ea typeface="微软雅黑" panose="020B0503020204020204" pitchFamily="34" charset="-122"/>
+              </a:rPr>
+              <a:t>图  </a:t>
+            </a:r>
+            <a:r>
+              <a:rPr lang="zh-CN" altLang="en-US" sz="2800" smtClean="0">
+                <a:solidFill>
+                  <a:srgbClr val="FF0000"/>
+                </a:solidFill>
+                <a:latin typeface="微软雅黑" panose="020B0503020204020204" pitchFamily="34" charset="-122"/>
+                <a:ea typeface="微软雅黑" panose="020B0503020204020204" pitchFamily="34" charset="-122"/>
+              </a:rPr>
+              <a:t>模型驱动</a:t>
+            </a:r>
+            <a:endParaRPr lang="zh-CN" altLang="en-US" sz="2800" b="1" dirty="0">
+              <a:latin typeface="微软雅黑" panose="020B0503020204020204" pitchFamily="34" charset="-122"/>
+              <a:ea typeface="微软雅黑" panose="020B0503020204020204" pitchFamily="34" charset="-122"/>
+            </a:endParaRPr>
+          </a:p>
+        </p:txBody>
+      </p:sp>
+      <p:cxnSp>
+        <p:nvCxnSpPr>
+          <p:cNvPr id="5" name="直接连接符 4"/>
+          <p:cNvCxnSpPr/>
+          <p:nvPr/>
+        </p:nvCxnSpPr>
+        <p:spPr>
+          <a:xfrm>
+            <a:off x="0" y="972457"/>
+            <a:ext cx="12192000" cy="0"/>
+          </a:xfrm>
+          <a:prstGeom prst="line">
+            <a:avLst/>
+          </a:prstGeom>
+          <a:ln w="28575">
+            <a:solidFill>
+              <a:srgbClr val="C00000"/>
+            </a:solidFill>
+          </a:ln>
+        </p:spPr>
+        <p:style>
+          <a:lnRef idx="1">
+            <a:schemeClr val="accent1"/>
+          </a:lnRef>
+          <a:fillRef idx="0">
+            <a:schemeClr val="accent1"/>
+          </a:fillRef>
+          <a:effectRef idx="0">
+            <a:schemeClr val="accent1"/>
+          </a:effectRef>
+          <a:fontRef idx="minor">
+            <a:schemeClr val="tx1"/>
+          </a:fontRef>
+        </p:style>
+      </p:cxnSp>
+      <p:sp>
+        <p:nvSpPr>
+          <p:cNvPr id="9" name="文本框 8"/>
+          <p:cNvSpPr txBox="1"/>
+          <p:nvPr/>
+        </p:nvSpPr>
+        <p:spPr>
+          <a:xfrm>
+            <a:off x="6350681" y="2321318"/>
+            <a:ext cx="184731" cy="400110"/>
+          </a:xfrm>
+          <a:prstGeom prst="rect">
+            <a:avLst/>
+          </a:prstGeom>
+          <a:noFill/>
+        </p:spPr>
+        <p:txBody>
+          <a:bodyPr wrap="none" rtlCol="0">
+            <a:spAutoFit/>
+          </a:bodyPr>
+          <a:lstStyle/>
+          <a:p>
+            <a:endParaRPr lang="zh-CN" altLang="en-US" sz="2000" dirty="0">
+              <a:solidFill>
+                <a:srgbClr val="FF0000"/>
+              </a:solidFill>
+              <a:latin typeface="微软雅黑" panose="020B0503020204020204" pitchFamily="34" charset="-122"/>
+              <a:ea typeface="微软雅黑" panose="020B0503020204020204" pitchFamily="34" charset="-122"/>
+            </a:endParaRPr>
+          </a:p>
+        </p:txBody>
+      </p:sp>
+      <p:sp>
+        <p:nvSpPr>
+          <p:cNvPr id="3" name="矩形 2"/>
+          <p:cNvSpPr/>
+          <p:nvPr/>
+        </p:nvSpPr>
+        <p:spPr>
+          <a:xfrm>
+            <a:off x="5229860" y="2231390"/>
+            <a:ext cx="1833880" cy="3112135"/>
+          </a:xfrm>
+          <a:prstGeom prst="rect">
+            <a:avLst/>
+          </a:prstGeom>
+          <a:noFill/>
+          <a:ln>
+            <a:solidFill>
+              <a:schemeClr val="tx1"/>
+            </a:solidFill>
+          </a:ln>
+        </p:spPr>
+        <p:style>
+          <a:lnRef idx="2">
+            <a:schemeClr val="accent1">
+              <a:shade val="50000"/>
+            </a:schemeClr>
+          </a:lnRef>
+          <a:fillRef idx="1">
+            <a:schemeClr val="accent1"/>
+          </a:fillRef>
+          <a:effectRef idx="0">
+            <a:schemeClr val="accent1"/>
+          </a:effectRef>
+          <a:fontRef idx="minor">
+            <a:schemeClr val="lt1"/>
+          </a:fontRef>
+        </p:style>
+        <p:txBody>
+          <a:bodyPr rtlCol="0" anchor="ctr"/>
+          <a:lstStyle/>
+          <a:p>
+            <a:pPr algn="ctr"/>
+            <a:endParaRPr lang="zh-CN" altLang="en-US"/>
+          </a:p>
+        </p:txBody>
+      </p:sp>
+      <p:sp>
+        <p:nvSpPr>
+          <p:cNvPr id="11" name="矩形 10"/>
+          <p:cNvSpPr/>
+          <p:nvPr/>
+        </p:nvSpPr>
+        <p:spPr>
+          <a:xfrm>
+            <a:off x="5361214" y="2926080"/>
+            <a:ext cx="1537934" cy="2245996"/>
+          </a:xfrm>
+          <a:prstGeom prst="rect">
+            <a:avLst/>
+          </a:prstGeom>
+          <a:noFill/>
+          <a:ln>
+            <a:solidFill>
+              <a:schemeClr val="tx1"/>
+            </a:solidFill>
+          </a:ln>
+        </p:spPr>
+        <p:style>
+          <a:lnRef idx="2">
+            <a:schemeClr val="accent1">
+              <a:shade val="50000"/>
+            </a:schemeClr>
+          </a:lnRef>
+          <a:fillRef idx="1">
+            <a:schemeClr val="accent1"/>
+          </a:fillRef>
+          <a:effectRef idx="0">
+            <a:schemeClr val="accent1"/>
+          </a:effectRef>
+          <a:fontRef idx="minor">
+            <a:schemeClr val="lt1"/>
+          </a:fontRef>
+        </p:style>
+        <p:txBody>
+          <a:bodyPr rtlCol="0" anchor="ctr"/>
+          <a:lstStyle/>
+          <a:p>
+            <a:pPr algn="ctr"/>
+            <a:endParaRPr lang="zh-CN" altLang="en-US"/>
+          </a:p>
+        </p:txBody>
+      </p:sp>
+      <p:sp>
+        <p:nvSpPr>
+          <p:cNvPr id="12" name="矩形 11"/>
+          <p:cNvSpPr/>
+          <p:nvPr/>
+        </p:nvSpPr>
+        <p:spPr>
+          <a:xfrm>
+            <a:off x="5549899" y="3438143"/>
+            <a:ext cx="1203325" cy="566929"/>
+          </a:xfrm>
+          <a:prstGeom prst="rect">
+            <a:avLst/>
+          </a:prstGeom>
+          <a:solidFill>
+            <a:schemeClr val="accent6">
+              <a:lumMod val="40000"/>
+              <a:lumOff val="60000"/>
+            </a:schemeClr>
+          </a:solidFill>
+          <a:ln>
+            <a:solidFill>
+              <a:schemeClr val="tx1"/>
+            </a:solidFill>
+          </a:ln>
+        </p:spPr>
+        <p:style>
+          <a:lnRef idx="2">
+            <a:schemeClr val="accent1">
+              <a:shade val="50000"/>
+            </a:schemeClr>
+          </a:lnRef>
+          <a:fillRef idx="1">
+            <a:schemeClr val="accent1"/>
+          </a:fillRef>
+          <a:effectRef idx="0">
+            <a:schemeClr val="accent1"/>
+          </a:effectRef>
+          <a:fontRef idx="minor">
+            <a:schemeClr val="lt1"/>
+          </a:fontRef>
+        </p:style>
+        <p:txBody>
+          <a:bodyPr rtlCol="0" anchor="ctr"/>
+          <a:lstStyle/>
+          <a:p>
+            <a:pPr algn="ctr"/>
+            <a:r>
+              <a:rPr lang="zh-CN" altLang="en-US" dirty="0" smtClean="0">
+                <a:solidFill>
+                  <a:schemeClr val="tx1"/>
+                </a:solidFill>
+                <a:latin typeface="微软雅黑" panose="020B0503020204020204" pitchFamily="34" charset="-122"/>
+                <a:ea typeface="微软雅黑" panose="020B0503020204020204" pitchFamily="34" charset="-122"/>
+              </a:rPr>
+              <a:t>属性</a:t>
+            </a:r>
+            <a:endParaRPr lang="zh-CN" altLang="en-US" dirty="0">
+              <a:solidFill>
+                <a:schemeClr val="tx1"/>
+              </a:solidFill>
+              <a:latin typeface="微软雅黑" panose="020B0503020204020204" pitchFamily="34" charset="-122"/>
+              <a:ea typeface="微软雅黑" panose="020B0503020204020204" pitchFamily="34" charset="-122"/>
+            </a:endParaRPr>
+          </a:p>
+        </p:txBody>
+      </p:sp>
+      <p:sp>
+        <p:nvSpPr>
+          <p:cNvPr id="14" name="矩形 13"/>
+          <p:cNvSpPr/>
+          <p:nvPr/>
+        </p:nvSpPr>
+        <p:spPr>
+          <a:xfrm>
+            <a:off x="5535384" y="4450906"/>
+            <a:ext cx="1227365" cy="566929"/>
+          </a:xfrm>
+          <a:prstGeom prst="rect">
+            <a:avLst/>
+          </a:prstGeom>
+          <a:solidFill>
+            <a:schemeClr val="accent4">
+              <a:lumMod val="40000"/>
+              <a:lumOff val="60000"/>
+            </a:schemeClr>
+          </a:solidFill>
+          <a:ln>
+            <a:solidFill>
+              <a:schemeClr val="tx1"/>
+            </a:solidFill>
+          </a:ln>
+        </p:spPr>
+        <p:style>
+          <a:lnRef idx="2">
+            <a:schemeClr val="accent1">
+              <a:shade val="50000"/>
+            </a:schemeClr>
+          </a:lnRef>
+          <a:fillRef idx="1">
+            <a:schemeClr val="accent1"/>
+          </a:fillRef>
+          <a:effectRef idx="0">
+            <a:schemeClr val="accent1"/>
+          </a:effectRef>
+          <a:fontRef idx="minor">
+            <a:schemeClr val="lt1"/>
+          </a:fontRef>
+        </p:style>
+        <p:txBody>
+          <a:bodyPr rtlCol="0" anchor="ctr"/>
+          <a:lstStyle/>
+          <a:p>
+            <a:pPr algn="ctr"/>
+            <a:r>
+              <a:rPr lang="zh-CN" altLang="en-US" dirty="0" smtClean="0">
+                <a:solidFill>
+                  <a:schemeClr val="tx1"/>
+                </a:solidFill>
+                <a:latin typeface="微软雅黑" panose="020B0503020204020204" pitchFamily="34" charset="-122"/>
+                <a:ea typeface="微软雅黑" panose="020B0503020204020204" pitchFamily="34" charset="-122"/>
+              </a:rPr>
+              <a:t>事件</a:t>
+            </a:r>
+            <a:endParaRPr lang="zh-CN" altLang="en-US" dirty="0">
+              <a:solidFill>
+                <a:schemeClr val="tx1"/>
+              </a:solidFill>
+              <a:latin typeface="微软雅黑" panose="020B0503020204020204" pitchFamily="34" charset="-122"/>
+              <a:ea typeface="微软雅黑" panose="020B0503020204020204" pitchFamily="34" charset="-122"/>
+            </a:endParaRPr>
+          </a:p>
+        </p:txBody>
+      </p:sp>
+      <p:sp>
+        <p:nvSpPr>
+          <p:cNvPr id="6" name="文本框 5"/>
+          <p:cNvSpPr txBox="1"/>
+          <p:nvPr/>
+        </p:nvSpPr>
+        <p:spPr>
+          <a:xfrm>
+            <a:off x="5074230" y="2951916"/>
+            <a:ext cx="1298448" cy="369332"/>
+          </a:xfrm>
+          <a:prstGeom prst="rect">
+            <a:avLst/>
+          </a:prstGeom>
+          <a:noFill/>
+        </p:spPr>
+        <p:txBody>
+          <a:bodyPr wrap="square" rtlCol="0">
+            <a:spAutoFit/>
+          </a:bodyPr>
+          <a:lstStyle/>
+          <a:p>
+            <a:pPr algn="ctr"/>
+            <a:r>
+              <a:rPr lang="zh-CN" altLang="en-US" dirty="0" smtClean="0">
+                <a:latin typeface="微软雅黑" panose="020B0503020204020204" pitchFamily="34" charset="-122"/>
+                <a:ea typeface="微软雅黑" panose="020B0503020204020204" pitchFamily="34" charset="-122"/>
+              </a:rPr>
+              <a:t>部件</a:t>
+            </a:r>
+            <a:endParaRPr lang="zh-CN" altLang="en-US" dirty="0">
+              <a:latin typeface="微软雅黑" panose="020B0503020204020204" pitchFamily="34" charset="-122"/>
+              <a:ea typeface="微软雅黑" panose="020B0503020204020204" pitchFamily="34" charset="-122"/>
+            </a:endParaRPr>
+          </a:p>
+        </p:txBody>
+      </p:sp>
+      <p:sp>
+        <p:nvSpPr>
+          <p:cNvPr id="15" name="矩形 14"/>
+          <p:cNvSpPr/>
+          <p:nvPr/>
+        </p:nvSpPr>
+        <p:spPr>
+          <a:xfrm>
+            <a:off x="9062085" y="1873885"/>
+            <a:ext cx="2578100" cy="4070350"/>
+          </a:xfrm>
+          <a:prstGeom prst="rect">
+            <a:avLst/>
+          </a:prstGeom>
+          <a:noFill/>
+          <a:ln>
+            <a:solidFill>
+              <a:schemeClr val="tx1"/>
+            </a:solidFill>
+          </a:ln>
+        </p:spPr>
+        <p:style>
+          <a:lnRef idx="2">
+            <a:schemeClr val="accent1">
+              <a:shade val="50000"/>
+            </a:schemeClr>
+          </a:lnRef>
+          <a:fillRef idx="1">
+            <a:schemeClr val="accent1"/>
+          </a:fillRef>
+          <a:effectRef idx="0">
+            <a:schemeClr val="accent1"/>
+          </a:effectRef>
+          <a:fontRef idx="minor">
+            <a:schemeClr val="lt1"/>
+          </a:fontRef>
+        </p:style>
+        <p:txBody>
+          <a:bodyPr rtlCol="0" anchor="ctr"/>
+          <a:lstStyle/>
+          <a:p>
+            <a:pPr algn="ctr"/>
+            <a:endParaRPr lang="zh-CN" altLang="en-US"/>
+          </a:p>
+        </p:txBody>
+      </p:sp>
+      <p:sp>
+        <p:nvSpPr>
+          <p:cNvPr id="17" name="矩形 16"/>
+          <p:cNvSpPr/>
+          <p:nvPr/>
+        </p:nvSpPr>
+        <p:spPr>
+          <a:xfrm>
+            <a:off x="9468757" y="2457932"/>
+            <a:ext cx="1683260" cy="566929"/>
+          </a:xfrm>
+          <a:prstGeom prst="rect">
+            <a:avLst/>
+          </a:prstGeom>
+          <a:solidFill>
+            <a:schemeClr val="accent6">
+              <a:lumMod val="40000"/>
+              <a:lumOff val="60000"/>
+            </a:schemeClr>
+          </a:solidFill>
+          <a:ln>
+            <a:solidFill>
+              <a:schemeClr val="tx1"/>
+            </a:solidFill>
+          </a:ln>
+        </p:spPr>
+        <p:style>
+          <a:lnRef idx="2">
+            <a:schemeClr val="accent1">
+              <a:shade val="50000"/>
+            </a:schemeClr>
+          </a:lnRef>
+          <a:fillRef idx="1">
+            <a:schemeClr val="accent1"/>
+          </a:fillRef>
+          <a:effectRef idx="0">
+            <a:schemeClr val="accent1"/>
+          </a:effectRef>
+          <a:fontRef idx="minor">
+            <a:schemeClr val="lt1"/>
+          </a:fontRef>
+        </p:style>
+        <p:txBody>
+          <a:bodyPr rtlCol="0" anchor="ctr"/>
+          <a:lstStyle/>
+          <a:p>
+            <a:pPr algn="ctr"/>
+            <a:r>
+              <a:rPr lang="zh-CN" altLang="en-US" dirty="0" smtClean="0">
+                <a:solidFill>
+                  <a:schemeClr val="tx1"/>
+                </a:solidFill>
+                <a:latin typeface="微软雅黑" panose="020B0503020204020204" pitchFamily="34" charset="-122"/>
+                <a:ea typeface="微软雅黑" panose="020B0503020204020204" pitchFamily="34" charset="-122"/>
+              </a:rPr>
+              <a:t>数据结构</a:t>
+            </a:r>
+            <a:endParaRPr lang="zh-CN" altLang="en-US" dirty="0">
+              <a:solidFill>
+                <a:schemeClr val="tx1"/>
+              </a:solidFill>
+              <a:latin typeface="微软雅黑" panose="020B0503020204020204" pitchFamily="34" charset="-122"/>
+              <a:ea typeface="微软雅黑" panose="020B0503020204020204" pitchFamily="34" charset="-122"/>
+            </a:endParaRPr>
+          </a:p>
+        </p:txBody>
+      </p:sp>
+      <p:sp>
+        <p:nvSpPr>
+          <p:cNvPr id="18" name="矩形 17"/>
+          <p:cNvSpPr/>
+          <p:nvPr/>
+        </p:nvSpPr>
+        <p:spPr>
+          <a:xfrm>
+            <a:off x="9468757" y="3942771"/>
+            <a:ext cx="1695786" cy="566929"/>
+          </a:xfrm>
+          <a:prstGeom prst="rect">
+            <a:avLst/>
+          </a:prstGeom>
+          <a:solidFill>
+            <a:schemeClr val="accent4">
+              <a:lumMod val="40000"/>
+              <a:lumOff val="60000"/>
+            </a:schemeClr>
+          </a:solidFill>
+          <a:ln>
+            <a:solidFill>
+              <a:schemeClr val="tx1"/>
+            </a:solidFill>
+          </a:ln>
+        </p:spPr>
+        <p:style>
+          <a:lnRef idx="2">
+            <a:schemeClr val="accent1">
+              <a:shade val="50000"/>
+            </a:schemeClr>
+          </a:lnRef>
+          <a:fillRef idx="1">
+            <a:schemeClr val="accent1"/>
+          </a:fillRef>
+          <a:effectRef idx="0">
+            <a:schemeClr val="accent1"/>
+          </a:effectRef>
+          <a:fontRef idx="minor">
+            <a:schemeClr val="lt1"/>
+          </a:fontRef>
+        </p:style>
+        <p:txBody>
+          <a:bodyPr rtlCol="0" anchor="ctr"/>
+          <a:lstStyle/>
+          <a:p>
+            <a:pPr algn="ctr"/>
+            <a:r>
+              <a:rPr lang="zh-CN" altLang="en-US" dirty="0" smtClean="0">
+                <a:solidFill>
+                  <a:schemeClr val="tx1"/>
+                </a:solidFill>
+                <a:latin typeface="微软雅黑" panose="020B0503020204020204" pitchFamily="34" charset="-122"/>
+                <a:ea typeface="微软雅黑" panose="020B0503020204020204" pitchFamily="34" charset="-122"/>
+              </a:rPr>
+              <a:t>方法</a:t>
+            </a:r>
+            <a:r>
+              <a:rPr lang="en-US" altLang="zh-CN" dirty="0" smtClean="0">
+                <a:solidFill>
+                  <a:schemeClr val="tx1"/>
+                </a:solidFill>
+                <a:latin typeface="微软雅黑" panose="020B0503020204020204" pitchFamily="34" charset="-122"/>
+                <a:ea typeface="微软雅黑" panose="020B0503020204020204" pitchFamily="34" charset="-122"/>
+              </a:rPr>
+              <a:t>/</a:t>
+            </a:r>
+            <a:r>
+              <a:rPr lang="zh-CN" altLang="en-US" dirty="0" smtClean="0">
+                <a:solidFill>
+                  <a:schemeClr val="tx1"/>
+                </a:solidFill>
+                <a:latin typeface="微软雅黑" panose="020B0503020204020204" pitchFamily="34" charset="-122"/>
+                <a:ea typeface="微软雅黑" panose="020B0503020204020204" pitchFamily="34" charset="-122"/>
+              </a:rPr>
+              <a:t>逻辑</a:t>
+            </a:r>
+            <a:endParaRPr lang="zh-CN" altLang="en-US" dirty="0">
+              <a:solidFill>
+                <a:schemeClr val="tx1"/>
+              </a:solidFill>
+              <a:latin typeface="微软雅黑" panose="020B0503020204020204" pitchFamily="34" charset="-122"/>
+              <a:ea typeface="微软雅黑" panose="020B0503020204020204" pitchFamily="34" charset="-122"/>
+            </a:endParaRPr>
+          </a:p>
+        </p:txBody>
+      </p:sp>
+      <p:sp>
+        <p:nvSpPr>
+          <p:cNvPr id="19" name="矩形 18"/>
+          <p:cNvSpPr/>
+          <p:nvPr/>
+        </p:nvSpPr>
+        <p:spPr>
+          <a:xfrm>
+            <a:off x="9483271" y="5205095"/>
+            <a:ext cx="1668746" cy="566929"/>
+          </a:xfrm>
+          <a:prstGeom prst="rect">
+            <a:avLst/>
+          </a:prstGeom>
+          <a:noFill/>
+          <a:ln>
+            <a:solidFill>
+              <a:schemeClr val="tx1"/>
+            </a:solidFill>
+          </a:ln>
+        </p:spPr>
+        <p:style>
+          <a:lnRef idx="2">
+            <a:schemeClr val="accent1">
+              <a:shade val="50000"/>
+            </a:schemeClr>
+          </a:lnRef>
+          <a:fillRef idx="1">
+            <a:schemeClr val="accent1"/>
+          </a:fillRef>
+          <a:effectRef idx="0">
+            <a:schemeClr val="accent1"/>
+          </a:effectRef>
+          <a:fontRef idx="minor">
+            <a:schemeClr val="lt1"/>
+          </a:fontRef>
+        </p:style>
+        <p:txBody>
+          <a:bodyPr rtlCol="0" anchor="ctr"/>
+          <a:lstStyle/>
+          <a:p>
+            <a:pPr algn="ctr"/>
+            <a:r>
+              <a:rPr lang="zh-CN" altLang="en-US" dirty="0" smtClean="0">
+                <a:solidFill>
+                  <a:schemeClr val="tx1"/>
+                </a:solidFill>
+                <a:latin typeface="微软雅黑" panose="020B0503020204020204" pitchFamily="34" charset="-122"/>
+                <a:ea typeface="微软雅黑" panose="020B0503020204020204" pitchFamily="34" charset="-122"/>
+              </a:rPr>
+              <a:t>功能</a:t>
+            </a:r>
+            <a:r>
+              <a:rPr lang="en-US" altLang="zh-CN" dirty="0" smtClean="0">
+                <a:solidFill>
+                  <a:schemeClr val="tx1"/>
+                </a:solidFill>
+                <a:latin typeface="微软雅黑" panose="020B0503020204020204" pitchFamily="34" charset="-122"/>
+                <a:ea typeface="微软雅黑" panose="020B0503020204020204" pitchFamily="34" charset="-122"/>
+              </a:rPr>
+              <a:t>API/</a:t>
+            </a:r>
+            <a:r>
+              <a:rPr lang="zh-CN" altLang="en-US" dirty="0" smtClean="0">
+                <a:solidFill>
+                  <a:schemeClr val="tx1"/>
+                </a:solidFill>
+                <a:latin typeface="微软雅黑" panose="020B0503020204020204" pitchFamily="34" charset="-122"/>
+                <a:ea typeface="微软雅黑" panose="020B0503020204020204" pitchFamily="34" charset="-122"/>
+              </a:rPr>
+              <a:t>组件</a:t>
+            </a:r>
+            <a:endParaRPr lang="zh-CN" altLang="en-US" dirty="0">
+              <a:solidFill>
+                <a:schemeClr val="tx1"/>
+              </a:solidFill>
+              <a:latin typeface="微软雅黑" panose="020B0503020204020204" pitchFamily="34" charset="-122"/>
+              <a:ea typeface="微软雅黑" panose="020B0503020204020204" pitchFamily="34" charset="-122"/>
+            </a:endParaRPr>
+          </a:p>
+        </p:txBody>
+      </p:sp>
+      <p:cxnSp>
+        <p:nvCxnSpPr>
+          <p:cNvPr id="21" name="直接箭头连接符 20"/>
+          <p:cNvCxnSpPr>
+            <a:stCxn id="17" idx="1"/>
+            <a:endCxn id="76" idx="3"/>
+          </p:cNvCxnSpPr>
+          <p:nvPr/>
+        </p:nvCxnSpPr>
+        <p:spPr>
+          <a:xfrm flipH="1" flipV="1">
+            <a:off x="7063377" y="2464537"/>
+            <a:ext cx="2405380" cy="277495"/>
+          </a:xfrm>
+          <a:prstGeom prst="straightConnector1">
+            <a:avLst/>
+          </a:prstGeom>
+          <a:ln>
+            <a:solidFill>
+              <a:schemeClr val="tx1"/>
+            </a:solidFill>
+            <a:tailEnd type="triangle"/>
+          </a:ln>
+        </p:spPr>
+        <p:style>
+          <a:lnRef idx="1">
+            <a:schemeClr val="accent1"/>
+          </a:lnRef>
+          <a:fillRef idx="0">
+            <a:schemeClr val="accent1"/>
+          </a:fillRef>
+          <a:effectRef idx="0">
+            <a:schemeClr val="accent1"/>
+          </a:effectRef>
+          <a:fontRef idx="minor">
+            <a:schemeClr val="tx1"/>
+          </a:fontRef>
+        </p:style>
+      </p:cxnSp>
+      <p:sp>
+        <p:nvSpPr>
+          <p:cNvPr id="22" name="文本框 21"/>
+          <p:cNvSpPr txBox="1"/>
+          <p:nvPr/>
+        </p:nvSpPr>
+        <p:spPr>
+          <a:xfrm>
+            <a:off x="7350543" y="2406088"/>
+            <a:ext cx="1569660" cy="369332"/>
+          </a:xfrm>
+          <a:prstGeom prst="rect">
+            <a:avLst/>
+          </a:prstGeom>
+          <a:solidFill>
+            <a:schemeClr val="bg1"/>
+          </a:solidFill>
+        </p:spPr>
+        <p:txBody>
+          <a:bodyPr wrap="none" rtlCol="0">
+            <a:spAutoFit/>
+          </a:bodyPr>
+          <a:lstStyle/>
+          <a:p>
+            <a:r>
+              <a:rPr lang="zh-CN" altLang="en-US" dirty="0" smtClean="0">
+                <a:latin typeface="微软雅黑" panose="020B0503020204020204" pitchFamily="34" charset="-122"/>
+                <a:ea typeface="微软雅黑" panose="020B0503020204020204" pitchFamily="34" charset="-122"/>
+              </a:rPr>
+              <a:t>驱动页面渲染</a:t>
+            </a:r>
+            <a:endParaRPr lang="zh-CN" altLang="en-US" dirty="0">
+              <a:latin typeface="微软雅黑" panose="020B0503020204020204" pitchFamily="34" charset="-122"/>
+              <a:ea typeface="微软雅黑" panose="020B0503020204020204" pitchFamily="34" charset="-122"/>
+            </a:endParaRPr>
+          </a:p>
+        </p:txBody>
+      </p:sp>
+      <p:cxnSp>
+        <p:nvCxnSpPr>
+          <p:cNvPr id="23" name="直接箭头连接符 22"/>
+          <p:cNvCxnSpPr>
+            <a:stCxn id="17" idx="1"/>
+            <a:endCxn id="12" idx="3"/>
+          </p:cNvCxnSpPr>
+          <p:nvPr/>
+        </p:nvCxnSpPr>
+        <p:spPr>
+          <a:xfrm flipH="1">
+            <a:off x="6753224" y="2741397"/>
+            <a:ext cx="2715533" cy="980211"/>
+          </a:xfrm>
+          <a:prstGeom prst="straightConnector1">
+            <a:avLst/>
+          </a:prstGeom>
+          <a:ln>
+            <a:solidFill>
+              <a:schemeClr val="tx1"/>
+            </a:solidFill>
+            <a:tailEnd type="triangle"/>
+          </a:ln>
+        </p:spPr>
+        <p:style>
+          <a:lnRef idx="1">
+            <a:schemeClr val="accent1"/>
+          </a:lnRef>
+          <a:fillRef idx="0">
+            <a:schemeClr val="accent1"/>
+          </a:fillRef>
+          <a:effectRef idx="0">
+            <a:schemeClr val="accent1"/>
+          </a:effectRef>
+          <a:fontRef idx="minor">
+            <a:schemeClr val="tx1"/>
+          </a:fontRef>
+        </p:style>
+      </p:cxnSp>
+      <p:sp>
+        <p:nvSpPr>
+          <p:cNvPr id="25" name="文本框 24"/>
+          <p:cNvSpPr txBox="1"/>
+          <p:nvPr/>
+        </p:nvSpPr>
+        <p:spPr>
+          <a:xfrm>
+            <a:off x="7373759" y="3064947"/>
+            <a:ext cx="1207382" cy="369332"/>
+          </a:xfrm>
+          <a:prstGeom prst="rect">
+            <a:avLst/>
+          </a:prstGeom>
+          <a:solidFill>
+            <a:schemeClr val="bg1"/>
+          </a:solidFill>
+        </p:spPr>
+        <p:txBody>
+          <a:bodyPr wrap="none" rtlCol="0">
+            <a:spAutoFit/>
+          </a:bodyPr>
+          <a:lstStyle/>
+          <a:p>
+            <a:r>
+              <a:rPr lang="zh-CN" altLang="en-US" dirty="0" smtClean="0">
+                <a:latin typeface="微软雅黑" panose="020B0503020204020204" pitchFamily="34" charset="-122"/>
+                <a:ea typeface="微软雅黑" panose="020B0503020204020204" pitchFamily="34" charset="-122"/>
+              </a:rPr>
+              <a:t>绑定</a:t>
+            </a:r>
+            <a:r>
+              <a:rPr lang="en-US" altLang="zh-CN" dirty="0" smtClean="0">
+                <a:latin typeface="微软雅黑" panose="020B0503020204020204" pitchFamily="34" charset="-122"/>
+                <a:ea typeface="微软雅黑" panose="020B0503020204020204" pitchFamily="34" charset="-122"/>
+              </a:rPr>
+              <a:t>/</a:t>
+            </a:r>
+            <a:r>
+              <a:rPr lang="zh-CN" altLang="en-US" dirty="0" smtClean="0">
+                <a:latin typeface="微软雅黑" panose="020B0503020204020204" pitchFamily="34" charset="-122"/>
+                <a:ea typeface="微软雅黑" panose="020B0503020204020204" pitchFamily="34" charset="-122"/>
+              </a:rPr>
+              <a:t>关联</a:t>
+            </a:r>
+            <a:endParaRPr lang="zh-CN" altLang="en-US" dirty="0">
+              <a:latin typeface="微软雅黑" panose="020B0503020204020204" pitchFamily="34" charset="-122"/>
+              <a:ea typeface="微软雅黑" panose="020B0503020204020204" pitchFamily="34" charset="-122"/>
+            </a:endParaRPr>
+          </a:p>
+        </p:txBody>
+      </p:sp>
+      <p:cxnSp>
+        <p:nvCxnSpPr>
+          <p:cNvPr id="26" name="直接箭头连接符 25"/>
+          <p:cNvCxnSpPr>
+            <a:stCxn id="14" idx="3"/>
+            <a:endCxn id="18" idx="1"/>
+          </p:cNvCxnSpPr>
+          <p:nvPr/>
+        </p:nvCxnSpPr>
+        <p:spPr>
+          <a:xfrm flipV="1">
+            <a:off x="6762749" y="4226371"/>
+            <a:ext cx="2705735" cy="508000"/>
+          </a:xfrm>
+          <a:prstGeom prst="straightConnector1">
+            <a:avLst/>
+          </a:prstGeom>
+          <a:ln>
+            <a:solidFill>
+              <a:schemeClr val="tx1"/>
+            </a:solidFill>
+            <a:tailEnd type="triangle"/>
+          </a:ln>
+        </p:spPr>
+        <p:style>
+          <a:lnRef idx="1">
+            <a:schemeClr val="accent1"/>
+          </a:lnRef>
+          <a:fillRef idx="0">
+            <a:schemeClr val="accent1"/>
+          </a:fillRef>
+          <a:effectRef idx="0">
+            <a:schemeClr val="accent1"/>
+          </a:effectRef>
+          <a:fontRef idx="minor">
+            <a:schemeClr val="tx1"/>
+          </a:fontRef>
+        </p:style>
+      </p:cxnSp>
+      <p:sp>
+        <p:nvSpPr>
+          <p:cNvPr id="29" name="文本框 28"/>
+          <p:cNvSpPr txBox="1"/>
+          <p:nvPr/>
+        </p:nvSpPr>
+        <p:spPr>
+          <a:xfrm>
+            <a:off x="7499799" y="4387906"/>
+            <a:ext cx="1207382" cy="369332"/>
+          </a:xfrm>
+          <a:prstGeom prst="rect">
+            <a:avLst/>
+          </a:prstGeom>
+          <a:solidFill>
+            <a:schemeClr val="bg1"/>
+          </a:solidFill>
+        </p:spPr>
+        <p:txBody>
+          <a:bodyPr wrap="none" rtlCol="0">
+            <a:spAutoFit/>
+          </a:bodyPr>
+          <a:lstStyle/>
+          <a:p>
+            <a:r>
+              <a:rPr lang="zh-CN" altLang="en-US" dirty="0" smtClean="0">
+                <a:latin typeface="微软雅黑" panose="020B0503020204020204" pitchFamily="34" charset="-122"/>
+                <a:ea typeface="微软雅黑" panose="020B0503020204020204" pitchFamily="34" charset="-122"/>
+              </a:rPr>
+              <a:t>绑定</a:t>
+            </a:r>
+            <a:r>
+              <a:rPr lang="en-US" altLang="zh-CN" dirty="0" smtClean="0">
+                <a:latin typeface="微软雅黑" panose="020B0503020204020204" pitchFamily="34" charset="-122"/>
+                <a:ea typeface="微软雅黑" panose="020B0503020204020204" pitchFamily="34" charset="-122"/>
+              </a:rPr>
+              <a:t>/</a:t>
+            </a:r>
+            <a:r>
+              <a:rPr lang="zh-CN" altLang="en-US" dirty="0" smtClean="0">
+                <a:latin typeface="微软雅黑" panose="020B0503020204020204" pitchFamily="34" charset="-122"/>
+                <a:ea typeface="微软雅黑" panose="020B0503020204020204" pitchFamily="34" charset="-122"/>
+              </a:rPr>
+              <a:t>关联</a:t>
+            </a:r>
+            <a:endParaRPr lang="zh-CN" altLang="en-US" dirty="0">
+              <a:latin typeface="微软雅黑" panose="020B0503020204020204" pitchFamily="34" charset="-122"/>
+              <a:ea typeface="微软雅黑" panose="020B0503020204020204" pitchFamily="34" charset="-122"/>
+            </a:endParaRPr>
+          </a:p>
+        </p:txBody>
+      </p:sp>
+      <p:cxnSp>
+        <p:nvCxnSpPr>
+          <p:cNvPr id="30" name="直接箭头连接符 29"/>
+          <p:cNvCxnSpPr>
+            <a:stCxn id="18" idx="2"/>
+            <a:endCxn id="19" idx="0"/>
+          </p:cNvCxnSpPr>
+          <p:nvPr/>
+        </p:nvCxnSpPr>
+        <p:spPr>
+          <a:xfrm>
+            <a:off x="10316650" y="4509700"/>
+            <a:ext cx="635" cy="695325"/>
+          </a:xfrm>
+          <a:prstGeom prst="straightConnector1">
+            <a:avLst/>
+          </a:prstGeom>
+          <a:ln>
+            <a:solidFill>
+              <a:schemeClr val="tx1"/>
+            </a:solidFill>
+            <a:tailEnd type="triangle"/>
+          </a:ln>
+        </p:spPr>
+        <p:style>
+          <a:lnRef idx="1">
+            <a:schemeClr val="accent1"/>
+          </a:lnRef>
+          <a:fillRef idx="0">
+            <a:schemeClr val="accent1"/>
+          </a:fillRef>
+          <a:effectRef idx="0">
+            <a:schemeClr val="accent1"/>
+          </a:effectRef>
+          <a:fontRef idx="minor">
+            <a:schemeClr val="tx1"/>
+          </a:fontRef>
+        </p:style>
+      </p:cxnSp>
+      <p:sp>
+        <p:nvSpPr>
+          <p:cNvPr id="34" name="文本框 33"/>
+          <p:cNvSpPr txBox="1"/>
+          <p:nvPr/>
+        </p:nvSpPr>
+        <p:spPr>
+          <a:xfrm>
+            <a:off x="9957494" y="4674001"/>
+            <a:ext cx="646331" cy="369332"/>
+          </a:xfrm>
+          <a:prstGeom prst="rect">
+            <a:avLst/>
+          </a:prstGeom>
+          <a:solidFill>
+            <a:schemeClr val="bg1"/>
+          </a:solidFill>
+        </p:spPr>
+        <p:txBody>
+          <a:bodyPr wrap="none" rtlCol="0">
+            <a:spAutoFit/>
+          </a:bodyPr>
+          <a:lstStyle/>
+          <a:p>
+            <a:r>
+              <a:rPr lang="zh-CN" altLang="en-US" dirty="0" smtClean="0">
+                <a:latin typeface="微软雅黑" panose="020B0503020204020204" pitchFamily="34" charset="-122"/>
+                <a:ea typeface="微软雅黑" panose="020B0503020204020204" pitchFamily="34" charset="-122"/>
+              </a:rPr>
+              <a:t>调用</a:t>
+            </a:r>
+            <a:endParaRPr lang="zh-CN" altLang="en-US" dirty="0">
+              <a:latin typeface="微软雅黑" panose="020B0503020204020204" pitchFamily="34" charset="-122"/>
+              <a:ea typeface="微软雅黑" panose="020B0503020204020204" pitchFamily="34" charset="-122"/>
+            </a:endParaRPr>
+          </a:p>
+        </p:txBody>
+      </p:sp>
+      <p:cxnSp>
+        <p:nvCxnSpPr>
+          <p:cNvPr id="39" name="直接箭头连接符 38"/>
+          <p:cNvCxnSpPr/>
+          <p:nvPr/>
+        </p:nvCxnSpPr>
+        <p:spPr>
+          <a:xfrm>
+            <a:off x="9628505" y="3026410"/>
+            <a:ext cx="0" cy="942975"/>
+          </a:xfrm>
+          <a:prstGeom prst="straightConnector1">
+            <a:avLst/>
+          </a:prstGeom>
+          <a:ln>
+            <a:solidFill>
+              <a:schemeClr val="tx1"/>
+            </a:solidFill>
+            <a:tailEnd type="triangle"/>
+          </a:ln>
+        </p:spPr>
+        <p:style>
+          <a:lnRef idx="1">
+            <a:schemeClr val="accent1"/>
+          </a:lnRef>
+          <a:fillRef idx="0">
+            <a:schemeClr val="accent1"/>
+          </a:fillRef>
+          <a:effectRef idx="0">
+            <a:schemeClr val="accent1"/>
+          </a:effectRef>
+          <a:fontRef idx="minor">
+            <a:schemeClr val="tx1"/>
+          </a:fontRef>
+        </p:style>
+      </p:cxnSp>
+      <p:sp>
+        <p:nvSpPr>
+          <p:cNvPr id="44" name="文本框 43"/>
+          <p:cNvSpPr txBox="1"/>
+          <p:nvPr/>
+        </p:nvSpPr>
+        <p:spPr>
+          <a:xfrm>
+            <a:off x="9075686" y="3286562"/>
+            <a:ext cx="1107996" cy="369332"/>
+          </a:xfrm>
+          <a:prstGeom prst="rect">
+            <a:avLst/>
+          </a:prstGeom>
+          <a:solidFill>
+            <a:schemeClr val="bg1"/>
+          </a:solidFill>
+        </p:spPr>
+        <p:txBody>
+          <a:bodyPr wrap="none" rtlCol="0">
+            <a:spAutoFit/>
+          </a:bodyPr>
+          <a:lstStyle/>
+          <a:p>
+            <a:r>
+              <a:rPr lang="zh-CN" altLang="en-US" dirty="0" smtClean="0">
+                <a:latin typeface="微软雅黑" panose="020B0503020204020204" pitchFamily="34" charset="-122"/>
+                <a:ea typeface="微软雅黑" panose="020B0503020204020204" pitchFamily="34" charset="-122"/>
+              </a:rPr>
+              <a:t>获取数据</a:t>
+            </a:r>
+            <a:endParaRPr lang="zh-CN" altLang="en-US" dirty="0">
+              <a:latin typeface="微软雅黑" panose="020B0503020204020204" pitchFamily="34" charset="-122"/>
+              <a:ea typeface="微软雅黑" panose="020B0503020204020204" pitchFamily="34" charset="-122"/>
+            </a:endParaRPr>
+          </a:p>
+        </p:txBody>
+      </p:sp>
+      <p:cxnSp>
+        <p:nvCxnSpPr>
+          <p:cNvPr id="45" name="直接箭头连接符 44"/>
+          <p:cNvCxnSpPr/>
+          <p:nvPr/>
+        </p:nvCxnSpPr>
+        <p:spPr>
+          <a:xfrm flipV="1">
+            <a:off x="10902315" y="3030855"/>
+            <a:ext cx="11430" cy="908685"/>
+          </a:xfrm>
+          <a:prstGeom prst="straightConnector1">
+            <a:avLst/>
+          </a:prstGeom>
+          <a:ln>
+            <a:solidFill>
+              <a:schemeClr val="tx1"/>
+            </a:solidFill>
+            <a:tailEnd type="triangle"/>
+          </a:ln>
+        </p:spPr>
+        <p:style>
+          <a:lnRef idx="1">
+            <a:schemeClr val="accent1"/>
+          </a:lnRef>
+          <a:fillRef idx="0">
+            <a:schemeClr val="accent1"/>
+          </a:fillRef>
+          <a:effectRef idx="0">
+            <a:schemeClr val="accent1"/>
+          </a:effectRef>
+          <a:fontRef idx="minor">
+            <a:schemeClr val="tx1"/>
+          </a:fontRef>
+        </p:style>
+      </p:cxnSp>
+      <p:sp>
+        <p:nvSpPr>
+          <p:cNvPr id="50" name="文本框 49"/>
+          <p:cNvSpPr txBox="1"/>
+          <p:nvPr/>
+        </p:nvSpPr>
+        <p:spPr>
+          <a:xfrm>
+            <a:off x="10329293" y="3286562"/>
+            <a:ext cx="1107996" cy="369332"/>
+          </a:xfrm>
+          <a:prstGeom prst="rect">
+            <a:avLst/>
+          </a:prstGeom>
+          <a:solidFill>
+            <a:schemeClr val="bg1"/>
+          </a:solidFill>
+        </p:spPr>
+        <p:txBody>
+          <a:bodyPr wrap="none" rtlCol="0">
+            <a:spAutoFit/>
+          </a:bodyPr>
+          <a:lstStyle/>
+          <a:p>
+            <a:r>
+              <a:rPr lang="zh-CN" altLang="en-US" dirty="0">
+                <a:latin typeface="微软雅黑" panose="020B0503020204020204" pitchFamily="34" charset="-122"/>
+                <a:ea typeface="微软雅黑" panose="020B0503020204020204" pitchFamily="34" charset="-122"/>
+              </a:rPr>
+              <a:t>修改</a:t>
+            </a:r>
+            <a:r>
+              <a:rPr lang="zh-CN" altLang="en-US" dirty="0" smtClean="0">
+                <a:latin typeface="微软雅黑" panose="020B0503020204020204" pitchFamily="34" charset="-122"/>
+                <a:ea typeface="微软雅黑" panose="020B0503020204020204" pitchFamily="34" charset="-122"/>
+              </a:rPr>
+              <a:t>数据</a:t>
+            </a:r>
+            <a:endParaRPr lang="zh-CN" altLang="en-US" dirty="0">
+              <a:latin typeface="微软雅黑" panose="020B0503020204020204" pitchFamily="34" charset="-122"/>
+              <a:ea typeface="微软雅黑" panose="020B0503020204020204" pitchFamily="34" charset="-122"/>
+            </a:endParaRPr>
+          </a:p>
+        </p:txBody>
+      </p:sp>
+      <p:sp>
+        <p:nvSpPr>
+          <p:cNvPr id="76" name="矩形 75"/>
+          <p:cNvSpPr/>
+          <p:nvPr/>
+        </p:nvSpPr>
+        <p:spPr>
+          <a:xfrm>
+            <a:off x="5250180" y="2236470"/>
+            <a:ext cx="1812925" cy="455930"/>
+          </a:xfrm>
+          <a:prstGeom prst="rect">
+            <a:avLst/>
+          </a:prstGeom>
+          <a:noFill/>
+          <a:ln>
+            <a:noFill/>
+          </a:ln>
+        </p:spPr>
+        <p:style>
+          <a:lnRef idx="2">
+            <a:schemeClr val="accent1">
+              <a:shade val="50000"/>
+            </a:schemeClr>
+          </a:lnRef>
+          <a:fillRef idx="1">
+            <a:schemeClr val="accent1"/>
+          </a:fillRef>
+          <a:effectRef idx="0">
+            <a:schemeClr val="accent1"/>
+          </a:effectRef>
+          <a:fontRef idx="minor">
+            <a:schemeClr val="lt1"/>
+          </a:fontRef>
+        </p:style>
+        <p:txBody>
+          <a:bodyPr rtlCol="0" anchor="ctr"/>
+          <a:lstStyle/>
+          <a:p>
+            <a:pPr algn="ctr"/>
+            <a:r>
+              <a:rPr lang="zh-CN" altLang="en-US" b="1" dirty="0">
+                <a:solidFill>
+                  <a:schemeClr val="tx1"/>
+                </a:solidFill>
+                <a:latin typeface="微软雅黑" panose="020B0503020204020204" pitchFamily="34" charset="-122"/>
+                <a:ea typeface="微软雅黑" panose="020B0503020204020204" pitchFamily="34" charset="-122"/>
+              </a:rPr>
+              <a:t>页面展示</a:t>
+            </a:r>
+            <a:endParaRPr lang="zh-CN" altLang="en-US" b="1" dirty="0">
+              <a:solidFill>
+                <a:schemeClr val="tx1"/>
+              </a:solidFill>
+              <a:latin typeface="微软雅黑" panose="020B0503020204020204" pitchFamily="34" charset="-122"/>
+              <a:ea typeface="微软雅黑" panose="020B0503020204020204" pitchFamily="34" charset="-122"/>
+            </a:endParaRPr>
+          </a:p>
+        </p:txBody>
+      </p:sp>
+      <p:sp>
+        <p:nvSpPr>
+          <p:cNvPr id="77" name="矩形 76"/>
+          <p:cNvSpPr/>
+          <p:nvPr/>
+        </p:nvSpPr>
+        <p:spPr>
+          <a:xfrm>
+            <a:off x="9072564" y="1874500"/>
+            <a:ext cx="2562224" cy="436266"/>
+          </a:xfrm>
+          <a:prstGeom prst="rect">
+            <a:avLst/>
+          </a:prstGeom>
+          <a:noFill/>
+          <a:ln>
+            <a:noFill/>
+          </a:ln>
+        </p:spPr>
+        <p:style>
+          <a:lnRef idx="2">
+            <a:schemeClr val="accent1">
+              <a:shade val="50000"/>
+            </a:schemeClr>
+          </a:lnRef>
+          <a:fillRef idx="1">
+            <a:schemeClr val="accent1"/>
+          </a:fillRef>
+          <a:effectRef idx="0">
+            <a:schemeClr val="accent1"/>
+          </a:effectRef>
+          <a:fontRef idx="minor">
+            <a:schemeClr val="lt1"/>
+          </a:fontRef>
+        </p:style>
+        <p:txBody>
+          <a:bodyPr rtlCol="0" anchor="ctr"/>
+          <a:lstStyle/>
+          <a:p>
+            <a:pPr algn="ctr"/>
+            <a:r>
+              <a:rPr lang="zh-CN" altLang="en-US" b="1" dirty="0" smtClean="0">
+                <a:solidFill>
+                  <a:schemeClr val="tx1"/>
+                </a:solidFill>
+                <a:latin typeface="微软雅黑" panose="020B0503020204020204" pitchFamily="34" charset="-122"/>
+                <a:ea typeface="微软雅黑" panose="020B0503020204020204" pitchFamily="34" charset="-122"/>
+              </a:rPr>
+              <a:t>页面逻辑</a:t>
+            </a:r>
+            <a:endParaRPr lang="zh-CN" altLang="en-US" b="1" dirty="0">
+              <a:solidFill>
+                <a:schemeClr val="tx1"/>
+              </a:solidFill>
+              <a:latin typeface="微软雅黑" panose="020B0503020204020204" pitchFamily="34" charset="-122"/>
+              <a:ea typeface="微软雅黑" panose="020B0503020204020204" pitchFamily="34" charset="-122"/>
+            </a:endParaRPr>
+          </a:p>
+        </p:txBody>
+      </p:sp>
+      <p:sp>
+        <p:nvSpPr>
+          <p:cNvPr id="86" name="文本框 85"/>
+          <p:cNvSpPr txBox="1"/>
+          <p:nvPr/>
+        </p:nvSpPr>
+        <p:spPr>
+          <a:xfrm>
+            <a:off x="664778" y="1335705"/>
+            <a:ext cx="3531736" cy="5078313"/>
+          </a:xfrm>
+          <a:prstGeom prst="rect">
+            <a:avLst/>
+          </a:prstGeom>
+          <a:noFill/>
+        </p:spPr>
+        <p:txBody>
+          <a:bodyPr wrap="none" rtlCol="0">
+            <a:spAutoFit/>
+          </a:bodyPr>
+          <a:lstStyle/>
+          <a:p>
+            <a:pPr>
+              <a:lnSpc>
+                <a:spcPct val="150000"/>
+              </a:lnSpc>
+            </a:pPr>
+            <a:r>
+              <a:rPr lang="zh-CN" altLang="en-US" b="1" dirty="0" smtClean="0">
+                <a:latin typeface="微软雅黑" panose="020B0503020204020204" pitchFamily="34" charset="-122"/>
+                <a:ea typeface="微软雅黑" panose="020B0503020204020204" pitchFamily="34" charset="-122"/>
+              </a:rPr>
+              <a:t>页面展示</a:t>
+            </a:r>
+            <a:endParaRPr lang="en-US" altLang="zh-CN" b="1" dirty="0" smtClean="0">
+              <a:latin typeface="微软雅黑" panose="020B0503020204020204" pitchFamily="34" charset="-122"/>
+              <a:ea typeface="微软雅黑" panose="020B0503020204020204" pitchFamily="34" charset="-122"/>
+            </a:endParaRPr>
+          </a:p>
+          <a:p>
+            <a:pPr marL="342900" indent="-342900">
+              <a:lnSpc>
+                <a:spcPct val="150000"/>
+              </a:lnSpc>
+              <a:buAutoNum type="arabicPeriod"/>
+            </a:pPr>
+            <a:r>
+              <a:rPr lang="zh-CN" altLang="en-US" dirty="0" smtClean="0">
+                <a:latin typeface="微软雅黑" panose="020B0503020204020204" pitchFamily="34" charset="-122"/>
+                <a:ea typeface="微软雅黑" panose="020B0503020204020204" pitchFamily="34" charset="-122"/>
+              </a:rPr>
+              <a:t>页面展示由 </a:t>
+            </a:r>
+            <a:r>
+              <a:rPr lang="en-US" altLang="zh-CN" dirty="0" smtClean="0">
+                <a:latin typeface="微软雅黑" panose="020B0503020204020204" pitchFamily="34" charset="-122"/>
+                <a:ea typeface="微软雅黑" panose="020B0503020204020204" pitchFamily="34" charset="-122"/>
+              </a:rPr>
+              <a:t>UI </a:t>
+            </a:r>
+            <a:r>
+              <a:rPr lang="zh-CN" altLang="en-US" dirty="0" smtClean="0">
+                <a:latin typeface="微软雅黑" panose="020B0503020204020204" pitchFamily="34" charset="-122"/>
+                <a:ea typeface="微软雅黑" panose="020B0503020204020204" pitchFamily="34" charset="-122"/>
+              </a:rPr>
+              <a:t>部件组成</a:t>
+            </a:r>
+            <a:endParaRPr lang="en-US" altLang="zh-CN" dirty="0" smtClean="0">
+              <a:latin typeface="微软雅黑" panose="020B0503020204020204" pitchFamily="34" charset="-122"/>
+              <a:ea typeface="微软雅黑" panose="020B0503020204020204" pitchFamily="34" charset="-122"/>
+            </a:endParaRPr>
+          </a:p>
+          <a:p>
+            <a:pPr marL="342900" indent="-342900">
+              <a:lnSpc>
+                <a:spcPct val="150000"/>
+              </a:lnSpc>
+              <a:buAutoNum type="arabicPeriod"/>
+            </a:pPr>
+            <a:r>
+              <a:rPr lang="zh-CN" altLang="en-US" dirty="0" smtClean="0">
+                <a:latin typeface="微软雅黑" panose="020B0503020204020204" pitchFamily="34" charset="-122"/>
+                <a:ea typeface="微软雅黑" panose="020B0503020204020204" pitchFamily="34" charset="-122"/>
+              </a:rPr>
+              <a:t>部件由属性和事件组成</a:t>
+            </a:r>
+            <a:endParaRPr lang="en-US" altLang="zh-CN" dirty="0" smtClean="0">
+              <a:latin typeface="微软雅黑" panose="020B0503020204020204" pitchFamily="34" charset="-122"/>
+              <a:ea typeface="微软雅黑" panose="020B0503020204020204" pitchFamily="34" charset="-122"/>
+            </a:endParaRPr>
+          </a:p>
+          <a:p>
+            <a:pPr>
+              <a:lnSpc>
+                <a:spcPct val="150000"/>
+              </a:lnSpc>
+            </a:pPr>
+            <a:r>
+              <a:rPr lang="zh-CN" altLang="en-US" b="1" dirty="0" smtClean="0">
+                <a:latin typeface="微软雅黑" panose="020B0503020204020204" pitchFamily="34" charset="-122"/>
+                <a:ea typeface="微软雅黑" panose="020B0503020204020204" pitchFamily="34" charset="-122"/>
+              </a:rPr>
+              <a:t>页面逻辑</a:t>
+            </a:r>
+            <a:endParaRPr lang="en-US" altLang="zh-CN" b="1" dirty="0" smtClean="0">
+              <a:latin typeface="微软雅黑" panose="020B0503020204020204" pitchFamily="34" charset="-122"/>
+              <a:ea typeface="微软雅黑" panose="020B0503020204020204" pitchFamily="34" charset="-122"/>
+            </a:endParaRPr>
+          </a:p>
+          <a:p>
+            <a:pPr marL="342900" indent="-342900">
+              <a:lnSpc>
+                <a:spcPct val="150000"/>
+              </a:lnSpc>
+              <a:buAutoNum type="arabicPeriod"/>
+            </a:pPr>
+            <a:r>
+              <a:rPr lang="zh-CN" altLang="en-US" dirty="0" smtClean="0">
+                <a:latin typeface="微软雅黑" panose="020B0503020204020204" pitchFamily="34" charset="-122"/>
+                <a:ea typeface="微软雅黑" panose="020B0503020204020204" pitchFamily="34" charset="-122"/>
+              </a:rPr>
+              <a:t>数据结构</a:t>
+            </a:r>
+            <a:endParaRPr lang="en-US" altLang="zh-CN" dirty="0" smtClean="0">
+              <a:latin typeface="微软雅黑" panose="020B0503020204020204" pitchFamily="34" charset="-122"/>
+              <a:ea typeface="微软雅黑" panose="020B0503020204020204" pitchFamily="34" charset="-122"/>
+            </a:endParaRPr>
+          </a:p>
+          <a:p>
+            <a:pPr marL="342900" indent="-342900">
+              <a:lnSpc>
+                <a:spcPct val="150000"/>
+              </a:lnSpc>
+              <a:buAutoNum type="arabicPeriod"/>
+            </a:pPr>
+            <a:r>
+              <a:rPr lang="zh-CN" altLang="en-US" dirty="0" smtClean="0">
+                <a:latin typeface="微软雅黑" panose="020B0503020204020204" pitchFamily="34" charset="-122"/>
+                <a:ea typeface="微软雅黑" panose="020B0503020204020204" pitchFamily="34" charset="-122"/>
+              </a:rPr>
+              <a:t>方法（</a:t>
+            </a:r>
+            <a:r>
+              <a:rPr lang="zh-CN" altLang="en-US" dirty="0" smtClean="0">
+                <a:solidFill>
+                  <a:schemeClr val="tx1">
+                    <a:lumMod val="75000"/>
+                    <a:lumOff val="25000"/>
+                  </a:schemeClr>
+                </a:solidFill>
+                <a:latin typeface="微软雅黑" panose="020B0503020204020204" pitchFamily="34" charset="-122"/>
+                <a:ea typeface="微软雅黑" panose="020B0503020204020204" pitchFamily="34" charset="-122"/>
+              </a:rPr>
+              <a:t>调整数据和调用组件</a:t>
+            </a:r>
+            <a:r>
+              <a:rPr lang="zh-CN" altLang="en-US" dirty="0" smtClean="0">
+                <a:latin typeface="微软雅黑" panose="020B0503020204020204" pitchFamily="34" charset="-122"/>
+                <a:ea typeface="微软雅黑" panose="020B0503020204020204" pitchFamily="34" charset="-122"/>
+              </a:rPr>
+              <a:t>）</a:t>
+            </a:r>
+            <a:endParaRPr lang="en-US" altLang="zh-CN" dirty="0" smtClean="0">
+              <a:latin typeface="微软雅黑" panose="020B0503020204020204" pitchFamily="34" charset="-122"/>
+              <a:ea typeface="微软雅黑" panose="020B0503020204020204" pitchFamily="34" charset="-122"/>
+            </a:endParaRPr>
+          </a:p>
+          <a:p>
+            <a:pPr marL="342900" indent="-342900">
+              <a:lnSpc>
+                <a:spcPct val="150000"/>
+              </a:lnSpc>
+              <a:buAutoNum type="arabicPeriod"/>
+            </a:pPr>
+            <a:r>
+              <a:rPr lang="zh-CN" altLang="en-US" dirty="0" smtClean="0">
+                <a:latin typeface="微软雅黑" panose="020B0503020204020204" pitchFamily="34" charset="-122"/>
+                <a:ea typeface="微软雅黑" panose="020B0503020204020204" pitchFamily="34" charset="-122"/>
+              </a:rPr>
+              <a:t>功能</a:t>
+            </a:r>
+            <a:r>
+              <a:rPr lang="en-US" altLang="zh-CN" dirty="0" smtClean="0">
+                <a:latin typeface="微软雅黑" panose="020B0503020204020204" pitchFamily="34" charset="-122"/>
+                <a:ea typeface="微软雅黑" panose="020B0503020204020204" pitchFamily="34" charset="-122"/>
+              </a:rPr>
+              <a:t>API/</a:t>
+            </a:r>
+            <a:r>
+              <a:rPr lang="zh-CN" altLang="en-US" dirty="0" smtClean="0">
+                <a:latin typeface="微软雅黑" panose="020B0503020204020204" pitchFamily="34" charset="-122"/>
+                <a:ea typeface="微软雅黑" panose="020B0503020204020204" pitchFamily="34" charset="-122"/>
+              </a:rPr>
+              <a:t>组件</a:t>
+            </a:r>
+            <a:endParaRPr lang="en-US" altLang="zh-CN" dirty="0" smtClean="0">
+              <a:latin typeface="微软雅黑" panose="020B0503020204020204" pitchFamily="34" charset="-122"/>
+              <a:ea typeface="微软雅黑" panose="020B0503020204020204" pitchFamily="34" charset="-122"/>
+            </a:endParaRPr>
+          </a:p>
+          <a:p>
+            <a:pPr>
+              <a:lnSpc>
+                <a:spcPct val="150000"/>
+              </a:lnSpc>
+            </a:pPr>
+            <a:r>
+              <a:rPr lang="zh-CN" altLang="en-US" b="1" dirty="0" smtClean="0">
+                <a:latin typeface="微软雅黑" panose="020B0503020204020204" pitchFamily="34" charset="-122"/>
+                <a:ea typeface="微软雅黑" panose="020B0503020204020204" pitchFamily="34" charset="-122"/>
+              </a:rPr>
+              <a:t>页面展示与页面逻辑关联</a:t>
+            </a:r>
+            <a:endParaRPr lang="en-US" altLang="zh-CN" b="1" dirty="0" smtClean="0">
+              <a:latin typeface="微软雅黑" panose="020B0503020204020204" pitchFamily="34" charset="-122"/>
+              <a:ea typeface="微软雅黑" panose="020B0503020204020204" pitchFamily="34" charset="-122"/>
+            </a:endParaRPr>
+          </a:p>
+          <a:p>
+            <a:pPr marL="342900" indent="-342900">
+              <a:lnSpc>
+                <a:spcPct val="150000"/>
+              </a:lnSpc>
+              <a:buAutoNum type="arabicPeriod"/>
+            </a:pPr>
+            <a:r>
+              <a:rPr lang="zh-CN" altLang="en-US" dirty="0" smtClean="0">
+                <a:latin typeface="微软雅黑" panose="020B0503020204020204" pitchFamily="34" charset="-122"/>
+                <a:ea typeface="微软雅黑" panose="020B0503020204020204" pitchFamily="34" charset="-122"/>
+              </a:rPr>
+              <a:t>数据变化驱动页面重绘</a:t>
+            </a:r>
+            <a:endParaRPr lang="en-US" altLang="zh-CN" dirty="0" smtClean="0">
+              <a:latin typeface="微软雅黑" panose="020B0503020204020204" pitchFamily="34" charset="-122"/>
+              <a:ea typeface="微软雅黑" panose="020B0503020204020204" pitchFamily="34" charset="-122"/>
+            </a:endParaRPr>
+          </a:p>
+          <a:p>
+            <a:pPr marL="342900" indent="-342900">
+              <a:lnSpc>
+                <a:spcPct val="150000"/>
+              </a:lnSpc>
+              <a:buAutoNum type="arabicPeriod"/>
+            </a:pPr>
+            <a:r>
+              <a:rPr lang="zh-CN" altLang="en-US" dirty="0" smtClean="0">
+                <a:latin typeface="微软雅黑" panose="020B0503020204020204" pitchFamily="34" charset="-122"/>
+                <a:ea typeface="微软雅黑" panose="020B0503020204020204" pitchFamily="34" charset="-122"/>
+              </a:rPr>
+              <a:t>部件属性与数据结构关联</a:t>
+            </a:r>
+            <a:endParaRPr lang="en-US" altLang="zh-CN" dirty="0" smtClean="0">
+              <a:latin typeface="微软雅黑" panose="020B0503020204020204" pitchFamily="34" charset="-122"/>
+              <a:ea typeface="微软雅黑" panose="020B0503020204020204" pitchFamily="34" charset="-122"/>
+            </a:endParaRPr>
+          </a:p>
+          <a:p>
+            <a:pPr marL="342900" indent="-342900">
+              <a:lnSpc>
+                <a:spcPct val="150000"/>
+              </a:lnSpc>
+              <a:buAutoNum type="arabicPeriod"/>
+            </a:pPr>
+            <a:r>
+              <a:rPr lang="zh-CN" altLang="en-US" dirty="0" smtClean="0">
+                <a:latin typeface="微软雅黑" panose="020B0503020204020204" pitchFamily="34" charset="-122"/>
+                <a:ea typeface="微软雅黑" panose="020B0503020204020204" pitchFamily="34" charset="-122"/>
+              </a:rPr>
+              <a:t>部件事件与方法关联</a:t>
+            </a:r>
+            <a:endParaRPr lang="en-US" altLang="zh-CN" dirty="0" smtClean="0">
+              <a:latin typeface="微软雅黑" panose="020B0503020204020204" pitchFamily="34" charset="-122"/>
+              <a:ea typeface="微软雅黑" panose="020B0503020204020204" pitchFamily="34" charset="-122"/>
+            </a:endParaRPr>
+          </a:p>
+          <a:p>
+            <a:pPr marL="342900" indent="-342900">
+              <a:lnSpc>
+                <a:spcPct val="150000"/>
+              </a:lnSpc>
+              <a:buAutoNum type="arabicPeriod"/>
+            </a:pPr>
+            <a:endParaRPr lang="zh-CN" altLang="en-US" dirty="0">
+              <a:latin typeface="微软雅黑" panose="020B0503020204020204" pitchFamily="34" charset="-122"/>
+              <a:ea typeface="微软雅黑" panose="020B0503020204020204" pitchFamily="34" charset="-122"/>
+            </a:endParaRPr>
+          </a:p>
+        </p:txBody>
+      </p:sp>
+    </p:spTree>
+  </p:cSld>
+  <p:clrMapOvr>
+    <a:masterClrMapping/>
+  </p:clrMapOvr>
+  <p:timing>
+    <p:tnLst>
+      <p:par>
+        <p:cTn id="1" dur="indefinite" restart="never" nodeType="tmRoot"/>
+      </p:par>
+    </p:tnLst>
+  </p:timing>
 </p:sld>
 </file>
 

--- a/docs/spec/BlockLang.pptx
+++ b/docs/spec/BlockLang.pptx
@@ -13,6 +13,7 @@
     <p:sldId id="257" r:id="rId6"/>
     <p:sldId id="258" r:id="rId7"/>
     <p:sldId id="262" r:id="rId8"/>
+    <p:sldId id="263" r:id="rId9"/>
   </p:sldIdLst>
   <p:sldSz cx="12192000" cy="6858000"/>
   <p:notesSz cx="6858000" cy="9144000"/>
@@ -9583,6 +9584,60 @@
       </p:par>
     </p:tnLst>
   </p:timing>
+</p:sld>
+</file>
+
+<file path=ppt/slides/slide6.xml><?xml version="1.0" encoding="utf-8"?>
+<p:sld xmlns:a="http://schemas.openxmlformats.org/drawingml/2006/main" xmlns:r="http://schemas.openxmlformats.org/officeDocument/2006/relationships" xmlns:p="http://schemas.openxmlformats.org/presentationml/2006/main">
+  <p:cSld>
+    <p:spTree>
+      <p:nvGrpSpPr>
+        <p:cNvPr id="1" name=""/>
+        <p:cNvGrpSpPr/>
+        <p:nvPr/>
+      </p:nvGrpSpPr>
+      <p:grpSpPr/>
+      <p:sp>
+        <p:nvSpPr>
+          <p:cNvPr id="2" name="标题 1"/>
+          <p:cNvSpPr>
+            <a:spLocks noGrp="1"/>
+          </p:cNvSpPr>
+          <p:nvPr>
+            <p:ph type="title"/>
+          </p:nvPr>
+        </p:nvSpPr>
+        <p:spPr/>
+        <p:txBody>
+          <a:bodyPr/>
+          <a:p>
+            <a:endParaRPr lang="zh-CN" altLang="en-US"/>
+          </a:p>
+        </p:txBody>
+      </p:sp>
+      <p:sp>
+        <p:nvSpPr>
+          <p:cNvPr id="3" name="内容占位符 2"/>
+          <p:cNvSpPr>
+            <a:spLocks noGrp="1"/>
+          </p:cNvSpPr>
+          <p:nvPr>
+            <p:ph idx="1"/>
+          </p:nvPr>
+        </p:nvSpPr>
+        <p:spPr/>
+        <p:txBody>
+          <a:bodyPr/>
+          <a:p>
+            <a:endParaRPr lang="zh-CN" altLang="en-US"/>
+          </a:p>
+        </p:txBody>
+      </p:sp>
+    </p:spTree>
+  </p:cSld>
+  <p:clrMapOvr>
+    <a:masterClrMapping/>
+  </p:clrMapOvr>
 </p:sld>
 </file>
 

--- a/docs/spec/BlockLang.pptx
+++ b/docs/spec/BlockLang.pptx
@@ -9599,40 +9599,1312 @@
       <p:grpSpPr/>
       <p:sp>
         <p:nvSpPr>
-          <p:cNvPr id="2" name="标题 1"/>
-          <p:cNvSpPr>
-            <a:spLocks noGrp="1"/>
-          </p:cNvSpPr>
-          <p:nvPr>
-            <p:ph type="title"/>
-          </p:nvPr>
-        </p:nvSpPr>
-        <p:spPr/>
-        <p:txBody>
-          <a:bodyPr/>
-          <a:p>
-            <a:endParaRPr lang="zh-CN" altLang="en-US"/>
-          </a:p>
-        </p:txBody>
-      </p:sp>
-      <p:sp>
-        <p:nvSpPr>
-          <p:cNvPr id="3" name="内容占位符 2"/>
-          <p:cNvSpPr>
-            <a:spLocks noGrp="1"/>
-          </p:cNvSpPr>
-          <p:nvPr>
-            <p:ph idx="1"/>
-          </p:nvPr>
-        </p:nvSpPr>
-        <p:spPr/>
-        <p:txBody>
-          <a:bodyPr/>
-          <a:p>
-            <a:endParaRPr lang="zh-CN" altLang="en-US"/>
-          </a:p>
-        </p:txBody>
-      </p:sp>
+          <p:cNvPr id="4" name="矩形 3"/>
+          <p:cNvSpPr/>
+          <p:nvPr/>
+        </p:nvSpPr>
+        <p:spPr>
+          <a:xfrm>
+            <a:off x="859790" y="1791335"/>
+            <a:ext cx="1096010" cy="680085"/>
+          </a:xfrm>
+          <a:prstGeom prst="rect">
+            <a:avLst/>
+          </a:prstGeom>
+          <a:noFill/>
+          <a:extLst>
+            <a:ext uri="{909E8E84-426E-40DD-AFC4-6F175D3DCCD1}">
+              <a14:hiddenFill xmlns:a14="http://schemas.microsoft.com/office/drawing/2010/main">
+                <a:solidFill>
+                  <a:schemeClr val="accent1"/>
+                </a:solidFill>
+              </a14:hiddenFill>
+            </a:ext>
+          </a:extLst>
+        </p:spPr>
+        <p:style>
+          <a:lnRef idx="2">
+            <a:schemeClr val="accent1">
+              <a:shade val="50000"/>
+            </a:schemeClr>
+          </a:lnRef>
+          <a:fillRef idx="1">
+            <a:schemeClr val="accent1"/>
+          </a:fillRef>
+          <a:effectRef idx="0">
+            <a:schemeClr val="accent1"/>
+          </a:effectRef>
+          <a:fontRef idx="minor">
+            <a:schemeClr val="lt1"/>
+          </a:fontRef>
+        </p:style>
+        <p:txBody>
+          <a:bodyPr rtlCol="0" anchor="ctr"/>
+          <a:p>
+            <a:pPr algn="ctr"/>
+            <a:r>
+              <a:rPr lang="en-US" altLang="zh-CN">
+                <a:solidFill>
+                  <a:schemeClr val="tx1"/>
+                </a:solidFill>
+                <a:latin typeface="微软雅黑" panose="020B0503020204020204" pitchFamily="34" charset="-122"/>
+                <a:ea typeface="微软雅黑" panose="020B0503020204020204" pitchFamily="34" charset="-122"/>
+                <a:cs typeface="微软雅黑" panose="020B0503020204020204" pitchFamily="34" charset="-122"/>
+              </a:rPr>
+              <a:t>API</a:t>
+            </a:r>
+            <a:endParaRPr lang="en-US" altLang="zh-CN">
+              <a:solidFill>
+                <a:schemeClr val="tx1"/>
+              </a:solidFill>
+              <a:latin typeface="微软雅黑" panose="020B0503020204020204" pitchFamily="34" charset="-122"/>
+              <a:ea typeface="微软雅黑" panose="020B0503020204020204" pitchFamily="34" charset="-122"/>
+              <a:cs typeface="微软雅黑" panose="020B0503020204020204" pitchFamily="34" charset="-122"/>
+            </a:endParaRPr>
+          </a:p>
+        </p:txBody>
+      </p:sp>
+      <p:sp>
+        <p:nvSpPr>
+          <p:cNvPr id="6" name="矩形 5"/>
+          <p:cNvSpPr/>
+          <p:nvPr/>
+        </p:nvSpPr>
+        <p:spPr>
+          <a:xfrm>
+            <a:off x="2863215" y="1367790"/>
+            <a:ext cx="1096010" cy="680085"/>
+          </a:xfrm>
+          <a:prstGeom prst="rect">
+            <a:avLst/>
+          </a:prstGeom>
+          <a:noFill/>
+          <a:extLst>
+            <a:ext uri="{909E8E84-426E-40DD-AFC4-6F175D3DCCD1}">
+              <a14:hiddenFill xmlns:a14="http://schemas.microsoft.com/office/drawing/2010/main">
+                <a:solidFill>
+                  <a:schemeClr val="accent1"/>
+                </a:solidFill>
+              </a14:hiddenFill>
+            </a:ext>
+          </a:extLst>
+        </p:spPr>
+        <p:style>
+          <a:lnRef idx="2">
+            <a:schemeClr val="accent1">
+              <a:shade val="50000"/>
+            </a:schemeClr>
+          </a:lnRef>
+          <a:fillRef idx="1">
+            <a:schemeClr val="accent1"/>
+          </a:fillRef>
+          <a:effectRef idx="0">
+            <a:schemeClr val="accent1"/>
+          </a:effectRef>
+          <a:fontRef idx="minor">
+            <a:schemeClr val="lt1"/>
+          </a:fontRef>
+        </p:style>
+        <p:txBody>
+          <a:bodyPr rtlCol="0" anchor="ctr"/>
+          <a:p>
+            <a:pPr algn="ctr"/>
+            <a:r>
+              <a:rPr lang="zh-CN" altLang="en-US">
+                <a:solidFill>
+                  <a:schemeClr val="tx1"/>
+                </a:solidFill>
+                <a:latin typeface="微软雅黑" panose="020B0503020204020204" pitchFamily="34" charset="-122"/>
+                <a:ea typeface="微软雅黑" panose="020B0503020204020204" pitchFamily="34" charset="-122"/>
+                <a:cs typeface="微软雅黑" panose="020B0503020204020204" pitchFamily="34" charset="-122"/>
+              </a:rPr>
+              <a:t>组件</a:t>
+            </a:r>
+            <a:endParaRPr lang="zh-CN" altLang="en-US">
+              <a:solidFill>
+                <a:schemeClr val="tx1"/>
+              </a:solidFill>
+              <a:latin typeface="微软雅黑" panose="020B0503020204020204" pitchFamily="34" charset="-122"/>
+              <a:ea typeface="微软雅黑" panose="020B0503020204020204" pitchFamily="34" charset="-122"/>
+              <a:cs typeface="微软雅黑" panose="020B0503020204020204" pitchFamily="34" charset="-122"/>
+            </a:endParaRPr>
+          </a:p>
+        </p:txBody>
+      </p:sp>
+      <p:sp>
+        <p:nvSpPr>
+          <p:cNvPr id="7" name="矩形 6"/>
+          <p:cNvSpPr/>
+          <p:nvPr/>
+        </p:nvSpPr>
+        <p:spPr>
+          <a:xfrm>
+            <a:off x="2863215" y="2275205"/>
+            <a:ext cx="1096010" cy="680085"/>
+          </a:xfrm>
+          <a:prstGeom prst="rect">
+            <a:avLst/>
+          </a:prstGeom>
+          <a:noFill/>
+          <a:extLst>
+            <a:ext uri="{909E8E84-426E-40DD-AFC4-6F175D3DCCD1}">
+              <a14:hiddenFill xmlns:a14="http://schemas.microsoft.com/office/drawing/2010/main">
+                <a:solidFill>
+                  <a:schemeClr val="accent1"/>
+                </a:solidFill>
+              </a14:hiddenFill>
+            </a:ext>
+          </a:extLst>
+        </p:spPr>
+        <p:style>
+          <a:lnRef idx="2">
+            <a:schemeClr val="accent1">
+              <a:shade val="50000"/>
+            </a:schemeClr>
+          </a:lnRef>
+          <a:fillRef idx="1">
+            <a:schemeClr val="accent1"/>
+          </a:fillRef>
+          <a:effectRef idx="0">
+            <a:schemeClr val="accent1"/>
+          </a:effectRef>
+          <a:fontRef idx="minor">
+            <a:schemeClr val="lt1"/>
+          </a:fontRef>
+        </p:style>
+        <p:txBody>
+          <a:bodyPr rtlCol="0" anchor="ctr"/>
+          <a:p>
+            <a:pPr algn="ctr"/>
+            <a:r>
+              <a:rPr lang="zh-CN" altLang="en-US">
+                <a:solidFill>
+                  <a:schemeClr val="tx1"/>
+                </a:solidFill>
+                <a:latin typeface="微软雅黑" panose="020B0503020204020204" pitchFamily="34" charset="-122"/>
+                <a:ea typeface="微软雅黑" panose="020B0503020204020204" pitchFamily="34" charset="-122"/>
+                <a:cs typeface="微软雅黑" panose="020B0503020204020204" pitchFamily="34" charset="-122"/>
+              </a:rPr>
+              <a:t>组件</a:t>
+            </a:r>
+            <a:endParaRPr lang="zh-CN" altLang="en-US">
+              <a:solidFill>
+                <a:schemeClr val="tx1"/>
+              </a:solidFill>
+              <a:latin typeface="微软雅黑" panose="020B0503020204020204" pitchFamily="34" charset="-122"/>
+              <a:ea typeface="微软雅黑" panose="020B0503020204020204" pitchFamily="34" charset="-122"/>
+              <a:cs typeface="微软雅黑" panose="020B0503020204020204" pitchFamily="34" charset="-122"/>
+            </a:endParaRPr>
+          </a:p>
+        </p:txBody>
+      </p:sp>
+      <p:cxnSp>
+        <p:nvCxnSpPr>
+          <p:cNvPr id="8" name="直接箭头连接符 7"/>
+          <p:cNvCxnSpPr>
+            <a:stCxn id="4" idx="3"/>
+            <a:endCxn id="6" idx="1"/>
+          </p:cNvCxnSpPr>
+          <p:nvPr/>
+        </p:nvCxnSpPr>
+        <p:spPr>
+          <a:xfrm flipV="1">
+            <a:off x="1955800" y="1717040"/>
+            <a:ext cx="907415" cy="423545"/>
+          </a:xfrm>
+          <a:prstGeom prst="straightConnector1">
+            <a:avLst/>
+          </a:prstGeom>
+          <a:ln>
+            <a:tailEnd type="arrow"/>
+          </a:ln>
+        </p:spPr>
+        <p:style>
+          <a:lnRef idx="1">
+            <a:schemeClr val="accent1"/>
+          </a:lnRef>
+          <a:fillRef idx="0">
+            <a:schemeClr val="accent1"/>
+          </a:fillRef>
+          <a:effectRef idx="0">
+            <a:schemeClr val="accent1"/>
+          </a:effectRef>
+          <a:fontRef idx="minor">
+            <a:schemeClr val="tx1"/>
+          </a:fontRef>
+        </p:style>
+      </p:cxnSp>
+      <p:cxnSp>
+        <p:nvCxnSpPr>
+          <p:cNvPr id="9" name="直接箭头连接符 8"/>
+          <p:cNvCxnSpPr>
+            <a:stCxn id="4" idx="3"/>
+            <a:endCxn id="7" idx="1"/>
+          </p:cNvCxnSpPr>
+          <p:nvPr/>
+        </p:nvCxnSpPr>
+        <p:spPr>
+          <a:xfrm>
+            <a:off x="1955800" y="2140585"/>
+            <a:ext cx="907415" cy="483870"/>
+          </a:xfrm>
+          <a:prstGeom prst="straightConnector1">
+            <a:avLst/>
+          </a:prstGeom>
+          <a:ln>
+            <a:tailEnd type="arrow"/>
+          </a:ln>
+        </p:spPr>
+        <p:style>
+          <a:lnRef idx="1">
+            <a:schemeClr val="accent1"/>
+          </a:lnRef>
+          <a:fillRef idx="0">
+            <a:schemeClr val="accent1"/>
+          </a:fillRef>
+          <a:effectRef idx="0">
+            <a:schemeClr val="accent1"/>
+          </a:effectRef>
+          <a:fontRef idx="minor">
+            <a:schemeClr val="tx1"/>
+          </a:fontRef>
+        </p:style>
+      </p:cxnSp>
+      <p:sp>
+        <p:nvSpPr>
+          <p:cNvPr id="10" name="矩形 9"/>
+          <p:cNvSpPr/>
+          <p:nvPr/>
+        </p:nvSpPr>
+        <p:spPr>
+          <a:xfrm>
+            <a:off x="5008245" y="2762885"/>
+            <a:ext cx="1096010" cy="680085"/>
+          </a:xfrm>
+          <a:prstGeom prst="rect">
+            <a:avLst/>
+          </a:prstGeom>
+          <a:noFill/>
+          <a:extLst>
+            <a:ext uri="{909E8E84-426E-40DD-AFC4-6F175D3DCCD1}">
+              <a14:hiddenFill xmlns:a14="http://schemas.microsoft.com/office/drawing/2010/main">
+                <a:solidFill>
+                  <a:schemeClr val="accent1"/>
+                </a:solidFill>
+              </a14:hiddenFill>
+            </a:ext>
+          </a:extLst>
+        </p:spPr>
+        <p:style>
+          <a:lnRef idx="2">
+            <a:schemeClr val="accent1">
+              <a:shade val="50000"/>
+            </a:schemeClr>
+          </a:lnRef>
+          <a:fillRef idx="1">
+            <a:schemeClr val="accent1"/>
+          </a:fillRef>
+          <a:effectRef idx="0">
+            <a:schemeClr val="accent1"/>
+          </a:effectRef>
+          <a:fontRef idx="minor">
+            <a:schemeClr val="lt1"/>
+          </a:fontRef>
+        </p:style>
+        <p:txBody>
+          <a:bodyPr rtlCol="0" anchor="ctr"/>
+          <a:p>
+            <a:pPr algn="ctr"/>
+            <a:r>
+              <a:rPr lang="zh-CN">
+                <a:solidFill>
+                  <a:schemeClr val="tx1"/>
+                </a:solidFill>
+                <a:latin typeface="微软雅黑" panose="020B0503020204020204" pitchFamily="34" charset="-122"/>
+                <a:ea typeface="微软雅黑" panose="020B0503020204020204" pitchFamily="34" charset="-122"/>
+                <a:cs typeface="微软雅黑" panose="020B0503020204020204" pitchFamily="34" charset="-122"/>
+              </a:rPr>
+              <a:t>项目</a:t>
+            </a:r>
+            <a:endParaRPr lang="zh-CN">
+              <a:solidFill>
+                <a:schemeClr val="tx1"/>
+              </a:solidFill>
+              <a:latin typeface="微软雅黑" panose="020B0503020204020204" pitchFamily="34" charset="-122"/>
+              <a:ea typeface="微软雅黑" panose="020B0503020204020204" pitchFamily="34" charset="-122"/>
+              <a:cs typeface="微软雅黑" panose="020B0503020204020204" pitchFamily="34" charset="-122"/>
+            </a:endParaRPr>
+          </a:p>
+        </p:txBody>
+      </p:sp>
+      <p:sp>
+        <p:nvSpPr>
+          <p:cNvPr id="11" name="文本框 10"/>
+          <p:cNvSpPr txBox="1"/>
+          <p:nvPr/>
+        </p:nvSpPr>
+        <p:spPr>
+          <a:xfrm>
+            <a:off x="2078355" y="1539240"/>
+            <a:ext cx="589280" cy="337185"/>
+          </a:xfrm>
+          <a:prstGeom prst="rect">
+            <a:avLst/>
+          </a:prstGeom>
+          <a:noFill/>
+        </p:spPr>
+        <p:txBody>
+          <a:bodyPr wrap="none" rtlCol="0">
+            <a:spAutoFit/>
+          </a:bodyPr>
+          <a:p>
+            <a:r>
+              <a:rPr lang="zh-CN" altLang="en-US" sz="1600">
+                <a:latin typeface="微软雅黑" panose="020B0503020204020204" pitchFamily="34" charset="-122"/>
+                <a:ea typeface="微软雅黑" panose="020B0503020204020204" pitchFamily="34" charset="-122"/>
+              </a:rPr>
+              <a:t>实现</a:t>
+            </a:r>
+            <a:endParaRPr lang="zh-CN" altLang="en-US" sz="1600">
+              <a:latin typeface="微软雅黑" panose="020B0503020204020204" pitchFamily="34" charset="-122"/>
+              <a:ea typeface="微软雅黑" panose="020B0503020204020204" pitchFamily="34" charset="-122"/>
+            </a:endParaRPr>
+          </a:p>
+        </p:txBody>
+      </p:sp>
+      <p:cxnSp>
+        <p:nvCxnSpPr>
+          <p:cNvPr id="12" name="直接箭头连接符 11"/>
+          <p:cNvCxnSpPr>
+            <a:stCxn id="6" idx="3"/>
+            <a:endCxn id="10" idx="1"/>
+          </p:cNvCxnSpPr>
+          <p:nvPr/>
+        </p:nvCxnSpPr>
+        <p:spPr>
+          <a:xfrm>
+            <a:off x="3959225" y="1708150"/>
+            <a:ext cx="1049020" cy="1395095"/>
+          </a:xfrm>
+          <a:prstGeom prst="straightConnector1">
+            <a:avLst/>
+          </a:prstGeom>
+          <a:ln>
+            <a:tailEnd type="arrow"/>
+          </a:ln>
+        </p:spPr>
+        <p:style>
+          <a:lnRef idx="1">
+            <a:schemeClr val="accent1"/>
+          </a:lnRef>
+          <a:fillRef idx="0">
+            <a:schemeClr val="accent1"/>
+          </a:fillRef>
+          <a:effectRef idx="0">
+            <a:schemeClr val="accent1"/>
+          </a:effectRef>
+          <a:fontRef idx="minor">
+            <a:schemeClr val="tx1"/>
+          </a:fontRef>
+        </p:style>
+      </p:cxnSp>
+      <p:cxnSp>
+        <p:nvCxnSpPr>
+          <p:cNvPr id="13" name="直接箭头连接符 12"/>
+          <p:cNvCxnSpPr>
+            <a:stCxn id="7" idx="3"/>
+            <a:endCxn id="10" idx="1"/>
+          </p:cNvCxnSpPr>
+          <p:nvPr/>
+        </p:nvCxnSpPr>
+        <p:spPr>
+          <a:xfrm>
+            <a:off x="3959225" y="2615565"/>
+            <a:ext cx="1049020" cy="487680"/>
+          </a:xfrm>
+          <a:prstGeom prst="straightConnector1">
+            <a:avLst/>
+          </a:prstGeom>
+          <a:ln>
+            <a:tailEnd type="arrow"/>
+          </a:ln>
+        </p:spPr>
+        <p:style>
+          <a:lnRef idx="1">
+            <a:schemeClr val="accent1"/>
+          </a:lnRef>
+          <a:fillRef idx="0">
+            <a:schemeClr val="accent1"/>
+          </a:fillRef>
+          <a:effectRef idx="0">
+            <a:schemeClr val="accent1"/>
+          </a:effectRef>
+          <a:fontRef idx="minor">
+            <a:schemeClr val="tx1"/>
+          </a:fontRef>
+        </p:style>
+      </p:cxnSp>
+      <p:sp>
+        <p:nvSpPr>
+          <p:cNvPr id="14" name="文本框 13"/>
+          <p:cNvSpPr txBox="1"/>
+          <p:nvPr/>
+        </p:nvSpPr>
+        <p:spPr>
+          <a:xfrm>
+            <a:off x="4507865" y="2044065"/>
+            <a:ext cx="589280" cy="337185"/>
+          </a:xfrm>
+          <a:prstGeom prst="rect">
+            <a:avLst/>
+          </a:prstGeom>
+          <a:noFill/>
+        </p:spPr>
+        <p:txBody>
+          <a:bodyPr wrap="none" rtlCol="0">
+            <a:spAutoFit/>
+          </a:bodyPr>
+          <a:p>
+            <a:r>
+              <a:rPr lang="zh-CN" altLang="en-US" sz="1600">
+                <a:latin typeface="微软雅黑" panose="020B0503020204020204" pitchFamily="34" charset="-122"/>
+                <a:ea typeface="微软雅黑" panose="020B0503020204020204" pitchFamily="34" charset="-122"/>
+              </a:rPr>
+              <a:t>依赖</a:t>
+            </a:r>
+            <a:endParaRPr lang="zh-CN" altLang="en-US" sz="1600">
+              <a:latin typeface="微软雅黑" panose="020B0503020204020204" pitchFamily="34" charset="-122"/>
+              <a:ea typeface="微软雅黑" panose="020B0503020204020204" pitchFamily="34" charset="-122"/>
+            </a:endParaRPr>
+          </a:p>
+        </p:txBody>
+      </p:sp>
+      <p:sp>
+        <p:nvSpPr>
+          <p:cNvPr id="15" name="矩形 14"/>
+          <p:cNvSpPr/>
+          <p:nvPr/>
+        </p:nvSpPr>
+        <p:spPr>
+          <a:xfrm>
+            <a:off x="859790" y="3772535"/>
+            <a:ext cx="1096010" cy="680085"/>
+          </a:xfrm>
+          <a:prstGeom prst="rect">
+            <a:avLst/>
+          </a:prstGeom>
+          <a:noFill/>
+          <a:extLst>
+            <a:ext uri="{909E8E84-426E-40DD-AFC4-6F175D3DCCD1}">
+              <a14:hiddenFill xmlns:a14="http://schemas.microsoft.com/office/drawing/2010/main">
+                <a:solidFill>
+                  <a:schemeClr val="accent1"/>
+                </a:solidFill>
+              </a14:hiddenFill>
+            </a:ext>
+          </a:extLst>
+        </p:spPr>
+        <p:style>
+          <a:lnRef idx="2">
+            <a:schemeClr val="accent1">
+              <a:shade val="50000"/>
+            </a:schemeClr>
+          </a:lnRef>
+          <a:fillRef idx="1">
+            <a:schemeClr val="accent1"/>
+          </a:fillRef>
+          <a:effectRef idx="0">
+            <a:schemeClr val="accent1"/>
+          </a:effectRef>
+          <a:fontRef idx="minor">
+            <a:schemeClr val="lt1"/>
+          </a:fontRef>
+        </p:style>
+        <p:txBody>
+          <a:bodyPr rtlCol="0" anchor="ctr"/>
+          <a:p>
+            <a:pPr algn="ctr"/>
+            <a:r>
+              <a:rPr lang="en-US" altLang="zh-CN">
+                <a:solidFill>
+                  <a:schemeClr val="tx1"/>
+                </a:solidFill>
+                <a:latin typeface="微软雅黑" panose="020B0503020204020204" pitchFamily="34" charset="-122"/>
+                <a:ea typeface="微软雅黑" panose="020B0503020204020204" pitchFamily="34" charset="-122"/>
+                <a:cs typeface="微软雅黑" panose="020B0503020204020204" pitchFamily="34" charset="-122"/>
+              </a:rPr>
+              <a:t>API</a:t>
+            </a:r>
+            <a:endParaRPr lang="en-US" altLang="zh-CN">
+              <a:solidFill>
+                <a:schemeClr val="tx1"/>
+              </a:solidFill>
+              <a:latin typeface="微软雅黑" panose="020B0503020204020204" pitchFamily="34" charset="-122"/>
+              <a:ea typeface="微软雅黑" panose="020B0503020204020204" pitchFamily="34" charset="-122"/>
+              <a:cs typeface="微软雅黑" panose="020B0503020204020204" pitchFamily="34" charset="-122"/>
+            </a:endParaRPr>
+          </a:p>
+        </p:txBody>
+      </p:sp>
+      <p:sp>
+        <p:nvSpPr>
+          <p:cNvPr id="16" name="矩形 15"/>
+          <p:cNvSpPr/>
+          <p:nvPr/>
+        </p:nvSpPr>
+        <p:spPr>
+          <a:xfrm>
+            <a:off x="2863215" y="3375025"/>
+            <a:ext cx="1096010" cy="680085"/>
+          </a:xfrm>
+          <a:prstGeom prst="rect">
+            <a:avLst/>
+          </a:prstGeom>
+          <a:noFill/>
+          <a:extLst>
+            <a:ext uri="{909E8E84-426E-40DD-AFC4-6F175D3DCCD1}">
+              <a14:hiddenFill xmlns:a14="http://schemas.microsoft.com/office/drawing/2010/main">
+                <a:solidFill>
+                  <a:schemeClr val="accent1"/>
+                </a:solidFill>
+              </a14:hiddenFill>
+            </a:ext>
+          </a:extLst>
+        </p:spPr>
+        <p:style>
+          <a:lnRef idx="2">
+            <a:schemeClr val="accent1">
+              <a:shade val="50000"/>
+            </a:schemeClr>
+          </a:lnRef>
+          <a:fillRef idx="1">
+            <a:schemeClr val="accent1"/>
+          </a:fillRef>
+          <a:effectRef idx="0">
+            <a:schemeClr val="accent1"/>
+          </a:effectRef>
+          <a:fontRef idx="minor">
+            <a:schemeClr val="lt1"/>
+          </a:fontRef>
+        </p:style>
+        <p:txBody>
+          <a:bodyPr rtlCol="0" anchor="ctr"/>
+          <a:p>
+            <a:pPr algn="ctr"/>
+            <a:r>
+              <a:rPr lang="zh-CN" altLang="en-US">
+                <a:solidFill>
+                  <a:schemeClr val="tx1"/>
+                </a:solidFill>
+                <a:latin typeface="微软雅黑" panose="020B0503020204020204" pitchFamily="34" charset="-122"/>
+                <a:ea typeface="微软雅黑" panose="020B0503020204020204" pitchFamily="34" charset="-122"/>
+                <a:cs typeface="微软雅黑" panose="020B0503020204020204" pitchFamily="34" charset="-122"/>
+              </a:rPr>
+              <a:t>组件</a:t>
+            </a:r>
+            <a:endParaRPr lang="zh-CN" altLang="en-US">
+              <a:solidFill>
+                <a:schemeClr val="tx1"/>
+              </a:solidFill>
+              <a:latin typeface="微软雅黑" panose="020B0503020204020204" pitchFamily="34" charset="-122"/>
+              <a:ea typeface="微软雅黑" panose="020B0503020204020204" pitchFamily="34" charset="-122"/>
+              <a:cs typeface="微软雅黑" panose="020B0503020204020204" pitchFamily="34" charset="-122"/>
+            </a:endParaRPr>
+          </a:p>
+        </p:txBody>
+      </p:sp>
+      <p:sp>
+        <p:nvSpPr>
+          <p:cNvPr id="17" name="矩形 16"/>
+          <p:cNvSpPr/>
+          <p:nvPr/>
+        </p:nvSpPr>
+        <p:spPr>
+          <a:xfrm>
+            <a:off x="2863215" y="4330065"/>
+            <a:ext cx="1096010" cy="680085"/>
+          </a:xfrm>
+          <a:prstGeom prst="rect">
+            <a:avLst/>
+          </a:prstGeom>
+          <a:noFill/>
+          <a:extLst>
+            <a:ext uri="{909E8E84-426E-40DD-AFC4-6F175D3DCCD1}">
+              <a14:hiddenFill xmlns:a14="http://schemas.microsoft.com/office/drawing/2010/main">
+                <a:solidFill>
+                  <a:schemeClr val="accent1"/>
+                </a:solidFill>
+              </a14:hiddenFill>
+            </a:ext>
+          </a:extLst>
+        </p:spPr>
+        <p:style>
+          <a:lnRef idx="2">
+            <a:schemeClr val="accent1">
+              <a:shade val="50000"/>
+            </a:schemeClr>
+          </a:lnRef>
+          <a:fillRef idx="1">
+            <a:schemeClr val="accent1"/>
+          </a:fillRef>
+          <a:effectRef idx="0">
+            <a:schemeClr val="accent1"/>
+          </a:effectRef>
+          <a:fontRef idx="minor">
+            <a:schemeClr val="lt1"/>
+          </a:fontRef>
+        </p:style>
+        <p:txBody>
+          <a:bodyPr rtlCol="0" anchor="ctr"/>
+          <a:p>
+            <a:pPr algn="ctr"/>
+            <a:r>
+              <a:rPr lang="zh-CN" altLang="en-US">
+                <a:solidFill>
+                  <a:schemeClr val="tx1"/>
+                </a:solidFill>
+                <a:latin typeface="微软雅黑" panose="020B0503020204020204" pitchFamily="34" charset="-122"/>
+                <a:ea typeface="微软雅黑" panose="020B0503020204020204" pitchFamily="34" charset="-122"/>
+                <a:cs typeface="微软雅黑" panose="020B0503020204020204" pitchFamily="34" charset="-122"/>
+              </a:rPr>
+              <a:t>组件</a:t>
+            </a:r>
+            <a:endParaRPr lang="zh-CN" altLang="en-US">
+              <a:solidFill>
+                <a:schemeClr val="tx1"/>
+              </a:solidFill>
+              <a:latin typeface="微软雅黑" panose="020B0503020204020204" pitchFamily="34" charset="-122"/>
+              <a:ea typeface="微软雅黑" panose="020B0503020204020204" pitchFamily="34" charset="-122"/>
+              <a:cs typeface="微软雅黑" panose="020B0503020204020204" pitchFamily="34" charset="-122"/>
+            </a:endParaRPr>
+          </a:p>
+        </p:txBody>
+      </p:sp>
+      <p:cxnSp>
+        <p:nvCxnSpPr>
+          <p:cNvPr id="18" name="直接箭头连接符 17"/>
+          <p:cNvCxnSpPr>
+            <a:stCxn id="15" idx="3"/>
+            <a:endCxn id="16" idx="1"/>
+          </p:cNvCxnSpPr>
+          <p:nvPr/>
+        </p:nvCxnSpPr>
+        <p:spPr>
+          <a:xfrm flipV="1">
+            <a:off x="1955800" y="3715385"/>
+            <a:ext cx="907415" cy="397510"/>
+          </a:xfrm>
+          <a:prstGeom prst="straightConnector1">
+            <a:avLst/>
+          </a:prstGeom>
+          <a:ln>
+            <a:tailEnd type="arrow"/>
+          </a:ln>
+        </p:spPr>
+        <p:style>
+          <a:lnRef idx="1">
+            <a:schemeClr val="accent1"/>
+          </a:lnRef>
+          <a:fillRef idx="0">
+            <a:schemeClr val="accent1"/>
+          </a:fillRef>
+          <a:effectRef idx="0">
+            <a:schemeClr val="accent1"/>
+          </a:effectRef>
+          <a:fontRef idx="minor">
+            <a:schemeClr val="tx1"/>
+          </a:fontRef>
+        </p:style>
+      </p:cxnSp>
+      <p:cxnSp>
+        <p:nvCxnSpPr>
+          <p:cNvPr id="19" name="直接箭头连接符 18"/>
+          <p:cNvCxnSpPr>
+            <a:stCxn id="15" idx="3"/>
+            <a:endCxn id="17" idx="1"/>
+          </p:cNvCxnSpPr>
+          <p:nvPr/>
+        </p:nvCxnSpPr>
+        <p:spPr>
+          <a:xfrm>
+            <a:off x="1955800" y="4112895"/>
+            <a:ext cx="907415" cy="557530"/>
+          </a:xfrm>
+          <a:prstGeom prst="straightConnector1">
+            <a:avLst/>
+          </a:prstGeom>
+          <a:ln>
+            <a:tailEnd type="arrow"/>
+          </a:ln>
+        </p:spPr>
+        <p:style>
+          <a:lnRef idx="1">
+            <a:schemeClr val="accent1"/>
+          </a:lnRef>
+          <a:fillRef idx="0">
+            <a:schemeClr val="accent1"/>
+          </a:fillRef>
+          <a:effectRef idx="0">
+            <a:schemeClr val="accent1"/>
+          </a:effectRef>
+          <a:fontRef idx="minor">
+            <a:schemeClr val="tx1"/>
+          </a:fontRef>
+        </p:style>
+      </p:cxnSp>
+      <p:sp>
+        <p:nvSpPr>
+          <p:cNvPr id="20" name="文本框 19"/>
+          <p:cNvSpPr txBox="1"/>
+          <p:nvPr/>
+        </p:nvSpPr>
+        <p:spPr>
+          <a:xfrm>
+            <a:off x="2012315" y="3546475"/>
+            <a:ext cx="589280" cy="337185"/>
+          </a:xfrm>
+          <a:prstGeom prst="rect">
+            <a:avLst/>
+          </a:prstGeom>
+          <a:noFill/>
+        </p:spPr>
+        <p:txBody>
+          <a:bodyPr wrap="none" rtlCol="0">
+            <a:spAutoFit/>
+          </a:bodyPr>
+          <a:p>
+            <a:r>
+              <a:rPr lang="zh-CN" altLang="en-US" sz="1600">
+                <a:latin typeface="微软雅黑" panose="020B0503020204020204" pitchFamily="34" charset="-122"/>
+                <a:ea typeface="微软雅黑" panose="020B0503020204020204" pitchFamily="34" charset="-122"/>
+              </a:rPr>
+              <a:t>实现</a:t>
+            </a:r>
+            <a:endParaRPr lang="zh-CN" altLang="en-US" sz="1600">
+              <a:latin typeface="微软雅黑" panose="020B0503020204020204" pitchFamily="34" charset="-122"/>
+              <a:ea typeface="微软雅黑" panose="020B0503020204020204" pitchFamily="34" charset="-122"/>
+            </a:endParaRPr>
+          </a:p>
+        </p:txBody>
+      </p:sp>
+      <p:cxnSp>
+        <p:nvCxnSpPr>
+          <p:cNvPr id="21" name="直接箭头连接符 20"/>
+          <p:cNvCxnSpPr>
+            <a:stCxn id="16" idx="3"/>
+            <a:endCxn id="10" idx="1"/>
+          </p:cNvCxnSpPr>
+          <p:nvPr/>
+        </p:nvCxnSpPr>
+        <p:spPr>
+          <a:xfrm flipV="1">
+            <a:off x="3959225" y="3103245"/>
+            <a:ext cx="1049020" cy="612140"/>
+          </a:xfrm>
+          <a:prstGeom prst="straightConnector1">
+            <a:avLst/>
+          </a:prstGeom>
+          <a:ln>
+            <a:tailEnd type="arrow"/>
+          </a:ln>
+        </p:spPr>
+        <p:style>
+          <a:lnRef idx="1">
+            <a:schemeClr val="accent1"/>
+          </a:lnRef>
+          <a:fillRef idx="0">
+            <a:schemeClr val="accent1"/>
+          </a:fillRef>
+          <a:effectRef idx="0">
+            <a:schemeClr val="accent1"/>
+          </a:effectRef>
+          <a:fontRef idx="minor">
+            <a:schemeClr val="tx1"/>
+          </a:fontRef>
+        </p:style>
+      </p:cxnSp>
+      <p:sp>
+        <p:nvSpPr>
+          <p:cNvPr id="22" name="矩形 21"/>
+          <p:cNvSpPr/>
+          <p:nvPr/>
+        </p:nvSpPr>
+        <p:spPr>
+          <a:xfrm>
+            <a:off x="6804025" y="2282825"/>
+            <a:ext cx="1096010" cy="680085"/>
+          </a:xfrm>
+          <a:prstGeom prst="rect">
+            <a:avLst/>
+          </a:prstGeom>
+          <a:noFill/>
+          <a:extLst>
+            <a:ext uri="{909E8E84-426E-40DD-AFC4-6F175D3DCCD1}">
+              <a14:hiddenFill xmlns:a14="http://schemas.microsoft.com/office/drawing/2010/main">
+                <a:solidFill>
+                  <a:schemeClr val="accent1"/>
+                </a:solidFill>
+              </a14:hiddenFill>
+            </a:ext>
+          </a:extLst>
+        </p:spPr>
+        <p:style>
+          <a:lnRef idx="2">
+            <a:schemeClr val="accent1">
+              <a:shade val="50000"/>
+            </a:schemeClr>
+          </a:lnRef>
+          <a:fillRef idx="1">
+            <a:schemeClr val="accent1"/>
+          </a:fillRef>
+          <a:effectRef idx="0">
+            <a:schemeClr val="accent1"/>
+          </a:effectRef>
+          <a:fontRef idx="minor">
+            <a:schemeClr val="lt1"/>
+          </a:fontRef>
+        </p:style>
+        <p:txBody>
+          <a:bodyPr rtlCol="0" anchor="ctr"/>
+          <a:p>
+            <a:pPr algn="ctr"/>
+            <a:r>
+              <a:rPr lang="zh-CN">
+                <a:solidFill>
+                  <a:schemeClr val="tx1"/>
+                </a:solidFill>
+                <a:latin typeface="微软雅黑" panose="020B0503020204020204" pitchFamily="34" charset="-122"/>
+                <a:ea typeface="微软雅黑" panose="020B0503020204020204" pitchFamily="34" charset="-122"/>
+                <a:cs typeface="微软雅黑" panose="020B0503020204020204" pitchFamily="34" charset="-122"/>
+              </a:rPr>
+              <a:t>软件</a:t>
+            </a:r>
+            <a:endParaRPr lang="zh-CN">
+              <a:solidFill>
+                <a:schemeClr val="tx1"/>
+              </a:solidFill>
+              <a:latin typeface="微软雅黑" panose="020B0503020204020204" pitchFamily="34" charset="-122"/>
+              <a:ea typeface="微软雅黑" panose="020B0503020204020204" pitchFamily="34" charset="-122"/>
+              <a:cs typeface="微软雅黑" panose="020B0503020204020204" pitchFamily="34" charset="-122"/>
+            </a:endParaRPr>
+          </a:p>
+        </p:txBody>
+      </p:sp>
+      <p:sp>
+        <p:nvSpPr>
+          <p:cNvPr id="23" name="矩形 22"/>
+          <p:cNvSpPr/>
+          <p:nvPr/>
+        </p:nvSpPr>
+        <p:spPr>
+          <a:xfrm>
+            <a:off x="6804025" y="3404235"/>
+            <a:ext cx="1096010" cy="680085"/>
+          </a:xfrm>
+          <a:prstGeom prst="rect">
+            <a:avLst/>
+          </a:prstGeom>
+          <a:noFill/>
+          <a:extLst>
+            <a:ext uri="{909E8E84-426E-40DD-AFC4-6F175D3DCCD1}">
+              <a14:hiddenFill xmlns:a14="http://schemas.microsoft.com/office/drawing/2010/main">
+                <a:solidFill>
+                  <a:schemeClr val="accent1"/>
+                </a:solidFill>
+              </a14:hiddenFill>
+            </a:ext>
+          </a:extLst>
+        </p:spPr>
+        <p:style>
+          <a:lnRef idx="2">
+            <a:schemeClr val="accent1">
+              <a:shade val="50000"/>
+            </a:schemeClr>
+          </a:lnRef>
+          <a:fillRef idx="1">
+            <a:schemeClr val="accent1"/>
+          </a:fillRef>
+          <a:effectRef idx="0">
+            <a:schemeClr val="accent1"/>
+          </a:effectRef>
+          <a:fontRef idx="minor">
+            <a:schemeClr val="lt1"/>
+          </a:fontRef>
+        </p:style>
+        <p:txBody>
+          <a:bodyPr rtlCol="0" anchor="ctr"/>
+          <a:p>
+            <a:pPr algn="ctr"/>
+            <a:r>
+              <a:rPr lang="zh-CN">
+                <a:solidFill>
+                  <a:schemeClr val="tx1"/>
+                </a:solidFill>
+                <a:latin typeface="微软雅黑" panose="020B0503020204020204" pitchFamily="34" charset="-122"/>
+                <a:ea typeface="微软雅黑" panose="020B0503020204020204" pitchFamily="34" charset="-122"/>
+                <a:cs typeface="微软雅黑" panose="020B0503020204020204" pitchFamily="34" charset="-122"/>
+              </a:rPr>
+              <a:t>软件</a:t>
+            </a:r>
+            <a:endParaRPr lang="zh-CN">
+              <a:solidFill>
+                <a:schemeClr val="tx1"/>
+              </a:solidFill>
+              <a:latin typeface="微软雅黑" panose="020B0503020204020204" pitchFamily="34" charset="-122"/>
+              <a:ea typeface="微软雅黑" panose="020B0503020204020204" pitchFamily="34" charset="-122"/>
+              <a:cs typeface="微软雅黑" panose="020B0503020204020204" pitchFamily="34" charset="-122"/>
+            </a:endParaRPr>
+          </a:p>
+        </p:txBody>
+      </p:sp>
+      <p:cxnSp>
+        <p:nvCxnSpPr>
+          <p:cNvPr id="24" name="直接箭头连接符 23"/>
+          <p:cNvCxnSpPr>
+            <a:stCxn id="10" idx="3"/>
+            <a:endCxn id="22" idx="1"/>
+          </p:cNvCxnSpPr>
+          <p:nvPr/>
+        </p:nvCxnSpPr>
+        <p:spPr>
+          <a:xfrm flipV="1">
+            <a:off x="6104255" y="2623185"/>
+            <a:ext cx="699770" cy="480060"/>
+          </a:xfrm>
+          <a:prstGeom prst="straightConnector1">
+            <a:avLst/>
+          </a:prstGeom>
+          <a:ln>
+            <a:tailEnd type="arrow"/>
+          </a:ln>
+        </p:spPr>
+        <p:style>
+          <a:lnRef idx="1">
+            <a:schemeClr val="accent1"/>
+          </a:lnRef>
+          <a:fillRef idx="0">
+            <a:schemeClr val="accent1"/>
+          </a:fillRef>
+          <a:effectRef idx="0">
+            <a:schemeClr val="accent1"/>
+          </a:effectRef>
+          <a:fontRef idx="minor">
+            <a:schemeClr val="tx1"/>
+          </a:fontRef>
+        </p:style>
+      </p:cxnSp>
+      <p:cxnSp>
+        <p:nvCxnSpPr>
+          <p:cNvPr id="25" name="直接箭头连接符 24"/>
+          <p:cNvCxnSpPr>
+            <a:stCxn id="10" idx="3"/>
+            <a:endCxn id="23" idx="1"/>
+          </p:cNvCxnSpPr>
+          <p:nvPr/>
+        </p:nvCxnSpPr>
+        <p:spPr>
+          <a:xfrm>
+            <a:off x="6104255" y="3103245"/>
+            <a:ext cx="699770" cy="641350"/>
+          </a:xfrm>
+          <a:prstGeom prst="straightConnector1">
+            <a:avLst/>
+          </a:prstGeom>
+          <a:ln>
+            <a:tailEnd type="arrow"/>
+          </a:ln>
+        </p:spPr>
+        <p:style>
+          <a:lnRef idx="1">
+            <a:schemeClr val="accent1"/>
+          </a:lnRef>
+          <a:fillRef idx="0">
+            <a:schemeClr val="accent1"/>
+          </a:fillRef>
+          <a:effectRef idx="0">
+            <a:schemeClr val="accent1"/>
+          </a:effectRef>
+          <a:fontRef idx="minor">
+            <a:schemeClr val="tx1"/>
+          </a:fontRef>
+        </p:style>
+      </p:cxnSp>
+      <p:sp>
+        <p:nvSpPr>
+          <p:cNvPr id="26" name="文本框 25"/>
+          <p:cNvSpPr txBox="1"/>
+          <p:nvPr/>
+        </p:nvSpPr>
+        <p:spPr>
+          <a:xfrm>
+            <a:off x="6104255" y="2474595"/>
+            <a:ext cx="589280" cy="337185"/>
+          </a:xfrm>
+          <a:prstGeom prst="rect">
+            <a:avLst/>
+          </a:prstGeom>
+          <a:noFill/>
+        </p:spPr>
+        <p:txBody>
+          <a:bodyPr wrap="none" rtlCol="0">
+            <a:spAutoFit/>
+          </a:bodyPr>
+          <a:p>
+            <a:r>
+              <a:rPr lang="zh-CN" altLang="en-US" sz="1600">
+                <a:latin typeface="微软雅黑" panose="020B0503020204020204" pitchFamily="34" charset="-122"/>
+                <a:ea typeface="微软雅黑" panose="020B0503020204020204" pitchFamily="34" charset="-122"/>
+              </a:rPr>
+              <a:t>发布</a:t>
+            </a:r>
+            <a:endParaRPr lang="zh-CN" altLang="en-US" sz="1600">
+              <a:latin typeface="微软雅黑" panose="020B0503020204020204" pitchFamily="34" charset="-122"/>
+              <a:ea typeface="微软雅黑" panose="020B0503020204020204" pitchFamily="34" charset="-122"/>
+            </a:endParaRPr>
+          </a:p>
+        </p:txBody>
+      </p:sp>
+      <p:sp>
+        <p:nvSpPr>
+          <p:cNvPr id="27" name="矩形 26"/>
+          <p:cNvSpPr/>
+          <p:nvPr/>
+        </p:nvSpPr>
+        <p:spPr>
+          <a:xfrm>
+            <a:off x="8637270" y="2282825"/>
+            <a:ext cx="1096010" cy="680085"/>
+          </a:xfrm>
+          <a:prstGeom prst="rect">
+            <a:avLst/>
+          </a:prstGeom>
+          <a:noFill/>
+          <a:extLst>
+            <a:ext uri="{909E8E84-426E-40DD-AFC4-6F175D3DCCD1}">
+              <a14:hiddenFill xmlns:a14="http://schemas.microsoft.com/office/drawing/2010/main">
+                <a:solidFill>
+                  <a:schemeClr val="accent1"/>
+                </a:solidFill>
+              </a14:hiddenFill>
+            </a:ext>
+          </a:extLst>
+        </p:spPr>
+        <p:style>
+          <a:lnRef idx="2">
+            <a:schemeClr val="accent1">
+              <a:shade val="50000"/>
+            </a:schemeClr>
+          </a:lnRef>
+          <a:fillRef idx="1">
+            <a:schemeClr val="accent1"/>
+          </a:fillRef>
+          <a:effectRef idx="0">
+            <a:schemeClr val="accent1"/>
+          </a:effectRef>
+          <a:fontRef idx="minor">
+            <a:schemeClr val="lt1"/>
+          </a:fontRef>
+        </p:style>
+        <p:txBody>
+          <a:bodyPr rtlCol="0" anchor="ctr"/>
+          <a:p>
+            <a:pPr algn="ctr"/>
+            <a:r>
+              <a:rPr lang="zh-CN">
+                <a:solidFill>
+                  <a:schemeClr val="tx1"/>
+                </a:solidFill>
+                <a:latin typeface="微软雅黑" panose="020B0503020204020204" pitchFamily="34" charset="-122"/>
+                <a:ea typeface="微软雅黑" panose="020B0503020204020204" pitchFamily="34" charset="-122"/>
+                <a:cs typeface="微软雅黑" panose="020B0503020204020204" pitchFamily="34" charset="-122"/>
+              </a:rPr>
+              <a:t>设备</a:t>
+            </a:r>
+            <a:endParaRPr lang="zh-CN">
+              <a:solidFill>
+                <a:schemeClr val="tx1"/>
+              </a:solidFill>
+              <a:latin typeface="微软雅黑" panose="020B0503020204020204" pitchFamily="34" charset="-122"/>
+              <a:ea typeface="微软雅黑" panose="020B0503020204020204" pitchFamily="34" charset="-122"/>
+              <a:cs typeface="微软雅黑" panose="020B0503020204020204" pitchFamily="34" charset="-122"/>
+            </a:endParaRPr>
+          </a:p>
+        </p:txBody>
+      </p:sp>
+      <p:sp>
+        <p:nvSpPr>
+          <p:cNvPr id="28" name="矩形 27"/>
+          <p:cNvSpPr/>
+          <p:nvPr/>
+        </p:nvSpPr>
+        <p:spPr>
+          <a:xfrm>
+            <a:off x="8637270" y="3404235"/>
+            <a:ext cx="1096010" cy="680085"/>
+          </a:xfrm>
+          <a:prstGeom prst="rect">
+            <a:avLst/>
+          </a:prstGeom>
+          <a:noFill/>
+          <a:extLst>
+            <a:ext uri="{909E8E84-426E-40DD-AFC4-6F175D3DCCD1}">
+              <a14:hiddenFill xmlns:a14="http://schemas.microsoft.com/office/drawing/2010/main">
+                <a:solidFill>
+                  <a:schemeClr val="accent1"/>
+                </a:solidFill>
+              </a14:hiddenFill>
+            </a:ext>
+          </a:extLst>
+        </p:spPr>
+        <p:style>
+          <a:lnRef idx="2">
+            <a:schemeClr val="accent1">
+              <a:shade val="50000"/>
+            </a:schemeClr>
+          </a:lnRef>
+          <a:fillRef idx="1">
+            <a:schemeClr val="accent1"/>
+          </a:fillRef>
+          <a:effectRef idx="0">
+            <a:schemeClr val="accent1"/>
+          </a:effectRef>
+          <a:fontRef idx="minor">
+            <a:schemeClr val="lt1"/>
+          </a:fontRef>
+        </p:style>
+        <p:txBody>
+          <a:bodyPr rtlCol="0" anchor="ctr"/>
+          <a:p>
+            <a:pPr algn="ctr"/>
+            <a:r>
+              <a:rPr lang="zh-CN">
+                <a:solidFill>
+                  <a:schemeClr val="tx1"/>
+                </a:solidFill>
+                <a:latin typeface="微软雅黑" panose="020B0503020204020204" pitchFamily="34" charset="-122"/>
+                <a:ea typeface="微软雅黑" panose="020B0503020204020204" pitchFamily="34" charset="-122"/>
+                <a:cs typeface="微软雅黑" panose="020B0503020204020204" pitchFamily="34" charset="-122"/>
+              </a:rPr>
+              <a:t>设备</a:t>
+            </a:r>
+            <a:endParaRPr lang="zh-CN">
+              <a:solidFill>
+                <a:schemeClr val="tx1"/>
+              </a:solidFill>
+              <a:latin typeface="微软雅黑" panose="020B0503020204020204" pitchFamily="34" charset="-122"/>
+              <a:ea typeface="微软雅黑" panose="020B0503020204020204" pitchFamily="34" charset="-122"/>
+              <a:cs typeface="微软雅黑" panose="020B0503020204020204" pitchFamily="34" charset="-122"/>
+            </a:endParaRPr>
+          </a:p>
+        </p:txBody>
+      </p:sp>
+      <p:cxnSp>
+        <p:nvCxnSpPr>
+          <p:cNvPr id="29" name="直接箭头连接符 28"/>
+          <p:cNvCxnSpPr>
+            <a:stCxn id="22" idx="3"/>
+            <a:endCxn id="27" idx="1"/>
+          </p:cNvCxnSpPr>
+          <p:nvPr/>
+        </p:nvCxnSpPr>
+        <p:spPr>
+          <a:xfrm>
+            <a:off x="7900035" y="2623185"/>
+            <a:ext cx="737235" cy="0"/>
+          </a:xfrm>
+          <a:prstGeom prst="straightConnector1">
+            <a:avLst/>
+          </a:prstGeom>
+          <a:ln>
+            <a:tailEnd type="arrow"/>
+          </a:ln>
+        </p:spPr>
+        <p:style>
+          <a:lnRef idx="1">
+            <a:schemeClr val="accent1"/>
+          </a:lnRef>
+          <a:fillRef idx="0">
+            <a:schemeClr val="accent1"/>
+          </a:fillRef>
+          <a:effectRef idx="0">
+            <a:schemeClr val="accent1"/>
+          </a:effectRef>
+          <a:fontRef idx="minor">
+            <a:schemeClr val="tx1"/>
+          </a:fontRef>
+        </p:style>
+      </p:cxnSp>
+      <p:sp>
+        <p:nvSpPr>
+          <p:cNvPr id="30" name="文本框 29"/>
+          <p:cNvSpPr txBox="1"/>
+          <p:nvPr/>
+        </p:nvSpPr>
+        <p:spPr>
+          <a:xfrm>
+            <a:off x="7950200" y="2240280"/>
+            <a:ext cx="589280" cy="337185"/>
+          </a:xfrm>
+          <a:prstGeom prst="rect">
+            <a:avLst/>
+          </a:prstGeom>
+          <a:noFill/>
+        </p:spPr>
+        <p:txBody>
+          <a:bodyPr wrap="none" rtlCol="0">
+            <a:spAutoFit/>
+          </a:bodyPr>
+          <a:p>
+            <a:r>
+              <a:rPr lang="zh-CN" altLang="en-US" sz="1600">
+                <a:latin typeface="微软雅黑" panose="020B0503020204020204" pitchFamily="34" charset="-122"/>
+                <a:ea typeface="微软雅黑" panose="020B0503020204020204" pitchFamily="34" charset="-122"/>
+              </a:rPr>
+              <a:t>安装</a:t>
+            </a:r>
+            <a:endParaRPr lang="zh-CN" altLang="en-US" sz="1600">
+              <a:latin typeface="微软雅黑" panose="020B0503020204020204" pitchFamily="34" charset="-122"/>
+              <a:ea typeface="微软雅黑" panose="020B0503020204020204" pitchFamily="34" charset="-122"/>
+            </a:endParaRPr>
+          </a:p>
+        </p:txBody>
+      </p:sp>
+      <p:cxnSp>
+        <p:nvCxnSpPr>
+          <p:cNvPr id="31" name="直接箭头连接符 30"/>
+          <p:cNvCxnSpPr>
+            <a:stCxn id="23" idx="3"/>
+            <a:endCxn id="28" idx="1"/>
+          </p:cNvCxnSpPr>
+          <p:nvPr/>
+        </p:nvCxnSpPr>
+        <p:spPr>
+          <a:xfrm>
+            <a:off x="7900035" y="3744595"/>
+            <a:ext cx="737235" cy="0"/>
+          </a:xfrm>
+          <a:prstGeom prst="straightConnector1">
+            <a:avLst/>
+          </a:prstGeom>
+          <a:ln>
+            <a:tailEnd type="arrow"/>
+          </a:ln>
+        </p:spPr>
+        <p:style>
+          <a:lnRef idx="1">
+            <a:schemeClr val="accent1"/>
+          </a:lnRef>
+          <a:fillRef idx="0">
+            <a:schemeClr val="accent1"/>
+          </a:fillRef>
+          <a:effectRef idx="0">
+            <a:schemeClr val="accent1"/>
+          </a:effectRef>
+          <a:fontRef idx="minor">
+            <a:schemeClr val="tx1"/>
+          </a:fontRef>
+        </p:style>
+      </p:cxnSp>
     </p:spTree>
   </p:cSld>
   <p:clrMapOvr>

--- a/docs/spec/BlockLang.pptx
+++ b/docs/spec/BlockLang.pptx
@@ -14,6 +14,7 @@
     <p:sldId id="258" r:id="rId7"/>
     <p:sldId id="262" r:id="rId8"/>
     <p:sldId id="263" r:id="rId9"/>
+    <p:sldId id="264" r:id="rId10"/>
   </p:sldIdLst>
   <p:sldSz cx="12192000" cy="6858000"/>
   <p:notesSz cx="6858000" cy="9144000"/>
@@ -1129,6 +1130,54 @@
             <a:fld id="{7FBEF316-36F0-48A5-93A6-FD1426A1C377}" type="slidenum">
               <a:rPr lang="zh-CN" altLang="en-US" smtClean="0"/>
             </a:fld>
+            <a:endParaRPr lang="zh-CN" altLang="en-US"/>
+          </a:p>
+        </p:txBody>
+      </p:sp>
+    </p:spTree>
+  </p:cSld>
+  <p:clrMapOvr>
+    <a:masterClrMapping/>
+  </p:clrMapOvr>
+</p:notes>
+</file>
+
+<file path=ppt/notesSlides/notesSlide4.xml><?xml version="1.0" encoding="utf-8"?>
+<p:notes xmlns:a="http://schemas.openxmlformats.org/drawingml/2006/main" xmlns:r="http://schemas.openxmlformats.org/officeDocument/2006/relationships" xmlns:p="http://schemas.openxmlformats.org/presentationml/2006/main">
+  <p:cSld>
+    <p:spTree>
+      <p:nvGrpSpPr>
+        <p:cNvPr id="1" name=""/>
+        <p:cNvGrpSpPr/>
+        <p:nvPr/>
+      </p:nvGrpSpPr>
+      <p:grpSpPr/>
+      <p:sp>
+        <p:nvSpPr>
+          <p:cNvPr id="2" name="幻灯片图像占位符 1"/>
+          <p:cNvSpPr/>
+          <p:nvPr>
+            <p:ph type="sldImg" idx="2"/>
+          </p:nvPr>
+        </p:nvSpPr>
+        <p:spPr/>
+      </p:sp>
+      <p:sp>
+        <p:nvSpPr>
+          <p:cNvPr id="3" name="文本占位符 2"/>
+          <p:cNvSpPr/>
+          <p:nvPr>
+            <p:ph type="body" idx="3"/>
+          </p:nvPr>
+        </p:nvSpPr>
+        <p:spPr/>
+        <p:txBody>
+          <a:bodyPr/>
+          <a:p>
+            <a:r>
+              <a:rPr lang="zh-CN" altLang="en-US"/>
+              <a:t>注意：不需要软件市场，或者将发布后的软件也发布到组件市场中，因为项目列表本身就可以看为软件市场。</a:t>
+            </a:r>
             <a:endParaRPr lang="zh-CN" altLang="en-US"/>
           </a:p>
         </p:txBody>
@@ -10905,6 +10954,544 @@
           </a:fontRef>
         </p:style>
       </p:cxnSp>
+    </p:spTree>
+  </p:cSld>
+  <p:clrMapOvr>
+    <a:masterClrMapping/>
+  </p:clrMapOvr>
+</p:sld>
+</file>
+
+<file path=ppt/slides/slide7.xml><?xml version="1.0" encoding="utf-8"?>
+<p:sld xmlns:a="http://schemas.openxmlformats.org/drawingml/2006/main" xmlns:r="http://schemas.openxmlformats.org/officeDocument/2006/relationships" xmlns:p="http://schemas.openxmlformats.org/presentationml/2006/main">
+  <p:cSld>
+    <p:spTree>
+      <p:nvGrpSpPr>
+        <p:cNvPr id="1" name=""/>
+        <p:cNvGrpSpPr/>
+        <p:nvPr/>
+      </p:nvGrpSpPr>
+      <p:grpSpPr/>
+      <p:cxnSp>
+        <p:nvCxnSpPr>
+          <p:cNvPr id="19" name="直接箭头连接符 18"/>
+          <p:cNvCxnSpPr>
+            <a:stCxn id="4" idx="3"/>
+            <a:endCxn id="7" idx="1"/>
+          </p:cNvCxnSpPr>
+          <p:nvPr/>
+        </p:nvCxnSpPr>
+        <p:spPr>
+          <a:xfrm>
+            <a:off x="4664075" y="3769360"/>
+            <a:ext cx="1057910" cy="0"/>
+          </a:xfrm>
+          <a:prstGeom prst="straightConnector1">
+            <a:avLst/>
+          </a:prstGeom>
+          <a:ln>
+            <a:tailEnd type="arrow"/>
+          </a:ln>
+        </p:spPr>
+        <p:style>
+          <a:lnRef idx="1">
+            <a:schemeClr val="accent1"/>
+          </a:lnRef>
+          <a:fillRef idx="0">
+            <a:schemeClr val="accent1"/>
+          </a:fillRef>
+          <a:effectRef idx="0">
+            <a:schemeClr val="accent1"/>
+          </a:effectRef>
+          <a:fontRef idx="minor">
+            <a:schemeClr val="tx1"/>
+          </a:fontRef>
+        </p:style>
+      </p:cxnSp>
+      <p:sp>
+        <p:nvSpPr>
+          <p:cNvPr id="20" name="文本框 19"/>
+          <p:cNvSpPr txBox="1"/>
+          <p:nvPr/>
+        </p:nvSpPr>
+        <p:spPr>
+          <a:xfrm>
+            <a:off x="2592705" y="3429000"/>
+            <a:ext cx="589280" cy="337185"/>
+          </a:xfrm>
+          <a:prstGeom prst="rect">
+            <a:avLst/>
+          </a:prstGeom>
+          <a:noFill/>
+        </p:spPr>
+        <p:txBody>
+          <a:bodyPr wrap="none" rtlCol="0">
+            <a:spAutoFit/>
+          </a:bodyPr>
+          <a:p>
+            <a:r>
+              <a:rPr lang="zh-CN" altLang="en-US" sz="1600">
+                <a:latin typeface="微软雅黑" panose="020B0503020204020204" pitchFamily="34" charset="-122"/>
+                <a:ea typeface="微软雅黑" panose="020B0503020204020204" pitchFamily="34" charset="-122"/>
+              </a:rPr>
+              <a:t>托管</a:t>
+            </a:r>
+            <a:endParaRPr lang="zh-CN" altLang="en-US" sz="1600">
+              <a:latin typeface="微软雅黑" panose="020B0503020204020204" pitchFamily="34" charset="-122"/>
+              <a:ea typeface="微软雅黑" panose="020B0503020204020204" pitchFamily="34" charset="-122"/>
+            </a:endParaRPr>
+          </a:p>
+        </p:txBody>
+      </p:sp>
+      <p:sp>
+        <p:nvSpPr>
+          <p:cNvPr id="4" name="矩形 3"/>
+          <p:cNvSpPr/>
+          <p:nvPr/>
+        </p:nvSpPr>
+        <p:spPr>
+          <a:xfrm>
+            <a:off x="3472180" y="3429000"/>
+            <a:ext cx="1191895" cy="680085"/>
+          </a:xfrm>
+          <a:prstGeom prst="rect">
+            <a:avLst/>
+          </a:prstGeom>
+          <a:noFill/>
+          <a:extLst>
+            <a:ext uri="{909E8E84-426E-40DD-AFC4-6F175D3DCCD1}">
+              <a14:hiddenFill xmlns:a14="http://schemas.microsoft.com/office/drawing/2010/main">
+                <a:solidFill>
+                  <a:schemeClr val="accent1"/>
+                </a:solidFill>
+              </a14:hiddenFill>
+            </a:ext>
+          </a:extLst>
+        </p:spPr>
+        <p:style>
+          <a:lnRef idx="2">
+            <a:schemeClr val="accent1">
+              <a:shade val="50000"/>
+            </a:schemeClr>
+          </a:lnRef>
+          <a:fillRef idx="1">
+            <a:schemeClr val="accent1"/>
+          </a:fillRef>
+          <a:effectRef idx="0">
+            <a:schemeClr val="accent1"/>
+          </a:effectRef>
+          <a:fontRef idx="minor">
+            <a:schemeClr val="lt1"/>
+          </a:fontRef>
+        </p:style>
+        <p:txBody>
+          <a:bodyPr rtlCol="0" anchor="ctr"/>
+          <a:p>
+            <a:pPr algn="ctr"/>
+            <a:r>
+              <a:rPr lang="zh-CN" altLang="en-US">
+                <a:solidFill>
+                  <a:schemeClr val="tx1"/>
+                </a:solidFill>
+                <a:latin typeface="微软雅黑" panose="020B0503020204020204" pitchFamily="34" charset="-122"/>
+                <a:ea typeface="微软雅黑" panose="020B0503020204020204" pitchFamily="34" charset="-122"/>
+                <a:cs typeface="微软雅黑" panose="020B0503020204020204" pitchFamily="34" charset="-122"/>
+              </a:rPr>
+              <a:t>源码</a:t>
+            </a:r>
+            <a:endParaRPr lang="zh-CN" altLang="en-US">
+              <a:solidFill>
+                <a:schemeClr val="tx1"/>
+              </a:solidFill>
+              <a:latin typeface="微软雅黑" panose="020B0503020204020204" pitchFamily="34" charset="-122"/>
+              <a:ea typeface="微软雅黑" panose="020B0503020204020204" pitchFamily="34" charset="-122"/>
+              <a:cs typeface="微软雅黑" panose="020B0503020204020204" pitchFamily="34" charset="-122"/>
+            </a:endParaRPr>
+          </a:p>
+          <a:p>
+            <a:pPr algn="ctr"/>
+            <a:r>
+              <a:rPr lang="zh-CN" altLang="en-US">
+                <a:solidFill>
+                  <a:schemeClr val="tx1"/>
+                </a:solidFill>
+                <a:latin typeface="微软雅黑" panose="020B0503020204020204" pitchFamily="34" charset="-122"/>
+                <a:ea typeface="微软雅黑" panose="020B0503020204020204" pitchFamily="34" charset="-122"/>
+                <a:cs typeface="微软雅黑" panose="020B0503020204020204" pitchFamily="34" charset="-122"/>
+              </a:rPr>
+              <a:t>托管平台</a:t>
+            </a:r>
+            <a:endParaRPr lang="zh-CN" altLang="en-US">
+              <a:solidFill>
+                <a:schemeClr val="tx1"/>
+              </a:solidFill>
+              <a:latin typeface="微软雅黑" panose="020B0503020204020204" pitchFamily="34" charset="-122"/>
+              <a:ea typeface="微软雅黑" panose="020B0503020204020204" pitchFamily="34" charset="-122"/>
+              <a:cs typeface="微软雅黑" panose="020B0503020204020204" pitchFamily="34" charset="-122"/>
+            </a:endParaRPr>
+          </a:p>
+        </p:txBody>
+      </p:sp>
+      <p:sp>
+        <p:nvSpPr>
+          <p:cNvPr id="5" name="流程图: 多文档 4"/>
+          <p:cNvSpPr/>
+          <p:nvPr/>
+        </p:nvSpPr>
+        <p:spPr>
+          <a:xfrm>
+            <a:off x="1114743" y="3389630"/>
+            <a:ext cx="1288415" cy="759460"/>
+          </a:xfrm>
+          <a:prstGeom prst="flowChartMultidocument">
+            <a:avLst/>
+          </a:prstGeom>
+          <a:noFill/>
+          <a:extLst>
+            <a:ext uri="{909E8E84-426E-40DD-AFC4-6F175D3DCCD1}">
+              <a14:hiddenFill xmlns:a14="http://schemas.microsoft.com/office/drawing/2010/main">
+                <a:solidFill>
+                  <a:schemeClr val="accent1"/>
+                </a:solidFill>
+              </a14:hiddenFill>
+            </a:ext>
+          </a:extLst>
+        </p:spPr>
+        <p:style>
+          <a:lnRef idx="2">
+            <a:schemeClr val="accent1">
+              <a:shade val="50000"/>
+            </a:schemeClr>
+          </a:lnRef>
+          <a:fillRef idx="1">
+            <a:schemeClr val="accent1"/>
+          </a:fillRef>
+          <a:effectRef idx="0">
+            <a:schemeClr val="accent1"/>
+          </a:effectRef>
+          <a:fontRef idx="minor">
+            <a:schemeClr val="lt1"/>
+          </a:fontRef>
+        </p:style>
+        <p:txBody>
+          <a:bodyPr rtlCol="0" anchor="ctr"/>
+          <a:p>
+            <a:pPr algn="ctr"/>
+            <a:r>
+              <a:rPr lang="zh-CN" altLang="en-US">
+                <a:solidFill>
+                  <a:schemeClr val="tx1"/>
+                </a:solidFill>
+                <a:latin typeface="微软雅黑" panose="020B0503020204020204" pitchFamily="34" charset="-122"/>
+                <a:ea typeface="微软雅黑" panose="020B0503020204020204" pitchFamily="34" charset="-122"/>
+              </a:rPr>
+              <a:t>组件源码</a:t>
+            </a:r>
+            <a:endParaRPr lang="zh-CN" altLang="en-US">
+              <a:solidFill>
+                <a:schemeClr val="tx1"/>
+              </a:solidFill>
+              <a:latin typeface="微软雅黑" panose="020B0503020204020204" pitchFamily="34" charset="-122"/>
+              <a:ea typeface="微软雅黑" panose="020B0503020204020204" pitchFamily="34" charset="-122"/>
+            </a:endParaRPr>
+          </a:p>
+        </p:txBody>
+      </p:sp>
+      <p:cxnSp>
+        <p:nvCxnSpPr>
+          <p:cNvPr id="6" name="直接箭头连接符 5"/>
+          <p:cNvCxnSpPr>
+            <a:stCxn id="5" idx="3"/>
+            <a:endCxn id="4" idx="1"/>
+          </p:cNvCxnSpPr>
+          <p:nvPr/>
+        </p:nvCxnSpPr>
+        <p:spPr>
+          <a:xfrm>
+            <a:off x="2403475" y="3769360"/>
+            <a:ext cx="1068705" cy="0"/>
+          </a:xfrm>
+          <a:prstGeom prst="straightConnector1">
+            <a:avLst/>
+          </a:prstGeom>
+          <a:ln>
+            <a:tailEnd type="arrow"/>
+          </a:ln>
+        </p:spPr>
+        <p:style>
+          <a:lnRef idx="1">
+            <a:schemeClr val="accent1"/>
+          </a:lnRef>
+          <a:fillRef idx="0">
+            <a:schemeClr val="accent1"/>
+          </a:fillRef>
+          <a:effectRef idx="0">
+            <a:schemeClr val="accent1"/>
+          </a:effectRef>
+          <a:fontRef idx="minor">
+            <a:schemeClr val="tx1"/>
+          </a:fontRef>
+        </p:style>
+      </p:cxnSp>
+      <p:sp>
+        <p:nvSpPr>
+          <p:cNvPr id="7" name="矩形 6"/>
+          <p:cNvSpPr/>
+          <p:nvPr/>
+        </p:nvSpPr>
+        <p:spPr>
+          <a:xfrm>
+            <a:off x="5721985" y="3429000"/>
+            <a:ext cx="1389380" cy="680085"/>
+          </a:xfrm>
+          <a:prstGeom prst="rect">
+            <a:avLst/>
+          </a:prstGeom>
+          <a:noFill/>
+          <a:extLst>
+            <a:ext uri="{909E8E84-426E-40DD-AFC4-6F175D3DCCD1}">
+              <a14:hiddenFill xmlns:a14="http://schemas.microsoft.com/office/drawing/2010/main">
+                <a:solidFill>
+                  <a:schemeClr val="accent1"/>
+                </a:solidFill>
+              </a14:hiddenFill>
+            </a:ext>
+          </a:extLst>
+        </p:spPr>
+        <p:style>
+          <a:lnRef idx="2">
+            <a:schemeClr val="accent1">
+              <a:shade val="50000"/>
+            </a:schemeClr>
+          </a:lnRef>
+          <a:fillRef idx="1">
+            <a:schemeClr val="accent1"/>
+          </a:fillRef>
+          <a:effectRef idx="0">
+            <a:schemeClr val="accent1"/>
+          </a:effectRef>
+          <a:fontRef idx="minor">
+            <a:schemeClr val="lt1"/>
+          </a:fontRef>
+        </p:style>
+        <p:txBody>
+          <a:bodyPr rtlCol="0" anchor="ctr"/>
+          <a:p>
+            <a:pPr algn="ctr"/>
+            <a:r>
+              <a:rPr lang="en-US" altLang="zh-CN">
+                <a:solidFill>
+                  <a:schemeClr val="tx1"/>
+                </a:solidFill>
+                <a:latin typeface="微软雅黑" panose="020B0503020204020204" pitchFamily="34" charset="-122"/>
+                <a:ea typeface="微软雅黑" panose="020B0503020204020204" pitchFamily="34" charset="-122"/>
+                <a:cs typeface="微软雅黑" panose="020B0503020204020204" pitchFamily="34" charset="-122"/>
+              </a:rPr>
+              <a:t>BlockLang</a:t>
+            </a:r>
+            <a:endParaRPr lang="en-US" altLang="zh-CN">
+              <a:solidFill>
+                <a:schemeClr val="tx1"/>
+              </a:solidFill>
+              <a:latin typeface="微软雅黑" panose="020B0503020204020204" pitchFamily="34" charset="-122"/>
+              <a:ea typeface="微软雅黑" panose="020B0503020204020204" pitchFamily="34" charset="-122"/>
+              <a:cs typeface="微软雅黑" panose="020B0503020204020204" pitchFamily="34" charset="-122"/>
+            </a:endParaRPr>
+          </a:p>
+          <a:p>
+            <a:pPr algn="ctr"/>
+            <a:r>
+              <a:rPr lang="zh-CN" altLang="en-US">
+                <a:solidFill>
+                  <a:schemeClr val="tx1"/>
+                </a:solidFill>
+                <a:latin typeface="微软雅黑" panose="020B0503020204020204" pitchFamily="34" charset="-122"/>
+                <a:ea typeface="微软雅黑" panose="020B0503020204020204" pitchFamily="34" charset="-122"/>
+                <a:cs typeface="微软雅黑" panose="020B0503020204020204" pitchFamily="34" charset="-122"/>
+              </a:rPr>
+              <a:t>组件市场</a:t>
+            </a:r>
+            <a:endParaRPr lang="zh-CN" altLang="en-US">
+              <a:solidFill>
+                <a:schemeClr val="tx1"/>
+              </a:solidFill>
+              <a:latin typeface="微软雅黑" panose="020B0503020204020204" pitchFamily="34" charset="-122"/>
+              <a:ea typeface="微软雅黑" panose="020B0503020204020204" pitchFamily="34" charset="-122"/>
+              <a:cs typeface="微软雅黑" panose="020B0503020204020204" pitchFamily="34" charset="-122"/>
+            </a:endParaRPr>
+          </a:p>
+        </p:txBody>
+      </p:sp>
+      <p:sp>
+        <p:nvSpPr>
+          <p:cNvPr id="8" name="文本框 7"/>
+          <p:cNvSpPr txBox="1"/>
+          <p:nvPr/>
+        </p:nvSpPr>
+        <p:spPr>
+          <a:xfrm>
+            <a:off x="4898390" y="3429000"/>
+            <a:ext cx="589280" cy="337185"/>
+          </a:xfrm>
+          <a:prstGeom prst="rect">
+            <a:avLst/>
+          </a:prstGeom>
+          <a:noFill/>
+        </p:spPr>
+        <p:txBody>
+          <a:bodyPr wrap="none" rtlCol="0">
+            <a:spAutoFit/>
+          </a:bodyPr>
+          <a:p>
+            <a:r>
+              <a:rPr lang="zh-CN" altLang="en-US" sz="1600">
+                <a:latin typeface="微软雅黑" panose="020B0503020204020204" pitchFamily="34" charset="-122"/>
+                <a:ea typeface="微软雅黑" panose="020B0503020204020204" pitchFamily="34" charset="-122"/>
+              </a:rPr>
+              <a:t>发布</a:t>
+            </a:r>
+            <a:endParaRPr lang="zh-CN" altLang="en-US" sz="1600">
+              <a:latin typeface="微软雅黑" panose="020B0503020204020204" pitchFamily="34" charset="-122"/>
+              <a:ea typeface="微软雅黑" panose="020B0503020204020204" pitchFamily="34" charset="-122"/>
+            </a:endParaRPr>
+          </a:p>
+        </p:txBody>
+      </p:sp>
+      <p:sp>
+        <p:nvSpPr>
+          <p:cNvPr id="9" name="矩形 8"/>
+          <p:cNvSpPr/>
+          <p:nvPr/>
+        </p:nvSpPr>
+        <p:spPr>
+          <a:xfrm>
+            <a:off x="8056245" y="3429000"/>
+            <a:ext cx="1389380" cy="680085"/>
+          </a:xfrm>
+          <a:prstGeom prst="rect">
+            <a:avLst/>
+          </a:prstGeom>
+          <a:noFill/>
+          <a:extLst>
+            <a:ext uri="{909E8E84-426E-40DD-AFC4-6F175D3DCCD1}">
+              <a14:hiddenFill xmlns:a14="http://schemas.microsoft.com/office/drawing/2010/main">
+                <a:solidFill>
+                  <a:schemeClr val="accent1"/>
+                </a:solidFill>
+              </a14:hiddenFill>
+            </a:ext>
+          </a:extLst>
+        </p:spPr>
+        <p:style>
+          <a:lnRef idx="2">
+            <a:schemeClr val="accent1">
+              <a:shade val="50000"/>
+            </a:schemeClr>
+          </a:lnRef>
+          <a:fillRef idx="1">
+            <a:schemeClr val="accent1"/>
+          </a:fillRef>
+          <a:effectRef idx="0">
+            <a:schemeClr val="accent1"/>
+          </a:effectRef>
+          <a:fontRef idx="minor">
+            <a:schemeClr val="lt1"/>
+          </a:fontRef>
+        </p:style>
+        <p:txBody>
+          <a:bodyPr rtlCol="0" anchor="ctr"/>
+          <a:p>
+            <a:pPr algn="ctr"/>
+            <a:r>
+              <a:rPr lang="zh-CN">
+                <a:solidFill>
+                  <a:schemeClr val="tx1"/>
+                </a:solidFill>
+                <a:latin typeface="微软雅黑" panose="020B0503020204020204" pitchFamily="34" charset="-122"/>
+                <a:ea typeface="微软雅黑" panose="020B0503020204020204" pitchFamily="34" charset="-122"/>
+                <a:cs typeface="微软雅黑" panose="020B0503020204020204" pitchFamily="34" charset="-122"/>
+              </a:rPr>
+              <a:t>项目</a:t>
+            </a:r>
+            <a:endParaRPr lang="zh-CN">
+              <a:solidFill>
+                <a:schemeClr val="tx1"/>
+              </a:solidFill>
+              <a:latin typeface="微软雅黑" panose="020B0503020204020204" pitchFamily="34" charset="-122"/>
+              <a:ea typeface="微软雅黑" panose="020B0503020204020204" pitchFamily="34" charset="-122"/>
+              <a:cs typeface="微软雅黑" panose="020B0503020204020204" pitchFamily="34" charset="-122"/>
+            </a:endParaRPr>
+          </a:p>
+        </p:txBody>
+      </p:sp>
+      <p:cxnSp>
+        <p:nvCxnSpPr>
+          <p:cNvPr id="10" name="直接箭头连接符 9"/>
+          <p:cNvCxnSpPr/>
+          <p:nvPr/>
+        </p:nvCxnSpPr>
+        <p:spPr>
+          <a:xfrm flipV="1">
+            <a:off x="7125335" y="3764280"/>
+            <a:ext cx="935355" cy="9525"/>
+          </a:xfrm>
+          <a:prstGeom prst="straightConnector1">
+            <a:avLst/>
+          </a:prstGeom>
+          <a:ln>
+            <a:tailEnd type="arrow"/>
+          </a:ln>
+        </p:spPr>
+        <p:style>
+          <a:lnRef idx="1">
+            <a:schemeClr val="accent1"/>
+          </a:lnRef>
+          <a:fillRef idx="0">
+            <a:schemeClr val="accent1"/>
+          </a:fillRef>
+          <a:effectRef idx="0">
+            <a:schemeClr val="accent1"/>
+          </a:effectRef>
+          <a:fontRef idx="minor">
+            <a:schemeClr val="tx1"/>
+          </a:fontRef>
+        </p:style>
+      </p:cxnSp>
+      <p:sp>
+        <p:nvSpPr>
+          <p:cNvPr id="11" name="文本框 10"/>
+          <p:cNvSpPr txBox="1"/>
+          <p:nvPr/>
+        </p:nvSpPr>
+        <p:spPr>
+          <a:xfrm>
+            <a:off x="7280275" y="3432175"/>
+            <a:ext cx="589280" cy="337185"/>
+          </a:xfrm>
+          <a:prstGeom prst="rect">
+            <a:avLst/>
+          </a:prstGeom>
+          <a:noFill/>
+        </p:spPr>
+        <p:txBody>
+          <a:bodyPr wrap="none" rtlCol="0">
+            <a:spAutoFit/>
+          </a:bodyPr>
+          <a:p>
+            <a:r>
+              <a:rPr lang="zh-CN" altLang="en-US" sz="1600">
+                <a:latin typeface="微软雅黑" panose="020B0503020204020204" pitchFamily="34" charset="-122"/>
+                <a:ea typeface="微软雅黑" panose="020B0503020204020204" pitchFamily="34" charset="-122"/>
+              </a:rPr>
+              <a:t>引用</a:t>
+            </a:r>
+            <a:endParaRPr lang="zh-CN" altLang="en-US" sz="1600">
+              <a:latin typeface="微软雅黑" panose="020B0503020204020204" pitchFamily="34" charset="-122"/>
+              <a:ea typeface="微软雅黑" panose="020B0503020204020204" pitchFamily="34" charset="-122"/>
+            </a:endParaRPr>
+          </a:p>
+        </p:txBody>
+      </p:sp>
     </p:spTree>
   </p:cSld>
   <p:clrMapOvr>

--- a/docs/spec/BlockLang.pptx
+++ b/docs/spec/BlockLang.pptx
@@ -15,6 +15,7 @@
     <p:sldId id="262" r:id="rId8"/>
     <p:sldId id="263" r:id="rId9"/>
     <p:sldId id="264" r:id="rId10"/>
+    <p:sldId id="265" r:id="rId11"/>
   </p:sldIdLst>
   <p:sldSz cx="12192000" cy="6858000"/>
   <p:notesSz cx="6858000" cy="9144000"/>
@@ -1177,6 +1178,54 @@
             <a:r>
               <a:rPr lang="zh-CN" altLang="en-US"/>
               <a:t>注意：不需要软件市场，或者将发布后的软件也发布到组件市场中，因为项目列表本身就可以看为软件市场。</a:t>
+            </a:r>
+            <a:endParaRPr lang="zh-CN" altLang="en-US"/>
+          </a:p>
+        </p:txBody>
+      </p:sp>
+    </p:spTree>
+  </p:cSld>
+  <p:clrMapOvr>
+    <a:masterClrMapping/>
+  </p:clrMapOvr>
+</p:notes>
+</file>
+
+<file path=ppt/notesSlides/notesSlide5.xml><?xml version="1.0" encoding="utf-8"?>
+<p:notes xmlns:a="http://schemas.openxmlformats.org/drawingml/2006/main" xmlns:r="http://schemas.openxmlformats.org/officeDocument/2006/relationships" xmlns:p="http://schemas.openxmlformats.org/presentationml/2006/main">
+  <p:cSld>
+    <p:spTree>
+      <p:nvGrpSpPr>
+        <p:cNvPr id="1" name=""/>
+        <p:cNvGrpSpPr/>
+        <p:nvPr/>
+      </p:nvGrpSpPr>
+      <p:grpSpPr/>
+      <p:sp>
+        <p:nvSpPr>
+          <p:cNvPr id="2" name="幻灯片图像占位符 1"/>
+          <p:cNvSpPr/>
+          <p:nvPr>
+            <p:ph type="sldImg" idx="2"/>
+          </p:nvPr>
+        </p:nvSpPr>
+        <p:spPr/>
+      </p:sp>
+      <p:sp>
+        <p:nvSpPr>
+          <p:cNvPr id="3" name="文本占位符 2"/>
+          <p:cNvSpPr/>
+          <p:nvPr>
+            <p:ph type="body" idx="3"/>
+          </p:nvPr>
+        </p:nvSpPr>
+        <p:spPr/>
+        <p:txBody>
+          <a:bodyPr/>
+          <a:p>
+            <a:r>
+              <a:rPr lang="zh-CN" altLang="en-US"/>
+              <a:t>系统管理</a:t>
             </a:r>
             <a:endParaRPr lang="zh-CN" altLang="en-US"/>
           </a:p>
@@ -11492,6 +11541,5245 @@
           </a:p>
         </p:txBody>
       </p:sp>
+    </p:spTree>
+  </p:cSld>
+  <p:clrMapOvr>
+    <a:masterClrMapping/>
+  </p:clrMapOvr>
+</p:sld>
+</file>
+
+<file path=ppt/slides/slide8.xml><?xml version="1.0" encoding="utf-8"?>
+<p:sld xmlns:a="http://schemas.openxmlformats.org/drawingml/2006/main" xmlns:r="http://schemas.openxmlformats.org/officeDocument/2006/relationships" xmlns:p="http://schemas.openxmlformats.org/presentationml/2006/main">
+  <p:cSld>
+    <p:spTree>
+      <p:nvGrpSpPr>
+        <p:cNvPr id="1" name=""/>
+        <p:cNvGrpSpPr/>
+        <p:nvPr/>
+      </p:nvGrpSpPr>
+      <p:grpSpPr/>
+      <p:sp>
+        <p:nvSpPr>
+          <p:cNvPr id="9" name="矩形 8"/>
+          <p:cNvSpPr/>
+          <p:nvPr/>
+        </p:nvSpPr>
+        <p:spPr>
+          <a:xfrm>
+            <a:off x="5523230" y="64135"/>
+            <a:ext cx="1220470" cy="337185"/>
+          </a:xfrm>
+          <a:prstGeom prst="rect">
+            <a:avLst/>
+          </a:prstGeom>
+          <a:noFill/>
+          <a:extLst>
+            <a:ext uri="{909E8E84-426E-40DD-AFC4-6F175D3DCCD1}">
+              <a14:hiddenFill xmlns:a14="http://schemas.microsoft.com/office/drawing/2010/main">
+                <a:solidFill>
+                  <a:schemeClr val="accent1"/>
+                </a:solidFill>
+              </a14:hiddenFill>
+            </a:ext>
+          </a:extLst>
+        </p:spPr>
+        <p:style>
+          <a:lnRef idx="2">
+            <a:schemeClr val="accent1">
+              <a:shade val="50000"/>
+            </a:schemeClr>
+          </a:lnRef>
+          <a:fillRef idx="1">
+            <a:schemeClr val="accent1"/>
+          </a:fillRef>
+          <a:effectRef idx="0">
+            <a:schemeClr val="accent1"/>
+          </a:effectRef>
+          <a:fontRef idx="minor">
+            <a:schemeClr val="lt1"/>
+          </a:fontRef>
+        </p:style>
+        <p:txBody>
+          <a:bodyPr rtlCol="0" anchor="ctr"/>
+          <a:p>
+            <a:pPr algn="ctr"/>
+            <a:r>
+              <a:rPr lang="en-US" altLang="zh-CN" sz="1200">
+                <a:solidFill>
+                  <a:schemeClr val="tx1"/>
+                </a:solidFill>
+                <a:latin typeface="微软雅黑" panose="020B0503020204020204" pitchFamily="34" charset="-122"/>
+                <a:ea typeface="微软雅黑" panose="020B0503020204020204" pitchFamily="34" charset="-122"/>
+                <a:cs typeface="微软雅黑" panose="020B0503020204020204" pitchFamily="34" charset="-122"/>
+              </a:rPr>
+              <a:t>BlockLang </a:t>
+            </a:r>
+            <a:r>
+              <a:rPr lang="zh-CN" altLang="en-US" sz="1200">
+                <a:solidFill>
+                  <a:schemeClr val="tx1"/>
+                </a:solidFill>
+                <a:latin typeface="微软雅黑" panose="020B0503020204020204" pitchFamily="34" charset="-122"/>
+                <a:ea typeface="微软雅黑" panose="020B0503020204020204" pitchFamily="34" charset="-122"/>
+                <a:cs typeface="微软雅黑" panose="020B0503020204020204" pitchFamily="34" charset="-122"/>
+              </a:rPr>
+              <a:t>云</a:t>
+            </a:r>
+            <a:endParaRPr lang="zh-CN" altLang="en-US" sz="1200">
+              <a:solidFill>
+                <a:schemeClr val="tx1"/>
+              </a:solidFill>
+              <a:latin typeface="微软雅黑" panose="020B0503020204020204" pitchFamily="34" charset="-122"/>
+              <a:ea typeface="微软雅黑" panose="020B0503020204020204" pitchFamily="34" charset="-122"/>
+              <a:cs typeface="微软雅黑" panose="020B0503020204020204" pitchFamily="34" charset="-122"/>
+            </a:endParaRPr>
+          </a:p>
+        </p:txBody>
+      </p:sp>
+      <p:sp>
+        <p:nvSpPr>
+          <p:cNvPr id="2" name="矩形 1"/>
+          <p:cNvSpPr/>
+          <p:nvPr/>
+        </p:nvSpPr>
+        <p:spPr>
+          <a:xfrm>
+            <a:off x="5311775" y="1121410"/>
+            <a:ext cx="720725" cy="337185"/>
+          </a:xfrm>
+          <a:prstGeom prst="rect">
+            <a:avLst/>
+          </a:prstGeom>
+          <a:noFill/>
+          <a:extLst>
+            <a:ext uri="{909E8E84-426E-40DD-AFC4-6F175D3DCCD1}">
+              <a14:hiddenFill xmlns:a14="http://schemas.microsoft.com/office/drawing/2010/main">
+                <a:solidFill>
+                  <a:schemeClr val="accent1"/>
+                </a:solidFill>
+              </a14:hiddenFill>
+            </a:ext>
+          </a:extLst>
+        </p:spPr>
+        <p:style>
+          <a:lnRef idx="2">
+            <a:schemeClr val="accent1">
+              <a:shade val="50000"/>
+            </a:schemeClr>
+          </a:lnRef>
+          <a:fillRef idx="1">
+            <a:schemeClr val="accent1"/>
+          </a:fillRef>
+          <a:effectRef idx="0">
+            <a:schemeClr val="accent1"/>
+          </a:effectRef>
+          <a:fontRef idx="minor">
+            <a:schemeClr val="lt1"/>
+          </a:fontRef>
+        </p:style>
+        <p:txBody>
+          <a:bodyPr rtlCol="0" anchor="ctr"/>
+          <a:p>
+            <a:pPr algn="ctr"/>
+            <a:r>
+              <a:rPr lang="zh-CN" sz="1200">
+                <a:solidFill>
+                  <a:schemeClr val="tx1"/>
+                </a:solidFill>
+                <a:latin typeface="微软雅黑" panose="020B0503020204020204" pitchFamily="34" charset="-122"/>
+                <a:ea typeface="微软雅黑" panose="020B0503020204020204" pitchFamily="34" charset="-122"/>
+                <a:cs typeface="微软雅黑" panose="020B0503020204020204" pitchFamily="34" charset="-122"/>
+              </a:rPr>
+              <a:t>业务</a:t>
+            </a:r>
+            <a:endParaRPr lang="zh-CN" sz="1200">
+              <a:solidFill>
+                <a:schemeClr val="tx1"/>
+              </a:solidFill>
+              <a:latin typeface="微软雅黑" panose="020B0503020204020204" pitchFamily="34" charset="-122"/>
+              <a:ea typeface="微软雅黑" panose="020B0503020204020204" pitchFamily="34" charset="-122"/>
+              <a:cs typeface="微软雅黑" panose="020B0503020204020204" pitchFamily="34" charset="-122"/>
+            </a:endParaRPr>
+          </a:p>
+          <a:p>
+            <a:pPr algn="ctr"/>
+            <a:r>
+              <a:rPr lang="zh-CN" sz="1200">
+                <a:solidFill>
+                  <a:schemeClr val="tx1"/>
+                </a:solidFill>
+                <a:latin typeface="微软雅黑" panose="020B0503020204020204" pitchFamily="34" charset="-122"/>
+                <a:ea typeface="微软雅黑" panose="020B0503020204020204" pitchFamily="34" charset="-122"/>
+                <a:cs typeface="微软雅黑" panose="020B0503020204020204" pitchFamily="34" charset="-122"/>
+              </a:rPr>
+              <a:t>软件云</a:t>
+            </a:r>
+            <a:endParaRPr lang="zh-CN" sz="1200">
+              <a:solidFill>
+                <a:schemeClr val="tx1"/>
+              </a:solidFill>
+              <a:latin typeface="微软雅黑" panose="020B0503020204020204" pitchFamily="34" charset="-122"/>
+              <a:ea typeface="微软雅黑" panose="020B0503020204020204" pitchFamily="34" charset="-122"/>
+              <a:cs typeface="微软雅黑" panose="020B0503020204020204" pitchFamily="34" charset="-122"/>
+            </a:endParaRPr>
+          </a:p>
+        </p:txBody>
+      </p:sp>
+      <p:sp>
+        <p:nvSpPr>
+          <p:cNvPr id="3" name="矩形 2"/>
+          <p:cNvSpPr/>
+          <p:nvPr/>
+        </p:nvSpPr>
+        <p:spPr>
+          <a:xfrm>
+            <a:off x="9993630" y="1121410"/>
+            <a:ext cx="683260" cy="337185"/>
+          </a:xfrm>
+          <a:prstGeom prst="rect">
+            <a:avLst/>
+          </a:prstGeom>
+          <a:noFill/>
+          <a:ln>
+            <a:prstDash val="dash"/>
+          </a:ln>
+          <a:extLst>
+            <a:ext uri="{909E8E84-426E-40DD-AFC4-6F175D3DCCD1}">
+              <a14:hiddenFill xmlns:a14="http://schemas.microsoft.com/office/drawing/2010/main">
+                <a:solidFill>
+                  <a:schemeClr val="accent1"/>
+                </a:solidFill>
+              </a14:hiddenFill>
+            </a:ext>
+          </a:extLst>
+        </p:spPr>
+        <p:style>
+          <a:lnRef idx="2">
+            <a:schemeClr val="accent1">
+              <a:shade val="50000"/>
+            </a:schemeClr>
+          </a:lnRef>
+          <a:fillRef idx="1">
+            <a:schemeClr val="accent1"/>
+          </a:fillRef>
+          <a:effectRef idx="0">
+            <a:schemeClr val="accent1"/>
+          </a:effectRef>
+          <a:fontRef idx="minor">
+            <a:schemeClr val="lt1"/>
+          </a:fontRef>
+        </p:style>
+        <p:txBody>
+          <a:bodyPr rtlCol="0" anchor="ctr"/>
+          <a:p>
+            <a:pPr algn="ctr"/>
+            <a:r>
+              <a:rPr lang="zh-CN" sz="1200">
+                <a:solidFill>
+                  <a:schemeClr val="tx1"/>
+                </a:solidFill>
+                <a:latin typeface="微软雅黑" panose="020B0503020204020204" pitchFamily="34" charset="-122"/>
+                <a:ea typeface="微软雅黑" panose="020B0503020204020204" pitchFamily="34" charset="-122"/>
+                <a:cs typeface="微软雅黑" panose="020B0503020204020204" pitchFamily="34" charset="-122"/>
+              </a:rPr>
+              <a:t>硬件云</a:t>
+            </a:r>
+            <a:endParaRPr lang="zh-CN" sz="1200">
+              <a:solidFill>
+                <a:schemeClr val="tx1"/>
+              </a:solidFill>
+              <a:latin typeface="微软雅黑" panose="020B0503020204020204" pitchFamily="34" charset="-122"/>
+              <a:ea typeface="微软雅黑" panose="020B0503020204020204" pitchFamily="34" charset="-122"/>
+              <a:cs typeface="微软雅黑" panose="020B0503020204020204" pitchFamily="34" charset="-122"/>
+            </a:endParaRPr>
+          </a:p>
+        </p:txBody>
+      </p:sp>
+      <p:sp>
+        <p:nvSpPr>
+          <p:cNvPr id="12" name="矩形 11"/>
+          <p:cNvSpPr/>
+          <p:nvPr/>
+        </p:nvSpPr>
+        <p:spPr>
+          <a:xfrm>
+            <a:off x="10476230" y="2374265"/>
+            <a:ext cx="538480" cy="337185"/>
+          </a:xfrm>
+          <a:prstGeom prst="rect">
+            <a:avLst/>
+          </a:prstGeom>
+          <a:noFill/>
+          <a:ln>
+            <a:prstDash val="dash"/>
+          </a:ln>
+          <a:extLst>
+            <a:ext uri="{909E8E84-426E-40DD-AFC4-6F175D3DCCD1}">
+              <a14:hiddenFill xmlns:a14="http://schemas.microsoft.com/office/drawing/2010/main">
+                <a:solidFill>
+                  <a:schemeClr val="accent1"/>
+                </a:solidFill>
+              </a14:hiddenFill>
+            </a:ext>
+          </a:extLst>
+        </p:spPr>
+        <p:style>
+          <a:lnRef idx="2">
+            <a:schemeClr val="accent1">
+              <a:shade val="50000"/>
+            </a:schemeClr>
+          </a:lnRef>
+          <a:fillRef idx="1">
+            <a:schemeClr val="accent1"/>
+          </a:fillRef>
+          <a:effectRef idx="0">
+            <a:schemeClr val="accent1"/>
+          </a:effectRef>
+          <a:fontRef idx="minor">
+            <a:schemeClr val="lt1"/>
+          </a:fontRef>
+        </p:style>
+        <p:txBody>
+          <a:bodyPr rtlCol="0" anchor="ctr"/>
+          <a:p>
+            <a:pPr algn="ctr"/>
+            <a:r>
+              <a:rPr lang="en-US" altLang="zh-CN" sz="1200">
+                <a:solidFill>
+                  <a:schemeClr val="tx1"/>
+                </a:solidFill>
+                <a:latin typeface="微软雅黑" panose="020B0503020204020204" pitchFamily="34" charset="-122"/>
+                <a:ea typeface="微软雅黑" panose="020B0503020204020204" pitchFamily="34" charset="-122"/>
+                <a:cs typeface="微软雅黑" panose="020B0503020204020204" pitchFamily="34" charset="-122"/>
+              </a:rPr>
+              <a:t>AWS</a:t>
+            </a:r>
+            <a:endParaRPr lang="en-US" altLang="zh-CN" sz="1200">
+              <a:solidFill>
+                <a:schemeClr val="tx1"/>
+              </a:solidFill>
+              <a:latin typeface="微软雅黑" panose="020B0503020204020204" pitchFamily="34" charset="-122"/>
+              <a:ea typeface="微软雅黑" panose="020B0503020204020204" pitchFamily="34" charset="-122"/>
+              <a:cs typeface="微软雅黑" panose="020B0503020204020204" pitchFamily="34" charset="-122"/>
+            </a:endParaRPr>
+          </a:p>
+        </p:txBody>
+      </p:sp>
+      <p:sp>
+        <p:nvSpPr>
+          <p:cNvPr id="13" name="矩形 12"/>
+          <p:cNvSpPr/>
+          <p:nvPr/>
+        </p:nvSpPr>
+        <p:spPr>
+          <a:xfrm>
+            <a:off x="11113135" y="2374265"/>
+            <a:ext cx="895985" cy="337185"/>
+          </a:xfrm>
+          <a:prstGeom prst="rect">
+            <a:avLst/>
+          </a:prstGeom>
+          <a:noFill/>
+          <a:ln>
+            <a:prstDash val="dash"/>
+          </a:ln>
+          <a:extLst>
+            <a:ext uri="{909E8E84-426E-40DD-AFC4-6F175D3DCCD1}">
+              <a14:hiddenFill xmlns:a14="http://schemas.microsoft.com/office/drawing/2010/main">
+                <a:solidFill>
+                  <a:schemeClr val="accent1"/>
+                </a:solidFill>
+              </a14:hiddenFill>
+            </a:ext>
+          </a:extLst>
+        </p:spPr>
+        <p:style>
+          <a:lnRef idx="2">
+            <a:schemeClr val="accent1">
+              <a:shade val="50000"/>
+            </a:schemeClr>
+          </a:lnRef>
+          <a:fillRef idx="1">
+            <a:schemeClr val="accent1"/>
+          </a:fillRef>
+          <a:effectRef idx="0">
+            <a:schemeClr val="accent1"/>
+          </a:effectRef>
+          <a:fontRef idx="minor">
+            <a:schemeClr val="lt1"/>
+          </a:fontRef>
+        </p:style>
+        <p:txBody>
+          <a:bodyPr rtlCol="0" anchor="ctr"/>
+          <a:p>
+            <a:pPr algn="ctr"/>
+            <a:r>
+              <a:rPr lang="en-US" altLang="zh-CN" sz="1200">
+                <a:solidFill>
+                  <a:schemeClr val="tx1"/>
+                </a:solidFill>
+                <a:latin typeface="微软雅黑" panose="020B0503020204020204" pitchFamily="34" charset="-122"/>
+                <a:ea typeface="微软雅黑" panose="020B0503020204020204" pitchFamily="34" charset="-122"/>
+                <a:cs typeface="微软雅黑" panose="020B0503020204020204" pitchFamily="34" charset="-122"/>
+              </a:rPr>
+              <a:t>Microsoft Azure</a:t>
+            </a:r>
+            <a:endParaRPr lang="en-US" altLang="zh-CN" sz="1200">
+              <a:solidFill>
+                <a:schemeClr val="tx1"/>
+              </a:solidFill>
+              <a:latin typeface="微软雅黑" panose="020B0503020204020204" pitchFamily="34" charset="-122"/>
+              <a:ea typeface="微软雅黑" panose="020B0503020204020204" pitchFamily="34" charset="-122"/>
+              <a:cs typeface="微软雅黑" panose="020B0503020204020204" pitchFamily="34" charset="-122"/>
+            </a:endParaRPr>
+          </a:p>
+        </p:txBody>
+      </p:sp>
+      <p:sp>
+        <p:nvSpPr>
+          <p:cNvPr id="14" name="矩形 13"/>
+          <p:cNvSpPr/>
+          <p:nvPr/>
+        </p:nvSpPr>
+        <p:spPr>
+          <a:xfrm>
+            <a:off x="8933180" y="2374265"/>
+            <a:ext cx="650240" cy="337185"/>
+          </a:xfrm>
+          <a:prstGeom prst="rect">
+            <a:avLst/>
+          </a:prstGeom>
+          <a:noFill/>
+          <a:ln>
+            <a:prstDash val="dash"/>
+          </a:ln>
+          <a:extLst>
+            <a:ext uri="{909E8E84-426E-40DD-AFC4-6F175D3DCCD1}">
+              <a14:hiddenFill xmlns:a14="http://schemas.microsoft.com/office/drawing/2010/main">
+                <a:solidFill>
+                  <a:schemeClr val="accent1"/>
+                </a:solidFill>
+              </a14:hiddenFill>
+            </a:ext>
+          </a:extLst>
+        </p:spPr>
+        <p:style>
+          <a:lnRef idx="2">
+            <a:schemeClr val="accent1">
+              <a:shade val="50000"/>
+            </a:schemeClr>
+          </a:lnRef>
+          <a:fillRef idx="1">
+            <a:schemeClr val="accent1"/>
+          </a:fillRef>
+          <a:effectRef idx="0">
+            <a:schemeClr val="accent1"/>
+          </a:effectRef>
+          <a:fontRef idx="minor">
+            <a:schemeClr val="lt1"/>
+          </a:fontRef>
+        </p:style>
+        <p:txBody>
+          <a:bodyPr rtlCol="0" anchor="ctr"/>
+          <a:p>
+            <a:pPr algn="ctr"/>
+            <a:r>
+              <a:rPr lang="zh-CN" altLang="en-US" sz="1200">
+                <a:solidFill>
+                  <a:schemeClr val="tx1"/>
+                </a:solidFill>
+                <a:latin typeface="微软雅黑" panose="020B0503020204020204" pitchFamily="34" charset="-122"/>
+                <a:ea typeface="微软雅黑" panose="020B0503020204020204" pitchFamily="34" charset="-122"/>
+                <a:cs typeface="微软雅黑" panose="020B0503020204020204" pitchFamily="34" charset="-122"/>
+              </a:rPr>
+              <a:t>阿里云</a:t>
+            </a:r>
+            <a:endParaRPr lang="zh-CN" altLang="en-US" sz="1200">
+              <a:solidFill>
+                <a:schemeClr val="tx1"/>
+              </a:solidFill>
+              <a:latin typeface="微软雅黑" panose="020B0503020204020204" pitchFamily="34" charset="-122"/>
+              <a:ea typeface="微软雅黑" panose="020B0503020204020204" pitchFamily="34" charset="-122"/>
+              <a:cs typeface="微软雅黑" panose="020B0503020204020204" pitchFamily="34" charset="-122"/>
+            </a:endParaRPr>
+          </a:p>
+        </p:txBody>
+      </p:sp>
+      <p:sp>
+        <p:nvSpPr>
+          <p:cNvPr id="15" name="矩形 14"/>
+          <p:cNvSpPr/>
+          <p:nvPr/>
+        </p:nvSpPr>
+        <p:spPr>
+          <a:xfrm>
+            <a:off x="9700260" y="2374265"/>
+            <a:ext cx="665480" cy="337185"/>
+          </a:xfrm>
+          <a:prstGeom prst="rect">
+            <a:avLst/>
+          </a:prstGeom>
+          <a:noFill/>
+          <a:ln>
+            <a:prstDash val="dash"/>
+          </a:ln>
+          <a:extLst>
+            <a:ext uri="{909E8E84-426E-40DD-AFC4-6F175D3DCCD1}">
+              <a14:hiddenFill xmlns:a14="http://schemas.microsoft.com/office/drawing/2010/main">
+                <a:solidFill>
+                  <a:schemeClr val="accent1"/>
+                </a:solidFill>
+              </a14:hiddenFill>
+            </a:ext>
+          </a:extLst>
+        </p:spPr>
+        <p:style>
+          <a:lnRef idx="2">
+            <a:schemeClr val="accent1">
+              <a:shade val="50000"/>
+            </a:schemeClr>
+          </a:lnRef>
+          <a:fillRef idx="1">
+            <a:schemeClr val="accent1"/>
+          </a:fillRef>
+          <a:effectRef idx="0">
+            <a:schemeClr val="accent1"/>
+          </a:effectRef>
+          <a:fontRef idx="minor">
+            <a:schemeClr val="lt1"/>
+          </a:fontRef>
+        </p:style>
+        <p:txBody>
+          <a:bodyPr rtlCol="0" anchor="ctr"/>
+          <a:p>
+            <a:pPr algn="ctr"/>
+            <a:r>
+              <a:rPr lang="zh-CN" altLang="en-US" sz="1200">
+                <a:solidFill>
+                  <a:schemeClr val="tx1"/>
+                </a:solidFill>
+                <a:latin typeface="微软雅黑" panose="020B0503020204020204" pitchFamily="34" charset="-122"/>
+                <a:ea typeface="微软雅黑" panose="020B0503020204020204" pitchFamily="34" charset="-122"/>
+                <a:cs typeface="微软雅黑" panose="020B0503020204020204" pitchFamily="34" charset="-122"/>
+              </a:rPr>
+              <a:t>华为云</a:t>
+            </a:r>
+            <a:endParaRPr lang="zh-CN" altLang="en-US" sz="1200">
+              <a:solidFill>
+                <a:schemeClr val="tx1"/>
+              </a:solidFill>
+              <a:latin typeface="微软雅黑" panose="020B0503020204020204" pitchFamily="34" charset="-122"/>
+              <a:ea typeface="微软雅黑" panose="020B0503020204020204" pitchFamily="34" charset="-122"/>
+              <a:cs typeface="微软雅黑" panose="020B0503020204020204" pitchFamily="34" charset="-122"/>
+            </a:endParaRPr>
+          </a:p>
+        </p:txBody>
+      </p:sp>
+      <p:cxnSp>
+        <p:nvCxnSpPr>
+          <p:cNvPr id="16" name="肘形连接符 15"/>
+          <p:cNvCxnSpPr>
+            <a:stCxn id="9" idx="2"/>
+            <a:endCxn id="2" idx="0"/>
+          </p:cNvCxnSpPr>
+          <p:nvPr/>
+        </p:nvCxnSpPr>
+        <p:spPr>
+          <a:xfrm rot="5400000">
+            <a:off x="5542915" y="530860"/>
+            <a:ext cx="720090" cy="461010"/>
+          </a:xfrm>
+          <a:prstGeom prst="bentConnector3">
+            <a:avLst>
+              <a:gd name="adj1" fmla="val 50000"/>
+            </a:avLst>
+          </a:prstGeom>
+          <a:ln>
+            <a:tailEnd type="arrow" w="med" len="med"/>
+          </a:ln>
+        </p:spPr>
+        <p:style>
+          <a:lnRef idx="1">
+            <a:schemeClr val="accent3"/>
+          </a:lnRef>
+          <a:fillRef idx="0">
+            <a:schemeClr val="accent3"/>
+          </a:fillRef>
+          <a:effectRef idx="0">
+            <a:schemeClr val="accent3"/>
+          </a:effectRef>
+          <a:fontRef idx="minor">
+            <a:schemeClr val="tx1"/>
+          </a:fontRef>
+        </p:style>
+      </p:cxnSp>
+      <p:cxnSp>
+        <p:nvCxnSpPr>
+          <p:cNvPr id="18" name="肘形连接符 17"/>
+          <p:cNvCxnSpPr/>
+          <p:nvPr/>
+        </p:nvCxnSpPr>
+        <p:spPr>
+          <a:xfrm rot="5400000" flipV="1">
+            <a:off x="7895273" y="-1360487"/>
+            <a:ext cx="678180" cy="4201795"/>
+          </a:xfrm>
+          <a:prstGeom prst="bentConnector3">
+            <a:avLst>
+              <a:gd name="adj1" fmla="val 49953"/>
+            </a:avLst>
+          </a:prstGeom>
+          <a:ln>
+            <a:tailEnd type="arrow" w="med" len="med"/>
+          </a:ln>
+        </p:spPr>
+        <p:style>
+          <a:lnRef idx="1">
+            <a:schemeClr val="accent3"/>
+          </a:lnRef>
+          <a:fillRef idx="0">
+            <a:schemeClr val="accent3"/>
+          </a:fillRef>
+          <a:effectRef idx="0">
+            <a:schemeClr val="accent3"/>
+          </a:effectRef>
+          <a:fontRef idx="minor">
+            <a:schemeClr val="tx1"/>
+          </a:fontRef>
+        </p:style>
+      </p:cxnSp>
+      <p:cxnSp>
+        <p:nvCxnSpPr>
+          <p:cNvPr id="21" name="肘形连接符 20"/>
+          <p:cNvCxnSpPr>
+            <a:stCxn id="3" idx="2"/>
+            <a:endCxn id="14" idx="0"/>
+          </p:cNvCxnSpPr>
+          <p:nvPr/>
+        </p:nvCxnSpPr>
+        <p:spPr>
+          <a:xfrm rot="5400000">
+            <a:off x="9338945" y="1377950"/>
+            <a:ext cx="915670" cy="1076960"/>
+          </a:xfrm>
+          <a:prstGeom prst="bentConnector3">
+            <a:avLst>
+              <a:gd name="adj1" fmla="val 50000"/>
+            </a:avLst>
+          </a:prstGeom>
+          <a:ln>
+            <a:tailEnd type="arrow" w="med" len="med"/>
+          </a:ln>
+        </p:spPr>
+        <p:style>
+          <a:lnRef idx="1">
+            <a:schemeClr val="accent3"/>
+          </a:lnRef>
+          <a:fillRef idx="0">
+            <a:schemeClr val="accent3"/>
+          </a:fillRef>
+          <a:effectRef idx="0">
+            <a:schemeClr val="accent3"/>
+          </a:effectRef>
+          <a:fontRef idx="minor">
+            <a:schemeClr val="tx1"/>
+          </a:fontRef>
+        </p:style>
+      </p:cxnSp>
+      <p:cxnSp>
+        <p:nvCxnSpPr>
+          <p:cNvPr id="23" name="肘形连接符 22"/>
+          <p:cNvCxnSpPr>
+            <a:stCxn id="3" idx="2"/>
+            <a:endCxn id="13" idx="0"/>
+          </p:cNvCxnSpPr>
+          <p:nvPr/>
+        </p:nvCxnSpPr>
+        <p:spPr>
+          <a:xfrm rot="5400000" flipV="1">
+            <a:off x="10490518" y="1303338"/>
+            <a:ext cx="915670" cy="1226185"/>
+          </a:xfrm>
+          <a:prstGeom prst="bentConnector3">
+            <a:avLst>
+              <a:gd name="adj1" fmla="val 49965"/>
+            </a:avLst>
+          </a:prstGeom>
+          <a:ln>
+            <a:tailEnd type="arrow" w="med" len="med"/>
+          </a:ln>
+        </p:spPr>
+        <p:style>
+          <a:lnRef idx="1">
+            <a:schemeClr val="accent3"/>
+          </a:lnRef>
+          <a:fillRef idx="0">
+            <a:schemeClr val="accent3"/>
+          </a:fillRef>
+          <a:effectRef idx="0">
+            <a:schemeClr val="accent3"/>
+          </a:effectRef>
+          <a:fontRef idx="minor">
+            <a:schemeClr val="tx1"/>
+          </a:fontRef>
+        </p:style>
+      </p:cxnSp>
+      <p:cxnSp>
+        <p:nvCxnSpPr>
+          <p:cNvPr id="24" name="肘形连接符 23"/>
+          <p:cNvCxnSpPr>
+            <a:stCxn id="3" idx="2"/>
+            <a:endCxn id="12" idx="0"/>
+          </p:cNvCxnSpPr>
+          <p:nvPr/>
+        </p:nvCxnSpPr>
+        <p:spPr>
+          <a:xfrm rot="5400000" flipV="1">
+            <a:off x="10082530" y="1711325"/>
+            <a:ext cx="915670" cy="410210"/>
+          </a:xfrm>
+          <a:prstGeom prst="bentConnector3">
+            <a:avLst>
+              <a:gd name="adj1" fmla="val 50000"/>
+            </a:avLst>
+          </a:prstGeom>
+          <a:ln>
+            <a:tailEnd type="arrow" w="med" len="med"/>
+          </a:ln>
+        </p:spPr>
+        <p:style>
+          <a:lnRef idx="1">
+            <a:schemeClr val="accent3"/>
+          </a:lnRef>
+          <a:fillRef idx="0">
+            <a:schemeClr val="accent3"/>
+          </a:fillRef>
+          <a:effectRef idx="0">
+            <a:schemeClr val="accent3"/>
+          </a:effectRef>
+          <a:fontRef idx="minor">
+            <a:schemeClr val="tx1"/>
+          </a:fontRef>
+        </p:style>
+      </p:cxnSp>
+      <p:cxnSp>
+        <p:nvCxnSpPr>
+          <p:cNvPr id="25" name="肘形连接符 24"/>
+          <p:cNvCxnSpPr>
+            <a:stCxn id="3" idx="2"/>
+            <a:endCxn id="15" idx="0"/>
+          </p:cNvCxnSpPr>
+          <p:nvPr/>
+        </p:nvCxnSpPr>
+        <p:spPr>
+          <a:xfrm rot="5400000">
+            <a:off x="9726295" y="1765300"/>
+            <a:ext cx="915670" cy="302260"/>
+          </a:xfrm>
+          <a:prstGeom prst="bentConnector3">
+            <a:avLst>
+              <a:gd name="adj1" fmla="val 50000"/>
+            </a:avLst>
+          </a:prstGeom>
+          <a:ln>
+            <a:tailEnd type="arrow" w="med" len="med"/>
+          </a:ln>
+        </p:spPr>
+        <p:style>
+          <a:lnRef idx="1">
+            <a:schemeClr val="accent3"/>
+          </a:lnRef>
+          <a:fillRef idx="0">
+            <a:schemeClr val="accent3"/>
+          </a:fillRef>
+          <a:effectRef idx="0">
+            <a:schemeClr val="accent3"/>
+          </a:effectRef>
+          <a:fontRef idx="minor">
+            <a:schemeClr val="tx1"/>
+          </a:fontRef>
+        </p:style>
+      </p:cxnSp>
+      <p:sp>
+        <p:nvSpPr>
+          <p:cNvPr id="26" name="矩形 25"/>
+          <p:cNvSpPr/>
+          <p:nvPr/>
+        </p:nvSpPr>
+        <p:spPr>
+          <a:xfrm>
+            <a:off x="674370" y="2492375"/>
+            <a:ext cx="922020" cy="337185"/>
+          </a:xfrm>
+          <a:prstGeom prst="rect">
+            <a:avLst/>
+          </a:prstGeom>
+          <a:noFill/>
+          <a:ln>
+            <a:prstDash val="dash"/>
+          </a:ln>
+          <a:extLst>
+            <a:ext uri="{909E8E84-426E-40DD-AFC4-6F175D3DCCD1}">
+              <a14:hiddenFill xmlns:a14="http://schemas.microsoft.com/office/drawing/2010/main">
+                <a:solidFill>
+                  <a:schemeClr val="accent1"/>
+                </a:solidFill>
+              </a14:hiddenFill>
+            </a:ext>
+          </a:extLst>
+        </p:spPr>
+        <p:style>
+          <a:lnRef idx="2">
+            <a:schemeClr val="accent1">
+              <a:shade val="50000"/>
+            </a:schemeClr>
+          </a:lnRef>
+          <a:fillRef idx="1">
+            <a:schemeClr val="accent1"/>
+          </a:fillRef>
+          <a:effectRef idx="0">
+            <a:schemeClr val="accent1"/>
+          </a:effectRef>
+          <a:fontRef idx="minor">
+            <a:schemeClr val="lt1"/>
+          </a:fontRef>
+        </p:style>
+        <p:txBody>
+          <a:bodyPr rtlCol="0" anchor="ctr"/>
+          <a:p>
+            <a:pPr algn="ctr"/>
+            <a:r>
+              <a:rPr lang="zh-CN" sz="1200">
+                <a:solidFill>
+                  <a:schemeClr val="tx1"/>
+                </a:solidFill>
+                <a:latin typeface="微软雅黑" panose="020B0503020204020204" pitchFamily="34" charset="-122"/>
+                <a:ea typeface="微软雅黑" panose="020B0503020204020204" pitchFamily="34" charset="-122"/>
+                <a:cs typeface="微软雅黑" panose="020B0503020204020204" pitchFamily="34" charset="-122"/>
+              </a:rPr>
+              <a:t>源码托管平台</a:t>
+            </a:r>
+            <a:endParaRPr lang="zh-CN" sz="1200">
+              <a:solidFill>
+                <a:schemeClr val="tx1"/>
+              </a:solidFill>
+              <a:latin typeface="微软雅黑" panose="020B0503020204020204" pitchFamily="34" charset="-122"/>
+              <a:ea typeface="微软雅黑" panose="020B0503020204020204" pitchFamily="34" charset="-122"/>
+              <a:cs typeface="微软雅黑" panose="020B0503020204020204" pitchFamily="34" charset="-122"/>
+            </a:endParaRPr>
+          </a:p>
+        </p:txBody>
+      </p:sp>
+      <p:sp>
+        <p:nvSpPr>
+          <p:cNvPr id="27" name="矩形 26"/>
+          <p:cNvSpPr/>
+          <p:nvPr/>
+        </p:nvSpPr>
+        <p:spPr>
+          <a:xfrm>
+            <a:off x="2115820" y="2492375"/>
+            <a:ext cx="525145" cy="337185"/>
+          </a:xfrm>
+          <a:prstGeom prst="rect">
+            <a:avLst/>
+          </a:prstGeom>
+          <a:noFill/>
+          <a:extLst>
+            <a:ext uri="{909E8E84-426E-40DD-AFC4-6F175D3DCCD1}">
+              <a14:hiddenFill xmlns:a14="http://schemas.microsoft.com/office/drawing/2010/main">
+                <a:solidFill>
+                  <a:schemeClr val="accent1"/>
+                </a:solidFill>
+              </a14:hiddenFill>
+            </a:ext>
+          </a:extLst>
+        </p:spPr>
+        <p:style>
+          <a:lnRef idx="2">
+            <a:schemeClr val="accent1">
+              <a:shade val="50000"/>
+            </a:schemeClr>
+          </a:lnRef>
+          <a:fillRef idx="1">
+            <a:schemeClr val="accent1"/>
+          </a:fillRef>
+          <a:effectRef idx="0">
+            <a:schemeClr val="accent1"/>
+          </a:effectRef>
+          <a:fontRef idx="minor">
+            <a:schemeClr val="lt1"/>
+          </a:fontRef>
+        </p:style>
+        <p:txBody>
+          <a:bodyPr rtlCol="0" anchor="ctr"/>
+          <a:p>
+            <a:pPr algn="ctr"/>
+            <a:r>
+              <a:rPr lang="zh-CN" sz="1200">
+                <a:solidFill>
+                  <a:schemeClr val="tx1"/>
+                </a:solidFill>
+                <a:latin typeface="微软雅黑" panose="020B0503020204020204" pitchFamily="34" charset="-122"/>
+                <a:ea typeface="微软雅黑" panose="020B0503020204020204" pitchFamily="34" charset="-122"/>
+                <a:cs typeface="微软雅黑" panose="020B0503020204020204" pitchFamily="34" charset="-122"/>
+              </a:rPr>
+              <a:t>组件市场</a:t>
+            </a:r>
+            <a:endParaRPr lang="zh-CN" sz="1200">
+              <a:solidFill>
+                <a:schemeClr val="tx1"/>
+              </a:solidFill>
+              <a:latin typeface="微软雅黑" panose="020B0503020204020204" pitchFamily="34" charset="-122"/>
+              <a:ea typeface="微软雅黑" panose="020B0503020204020204" pitchFamily="34" charset="-122"/>
+              <a:cs typeface="微软雅黑" panose="020B0503020204020204" pitchFamily="34" charset="-122"/>
+            </a:endParaRPr>
+          </a:p>
+        </p:txBody>
+      </p:sp>
+      <p:sp>
+        <p:nvSpPr>
+          <p:cNvPr id="28" name="文本框 27"/>
+          <p:cNvSpPr txBox="1"/>
+          <p:nvPr/>
+        </p:nvSpPr>
+        <p:spPr>
+          <a:xfrm>
+            <a:off x="6124575" y="483235"/>
+            <a:ext cx="792480" cy="275590"/>
+          </a:xfrm>
+          <a:prstGeom prst="rect">
+            <a:avLst/>
+          </a:prstGeom>
+          <a:noFill/>
+        </p:spPr>
+        <p:txBody>
+          <a:bodyPr wrap="square" rtlCol="0">
+            <a:spAutoFit/>
+          </a:bodyPr>
+          <a:p>
+            <a:r>
+              <a:rPr lang="zh-CN" altLang="en-US" sz="1200">
+                <a:solidFill>
+                  <a:schemeClr val="tx1"/>
+                </a:solidFill>
+                <a:latin typeface="微软雅黑" panose="020B0503020204020204" pitchFamily="34" charset="-122"/>
+                <a:ea typeface="微软雅黑" panose="020B0503020204020204" pitchFamily="34" charset="-122"/>
+              </a:rPr>
+              <a:t>全面融合</a:t>
+            </a:r>
+            <a:endParaRPr lang="zh-CN" altLang="en-US" sz="1200">
+              <a:solidFill>
+                <a:schemeClr val="tx1"/>
+              </a:solidFill>
+              <a:latin typeface="微软雅黑" panose="020B0503020204020204" pitchFamily="34" charset="-122"/>
+              <a:ea typeface="微软雅黑" panose="020B0503020204020204" pitchFamily="34" charset="-122"/>
+            </a:endParaRPr>
+          </a:p>
+        </p:txBody>
+      </p:sp>
+      <p:cxnSp>
+        <p:nvCxnSpPr>
+          <p:cNvPr id="29" name="直接箭头连接符 28"/>
+          <p:cNvCxnSpPr>
+            <a:stCxn id="26" idx="3"/>
+            <a:endCxn id="27" idx="1"/>
+          </p:cNvCxnSpPr>
+          <p:nvPr/>
+        </p:nvCxnSpPr>
+        <p:spPr>
+          <a:xfrm>
+            <a:off x="1596390" y="2661285"/>
+            <a:ext cx="519430" cy="0"/>
+          </a:xfrm>
+          <a:prstGeom prst="straightConnector1">
+            <a:avLst/>
+          </a:prstGeom>
+          <a:ln>
+            <a:tailEnd type="arrow" w="med" len="med"/>
+          </a:ln>
+        </p:spPr>
+        <p:style>
+          <a:lnRef idx="1">
+            <a:schemeClr val="accent3"/>
+          </a:lnRef>
+          <a:fillRef idx="0">
+            <a:schemeClr val="accent3"/>
+          </a:fillRef>
+          <a:effectRef idx="0">
+            <a:schemeClr val="accent3"/>
+          </a:effectRef>
+          <a:fontRef idx="minor">
+            <a:schemeClr val="tx1"/>
+          </a:fontRef>
+        </p:style>
+      </p:cxnSp>
+      <p:sp>
+        <p:nvSpPr>
+          <p:cNvPr id="30" name="文本框 29"/>
+          <p:cNvSpPr txBox="1"/>
+          <p:nvPr/>
+        </p:nvSpPr>
+        <p:spPr>
+          <a:xfrm>
+            <a:off x="1579245" y="2355850"/>
+            <a:ext cx="495935" cy="275590"/>
+          </a:xfrm>
+          <a:prstGeom prst="rect">
+            <a:avLst/>
+          </a:prstGeom>
+          <a:noFill/>
+        </p:spPr>
+        <p:txBody>
+          <a:bodyPr wrap="square" rtlCol="0">
+            <a:spAutoFit/>
+          </a:bodyPr>
+          <a:p>
+            <a:r>
+              <a:rPr lang="zh-CN" altLang="en-US" sz="1200">
+                <a:latin typeface="微软雅黑" panose="020B0503020204020204" pitchFamily="34" charset="-122"/>
+                <a:ea typeface="微软雅黑" panose="020B0503020204020204" pitchFamily="34" charset="-122"/>
+              </a:rPr>
+              <a:t>发布</a:t>
+            </a:r>
+            <a:endParaRPr lang="zh-CN" altLang="en-US" sz="1200">
+              <a:latin typeface="微软雅黑" panose="020B0503020204020204" pitchFamily="34" charset="-122"/>
+              <a:ea typeface="微软雅黑" panose="020B0503020204020204" pitchFamily="34" charset="-122"/>
+            </a:endParaRPr>
+          </a:p>
+        </p:txBody>
+      </p:sp>
+      <p:cxnSp>
+        <p:nvCxnSpPr>
+          <p:cNvPr id="37" name="肘形连接符 36"/>
+          <p:cNvCxnSpPr>
+            <a:stCxn id="2" idx="2"/>
+            <a:endCxn id="27" idx="0"/>
+          </p:cNvCxnSpPr>
+          <p:nvPr/>
+        </p:nvCxnSpPr>
+        <p:spPr>
+          <a:xfrm rot="5400000">
+            <a:off x="3508693" y="328613"/>
+            <a:ext cx="1033780" cy="3293745"/>
+          </a:xfrm>
+          <a:prstGeom prst="bentConnector3">
+            <a:avLst>
+              <a:gd name="adj1" fmla="val 49969"/>
+            </a:avLst>
+          </a:prstGeom>
+          <a:ln>
+            <a:tailEnd type="arrow" w="med" len="med"/>
+          </a:ln>
+        </p:spPr>
+        <p:style>
+          <a:lnRef idx="1">
+            <a:schemeClr val="accent3"/>
+          </a:lnRef>
+          <a:fillRef idx="0">
+            <a:schemeClr val="accent3"/>
+          </a:fillRef>
+          <a:effectRef idx="0">
+            <a:schemeClr val="accent3"/>
+          </a:effectRef>
+          <a:fontRef idx="minor">
+            <a:schemeClr val="tx1"/>
+          </a:fontRef>
+        </p:style>
+      </p:cxnSp>
+      <p:sp>
+        <p:nvSpPr>
+          <p:cNvPr id="38" name="矩形 37"/>
+          <p:cNvSpPr/>
+          <p:nvPr/>
+        </p:nvSpPr>
+        <p:spPr>
+          <a:xfrm>
+            <a:off x="4215130" y="2492375"/>
+            <a:ext cx="617855" cy="337185"/>
+          </a:xfrm>
+          <a:prstGeom prst="rect">
+            <a:avLst/>
+          </a:prstGeom>
+          <a:noFill/>
+          <a:extLst>
+            <a:ext uri="{909E8E84-426E-40DD-AFC4-6F175D3DCCD1}">
+              <a14:hiddenFill xmlns:a14="http://schemas.microsoft.com/office/drawing/2010/main">
+                <a:solidFill>
+                  <a:schemeClr val="accent1"/>
+                </a:solidFill>
+              </a14:hiddenFill>
+            </a:ext>
+          </a:extLst>
+        </p:spPr>
+        <p:style>
+          <a:lnRef idx="2">
+            <a:schemeClr val="accent1">
+              <a:shade val="50000"/>
+            </a:schemeClr>
+          </a:lnRef>
+          <a:fillRef idx="1">
+            <a:schemeClr val="accent1"/>
+          </a:fillRef>
+          <a:effectRef idx="0">
+            <a:schemeClr val="accent1"/>
+          </a:effectRef>
+          <a:fontRef idx="minor">
+            <a:schemeClr val="lt1"/>
+          </a:fontRef>
+        </p:style>
+        <p:txBody>
+          <a:bodyPr rtlCol="0" anchor="ctr"/>
+          <a:p>
+            <a:pPr algn="ctr"/>
+            <a:r>
+              <a:rPr lang="zh-CN" sz="1200">
+                <a:solidFill>
+                  <a:schemeClr val="tx1"/>
+                </a:solidFill>
+                <a:latin typeface="微软雅黑" panose="020B0503020204020204" pitchFamily="34" charset="-122"/>
+                <a:ea typeface="微软雅黑" panose="020B0503020204020204" pitchFamily="34" charset="-122"/>
+                <a:cs typeface="微软雅黑" panose="020B0503020204020204" pitchFamily="34" charset="-122"/>
+              </a:rPr>
+              <a:t>软件开发</a:t>
+            </a:r>
+            <a:endParaRPr lang="zh-CN" sz="1200">
+              <a:solidFill>
+                <a:schemeClr val="tx1"/>
+              </a:solidFill>
+              <a:latin typeface="微软雅黑" panose="020B0503020204020204" pitchFamily="34" charset="-122"/>
+              <a:ea typeface="微软雅黑" panose="020B0503020204020204" pitchFamily="34" charset="-122"/>
+              <a:cs typeface="微软雅黑" panose="020B0503020204020204" pitchFamily="34" charset="-122"/>
+            </a:endParaRPr>
+          </a:p>
+        </p:txBody>
+      </p:sp>
+      <p:sp>
+        <p:nvSpPr>
+          <p:cNvPr id="39" name="矩形 38"/>
+          <p:cNvSpPr/>
+          <p:nvPr/>
+        </p:nvSpPr>
+        <p:spPr>
+          <a:xfrm>
+            <a:off x="6906895" y="2492375"/>
+            <a:ext cx="635000" cy="337185"/>
+          </a:xfrm>
+          <a:prstGeom prst="rect">
+            <a:avLst/>
+          </a:prstGeom>
+          <a:noFill/>
+          <a:extLst>
+            <a:ext uri="{909E8E84-426E-40DD-AFC4-6F175D3DCCD1}">
+              <a14:hiddenFill xmlns:a14="http://schemas.microsoft.com/office/drawing/2010/main">
+                <a:solidFill>
+                  <a:schemeClr val="accent1"/>
+                </a:solidFill>
+              </a14:hiddenFill>
+            </a:ext>
+          </a:extLst>
+        </p:spPr>
+        <p:style>
+          <a:lnRef idx="2">
+            <a:schemeClr val="accent1">
+              <a:shade val="50000"/>
+            </a:schemeClr>
+          </a:lnRef>
+          <a:fillRef idx="1">
+            <a:schemeClr val="accent1"/>
+          </a:fillRef>
+          <a:effectRef idx="0">
+            <a:schemeClr val="accent1"/>
+          </a:effectRef>
+          <a:fontRef idx="minor">
+            <a:schemeClr val="lt1"/>
+          </a:fontRef>
+        </p:style>
+        <p:txBody>
+          <a:bodyPr rtlCol="0" anchor="ctr"/>
+          <a:p>
+            <a:pPr algn="ctr"/>
+            <a:r>
+              <a:rPr lang="zh-CN" sz="1200">
+                <a:solidFill>
+                  <a:schemeClr val="tx1"/>
+                </a:solidFill>
+                <a:latin typeface="微软雅黑" panose="020B0503020204020204" pitchFamily="34" charset="-122"/>
+                <a:ea typeface="微软雅黑" panose="020B0503020204020204" pitchFamily="34" charset="-122"/>
+                <a:cs typeface="微软雅黑" panose="020B0503020204020204" pitchFamily="34" charset="-122"/>
+              </a:rPr>
+              <a:t>软件发布</a:t>
+            </a:r>
+            <a:endParaRPr lang="zh-CN" sz="1200">
+              <a:solidFill>
+                <a:schemeClr val="tx1"/>
+              </a:solidFill>
+              <a:latin typeface="微软雅黑" panose="020B0503020204020204" pitchFamily="34" charset="-122"/>
+              <a:ea typeface="微软雅黑" panose="020B0503020204020204" pitchFamily="34" charset="-122"/>
+              <a:cs typeface="微软雅黑" panose="020B0503020204020204" pitchFamily="34" charset="-122"/>
+            </a:endParaRPr>
+          </a:p>
+        </p:txBody>
+      </p:sp>
+      <p:sp>
+        <p:nvSpPr>
+          <p:cNvPr id="40" name="矩形 39"/>
+          <p:cNvSpPr/>
+          <p:nvPr/>
+        </p:nvSpPr>
+        <p:spPr>
+          <a:xfrm>
+            <a:off x="7851140" y="2484755"/>
+            <a:ext cx="523875" cy="337185"/>
+          </a:xfrm>
+          <a:prstGeom prst="rect">
+            <a:avLst/>
+          </a:prstGeom>
+          <a:noFill/>
+          <a:extLst>
+            <a:ext uri="{909E8E84-426E-40DD-AFC4-6F175D3DCCD1}">
+              <a14:hiddenFill xmlns:a14="http://schemas.microsoft.com/office/drawing/2010/main">
+                <a:solidFill>
+                  <a:schemeClr val="accent1"/>
+                </a:solidFill>
+              </a14:hiddenFill>
+            </a:ext>
+          </a:extLst>
+        </p:spPr>
+        <p:style>
+          <a:lnRef idx="2">
+            <a:schemeClr val="accent1">
+              <a:shade val="50000"/>
+            </a:schemeClr>
+          </a:lnRef>
+          <a:fillRef idx="1">
+            <a:schemeClr val="accent1"/>
+          </a:fillRef>
+          <a:effectRef idx="0">
+            <a:schemeClr val="accent1"/>
+          </a:effectRef>
+          <a:fontRef idx="minor">
+            <a:schemeClr val="lt1"/>
+          </a:fontRef>
+        </p:style>
+        <p:txBody>
+          <a:bodyPr rtlCol="0" anchor="ctr"/>
+          <a:p>
+            <a:pPr algn="ctr"/>
+            <a:r>
+              <a:rPr lang="zh-CN" sz="1200">
+                <a:solidFill>
+                  <a:schemeClr val="tx1"/>
+                </a:solidFill>
+                <a:latin typeface="微软雅黑" panose="020B0503020204020204" pitchFamily="34" charset="-122"/>
+                <a:ea typeface="微软雅黑" panose="020B0503020204020204" pitchFamily="34" charset="-122"/>
+                <a:cs typeface="微软雅黑" panose="020B0503020204020204" pitchFamily="34" charset="-122"/>
+              </a:rPr>
+              <a:t>软件部署</a:t>
+            </a:r>
+            <a:endParaRPr lang="zh-CN" sz="1200">
+              <a:solidFill>
+                <a:schemeClr val="tx1"/>
+              </a:solidFill>
+              <a:latin typeface="微软雅黑" panose="020B0503020204020204" pitchFamily="34" charset="-122"/>
+              <a:ea typeface="微软雅黑" panose="020B0503020204020204" pitchFamily="34" charset="-122"/>
+              <a:cs typeface="微软雅黑" panose="020B0503020204020204" pitchFamily="34" charset="-122"/>
+            </a:endParaRPr>
+          </a:p>
+        </p:txBody>
+      </p:sp>
+      <p:sp>
+        <p:nvSpPr>
+          <p:cNvPr id="41" name="矩形 40"/>
+          <p:cNvSpPr/>
+          <p:nvPr/>
+        </p:nvSpPr>
+        <p:spPr>
+          <a:xfrm>
+            <a:off x="8933180" y="2806700"/>
+            <a:ext cx="864870" cy="337185"/>
+          </a:xfrm>
+          <a:prstGeom prst="rect">
+            <a:avLst/>
+          </a:prstGeom>
+          <a:noFill/>
+          <a:ln>
+            <a:prstDash val="dash"/>
+          </a:ln>
+          <a:extLst>
+            <a:ext uri="{909E8E84-426E-40DD-AFC4-6F175D3DCCD1}">
+              <a14:hiddenFill xmlns:a14="http://schemas.microsoft.com/office/drawing/2010/main">
+                <a:solidFill>
+                  <a:schemeClr val="accent1"/>
+                </a:solidFill>
+              </a14:hiddenFill>
+            </a:ext>
+          </a:extLst>
+        </p:spPr>
+        <p:style>
+          <a:lnRef idx="2">
+            <a:schemeClr val="accent1">
+              <a:shade val="50000"/>
+            </a:schemeClr>
+          </a:lnRef>
+          <a:fillRef idx="1">
+            <a:schemeClr val="accent1"/>
+          </a:fillRef>
+          <a:effectRef idx="0">
+            <a:schemeClr val="accent1"/>
+          </a:effectRef>
+          <a:fontRef idx="minor">
+            <a:schemeClr val="lt1"/>
+          </a:fontRef>
+        </p:style>
+        <p:txBody>
+          <a:bodyPr rtlCol="0" anchor="ctr"/>
+          <a:p>
+            <a:pPr algn="ctr"/>
+            <a:r>
+              <a:rPr lang="en-US" altLang="zh-CN" sz="1200">
+                <a:solidFill>
+                  <a:schemeClr val="tx1"/>
+                </a:solidFill>
+                <a:latin typeface="微软雅黑" panose="020B0503020204020204" pitchFamily="34" charset="-122"/>
+                <a:ea typeface="微软雅黑" panose="020B0503020204020204" pitchFamily="34" charset="-122"/>
+                <a:cs typeface="微软雅黑" panose="020B0503020204020204" pitchFamily="34" charset="-122"/>
+              </a:rPr>
+              <a:t>Docker</a:t>
+            </a:r>
+            <a:endParaRPr lang="en-US" altLang="zh-CN" sz="1200">
+              <a:solidFill>
+                <a:schemeClr val="tx1"/>
+              </a:solidFill>
+              <a:latin typeface="微软雅黑" panose="020B0503020204020204" pitchFamily="34" charset="-122"/>
+              <a:ea typeface="微软雅黑" panose="020B0503020204020204" pitchFamily="34" charset="-122"/>
+              <a:cs typeface="微软雅黑" panose="020B0503020204020204" pitchFamily="34" charset="-122"/>
+            </a:endParaRPr>
+          </a:p>
+        </p:txBody>
+      </p:sp>
+      <p:sp>
+        <p:nvSpPr>
+          <p:cNvPr id="42" name="矩形 41"/>
+          <p:cNvSpPr/>
+          <p:nvPr/>
+        </p:nvSpPr>
+        <p:spPr>
+          <a:xfrm>
+            <a:off x="10005060" y="2806700"/>
+            <a:ext cx="718820" cy="337185"/>
+          </a:xfrm>
+          <a:prstGeom prst="rect">
+            <a:avLst/>
+          </a:prstGeom>
+          <a:noFill/>
+          <a:ln>
+            <a:prstDash val="dash"/>
+          </a:ln>
+          <a:extLst>
+            <a:ext uri="{909E8E84-426E-40DD-AFC4-6F175D3DCCD1}">
+              <a14:hiddenFill xmlns:a14="http://schemas.microsoft.com/office/drawing/2010/main">
+                <a:solidFill>
+                  <a:schemeClr val="accent1"/>
+                </a:solidFill>
+              </a14:hiddenFill>
+            </a:ext>
+          </a:extLst>
+        </p:spPr>
+        <p:style>
+          <a:lnRef idx="2">
+            <a:schemeClr val="accent1">
+              <a:shade val="50000"/>
+            </a:schemeClr>
+          </a:lnRef>
+          <a:fillRef idx="1">
+            <a:schemeClr val="accent1"/>
+          </a:fillRef>
+          <a:effectRef idx="0">
+            <a:schemeClr val="accent1"/>
+          </a:effectRef>
+          <a:fontRef idx="minor">
+            <a:schemeClr val="lt1"/>
+          </a:fontRef>
+        </p:style>
+        <p:txBody>
+          <a:bodyPr rtlCol="0" anchor="ctr"/>
+          <a:p>
+            <a:pPr algn="ctr"/>
+            <a:r>
+              <a:rPr lang="zh-CN" altLang="en-US" sz="1200">
+                <a:solidFill>
+                  <a:schemeClr val="tx1"/>
+                </a:solidFill>
+                <a:latin typeface="微软雅黑" panose="020B0503020204020204" pitchFamily="34" charset="-122"/>
+                <a:ea typeface="微软雅黑" panose="020B0503020204020204" pitchFamily="34" charset="-122"/>
+                <a:cs typeface="微软雅黑" panose="020B0503020204020204" pitchFamily="34" charset="-122"/>
+              </a:rPr>
+              <a:t>私有云</a:t>
+            </a:r>
+            <a:endParaRPr lang="zh-CN" altLang="en-US" sz="1200">
+              <a:solidFill>
+                <a:schemeClr val="tx1"/>
+              </a:solidFill>
+              <a:latin typeface="微软雅黑" panose="020B0503020204020204" pitchFamily="34" charset="-122"/>
+              <a:ea typeface="微软雅黑" panose="020B0503020204020204" pitchFamily="34" charset="-122"/>
+              <a:cs typeface="微软雅黑" panose="020B0503020204020204" pitchFamily="34" charset="-122"/>
+            </a:endParaRPr>
+          </a:p>
+        </p:txBody>
+      </p:sp>
+      <p:sp>
+        <p:nvSpPr>
+          <p:cNvPr id="43" name="矩形 42"/>
+          <p:cNvSpPr/>
+          <p:nvPr/>
+        </p:nvSpPr>
+        <p:spPr>
+          <a:xfrm>
+            <a:off x="10916285" y="2806700"/>
+            <a:ext cx="1092835" cy="337185"/>
+          </a:xfrm>
+          <a:prstGeom prst="rect">
+            <a:avLst/>
+          </a:prstGeom>
+          <a:noFill/>
+          <a:ln>
+            <a:prstDash val="dash"/>
+          </a:ln>
+          <a:extLst>
+            <a:ext uri="{909E8E84-426E-40DD-AFC4-6F175D3DCCD1}">
+              <a14:hiddenFill xmlns:a14="http://schemas.microsoft.com/office/drawing/2010/main">
+                <a:solidFill>
+                  <a:schemeClr val="accent1"/>
+                </a:solidFill>
+              </a14:hiddenFill>
+            </a:ext>
+          </a:extLst>
+        </p:spPr>
+        <p:style>
+          <a:lnRef idx="2">
+            <a:schemeClr val="accent1">
+              <a:shade val="50000"/>
+            </a:schemeClr>
+          </a:lnRef>
+          <a:fillRef idx="1">
+            <a:schemeClr val="accent1"/>
+          </a:fillRef>
+          <a:effectRef idx="0">
+            <a:schemeClr val="accent1"/>
+          </a:effectRef>
+          <a:fontRef idx="minor">
+            <a:schemeClr val="lt1"/>
+          </a:fontRef>
+        </p:style>
+        <p:txBody>
+          <a:bodyPr rtlCol="0" anchor="ctr"/>
+          <a:p>
+            <a:pPr algn="ctr"/>
+            <a:r>
+              <a:rPr lang="zh-CN" altLang="en-US" sz="1200">
+                <a:solidFill>
+                  <a:schemeClr val="tx1"/>
+                </a:solidFill>
+                <a:latin typeface="微软雅黑" panose="020B0503020204020204" pitchFamily="34" charset="-122"/>
+                <a:ea typeface="微软雅黑" panose="020B0503020204020204" pitchFamily="34" charset="-122"/>
+                <a:cs typeface="微软雅黑" panose="020B0503020204020204" pitchFamily="34" charset="-122"/>
+              </a:rPr>
+              <a:t>自建主机</a:t>
+            </a:r>
+            <a:r>
+              <a:rPr lang="en-US" altLang="zh-CN" sz="1200">
+                <a:solidFill>
+                  <a:schemeClr val="tx1"/>
+                </a:solidFill>
+                <a:latin typeface="微软雅黑" panose="020B0503020204020204" pitchFamily="34" charset="-122"/>
+                <a:ea typeface="微软雅黑" panose="020B0503020204020204" pitchFamily="34" charset="-122"/>
+                <a:cs typeface="微软雅黑" panose="020B0503020204020204" pitchFamily="34" charset="-122"/>
+              </a:rPr>
+              <a:t>……</a:t>
+            </a:r>
+            <a:endParaRPr lang="en-US" altLang="zh-CN" sz="1200">
+              <a:solidFill>
+                <a:schemeClr val="tx1"/>
+              </a:solidFill>
+              <a:latin typeface="微软雅黑" panose="020B0503020204020204" pitchFamily="34" charset="-122"/>
+              <a:ea typeface="微软雅黑" panose="020B0503020204020204" pitchFamily="34" charset="-122"/>
+              <a:cs typeface="微软雅黑" panose="020B0503020204020204" pitchFamily="34" charset="-122"/>
+            </a:endParaRPr>
+          </a:p>
+        </p:txBody>
+      </p:sp>
+      <p:cxnSp>
+        <p:nvCxnSpPr>
+          <p:cNvPr id="44" name="直接箭头连接符 43"/>
+          <p:cNvCxnSpPr>
+            <a:stCxn id="27" idx="3"/>
+            <a:endCxn id="38" idx="1"/>
+          </p:cNvCxnSpPr>
+          <p:nvPr/>
+        </p:nvCxnSpPr>
+        <p:spPr>
+          <a:xfrm>
+            <a:off x="2640965" y="2675255"/>
+            <a:ext cx="1574165" cy="0"/>
+          </a:xfrm>
+          <a:prstGeom prst="straightConnector1">
+            <a:avLst/>
+          </a:prstGeom>
+          <a:ln>
+            <a:tailEnd type="arrow" w="med" len="med"/>
+          </a:ln>
+        </p:spPr>
+        <p:style>
+          <a:lnRef idx="1">
+            <a:schemeClr val="accent3"/>
+          </a:lnRef>
+          <a:fillRef idx="0">
+            <a:schemeClr val="accent3"/>
+          </a:fillRef>
+          <a:effectRef idx="0">
+            <a:schemeClr val="accent3"/>
+          </a:effectRef>
+          <a:fontRef idx="minor">
+            <a:schemeClr val="tx1"/>
+          </a:fontRef>
+        </p:style>
+      </p:cxnSp>
+      <p:sp>
+        <p:nvSpPr>
+          <p:cNvPr id="45" name="文本框 44"/>
+          <p:cNvSpPr txBox="1"/>
+          <p:nvPr/>
+        </p:nvSpPr>
+        <p:spPr>
+          <a:xfrm>
+            <a:off x="3253740" y="2346325"/>
+            <a:ext cx="622300" cy="275590"/>
+          </a:xfrm>
+          <a:prstGeom prst="rect">
+            <a:avLst/>
+          </a:prstGeom>
+          <a:noFill/>
+        </p:spPr>
+        <p:txBody>
+          <a:bodyPr wrap="square" rtlCol="0">
+            <a:spAutoFit/>
+          </a:bodyPr>
+          <a:p>
+            <a:r>
+              <a:rPr lang="zh-CN" altLang="en-US" sz="1200">
+                <a:latin typeface="微软雅黑" panose="020B0503020204020204" pitchFamily="34" charset="-122"/>
+                <a:ea typeface="微软雅黑" panose="020B0503020204020204" pitchFamily="34" charset="-122"/>
+              </a:rPr>
+              <a:t>依赖</a:t>
+            </a:r>
+            <a:endParaRPr lang="zh-CN" altLang="en-US" sz="1200">
+              <a:latin typeface="微软雅黑" panose="020B0503020204020204" pitchFamily="34" charset="-122"/>
+              <a:ea typeface="微软雅黑" panose="020B0503020204020204" pitchFamily="34" charset="-122"/>
+            </a:endParaRPr>
+          </a:p>
+        </p:txBody>
+      </p:sp>
+      <p:cxnSp>
+        <p:nvCxnSpPr>
+          <p:cNvPr id="46" name="直接箭头连接符 45"/>
+          <p:cNvCxnSpPr>
+            <a:stCxn id="38" idx="3"/>
+            <a:endCxn id="39" idx="1"/>
+          </p:cNvCxnSpPr>
+          <p:nvPr/>
+        </p:nvCxnSpPr>
+        <p:spPr>
+          <a:xfrm>
+            <a:off x="4832985" y="2675255"/>
+            <a:ext cx="2073910" cy="0"/>
+          </a:xfrm>
+          <a:prstGeom prst="straightConnector1">
+            <a:avLst/>
+          </a:prstGeom>
+          <a:ln>
+            <a:tailEnd type="arrow" w="med" len="med"/>
+          </a:ln>
+        </p:spPr>
+        <p:style>
+          <a:lnRef idx="1">
+            <a:schemeClr val="accent3"/>
+          </a:lnRef>
+          <a:fillRef idx="0">
+            <a:schemeClr val="accent3"/>
+          </a:fillRef>
+          <a:effectRef idx="0">
+            <a:schemeClr val="accent3"/>
+          </a:effectRef>
+          <a:fontRef idx="minor">
+            <a:schemeClr val="tx1"/>
+          </a:fontRef>
+        </p:style>
+      </p:cxnSp>
+      <p:cxnSp>
+        <p:nvCxnSpPr>
+          <p:cNvPr id="47" name="直接箭头连接符 46"/>
+          <p:cNvCxnSpPr>
+            <a:stCxn id="39" idx="3"/>
+            <a:endCxn id="40" idx="1"/>
+          </p:cNvCxnSpPr>
+          <p:nvPr/>
+        </p:nvCxnSpPr>
+        <p:spPr>
+          <a:xfrm flipV="1">
+            <a:off x="7541895" y="2667635"/>
+            <a:ext cx="309245" cy="7620"/>
+          </a:xfrm>
+          <a:prstGeom prst="straightConnector1">
+            <a:avLst/>
+          </a:prstGeom>
+          <a:ln>
+            <a:tailEnd type="arrow" w="med" len="med"/>
+          </a:ln>
+        </p:spPr>
+        <p:style>
+          <a:lnRef idx="1">
+            <a:schemeClr val="accent3"/>
+          </a:lnRef>
+          <a:fillRef idx="0">
+            <a:schemeClr val="accent3"/>
+          </a:fillRef>
+          <a:effectRef idx="0">
+            <a:schemeClr val="accent3"/>
+          </a:effectRef>
+          <a:fontRef idx="minor">
+            <a:schemeClr val="tx1"/>
+          </a:fontRef>
+        </p:style>
+      </p:cxnSp>
+      <p:sp>
+        <p:nvSpPr>
+          <p:cNvPr id="48" name="矩形 47"/>
+          <p:cNvSpPr/>
+          <p:nvPr/>
+        </p:nvSpPr>
+        <p:spPr>
+          <a:xfrm>
+            <a:off x="942975" y="3897630"/>
+            <a:ext cx="678180" cy="337185"/>
+          </a:xfrm>
+          <a:prstGeom prst="rect">
+            <a:avLst/>
+          </a:prstGeom>
+          <a:noFill/>
+          <a:extLst>
+            <a:ext uri="{909E8E84-426E-40DD-AFC4-6F175D3DCCD1}">
+              <a14:hiddenFill xmlns:a14="http://schemas.microsoft.com/office/drawing/2010/main">
+                <a:solidFill>
+                  <a:schemeClr val="accent1"/>
+                </a:solidFill>
+              </a14:hiddenFill>
+            </a:ext>
+          </a:extLst>
+        </p:spPr>
+        <p:style>
+          <a:lnRef idx="2">
+            <a:schemeClr val="accent1">
+              <a:shade val="50000"/>
+            </a:schemeClr>
+          </a:lnRef>
+          <a:fillRef idx="1">
+            <a:schemeClr val="accent1"/>
+          </a:fillRef>
+          <a:effectRef idx="0">
+            <a:schemeClr val="accent1"/>
+          </a:effectRef>
+          <a:fontRef idx="minor">
+            <a:schemeClr val="lt1"/>
+          </a:fontRef>
+        </p:style>
+        <p:txBody>
+          <a:bodyPr rtlCol="0" anchor="ctr"/>
+          <a:p>
+            <a:pPr algn="ctr"/>
+            <a:r>
+              <a:rPr lang="zh-CN" sz="1200">
+                <a:solidFill>
+                  <a:schemeClr val="tx1"/>
+                </a:solidFill>
+                <a:latin typeface="微软雅黑" panose="020B0503020204020204" pitchFamily="34" charset="-122"/>
+                <a:ea typeface="微软雅黑" panose="020B0503020204020204" pitchFamily="34" charset="-122"/>
+                <a:cs typeface="微软雅黑" panose="020B0503020204020204" pitchFamily="34" charset="-122"/>
+              </a:rPr>
+              <a:t>第三方组件</a:t>
+            </a:r>
+            <a:endParaRPr lang="zh-CN" sz="1200">
+              <a:solidFill>
+                <a:schemeClr val="tx1"/>
+              </a:solidFill>
+              <a:latin typeface="微软雅黑" panose="020B0503020204020204" pitchFamily="34" charset="-122"/>
+              <a:ea typeface="微软雅黑" panose="020B0503020204020204" pitchFamily="34" charset="-122"/>
+              <a:cs typeface="微软雅黑" panose="020B0503020204020204" pitchFamily="34" charset="-122"/>
+            </a:endParaRPr>
+          </a:p>
+        </p:txBody>
+      </p:sp>
+      <p:sp>
+        <p:nvSpPr>
+          <p:cNvPr id="49" name="矩形 48"/>
+          <p:cNvSpPr/>
+          <p:nvPr/>
+        </p:nvSpPr>
+        <p:spPr>
+          <a:xfrm>
+            <a:off x="112395" y="3897630"/>
+            <a:ext cx="596900" cy="337185"/>
+          </a:xfrm>
+          <a:prstGeom prst="rect">
+            <a:avLst/>
+          </a:prstGeom>
+          <a:noFill/>
+          <a:extLst>
+            <a:ext uri="{909E8E84-426E-40DD-AFC4-6F175D3DCCD1}">
+              <a14:hiddenFill xmlns:a14="http://schemas.microsoft.com/office/drawing/2010/main">
+                <a:solidFill>
+                  <a:schemeClr val="accent1"/>
+                </a:solidFill>
+              </a14:hiddenFill>
+            </a:ext>
+          </a:extLst>
+        </p:spPr>
+        <p:style>
+          <a:lnRef idx="2">
+            <a:schemeClr val="accent1">
+              <a:shade val="50000"/>
+            </a:schemeClr>
+          </a:lnRef>
+          <a:fillRef idx="1">
+            <a:schemeClr val="accent1"/>
+          </a:fillRef>
+          <a:effectRef idx="0">
+            <a:schemeClr val="accent1"/>
+          </a:effectRef>
+          <a:fontRef idx="minor">
+            <a:schemeClr val="lt1"/>
+          </a:fontRef>
+        </p:style>
+        <p:txBody>
+          <a:bodyPr rtlCol="0" anchor="ctr"/>
+          <a:p>
+            <a:pPr algn="ctr"/>
+            <a:r>
+              <a:rPr lang="zh-CN" sz="1200">
+                <a:solidFill>
+                  <a:schemeClr val="tx1"/>
+                </a:solidFill>
+                <a:latin typeface="微软雅黑" panose="020B0503020204020204" pitchFamily="34" charset="-122"/>
+                <a:ea typeface="微软雅黑" panose="020B0503020204020204" pitchFamily="34" charset="-122"/>
+                <a:cs typeface="微软雅黑" panose="020B0503020204020204" pitchFamily="34" charset="-122"/>
+              </a:rPr>
+              <a:t>标准组件</a:t>
+            </a:r>
+            <a:endParaRPr lang="zh-CN" sz="1200">
+              <a:solidFill>
+                <a:schemeClr val="tx1"/>
+              </a:solidFill>
+              <a:latin typeface="微软雅黑" panose="020B0503020204020204" pitchFamily="34" charset="-122"/>
+              <a:ea typeface="微软雅黑" panose="020B0503020204020204" pitchFamily="34" charset="-122"/>
+              <a:cs typeface="微软雅黑" panose="020B0503020204020204" pitchFamily="34" charset="-122"/>
+            </a:endParaRPr>
+          </a:p>
+        </p:txBody>
+      </p:sp>
+      <p:cxnSp>
+        <p:nvCxnSpPr>
+          <p:cNvPr id="50" name="肘形连接符 49"/>
+          <p:cNvCxnSpPr>
+            <a:stCxn id="26" idx="2"/>
+            <a:endCxn id="49" idx="0"/>
+          </p:cNvCxnSpPr>
+          <p:nvPr/>
+        </p:nvCxnSpPr>
+        <p:spPr>
+          <a:xfrm rot="5400000">
+            <a:off x="239078" y="3001328"/>
+            <a:ext cx="1068070" cy="724535"/>
+          </a:xfrm>
+          <a:prstGeom prst="bentConnector3">
+            <a:avLst>
+              <a:gd name="adj1" fmla="val 49970"/>
+            </a:avLst>
+          </a:prstGeom>
+          <a:ln>
+            <a:tailEnd type="arrow" w="med" len="med"/>
+          </a:ln>
+        </p:spPr>
+        <p:style>
+          <a:lnRef idx="1">
+            <a:schemeClr val="accent3"/>
+          </a:lnRef>
+          <a:fillRef idx="0">
+            <a:schemeClr val="accent3"/>
+          </a:fillRef>
+          <a:effectRef idx="0">
+            <a:schemeClr val="accent3"/>
+          </a:effectRef>
+          <a:fontRef idx="minor">
+            <a:schemeClr val="tx1"/>
+          </a:fontRef>
+        </p:style>
+      </p:cxnSp>
+      <p:cxnSp>
+        <p:nvCxnSpPr>
+          <p:cNvPr id="51" name="肘形连接符 50"/>
+          <p:cNvCxnSpPr>
+            <a:stCxn id="26" idx="2"/>
+            <a:endCxn id="48" idx="0"/>
+          </p:cNvCxnSpPr>
+          <p:nvPr/>
+        </p:nvCxnSpPr>
+        <p:spPr>
+          <a:xfrm rot="5400000" flipV="1">
+            <a:off x="674688" y="3290253"/>
+            <a:ext cx="1068070" cy="146685"/>
+          </a:xfrm>
+          <a:prstGeom prst="bentConnector3">
+            <a:avLst>
+              <a:gd name="adj1" fmla="val 49970"/>
+            </a:avLst>
+          </a:prstGeom>
+          <a:ln>
+            <a:tailEnd type="arrow" w="med" len="med"/>
+          </a:ln>
+        </p:spPr>
+        <p:style>
+          <a:lnRef idx="1">
+            <a:schemeClr val="accent3"/>
+          </a:lnRef>
+          <a:fillRef idx="0">
+            <a:schemeClr val="accent3"/>
+          </a:fillRef>
+          <a:effectRef idx="0">
+            <a:schemeClr val="accent3"/>
+          </a:effectRef>
+          <a:fontRef idx="minor">
+            <a:schemeClr val="tx1"/>
+          </a:fontRef>
+        </p:style>
+      </p:cxnSp>
+      <p:sp>
+        <p:nvSpPr>
+          <p:cNvPr id="52" name="矩形 51"/>
+          <p:cNvSpPr/>
+          <p:nvPr/>
+        </p:nvSpPr>
+        <p:spPr>
+          <a:xfrm>
+            <a:off x="2929255" y="3897630"/>
+            <a:ext cx="503555" cy="337185"/>
+          </a:xfrm>
+          <a:prstGeom prst="rect">
+            <a:avLst/>
+          </a:prstGeom>
+          <a:noFill/>
+          <a:extLst>
+            <a:ext uri="{909E8E84-426E-40DD-AFC4-6F175D3DCCD1}">
+              <a14:hiddenFill xmlns:a14="http://schemas.microsoft.com/office/drawing/2010/main">
+                <a:solidFill>
+                  <a:schemeClr val="accent1"/>
+                </a:solidFill>
+              </a14:hiddenFill>
+            </a:ext>
+          </a:extLst>
+        </p:spPr>
+        <p:style>
+          <a:lnRef idx="2">
+            <a:schemeClr val="accent1">
+              <a:shade val="50000"/>
+            </a:schemeClr>
+          </a:lnRef>
+          <a:fillRef idx="1">
+            <a:schemeClr val="accent1"/>
+          </a:fillRef>
+          <a:effectRef idx="0">
+            <a:schemeClr val="accent1"/>
+          </a:effectRef>
+          <a:fontRef idx="minor">
+            <a:schemeClr val="lt1"/>
+          </a:fontRef>
+        </p:style>
+        <p:txBody>
+          <a:bodyPr rtlCol="0" anchor="ctr"/>
+          <a:p>
+            <a:pPr algn="ctr"/>
+            <a:r>
+              <a:rPr lang="zh-CN" sz="1200">
+                <a:solidFill>
+                  <a:schemeClr val="tx1"/>
+                </a:solidFill>
+                <a:latin typeface="微软雅黑" panose="020B0503020204020204" pitchFamily="34" charset="-122"/>
+                <a:ea typeface="微软雅黑" panose="020B0503020204020204" pitchFamily="34" charset="-122"/>
+                <a:cs typeface="微软雅黑" panose="020B0503020204020204" pitchFamily="34" charset="-122"/>
+              </a:rPr>
+              <a:t>版本管理</a:t>
+            </a:r>
+            <a:endParaRPr lang="zh-CN" sz="1200">
+              <a:solidFill>
+                <a:schemeClr val="tx1"/>
+              </a:solidFill>
+              <a:latin typeface="微软雅黑" panose="020B0503020204020204" pitchFamily="34" charset="-122"/>
+              <a:ea typeface="微软雅黑" panose="020B0503020204020204" pitchFamily="34" charset="-122"/>
+              <a:cs typeface="微软雅黑" panose="020B0503020204020204" pitchFamily="34" charset="-122"/>
+            </a:endParaRPr>
+          </a:p>
+        </p:txBody>
+      </p:sp>
+      <p:sp>
+        <p:nvSpPr>
+          <p:cNvPr id="53" name="矩形 52"/>
+          <p:cNvSpPr/>
+          <p:nvPr/>
+        </p:nvSpPr>
+        <p:spPr>
+          <a:xfrm>
+            <a:off x="1008380" y="5028565"/>
+            <a:ext cx="551180" cy="337185"/>
+          </a:xfrm>
+          <a:prstGeom prst="rect">
+            <a:avLst/>
+          </a:prstGeom>
+          <a:noFill/>
+          <a:ln>
+            <a:prstDash val="dash"/>
+          </a:ln>
+          <a:extLst>
+            <a:ext uri="{909E8E84-426E-40DD-AFC4-6F175D3DCCD1}">
+              <a14:hiddenFill xmlns:a14="http://schemas.microsoft.com/office/drawing/2010/main">
+                <a:solidFill>
+                  <a:schemeClr val="accent1"/>
+                </a:solidFill>
+              </a14:hiddenFill>
+            </a:ext>
+          </a:extLst>
+        </p:spPr>
+        <p:style>
+          <a:lnRef idx="2">
+            <a:schemeClr val="accent1">
+              <a:shade val="50000"/>
+            </a:schemeClr>
+          </a:lnRef>
+          <a:fillRef idx="1">
+            <a:schemeClr val="accent1"/>
+          </a:fillRef>
+          <a:effectRef idx="0">
+            <a:schemeClr val="accent1"/>
+          </a:effectRef>
+          <a:fontRef idx="minor">
+            <a:schemeClr val="lt1"/>
+          </a:fontRef>
+        </p:style>
+        <p:txBody>
+          <a:bodyPr rtlCol="0" anchor="ctr"/>
+          <a:p>
+            <a:pPr algn="ctr"/>
+            <a:r>
+              <a:rPr lang="en-US" altLang="zh-CN" sz="1200">
+                <a:solidFill>
+                  <a:schemeClr val="tx1"/>
+                </a:solidFill>
+                <a:latin typeface="微软雅黑" panose="020B0503020204020204" pitchFamily="34" charset="-122"/>
+                <a:ea typeface="微软雅黑" panose="020B0503020204020204" pitchFamily="34" charset="-122"/>
+                <a:cs typeface="微软雅黑" panose="020B0503020204020204" pitchFamily="34" charset="-122"/>
+              </a:rPr>
+              <a:t>API</a:t>
+            </a:r>
+            <a:r>
+              <a:rPr lang="zh-CN" altLang="en-US" sz="1200">
+                <a:solidFill>
+                  <a:schemeClr val="tx1"/>
+                </a:solidFill>
+                <a:latin typeface="微软雅黑" panose="020B0503020204020204" pitchFamily="34" charset="-122"/>
+                <a:ea typeface="微软雅黑" panose="020B0503020204020204" pitchFamily="34" charset="-122"/>
+                <a:cs typeface="微软雅黑" panose="020B0503020204020204" pitchFamily="34" charset="-122"/>
+              </a:rPr>
+              <a:t>平台</a:t>
+            </a:r>
+            <a:endParaRPr lang="en-US" altLang="zh-CN" sz="1200">
+              <a:solidFill>
+                <a:schemeClr val="tx1"/>
+              </a:solidFill>
+              <a:latin typeface="微软雅黑" panose="020B0503020204020204" pitchFamily="34" charset="-122"/>
+              <a:ea typeface="微软雅黑" panose="020B0503020204020204" pitchFamily="34" charset="-122"/>
+              <a:cs typeface="微软雅黑" panose="020B0503020204020204" pitchFamily="34" charset="-122"/>
+            </a:endParaRPr>
+          </a:p>
+        </p:txBody>
+      </p:sp>
+      <p:sp>
+        <p:nvSpPr>
+          <p:cNvPr id="56" name="矩形 55"/>
+          <p:cNvSpPr/>
+          <p:nvPr/>
+        </p:nvSpPr>
+        <p:spPr>
+          <a:xfrm>
+            <a:off x="2064385" y="3897630"/>
+            <a:ext cx="572135" cy="337185"/>
+          </a:xfrm>
+          <a:prstGeom prst="rect">
+            <a:avLst/>
+          </a:prstGeom>
+          <a:noFill/>
+          <a:extLst>
+            <a:ext uri="{909E8E84-426E-40DD-AFC4-6F175D3DCCD1}">
+              <a14:hiddenFill xmlns:a14="http://schemas.microsoft.com/office/drawing/2010/main">
+                <a:solidFill>
+                  <a:schemeClr val="accent1"/>
+                </a:solidFill>
+              </a14:hiddenFill>
+            </a:ext>
+          </a:extLst>
+        </p:spPr>
+        <p:style>
+          <a:lnRef idx="2">
+            <a:schemeClr val="accent1">
+              <a:shade val="50000"/>
+            </a:schemeClr>
+          </a:lnRef>
+          <a:fillRef idx="1">
+            <a:schemeClr val="accent1"/>
+          </a:fillRef>
+          <a:effectRef idx="0">
+            <a:schemeClr val="accent1"/>
+          </a:effectRef>
+          <a:fontRef idx="minor">
+            <a:schemeClr val="lt1"/>
+          </a:fontRef>
+        </p:style>
+        <p:txBody>
+          <a:bodyPr rtlCol="0" anchor="ctr"/>
+          <a:p>
+            <a:pPr algn="ctr"/>
+            <a:r>
+              <a:rPr lang="zh-CN" sz="1200">
+                <a:solidFill>
+                  <a:schemeClr val="tx1"/>
+                </a:solidFill>
+                <a:latin typeface="微软雅黑" panose="020B0503020204020204" pitchFamily="34" charset="-122"/>
+                <a:ea typeface="微软雅黑" panose="020B0503020204020204" pitchFamily="34" charset="-122"/>
+                <a:cs typeface="微软雅黑" panose="020B0503020204020204" pitchFamily="34" charset="-122"/>
+              </a:rPr>
+              <a:t>项目模板</a:t>
+            </a:r>
+            <a:endParaRPr lang="zh-CN" sz="1200">
+              <a:solidFill>
+                <a:schemeClr val="tx1"/>
+              </a:solidFill>
+              <a:latin typeface="微软雅黑" panose="020B0503020204020204" pitchFamily="34" charset="-122"/>
+              <a:ea typeface="微软雅黑" panose="020B0503020204020204" pitchFamily="34" charset="-122"/>
+              <a:cs typeface="微软雅黑" panose="020B0503020204020204" pitchFamily="34" charset="-122"/>
+            </a:endParaRPr>
+          </a:p>
+        </p:txBody>
+      </p:sp>
+      <p:cxnSp>
+        <p:nvCxnSpPr>
+          <p:cNvPr id="57" name="肘形连接符 56"/>
+          <p:cNvCxnSpPr>
+            <a:stCxn id="26" idx="2"/>
+            <a:endCxn id="56" idx="0"/>
+          </p:cNvCxnSpPr>
+          <p:nvPr/>
+        </p:nvCxnSpPr>
+        <p:spPr>
+          <a:xfrm rot="5400000" flipV="1">
+            <a:off x="1209040" y="2755900"/>
+            <a:ext cx="1068070" cy="1215390"/>
+          </a:xfrm>
+          <a:prstGeom prst="bentConnector3">
+            <a:avLst>
+              <a:gd name="adj1" fmla="val 50000"/>
+            </a:avLst>
+          </a:prstGeom>
+          <a:ln>
+            <a:tailEnd type="arrow" w="med" len="med"/>
+          </a:ln>
+        </p:spPr>
+        <p:style>
+          <a:lnRef idx="1">
+            <a:schemeClr val="accent3"/>
+          </a:lnRef>
+          <a:fillRef idx="0">
+            <a:schemeClr val="accent3"/>
+          </a:fillRef>
+          <a:effectRef idx="0">
+            <a:schemeClr val="accent3"/>
+          </a:effectRef>
+          <a:fontRef idx="minor">
+            <a:schemeClr val="tx1"/>
+          </a:fontRef>
+        </p:style>
+      </p:cxnSp>
+      <p:sp>
+        <p:nvSpPr>
+          <p:cNvPr id="58" name="矩形 57"/>
+          <p:cNvSpPr/>
+          <p:nvPr/>
+        </p:nvSpPr>
+        <p:spPr>
+          <a:xfrm>
+            <a:off x="1666875" y="5028565"/>
+            <a:ext cx="662940" cy="337185"/>
+          </a:xfrm>
+          <a:prstGeom prst="rect">
+            <a:avLst/>
+          </a:prstGeom>
+          <a:noFill/>
+          <a:extLst>
+            <a:ext uri="{909E8E84-426E-40DD-AFC4-6F175D3DCCD1}">
+              <a14:hiddenFill xmlns:a14="http://schemas.microsoft.com/office/drawing/2010/main">
+                <a:solidFill>
+                  <a:schemeClr val="accent1"/>
+                </a:solidFill>
+              </a14:hiddenFill>
+            </a:ext>
+          </a:extLst>
+        </p:spPr>
+        <p:style>
+          <a:lnRef idx="2">
+            <a:schemeClr val="accent1">
+              <a:shade val="50000"/>
+            </a:schemeClr>
+          </a:lnRef>
+          <a:fillRef idx="1">
+            <a:schemeClr val="accent1"/>
+          </a:fillRef>
+          <a:effectRef idx="0">
+            <a:schemeClr val="accent1"/>
+          </a:effectRef>
+          <a:fontRef idx="minor">
+            <a:schemeClr val="lt1"/>
+          </a:fontRef>
+        </p:style>
+        <p:txBody>
+          <a:bodyPr rtlCol="0" anchor="ctr"/>
+          <a:p>
+            <a:pPr algn="ctr"/>
+            <a:r>
+              <a:rPr lang="zh-CN" sz="1200">
+                <a:solidFill>
+                  <a:schemeClr val="tx1"/>
+                </a:solidFill>
+                <a:latin typeface="微软雅黑" panose="020B0503020204020204" pitchFamily="34" charset="-122"/>
+                <a:ea typeface="微软雅黑" panose="020B0503020204020204" pitchFamily="34" charset="-122"/>
+                <a:cs typeface="微软雅黑" panose="020B0503020204020204" pitchFamily="34" charset="-122"/>
+              </a:rPr>
+              <a:t>空模板</a:t>
+            </a:r>
+            <a:endParaRPr lang="zh-CN" sz="1200">
+              <a:solidFill>
+                <a:schemeClr val="tx1"/>
+              </a:solidFill>
+              <a:latin typeface="微软雅黑" panose="020B0503020204020204" pitchFamily="34" charset="-122"/>
+              <a:ea typeface="微软雅黑" panose="020B0503020204020204" pitchFamily="34" charset="-122"/>
+              <a:cs typeface="微软雅黑" panose="020B0503020204020204" pitchFamily="34" charset="-122"/>
+            </a:endParaRPr>
+          </a:p>
+        </p:txBody>
+      </p:sp>
+      <p:sp>
+        <p:nvSpPr>
+          <p:cNvPr id="59" name="矩形 58"/>
+          <p:cNvSpPr/>
+          <p:nvPr/>
+        </p:nvSpPr>
+        <p:spPr>
+          <a:xfrm>
+            <a:off x="2374265" y="5028565"/>
+            <a:ext cx="599440" cy="337185"/>
+          </a:xfrm>
+          <a:prstGeom prst="rect">
+            <a:avLst/>
+          </a:prstGeom>
+          <a:noFill/>
+          <a:extLst>
+            <a:ext uri="{909E8E84-426E-40DD-AFC4-6F175D3DCCD1}">
+              <a14:hiddenFill xmlns:a14="http://schemas.microsoft.com/office/drawing/2010/main">
+                <a:solidFill>
+                  <a:schemeClr val="accent1"/>
+                </a:solidFill>
+              </a14:hiddenFill>
+            </a:ext>
+          </a:extLst>
+        </p:spPr>
+        <p:style>
+          <a:lnRef idx="2">
+            <a:schemeClr val="accent1">
+              <a:shade val="50000"/>
+            </a:schemeClr>
+          </a:lnRef>
+          <a:fillRef idx="1">
+            <a:schemeClr val="accent1"/>
+          </a:fillRef>
+          <a:effectRef idx="0">
+            <a:schemeClr val="accent1"/>
+          </a:effectRef>
+          <a:fontRef idx="minor">
+            <a:schemeClr val="lt1"/>
+          </a:fontRef>
+        </p:style>
+        <p:txBody>
+          <a:bodyPr rtlCol="0" anchor="ctr"/>
+          <a:p>
+            <a:pPr algn="ctr"/>
+            <a:r>
+              <a:rPr lang="zh-CN" sz="1200">
+                <a:solidFill>
+                  <a:schemeClr val="tx1"/>
+                </a:solidFill>
+                <a:latin typeface="微软雅黑" panose="020B0503020204020204" pitchFamily="34" charset="-122"/>
+                <a:ea typeface="微软雅黑" panose="020B0503020204020204" pitchFamily="34" charset="-122"/>
+                <a:cs typeface="微软雅黑" panose="020B0503020204020204" pitchFamily="34" charset="-122"/>
+              </a:rPr>
+              <a:t>系统管理</a:t>
+            </a:r>
+            <a:endParaRPr lang="zh-CN" sz="1200">
+              <a:solidFill>
+                <a:schemeClr val="tx1"/>
+              </a:solidFill>
+              <a:latin typeface="微软雅黑" panose="020B0503020204020204" pitchFamily="34" charset="-122"/>
+              <a:ea typeface="微软雅黑" panose="020B0503020204020204" pitchFamily="34" charset="-122"/>
+              <a:cs typeface="微软雅黑" panose="020B0503020204020204" pitchFamily="34" charset="-122"/>
+            </a:endParaRPr>
+          </a:p>
+        </p:txBody>
+      </p:sp>
+      <p:sp>
+        <p:nvSpPr>
+          <p:cNvPr id="60" name="矩形 59"/>
+          <p:cNvSpPr/>
+          <p:nvPr/>
+        </p:nvSpPr>
+        <p:spPr>
+          <a:xfrm>
+            <a:off x="3839845" y="3897630"/>
+            <a:ext cx="503555" cy="337185"/>
+          </a:xfrm>
+          <a:prstGeom prst="rect">
+            <a:avLst/>
+          </a:prstGeom>
+          <a:noFill/>
+          <a:extLst>
+            <a:ext uri="{909E8E84-426E-40DD-AFC4-6F175D3DCCD1}">
+              <a14:hiddenFill xmlns:a14="http://schemas.microsoft.com/office/drawing/2010/main">
+                <a:solidFill>
+                  <a:schemeClr val="accent1"/>
+                </a:solidFill>
+              </a14:hiddenFill>
+            </a:ext>
+          </a:extLst>
+        </p:spPr>
+        <p:style>
+          <a:lnRef idx="2">
+            <a:schemeClr val="accent1">
+              <a:shade val="50000"/>
+            </a:schemeClr>
+          </a:lnRef>
+          <a:fillRef idx="1">
+            <a:schemeClr val="accent1"/>
+          </a:fillRef>
+          <a:effectRef idx="0">
+            <a:schemeClr val="accent1"/>
+          </a:effectRef>
+          <a:fontRef idx="minor">
+            <a:schemeClr val="lt1"/>
+          </a:fontRef>
+        </p:style>
+        <p:txBody>
+          <a:bodyPr rtlCol="0" anchor="ctr"/>
+          <a:p>
+            <a:pPr algn="ctr"/>
+            <a:r>
+              <a:rPr lang="zh-CN" sz="1200">
+                <a:solidFill>
+                  <a:schemeClr val="tx1"/>
+                </a:solidFill>
+                <a:latin typeface="微软雅黑" panose="020B0503020204020204" pitchFamily="34" charset="-122"/>
+                <a:ea typeface="微软雅黑" panose="020B0503020204020204" pitchFamily="34" charset="-122"/>
+                <a:cs typeface="微软雅黑" panose="020B0503020204020204" pitchFamily="34" charset="-122"/>
+              </a:rPr>
+              <a:t>项目管理</a:t>
+            </a:r>
+            <a:endParaRPr lang="zh-CN" sz="1200">
+              <a:solidFill>
+                <a:schemeClr val="tx1"/>
+              </a:solidFill>
+              <a:latin typeface="微软雅黑" panose="020B0503020204020204" pitchFamily="34" charset="-122"/>
+              <a:ea typeface="微软雅黑" panose="020B0503020204020204" pitchFamily="34" charset="-122"/>
+              <a:cs typeface="微软雅黑" panose="020B0503020204020204" pitchFamily="34" charset="-122"/>
+            </a:endParaRPr>
+          </a:p>
+        </p:txBody>
+      </p:sp>
+      <p:cxnSp>
+        <p:nvCxnSpPr>
+          <p:cNvPr id="61" name="肘形连接符 60"/>
+          <p:cNvCxnSpPr>
+            <a:stCxn id="2" idx="2"/>
+            <a:endCxn id="38" idx="0"/>
+          </p:cNvCxnSpPr>
+          <p:nvPr/>
+        </p:nvCxnSpPr>
+        <p:spPr>
+          <a:xfrm rot="5400000">
+            <a:off x="4581525" y="1401445"/>
+            <a:ext cx="1033780" cy="1148080"/>
+          </a:xfrm>
+          <a:prstGeom prst="bentConnector3">
+            <a:avLst>
+              <a:gd name="adj1" fmla="val 50000"/>
+            </a:avLst>
+          </a:prstGeom>
+          <a:ln>
+            <a:tailEnd type="arrow" w="med" len="med"/>
+          </a:ln>
+        </p:spPr>
+        <p:style>
+          <a:lnRef idx="1">
+            <a:schemeClr val="accent3"/>
+          </a:lnRef>
+          <a:fillRef idx="0">
+            <a:schemeClr val="accent3"/>
+          </a:fillRef>
+          <a:effectRef idx="0">
+            <a:schemeClr val="accent3"/>
+          </a:effectRef>
+          <a:fontRef idx="minor">
+            <a:schemeClr val="tx1"/>
+          </a:fontRef>
+        </p:style>
+      </p:cxnSp>
+      <p:cxnSp>
+        <p:nvCxnSpPr>
+          <p:cNvPr id="62" name="肘形连接符 61"/>
+          <p:cNvCxnSpPr>
+            <a:stCxn id="2" idx="2"/>
+            <a:endCxn id="39" idx="0"/>
+          </p:cNvCxnSpPr>
+          <p:nvPr/>
+        </p:nvCxnSpPr>
+        <p:spPr>
+          <a:xfrm rot="5400000" flipV="1">
+            <a:off x="5931535" y="1199515"/>
+            <a:ext cx="1033780" cy="1551940"/>
+          </a:xfrm>
+          <a:prstGeom prst="bentConnector3">
+            <a:avLst>
+              <a:gd name="adj1" fmla="val 50000"/>
+            </a:avLst>
+          </a:prstGeom>
+          <a:ln>
+            <a:tailEnd type="arrow" w="med" len="med"/>
+          </a:ln>
+        </p:spPr>
+        <p:style>
+          <a:lnRef idx="1">
+            <a:schemeClr val="accent3"/>
+          </a:lnRef>
+          <a:fillRef idx="0">
+            <a:schemeClr val="accent3"/>
+          </a:fillRef>
+          <a:effectRef idx="0">
+            <a:schemeClr val="accent3"/>
+          </a:effectRef>
+          <a:fontRef idx="minor">
+            <a:schemeClr val="tx1"/>
+          </a:fontRef>
+        </p:style>
+      </p:cxnSp>
+      <p:cxnSp>
+        <p:nvCxnSpPr>
+          <p:cNvPr id="63" name="肘形连接符 62"/>
+          <p:cNvCxnSpPr>
+            <a:stCxn id="2" idx="2"/>
+            <a:endCxn id="40" idx="0"/>
+          </p:cNvCxnSpPr>
+          <p:nvPr/>
+        </p:nvCxnSpPr>
+        <p:spPr>
+          <a:xfrm rot="5400000" flipV="1">
+            <a:off x="6379845" y="751205"/>
+            <a:ext cx="1026160" cy="2440940"/>
+          </a:xfrm>
+          <a:prstGeom prst="bentConnector3">
+            <a:avLst>
+              <a:gd name="adj1" fmla="val 50000"/>
+            </a:avLst>
+          </a:prstGeom>
+          <a:ln>
+            <a:tailEnd type="arrow" w="med" len="med"/>
+          </a:ln>
+        </p:spPr>
+        <p:style>
+          <a:lnRef idx="1">
+            <a:schemeClr val="accent3"/>
+          </a:lnRef>
+          <a:fillRef idx="0">
+            <a:schemeClr val="accent3"/>
+          </a:fillRef>
+          <a:effectRef idx="0">
+            <a:schemeClr val="accent3"/>
+          </a:effectRef>
+          <a:fontRef idx="minor">
+            <a:schemeClr val="tx1"/>
+          </a:fontRef>
+        </p:style>
+      </p:cxnSp>
+      <p:cxnSp>
+        <p:nvCxnSpPr>
+          <p:cNvPr id="64" name="直接箭头连接符 63"/>
+          <p:cNvCxnSpPr>
+            <a:stCxn id="40" idx="3"/>
+          </p:cNvCxnSpPr>
+          <p:nvPr/>
+        </p:nvCxnSpPr>
+        <p:spPr>
+          <a:xfrm>
+            <a:off x="8375015" y="2653665"/>
+            <a:ext cx="445135" cy="635"/>
+          </a:xfrm>
+          <a:prstGeom prst="straightConnector1">
+            <a:avLst/>
+          </a:prstGeom>
+          <a:ln>
+            <a:tailEnd type="arrow" w="med" len="med"/>
+          </a:ln>
+        </p:spPr>
+        <p:style>
+          <a:lnRef idx="1">
+            <a:schemeClr val="accent3"/>
+          </a:lnRef>
+          <a:fillRef idx="0">
+            <a:schemeClr val="accent3"/>
+          </a:fillRef>
+          <a:effectRef idx="0">
+            <a:schemeClr val="accent3"/>
+          </a:effectRef>
+          <a:fontRef idx="minor">
+            <a:schemeClr val="tx1"/>
+          </a:fontRef>
+        </p:style>
+      </p:cxnSp>
+      <p:cxnSp>
+        <p:nvCxnSpPr>
+          <p:cNvPr id="65" name="肘形连接符 64"/>
+          <p:cNvCxnSpPr>
+            <a:stCxn id="56" idx="2"/>
+            <a:endCxn id="58" idx="0"/>
+          </p:cNvCxnSpPr>
+          <p:nvPr/>
+        </p:nvCxnSpPr>
+        <p:spPr>
+          <a:xfrm rot="5400000">
+            <a:off x="1777683" y="4455478"/>
+            <a:ext cx="793750" cy="352425"/>
+          </a:xfrm>
+          <a:prstGeom prst="bentConnector3">
+            <a:avLst>
+              <a:gd name="adj1" fmla="val 49960"/>
+            </a:avLst>
+          </a:prstGeom>
+          <a:ln>
+            <a:tailEnd type="arrow" w="med" len="med"/>
+          </a:ln>
+        </p:spPr>
+        <p:style>
+          <a:lnRef idx="1">
+            <a:schemeClr val="accent3"/>
+          </a:lnRef>
+          <a:fillRef idx="0">
+            <a:schemeClr val="accent3"/>
+          </a:fillRef>
+          <a:effectRef idx="0">
+            <a:schemeClr val="accent3"/>
+          </a:effectRef>
+          <a:fontRef idx="minor">
+            <a:schemeClr val="tx1"/>
+          </a:fontRef>
+        </p:style>
+      </p:cxnSp>
+      <p:cxnSp>
+        <p:nvCxnSpPr>
+          <p:cNvPr id="66" name="肘形连接符 65"/>
+          <p:cNvCxnSpPr>
+            <a:stCxn id="56" idx="2"/>
+            <a:endCxn id="59" idx="0"/>
+          </p:cNvCxnSpPr>
+          <p:nvPr/>
+        </p:nvCxnSpPr>
+        <p:spPr>
+          <a:xfrm rot="5400000" flipV="1">
+            <a:off x="2102803" y="4470083"/>
+            <a:ext cx="793750" cy="323215"/>
+          </a:xfrm>
+          <a:prstGeom prst="bentConnector3">
+            <a:avLst>
+              <a:gd name="adj1" fmla="val 49960"/>
+            </a:avLst>
+          </a:prstGeom>
+          <a:ln>
+            <a:tailEnd type="arrow" w="med" len="med"/>
+          </a:ln>
+        </p:spPr>
+        <p:style>
+          <a:lnRef idx="1">
+            <a:schemeClr val="accent3"/>
+          </a:lnRef>
+          <a:fillRef idx="0">
+            <a:schemeClr val="accent3"/>
+          </a:fillRef>
+          <a:effectRef idx="0">
+            <a:schemeClr val="accent3"/>
+          </a:effectRef>
+          <a:fontRef idx="minor">
+            <a:schemeClr val="tx1"/>
+          </a:fontRef>
+        </p:style>
+      </p:cxnSp>
+      <p:sp>
+        <p:nvSpPr>
+          <p:cNvPr id="67" name="矩形 66"/>
+          <p:cNvSpPr/>
+          <p:nvPr/>
+        </p:nvSpPr>
+        <p:spPr>
+          <a:xfrm>
+            <a:off x="8840470" y="2273300"/>
+            <a:ext cx="3210560" cy="939165"/>
+          </a:xfrm>
+          <a:prstGeom prst="rect">
+            <a:avLst/>
+          </a:prstGeom>
+          <a:noFill/>
+          <a:ln>
+            <a:prstDash val="dash"/>
+          </a:ln>
+          <a:extLst>
+            <a:ext uri="{909E8E84-426E-40DD-AFC4-6F175D3DCCD1}">
+              <a14:hiddenFill xmlns:a14="http://schemas.microsoft.com/office/drawing/2010/main">
+                <a:solidFill>
+                  <a:schemeClr val="accent1"/>
+                </a:solidFill>
+              </a14:hiddenFill>
+            </a:ext>
+          </a:extLst>
+        </p:spPr>
+        <p:style>
+          <a:lnRef idx="2">
+            <a:schemeClr val="accent1">
+              <a:shade val="50000"/>
+            </a:schemeClr>
+          </a:lnRef>
+          <a:fillRef idx="1">
+            <a:schemeClr val="accent1"/>
+          </a:fillRef>
+          <a:effectRef idx="0">
+            <a:schemeClr val="accent1"/>
+          </a:effectRef>
+          <a:fontRef idx="minor">
+            <a:schemeClr val="lt1"/>
+          </a:fontRef>
+        </p:style>
+        <p:txBody>
+          <a:bodyPr rtlCol="0" anchor="ctr"/>
+          <a:p>
+            <a:pPr algn="ctr"/>
+            <a:endParaRPr lang="zh-CN" altLang="en-US" sz="1200">
+              <a:solidFill>
+                <a:schemeClr val="tx1"/>
+              </a:solidFill>
+              <a:latin typeface="微软雅黑" panose="020B0503020204020204" pitchFamily="34" charset="-122"/>
+              <a:ea typeface="微软雅黑" panose="020B0503020204020204" pitchFamily="34" charset="-122"/>
+              <a:cs typeface="微软雅黑" panose="020B0503020204020204" pitchFamily="34" charset="-122"/>
+            </a:endParaRPr>
+          </a:p>
+        </p:txBody>
+      </p:sp>
+      <p:sp>
+        <p:nvSpPr>
+          <p:cNvPr id="70" name="矩形 69"/>
+          <p:cNvSpPr/>
+          <p:nvPr/>
+        </p:nvSpPr>
+        <p:spPr>
+          <a:xfrm>
+            <a:off x="48895" y="5048885"/>
+            <a:ext cx="662940" cy="337185"/>
+          </a:xfrm>
+          <a:prstGeom prst="rect">
+            <a:avLst/>
+          </a:prstGeom>
+          <a:noFill/>
+          <a:extLst>
+            <a:ext uri="{909E8E84-426E-40DD-AFC4-6F175D3DCCD1}">
+              <a14:hiddenFill xmlns:a14="http://schemas.microsoft.com/office/drawing/2010/main">
+                <a:solidFill>
+                  <a:schemeClr val="accent1"/>
+                </a:solidFill>
+              </a14:hiddenFill>
+            </a:ext>
+          </a:extLst>
+        </p:spPr>
+        <p:style>
+          <a:lnRef idx="2">
+            <a:schemeClr val="accent1">
+              <a:shade val="50000"/>
+            </a:schemeClr>
+          </a:lnRef>
+          <a:fillRef idx="1">
+            <a:schemeClr val="accent1"/>
+          </a:fillRef>
+          <a:effectRef idx="0">
+            <a:schemeClr val="accent1"/>
+          </a:effectRef>
+          <a:fontRef idx="minor">
+            <a:schemeClr val="lt1"/>
+          </a:fontRef>
+        </p:style>
+        <p:txBody>
+          <a:bodyPr rtlCol="0" anchor="ctr"/>
+          <a:p>
+            <a:pPr algn="ctr"/>
+            <a:r>
+              <a:rPr lang="en-US" altLang="zh-CN" sz="1200">
+                <a:solidFill>
+                  <a:schemeClr val="tx1"/>
+                </a:solidFill>
+                <a:latin typeface="微软雅黑" panose="020B0503020204020204" pitchFamily="34" charset="-122"/>
+                <a:ea typeface="微软雅黑" panose="020B0503020204020204" pitchFamily="34" charset="-122"/>
+                <a:cs typeface="微软雅黑" panose="020B0503020204020204" pitchFamily="34" charset="-122"/>
+              </a:rPr>
+              <a:t>UI</a:t>
+            </a:r>
+            <a:r>
+              <a:rPr lang="zh-CN" altLang="en-US" sz="1200">
+                <a:solidFill>
+                  <a:schemeClr val="tx1"/>
+                </a:solidFill>
+                <a:latin typeface="微软雅黑" panose="020B0503020204020204" pitchFamily="34" charset="-122"/>
+                <a:ea typeface="微软雅黑" panose="020B0503020204020204" pitchFamily="34" charset="-122"/>
+                <a:cs typeface="微软雅黑" panose="020B0503020204020204" pitchFamily="34" charset="-122"/>
+              </a:rPr>
+              <a:t>组件</a:t>
+            </a:r>
+            <a:endParaRPr lang="zh-CN" altLang="en-US" sz="1200">
+              <a:solidFill>
+                <a:schemeClr val="tx1"/>
+              </a:solidFill>
+              <a:latin typeface="微软雅黑" panose="020B0503020204020204" pitchFamily="34" charset="-122"/>
+              <a:ea typeface="微软雅黑" panose="020B0503020204020204" pitchFamily="34" charset="-122"/>
+              <a:cs typeface="微软雅黑" panose="020B0503020204020204" pitchFamily="34" charset="-122"/>
+            </a:endParaRPr>
+          </a:p>
+        </p:txBody>
+      </p:sp>
+      <p:sp>
+        <p:nvSpPr>
+          <p:cNvPr id="71" name="矩形 70"/>
+          <p:cNvSpPr/>
+          <p:nvPr/>
+        </p:nvSpPr>
+        <p:spPr>
+          <a:xfrm>
+            <a:off x="79375" y="5466080"/>
+            <a:ext cx="584200" cy="337185"/>
+          </a:xfrm>
+          <a:prstGeom prst="rect">
+            <a:avLst/>
+          </a:prstGeom>
+          <a:noFill/>
+          <a:extLst>
+            <a:ext uri="{909E8E84-426E-40DD-AFC4-6F175D3DCCD1}">
+              <a14:hiddenFill xmlns:a14="http://schemas.microsoft.com/office/drawing/2010/main">
+                <a:solidFill>
+                  <a:schemeClr val="accent1"/>
+                </a:solidFill>
+              </a14:hiddenFill>
+            </a:ext>
+          </a:extLst>
+        </p:spPr>
+        <p:style>
+          <a:lnRef idx="2">
+            <a:schemeClr val="accent1">
+              <a:shade val="50000"/>
+            </a:schemeClr>
+          </a:lnRef>
+          <a:fillRef idx="1">
+            <a:schemeClr val="accent1"/>
+          </a:fillRef>
+          <a:effectRef idx="0">
+            <a:schemeClr val="accent1"/>
+          </a:effectRef>
+          <a:fontRef idx="minor">
+            <a:schemeClr val="lt1"/>
+          </a:fontRef>
+        </p:style>
+        <p:txBody>
+          <a:bodyPr rtlCol="0" anchor="ctr"/>
+          <a:p>
+            <a:pPr algn="ctr"/>
+            <a:r>
+              <a:rPr lang="zh-CN" sz="1200">
+                <a:solidFill>
+                  <a:schemeClr val="tx1"/>
+                </a:solidFill>
+                <a:latin typeface="微软雅黑" panose="020B0503020204020204" pitchFamily="34" charset="-122"/>
+                <a:ea typeface="微软雅黑" panose="020B0503020204020204" pitchFamily="34" charset="-122"/>
+                <a:cs typeface="微软雅黑" panose="020B0503020204020204" pitchFamily="34" charset="-122"/>
+              </a:rPr>
+              <a:t>功能组件</a:t>
+            </a:r>
+            <a:endParaRPr lang="zh-CN" sz="1200">
+              <a:solidFill>
+                <a:schemeClr val="tx1"/>
+              </a:solidFill>
+              <a:latin typeface="微软雅黑" panose="020B0503020204020204" pitchFamily="34" charset="-122"/>
+              <a:ea typeface="微软雅黑" panose="020B0503020204020204" pitchFamily="34" charset="-122"/>
+              <a:cs typeface="微软雅黑" panose="020B0503020204020204" pitchFamily="34" charset="-122"/>
+            </a:endParaRPr>
+          </a:p>
+        </p:txBody>
+      </p:sp>
+      <p:sp>
+        <p:nvSpPr>
+          <p:cNvPr id="72" name="矩形 71"/>
+          <p:cNvSpPr/>
+          <p:nvPr/>
+        </p:nvSpPr>
+        <p:spPr>
+          <a:xfrm>
+            <a:off x="5161915" y="3897630"/>
+            <a:ext cx="668020" cy="337185"/>
+          </a:xfrm>
+          <a:prstGeom prst="rect">
+            <a:avLst/>
+          </a:prstGeom>
+          <a:noFill/>
+          <a:extLst>
+            <a:ext uri="{909E8E84-426E-40DD-AFC4-6F175D3DCCD1}">
+              <a14:hiddenFill xmlns:a14="http://schemas.microsoft.com/office/drawing/2010/main">
+                <a:solidFill>
+                  <a:schemeClr val="accent1"/>
+                </a:solidFill>
+              </a14:hiddenFill>
+            </a:ext>
+          </a:extLst>
+        </p:spPr>
+        <p:style>
+          <a:lnRef idx="2">
+            <a:schemeClr val="accent1">
+              <a:shade val="50000"/>
+            </a:schemeClr>
+          </a:lnRef>
+          <a:fillRef idx="1">
+            <a:schemeClr val="accent1"/>
+          </a:fillRef>
+          <a:effectRef idx="0">
+            <a:schemeClr val="accent1"/>
+          </a:effectRef>
+          <a:fontRef idx="minor">
+            <a:schemeClr val="lt1"/>
+          </a:fontRef>
+        </p:style>
+        <p:txBody>
+          <a:bodyPr rtlCol="0" anchor="ctr"/>
+          <a:p>
+            <a:pPr algn="ctr"/>
+            <a:r>
+              <a:rPr lang="zh-CN" sz="1200">
+                <a:solidFill>
+                  <a:schemeClr val="tx1"/>
+                </a:solidFill>
+                <a:latin typeface="微软雅黑" panose="020B0503020204020204" pitchFamily="34" charset="-122"/>
+                <a:ea typeface="微软雅黑" panose="020B0503020204020204" pitchFamily="34" charset="-122"/>
+                <a:cs typeface="微软雅黑" panose="020B0503020204020204" pitchFamily="34" charset="-122"/>
+              </a:rPr>
+              <a:t>软件</a:t>
+            </a:r>
+            <a:endParaRPr lang="zh-CN" sz="1200">
+              <a:solidFill>
+                <a:schemeClr val="tx1"/>
+              </a:solidFill>
+              <a:latin typeface="微软雅黑" panose="020B0503020204020204" pitchFamily="34" charset="-122"/>
+              <a:ea typeface="微软雅黑" panose="020B0503020204020204" pitchFamily="34" charset="-122"/>
+              <a:cs typeface="微软雅黑" panose="020B0503020204020204" pitchFamily="34" charset="-122"/>
+            </a:endParaRPr>
+          </a:p>
+          <a:p>
+            <a:pPr algn="ctr"/>
+            <a:r>
+              <a:rPr lang="zh-CN" sz="1200">
+                <a:solidFill>
+                  <a:schemeClr val="tx1"/>
+                </a:solidFill>
+                <a:latin typeface="微软雅黑" panose="020B0503020204020204" pitchFamily="34" charset="-122"/>
+                <a:ea typeface="微软雅黑" panose="020B0503020204020204" pitchFamily="34" charset="-122"/>
+                <a:cs typeface="微软雅黑" panose="020B0503020204020204" pitchFamily="34" charset="-122"/>
+              </a:rPr>
+              <a:t>设计器</a:t>
+            </a:r>
+            <a:endParaRPr lang="zh-CN" sz="1200">
+              <a:solidFill>
+                <a:schemeClr val="tx1"/>
+              </a:solidFill>
+              <a:latin typeface="微软雅黑" panose="020B0503020204020204" pitchFamily="34" charset="-122"/>
+              <a:ea typeface="微软雅黑" panose="020B0503020204020204" pitchFamily="34" charset="-122"/>
+              <a:cs typeface="微软雅黑" panose="020B0503020204020204" pitchFamily="34" charset="-122"/>
+            </a:endParaRPr>
+          </a:p>
+        </p:txBody>
+      </p:sp>
+      <p:cxnSp>
+        <p:nvCxnSpPr>
+          <p:cNvPr id="73" name="肘形连接符 72"/>
+          <p:cNvCxnSpPr>
+            <a:stCxn id="38" idx="2"/>
+            <a:endCxn id="52" idx="0"/>
+          </p:cNvCxnSpPr>
+          <p:nvPr/>
+        </p:nvCxnSpPr>
+        <p:spPr>
+          <a:xfrm rot="5400000">
+            <a:off x="3318828" y="2692083"/>
+            <a:ext cx="1068070" cy="1343025"/>
+          </a:xfrm>
+          <a:prstGeom prst="bentConnector3">
+            <a:avLst>
+              <a:gd name="adj1" fmla="val 49970"/>
+            </a:avLst>
+          </a:prstGeom>
+          <a:ln>
+            <a:tailEnd type="arrow" w="med" len="med"/>
+          </a:ln>
+        </p:spPr>
+        <p:style>
+          <a:lnRef idx="1">
+            <a:schemeClr val="accent3"/>
+          </a:lnRef>
+          <a:fillRef idx="0">
+            <a:schemeClr val="accent3"/>
+          </a:fillRef>
+          <a:effectRef idx="0">
+            <a:schemeClr val="accent3"/>
+          </a:effectRef>
+          <a:fontRef idx="minor">
+            <a:schemeClr val="tx1"/>
+          </a:fontRef>
+        </p:style>
+      </p:cxnSp>
+      <p:cxnSp>
+        <p:nvCxnSpPr>
+          <p:cNvPr id="76" name="肘形连接符 75"/>
+          <p:cNvCxnSpPr>
+            <a:stCxn id="38" idx="2"/>
+          </p:cNvCxnSpPr>
+          <p:nvPr/>
+        </p:nvCxnSpPr>
+        <p:spPr>
+          <a:xfrm rot="5400000">
+            <a:off x="3771900" y="3151505"/>
+            <a:ext cx="1074420" cy="429895"/>
+          </a:xfrm>
+          <a:prstGeom prst="bentConnector3">
+            <a:avLst>
+              <a:gd name="adj1" fmla="val 49970"/>
+            </a:avLst>
+          </a:prstGeom>
+          <a:ln>
+            <a:tailEnd type="arrow" w="med" len="med"/>
+          </a:ln>
+        </p:spPr>
+        <p:style>
+          <a:lnRef idx="1">
+            <a:schemeClr val="accent3"/>
+          </a:lnRef>
+          <a:fillRef idx="0">
+            <a:schemeClr val="accent3"/>
+          </a:fillRef>
+          <a:effectRef idx="0">
+            <a:schemeClr val="accent3"/>
+          </a:effectRef>
+          <a:fontRef idx="minor">
+            <a:schemeClr val="tx1"/>
+          </a:fontRef>
+        </p:style>
+      </p:cxnSp>
+      <p:sp>
+        <p:nvSpPr>
+          <p:cNvPr id="77" name="矩形 76"/>
+          <p:cNvSpPr/>
+          <p:nvPr/>
+        </p:nvSpPr>
+        <p:spPr>
+          <a:xfrm>
+            <a:off x="3395980" y="5028565"/>
+            <a:ext cx="298450" cy="790575"/>
+          </a:xfrm>
+          <a:prstGeom prst="rect">
+            <a:avLst/>
+          </a:prstGeom>
+          <a:noFill/>
+          <a:extLst>
+            <a:ext uri="{909E8E84-426E-40DD-AFC4-6F175D3DCCD1}">
+              <a14:hiddenFill xmlns:a14="http://schemas.microsoft.com/office/drawing/2010/main">
+                <a:solidFill>
+                  <a:schemeClr val="accent1"/>
+                </a:solidFill>
+              </a14:hiddenFill>
+            </a:ext>
+          </a:extLst>
+        </p:spPr>
+        <p:style>
+          <a:lnRef idx="2">
+            <a:schemeClr val="accent1">
+              <a:shade val="50000"/>
+            </a:schemeClr>
+          </a:lnRef>
+          <a:fillRef idx="1">
+            <a:schemeClr val="accent1"/>
+          </a:fillRef>
+          <a:effectRef idx="0">
+            <a:schemeClr val="accent1"/>
+          </a:effectRef>
+          <a:fontRef idx="minor">
+            <a:schemeClr val="lt1"/>
+          </a:fontRef>
+        </p:style>
+        <p:txBody>
+          <a:bodyPr rtlCol="0" anchor="ctr"/>
+          <a:p>
+            <a:pPr algn="ctr"/>
+            <a:r>
+              <a:rPr lang="zh-CN" sz="1200">
+                <a:solidFill>
+                  <a:schemeClr val="tx1"/>
+                </a:solidFill>
+                <a:latin typeface="微软雅黑" panose="020B0503020204020204" pitchFamily="34" charset="-122"/>
+                <a:ea typeface="微软雅黑" panose="020B0503020204020204" pitchFamily="34" charset="-122"/>
+                <a:cs typeface="微软雅黑" panose="020B0503020204020204" pitchFamily="34" charset="-122"/>
+              </a:rPr>
+              <a:t>维护项目</a:t>
+            </a:r>
+            <a:endParaRPr lang="zh-CN" sz="1200">
+              <a:solidFill>
+                <a:schemeClr val="tx1"/>
+              </a:solidFill>
+              <a:latin typeface="微软雅黑" panose="020B0503020204020204" pitchFamily="34" charset="-122"/>
+              <a:ea typeface="微软雅黑" panose="020B0503020204020204" pitchFamily="34" charset="-122"/>
+              <a:cs typeface="微软雅黑" panose="020B0503020204020204" pitchFamily="34" charset="-122"/>
+            </a:endParaRPr>
+          </a:p>
+        </p:txBody>
+      </p:sp>
+      <p:sp>
+        <p:nvSpPr>
+          <p:cNvPr id="78" name="矩形 77"/>
+          <p:cNvSpPr/>
+          <p:nvPr/>
+        </p:nvSpPr>
+        <p:spPr>
+          <a:xfrm>
+            <a:off x="3749675" y="5028565"/>
+            <a:ext cx="298450" cy="790575"/>
+          </a:xfrm>
+          <a:prstGeom prst="rect">
+            <a:avLst/>
+          </a:prstGeom>
+          <a:noFill/>
+          <a:extLst>
+            <a:ext uri="{909E8E84-426E-40DD-AFC4-6F175D3DCCD1}">
+              <a14:hiddenFill xmlns:a14="http://schemas.microsoft.com/office/drawing/2010/main">
+                <a:solidFill>
+                  <a:schemeClr val="accent1"/>
+                </a:solidFill>
+              </a14:hiddenFill>
+            </a:ext>
+          </a:extLst>
+        </p:spPr>
+        <p:style>
+          <a:lnRef idx="2">
+            <a:schemeClr val="accent1">
+              <a:shade val="50000"/>
+            </a:schemeClr>
+          </a:lnRef>
+          <a:fillRef idx="1">
+            <a:schemeClr val="accent1"/>
+          </a:fillRef>
+          <a:effectRef idx="0">
+            <a:schemeClr val="accent1"/>
+          </a:effectRef>
+          <a:fontRef idx="minor">
+            <a:schemeClr val="lt1"/>
+          </a:fontRef>
+        </p:style>
+        <p:txBody>
+          <a:bodyPr rtlCol="0" anchor="ctr"/>
+          <a:p>
+            <a:pPr algn="ctr"/>
+            <a:r>
+              <a:rPr lang="zh-CN" sz="1200">
+                <a:solidFill>
+                  <a:schemeClr val="tx1"/>
+                </a:solidFill>
+                <a:latin typeface="微软雅黑" panose="020B0503020204020204" pitchFamily="34" charset="-122"/>
+                <a:ea typeface="微软雅黑" panose="020B0503020204020204" pitchFamily="34" charset="-122"/>
+                <a:cs typeface="微软雅黑" panose="020B0503020204020204" pitchFamily="34" charset="-122"/>
+              </a:rPr>
+              <a:t>维护分组</a:t>
+            </a:r>
+            <a:endParaRPr lang="zh-CN" sz="1200">
+              <a:solidFill>
+                <a:schemeClr val="tx1"/>
+              </a:solidFill>
+              <a:latin typeface="微软雅黑" panose="020B0503020204020204" pitchFamily="34" charset="-122"/>
+              <a:ea typeface="微软雅黑" panose="020B0503020204020204" pitchFamily="34" charset="-122"/>
+              <a:cs typeface="微软雅黑" panose="020B0503020204020204" pitchFamily="34" charset="-122"/>
+            </a:endParaRPr>
+          </a:p>
+        </p:txBody>
+      </p:sp>
+      <p:sp>
+        <p:nvSpPr>
+          <p:cNvPr id="79" name="矩形 78"/>
+          <p:cNvSpPr/>
+          <p:nvPr/>
+        </p:nvSpPr>
+        <p:spPr>
+          <a:xfrm>
+            <a:off x="4131310" y="5028565"/>
+            <a:ext cx="298450" cy="790575"/>
+          </a:xfrm>
+          <a:prstGeom prst="rect">
+            <a:avLst/>
+          </a:prstGeom>
+          <a:noFill/>
+          <a:extLst>
+            <a:ext uri="{909E8E84-426E-40DD-AFC4-6F175D3DCCD1}">
+              <a14:hiddenFill xmlns:a14="http://schemas.microsoft.com/office/drawing/2010/main">
+                <a:solidFill>
+                  <a:schemeClr val="accent1"/>
+                </a:solidFill>
+              </a14:hiddenFill>
+            </a:ext>
+          </a:extLst>
+        </p:spPr>
+        <p:style>
+          <a:lnRef idx="2">
+            <a:schemeClr val="accent1">
+              <a:shade val="50000"/>
+            </a:schemeClr>
+          </a:lnRef>
+          <a:fillRef idx="1">
+            <a:schemeClr val="accent1"/>
+          </a:fillRef>
+          <a:effectRef idx="0">
+            <a:schemeClr val="accent1"/>
+          </a:effectRef>
+          <a:fontRef idx="minor">
+            <a:schemeClr val="lt1"/>
+          </a:fontRef>
+        </p:style>
+        <p:txBody>
+          <a:bodyPr rtlCol="0" anchor="ctr"/>
+          <a:p>
+            <a:pPr algn="ctr"/>
+            <a:r>
+              <a:rPr lang="zh-CN" sz="1200">
+                <a:solidFill>
+                  <a:schemeClr val="tx1"/>
+                </a:solidFill>
+                <a:latin typeface="微软雅黑" panose="020B0503020204020204" pitchFamily="34" charset="-122"/>
+                <a:ea typeface="微软雅黑" panose="020B0503020204020204" pitchFamily="34" charset="-122"/>
+                <a:cs typeface="微软雅黑" panose="020B0503020204020204" pitchFamily="34" charset="-122"/>
+              </a:rPr>
+              <a:t>维护页面</a:t>
+            </a:r>
+            <a:endParaRPr lang="zh-CN" sz="1200">
+              <a:solidFill>
+                <a:schemeClr val="tx1"/>
+              </a:solidFill>
+              <a:latin typeface="微软雅黑" panose="020B0503020204020204" pitchFamily="34" charset="-122"/>
+              <a:ea typeface="微软雅黑" panose="020B0503020204020204" pitchFamily="34" charset="-122"/>
+              <a:cs typeface="微软雅黑" panose="020B0503020204020204" pitchFamily="34" charset="-122"/>
+            </a:endParaRPr>
+          </a:p>
+        </p:txBody>
+      </p:sp>
+      <p:sp>
+        <p:nvSpPr>
+          <p:cNvPr id="80" name="矩形 79"/>
+          <p:cNvSpPr/>
+          <p:nvPr/>
+        </p:nvSpPr>
+        <p:spPr>
+          <a:xfrm>
+            <a:off x="4524375" y="5028565"/>
+            <a:ext cx="298450" cy="790575"/>
+          </a:xfrm>
+          <a:prstGeom prst="rect">
+            <a:avLst/>
+          </a:prstGeom>
+          <a:noFill/>
+          <a:extLst>
+            <a:ext uri="{909E8E84-426E-40DD-AFC4-6F175D3DCCD1}">
+              <a14:hiddenFill xmlns:a14="http://schemas.microsoft.com/office/drawing/2010/main">
+                <a:solidFill>
+                  <a:schemeClr val="accent1"/>
+                </a:solidFill>
+              </a14:hiddenFill>
+            </a:ext>
+          </a:extLst>
+        </p:spPr>
+        <p:style>
+          <a:lnRef idx="2">
+            <a:schemeClr val="accent1">
+              <a:shade val="50000"/>
+            </a:schemeClr>
+          </a:lnRef>
+          <a:fillRef idx="1">
+            <a:schemeClr val="accent1"/>
+          </a:fillRef>
+          <a:effectRef idx="0">
+            <a:schemeClr val="accent1"/>
+          </a:effectRef>
+          <a:fontRef idx="minor">
+            <a:schemeClr val="lt1"/>
+          </a:fontRef>
+        </p:style>
+        <p:txBody>
+          <a:bodyPr rtlCol="0" anchor="ctr"/>
+          <a:p>
+            <a:pPr algn="ctr"/>
+            <a:r>
+              <a:rPr lang="zh-CN" sz="1200">
+                <a:solidFill>
+                  <a:schemeClr val="tx1"/>
+                </a:solidFill>
+                <a:latin typeface="微软雅黑" panose="020B0503020204020204" pitchFamily="34" charset="-122"/>
+                <a:ea typeface="微软雅黑" panose="020B0503020204020204" pitchFamily="34" charset="-122"/>
+                <a:cs typeface="微软雅黑" panose="020B0503020204020204" pitchFamily="34" charset="-122"/>
+              </a:rPr>
+              <a:t>维护服务</a:t>
+            </a:r>
+            <a:endParaRPr lang="zh-CN" sz="1200">
+              <a:solidFill>
+                <a:schemeClr val="tx1"/>
+              </a:solidFill>
+              <a:latin typeface="微软雅黑" panose="020B0503020204020204" pitchFamily="34" charset="-122"/>
+              <a:ea typeface="微软雅黑" panose="020B0503020204020204" pitchFamily="34" charset="-122"/>
+              <a:cs typeface="微软雅黑" panose="020B0503020204020204" pitchFamily="34" charset="-122"/>
+            </a:endParaRPr>
+          </a:p>
+        </p:txBody>
+      </p:sp>
+      <p:cxnSp>
+        <p:nvCxnSpPr>
+          <p:cNvPr id="81" name="肘形连接符 80"/>
+          <p:cNvCxnSpPr>
+            <a:stCxn id="60" idx="2"/>
+            <a:endCxn id="77" idx="0"/>
+          </p:cNvCxnSpPr>
+          <p:nvPr/>
+        </p:nvCxnSpPr>
+        <p:spPr>
+          <a:xfrm rot="5400000">
+            <a:off x="3421698" y="4358323"/>
+            <a:ext cx="793750" cy="546735"/>
+          </a:xfrm>
+          <a:prstGeom prst="bentConnector3">
+            <a:avLst>
+              <a:gd name="adj1" fmla="val 49960"/>
+            </a:avLst>
+          </a:prstGeom>
+          <a:ln>
+            <a:tailEnd type="arrow" w="med" len="med"/>
+          </a:ln>
+        </p:spPr>
+        <p:style>
+          <a:lnRef idx="1">
+            <a:schemeClr val="accent3"/>
+          </a:lnRef>
+          <a:fillRef idx="0">
+            <a:schemeClr val="accent3"/>
+          </a:fillRef>
+          <a:effectRef idx="0">
+            <a:schemeClr val="accent3"/>
+          </a:effectRef>
+          <a:fontRef idx="minor">
+            <a:schemeClr val="tx1"/>
+          </a:fontRef>
+        </p:style>
+      </p:cxnSp>
+      <p:cxnSp>
+        <p:nvCxnSpPr>
+          <p:cNvPr id="82" name="肘形连接符 81"/>
+          <p:cNvCxnSpPr>
+            <a:endCxn id="78" idx="0"/>
+          </p:cNvCxnSpPr>
+          <p:nvPr/>
+        </p:nvCxnSpPr>
+        <p:spPr>
+          <a:xfrm rot="5400000">
+            <a:off x="3618230" y="4547870"/>
+            <a:ext cx="760730" cy="200025"/>
+          </a:xfrm>
+          <a:prstGeom prst="bentConnector3">
+            <a:avLst>
+              <a:gd name="adj1" fmla="val 47621"/>
+            </a:avLst>
+          </a:prstGeom>
+          <a:ln>
+            <a:tailEnd type="arrow" w="med" len="med"/>
+          </a:ln>
+        </p:spPr>
+        <p:style>
+          <a:lnRef idx="1">
+            <a:schemeClr val="accent3"/>
+          </a:lnRef>
+          <a:fillRef idx="0">
+            <a:schemeClr val="accent3"/>
+          </a:fillRef>
+          <a:effectRef idx="0">
+            <a:schemeClr val="accent3"/>
+          </a:effectRef>
+          <a:fontRef idx="minor">
+            <a:schemeClr val="tx1"/>
+          </a:fontRef>
+        </p:style>
+      </p:cxnSp>
+      <p:cxnSp>
+        <p:nvCxnSpPr>
+          <p:cNvPr id="83" name="肘形连接符 82"/>
+          <p:cNvCxnSpPr>
+            <a:endCxn id="79" idx="0"/>
+          </p:cNvCxnSpPr>
+          <p:nvPr/>
+        </p:nvCxnSpPr>
+        <p:spPr>
+          <a:xfrm rot="5400000" flipV="1">
+            <a:off x="3809365" y="4557395"/>
+            <a:ext cx="756285" cy="186055"/>
+          </a:xfrm>
+          <a:prstGeom prst="bentConnector3">
+            <a:avLst>
+              <a:gd name="adj1" fmla="val 48362"/>
+            </a:avLst>
+          </a:prstGeom>
+          <a:ln>
+            <a:tailEnd type="arrow" w="med" len="med"/>
+          </a:ln>
+        </p:spPr>
+        <p:style>
+          <a:lnRef idx="1">
+            <a:schemeClr val="accent3"/>
+          </a:lnRef>
+          <a:fillRef idx="0">
+            <a:schemeClr val="accent3"/>
+          </a:fillRef>
+          <a:effectRef idx="0">
+            <a:schemeClr val="accent3"/>
+          </a:effectRef>
+          <a:fontRef idx="minor">
+            <a:schemeClr val="tx1"/>
+          </a:fontRef>
+        </p:style>
+      </p:cxnSp>
+      <p:cxnSp>
+        <p:nvCxnSpPr>
+          <p:cNvPr id="84" name="肘形连接符 83"/>
+          <p:cNvCxnSpPr/>
+          <p:nvPr/>
+        </p:nvCxnSpPr>
+        <p:spPr>
+          <a:xfrm rot="5400000" flipV="1">
+            <a:off x="4001770" y="4339590"/>
+            <a:ext cx="767715" cy="585470"/>
+          </a:xfrm>
+          <a:prstGeom prst="bentConnector3">
+            <a:avLst>
+              <a:gd name="adj1" fmla="val 50000"/>
+            </a:avLst>
+          </a:prstGeom>
+          <a:ln>
+            <a:tailEnd type="arrow" w="med" len="med"/>
+          </a:ln>
+        </p:spPr>
+        <p:style>
+          <a:lnRef idx="1">
+            <a:schemeClr val="accent3"/>
+          </a:lnRef>
+          <a:fillRef idx="0">
+            <a:schemeClr val="accent3"/>
+          </a:fillRef>
+          <a:effectRef idx="0">
+            <a:schemeClr val="accent3"/>
+          </a:effectRef>
+          <a:fontRef idx="minor">
+            <a:schemeClr val="tx1"/>
+          </a:fontRef>
+        </p:style>
+      </p:cxnSp>
+      <p:cxnSp>
+        <p:nvCxnSpPr>
+          <p:cNvPr id="85" name="肘形连接符 84"/>
+          <p:cNvCxnSpPr>
+            <a:stCxn id="38" idx="2"/>
+            <a:endCxn id="72" idx="0"/>
+          </p:cNvCxnSpPr>
+          <p:nvPr/>
+        </p:nvCxnSpPr>
+        <p:spPr>
+          <a:xfrm rot="5400000" flipV="1">
+            <a:off x="4476115" y="2877820"/>
+            <a:ext cx="1068070" cy="971550"/>
+          </a:xfrm>
+          <a:prstGeom prst="bentConnector3">
+            <a:avLst>
+              <a:gd name="adj1" fmla="val 50000"/>
+            </a:avLst>
+          </a:prstGeom>
+          <a:ln>
+            <a:tailEnd type="arrow" w="med" len="med"/>
+          </a:ln>
+        </p:spPr>
+        <p:style>
+          <a:lnRef idx="1">
+            <a:schemeClr val="accent3"/>
+          </a:lnRef>
+          <a:fillRef idx="0">
+            <a:schemeClr val="accent3"/>
+          </a:fillRef>
+          <a:effectRef idx="0">
+            <a:schemeClr val="accent3"/>
+          </a:effectRef>
+          <a:fontRef idx="minor">
+            <a:schemeClr val="tx1"/>
+          </a:fontRef>
+        </p:style>
+      </p:cxnSp>
+      <p:sp>
+        <p:nvSpPr>
+          <p:cNvPr id="87" name="矩形 86"/>
+          <p:cNvSpPr/>
+          <p:nvPr/>
+        </p:nvSpPr>
+        <p:spPr>
+          <a:xfrm>
+            <a:off x="4969510" y="5028565"/>
+            <a:ext cx="298450" cy="904240"/>
+          </a:xfrm>
+          <a:prstGeom prst="rect">
+            <a:avLst/>
+          </a:prstGeom>
+          <a:noFill/>
+          <a:extLst>
+            <a:ext uri="{909E8E84-426E-40DD-AFC4-6F175D3DCCD1}">
+              <a14:hiddenFill xmlns:a14="http://schemas.microsoft.com/office/drawing/2010/main">
+                <a:solidFill>
+                  <a:schemeClr val="accent1"/>
+                </a:solidFill>
+              </a14:hiddenFill>
+            </a:ext>
+          </a:extLst>
+        </p:spPr>
+        <p:style>
+          <a:lnRef idx="2">
+            <a:schemeClr val="accent1">
+              <a:shade val="50000"/>
+            </a:schemeClr>
+          </a:lnRef>
+          <a:fillRef idx="1">
+            <a:schemeClr val="accent1"/>
+          </a:fillRef>
+          <a:effectRef idx="0">
+            <a:schemeClr val="accent1"/>
+          </a:effectRef>
+          <a:fontRef idx="minor">
+            <a:schemeClr val="lt1"/>
+          </a:fontRef>
+        </p:style>
+        <p:txBody>
+          <a:bodyPr rtlCol="0" anchor="ctr"/>
+          <a:p>
+            <a:pPr algn="ctr"/>
+            <a:r>
+              <a:rPr lang="zh-CN" sz="1200">
+                <a:solidFill>
+                  <a:schemeClr val="tx1"/>
+                </a:solidFill>
+                <a:latin typeface="微软雅黑" panose="020B0503020204020204" pitchFamily="34" charset="-122"/>
+                <a:ea typeface="微软雅黑" panose="020B0503020204020204" pitchFamily="34" charset="-122"/>
+                <a:cs typeface="微软雅黑" panose="020B0503020204020204" pitchFamily="34" charset="-122"/>
+              </a:rPr>
+              <a:t>页面设计器</a:t>
+            </a:r>
+            <a:endParaRPr lang="zh-CN" sz="1200">
+              <a:solidFill>
+                <a:schemeClr val="tx1"/>
+              </a:solidFill>
+              <a:latin typeface="微软雅黑" panose="020B0503020204020204" pitchFamily="34" charset="-122"/>
+              <a:ea typeface="微软雅黑" panose="020B0503020204020204" pitchFamily="34" charset="-122"/>
+              <a:cs typeface="微软雅黑" panose="020B0503020204020204" pitchFamily="34" charset="-122"/>
+            </a:endParaRPr>
+          </a:p>
+        </p:txBody>
+      </p:sp>
+      <p:sp>
+        <p:nvSpPr>
+          <p:cNvPr id="88" name="矩形 87"/>
+          <p:cNvSpPr/>
+          <p:nvPr/>
+        </p:nvSpPr>
+        <p:spPr>
+          <a:xfrm>
+            <a:off x="5351145" y="5028565"/>
+            <a:ext cx="298450" cy="904240"/>
+          </a:xfrm>
+          <a:prstGeom prst="rect">
+            <a:avLst/>
+          </a:prstGeom>
+          <a:noFill/>
+          <a:extLst>
+            <a:ext uri="{909E8E84-426E-40DD-AFC4-6F175D3DCCD1}">
+              <a14:hiddenFill xmlns:a14="http://schemas.microsoft.com/office/drawing/2010/main">
+                <a:solidFill>
+                  <a:schemeClr val="accent1"/>
+                </a:solidFill>
+              </a14:hiddenFill>
+            </a:ext>
+          </a:extLst>
+        </p:spPr>
+        <p:style>
+          <a:lnRef idx="2">
+            <a:schemeClr val="accent1">
+              <a:shade val="50000"/>
+            </a:schemeClr>
+          </a:lnRef>
+          <a:fillRef idx="1">
+            <a:schemeClr val="accent1"/>
+          </a:fillRef>
+          <a:effectRef idx="0">
+            <a:schemeClr val="accent1"/>
+          </a:effectRef>
+          <a:fontRef idx="minor">
+            <a:schemeClr val="lt1"/>
+          </a:fontRef>
+        </p:style>
+        <p:txBody>
+          <a:bodyPr rtlCol="0" anchor="ctr"/>
+          <a:p>
+            <a:pPr algn="ctr"/>
+            <a:r>
+              <a:rPr lang="zh-CN" sz="1200">
+                <a:solidFill>
+                  <a:schemeClr val="tx1"/>
+                </a:solidFill>
+                <a:latin typeface="微软雅黑" panose="020B0503020204020204" pitchFamily="34" charset="-122"/>
+                <a:ea typeface="微软雅黑" panose="020B0503020204020204" pitchFamily="34" charset="-122"/>
+                <a:cs typeface="微软雅黑" panose="020B0503020204020204" pitchFamily="34" charset="-122"/>
+              </a:rPr>
+              <a:t>服务设计器</a:t>
+            </a:r>
+            <a:endParaRPr lang="zh-CN" sz="1200">
+              <a:solidFill>
+                <a:schemeClr val="tx1"/>
+              </a:solidFill>
+              <a:latin typeface="微软雅黑" panose="020B0503020204020204" pitchFamily="34" charset="-122"/>
+              <a:ea typeface="微软雅黑" panose="020B0503020204020204" pitchFamily="34" charset="-122"/>
+              <a:cs typeface="微软雅黑" panose="020B0503020204020204" pitchFamily="34" charset="-122"/>
+            </a:endParaRPr>
+          </a:p>
+        </p:txBody>
+      </p:sp>
+      <p:sp>
+        <p:nvSpPr>
+          <p:cNvPr id="89" name="矩形 88"/>
+          <p:cNvSpPr/>
+          <p:nvPr/>
+        </p:nvSpPr>
+        <p:spPr>
+          <a:xfrm>
+            <a:off x="6644640" y="3897630"/>
+            <a:ext cx="708660" cy="337185"/>
+          </a:xfrm>
+          <a:prstGeom prst="rect">
+            <a:avLst/>
+          </a:prstGeom>
+          <a:noFill/>
+          <a:extLst>
+            <a:ext uri="{909E8E84-426E-40DD-AFC4-6F175D3DCCD1}">
+              <a14:hiddenFill xmlns:a14="http://schemas.microsoft.com/office/drawing/2010/main">
+                <a:solidFill>
+                  <a:schemeClr val="accent1"/>
+                </a:solidFill>
+              </a14:hiddenFill>
+            </a:ext>
+          </a:extLst>
+        </p:spPr>
+        <p:style>
+          <a:lnRef idx="2">
+            <a:schemeClr val="accent1">
+              <a:shade val="50000"/>
+            </a:schemeClr>
+          </a:lnRef>
+          <a:fillRef idx="1">
+            <a:schemeClr val="accent1"/>
+          </a:fillRef>
+          <a:effectRef idx="0">
+            <a:schemeClr val="accent1"/>
+          </a:effectRef>
+          <a:fontRef idx="minor">
+            <a:schemeClr val="lt1"/>
+          </a:fontRef>
+        </p:style>
+        <p:txBody>
+          <a:bodyPr rtlCol="0" anchor="ctr"/>
+          <a:p>
+            <a:pPr algn="ctr"/>
+            <a:r>
+              <a:rPr lang="zh-CN" sz="1200">
+                <a:solidFill>
+                  <a:schemeClr val="tx1"/>
+                </a:solidFill>
+                <a:latin typeface="微软雅黑" panose="020B0503020204020204" pitchFamily="34" charset="-122"/>
+                <a:ea typeface="微软雅黑" panose="020B0503020204020204" pitchFamily="34" charset="-122"/>
+                <a:cs typeface="微软雅黑" panose="020B0503020204020204" pitchFamily="34" charset="-122"/>
+              </a:rPr>
+              <a:t>软件</a:t>
+            </a:r>
+            <a:endParaRPr lang="zh-CN" sz="1200">
+              <a:solidFill>
+                <a:schemeClr val="tx1"/>
+              </a:solidFill>
+              <a:latin typeface="微软雅黑" panose="020B0503020204020204" pitchFamily="34" charset="-122"/>
+              <a:ea typeface="微软雅黑" panose="020B0503020204020204" pitchFamily="34" charset="-122"/>
+              <a:cs typeface="微软雅黑" panose="020B0503020204020204" pitchFamily="34" charset="-122"/>
+            </a:endParaRPr>
+          </a:p>
+          <a:p>
+            <a:pPr algn="ctr"/>
+            <a:r>
+              <a:rPr lang="zh-CN" sz="1200">
+                <a:solidFill>
+                  <a:schemeClr val="tx1"/>
+                </a:solidFill>
+                <a:latin typeface="微软雅黑" panose="020B0503020204020204" pitchFamily="34" charset="-122"/>
+                <a:ea typeface="微软雅黑" panose="020B0503020204020204" pitchFamily="34" charset="-122"/>
+                <a:cs typeface="微软雅黑" panose="020B0503020204020204" pitchFamily="34" charset="-122"/>
+              </a:rPr>
+              <a:t>转码器</a:t>
+            </a:r>
+            <a:endParaRPr lang="zh-CN" sz="1200">
+              <a:solidFill>
+                <a:schemeClr val="tx1"/>
+              </a:solidFill>
+              <a:latin typeface="微软雅黑" panose="020B0503020204020204" pitchFamily="34" charset="-122"/>
+              <a:ea typeface="微软雅黑" panose="020B0503020204020204" pitchFamily="34" charset="-122"/>
+              <a:cs typeface="微软雅黑" panose="020B0503020204020204" pitchFamily="34" charset="-122"/>
+            </a:endParaRPr>
+          </a:p>
+        </p:txBody>
+      </p:sp>
+      <p:sp>
+        <p:nvSpPr>
+          <p:cNvPr id="90" name="矩形 89"/>
+          <p:cNvSpPr/>
+          <p:nvPr/>
+        </p:nvSpPr>
+        <p:spPr>
+          <a:xfrm>
+            <a:off x="5741035" y="5013325"/>
+            <a:ext cx="298450" cy="1672590"/>
+          </a:xfrm>
+          <a:prstGeom prst="rect">
+            <a:avLst/>
+          </a:prstGeom>
+          <a:noFill/>
+          <a:extLst>
+            <a:ext uri="{909E8E84-426E-40DD-AFC4-6F175D3DCCD1}">
+              <a14:hiddenFill xmlns:a14="http://schemas.microsoft.com/office/drawing/2010/main">
+                <a:solidFill>
+                  <a:schemeClr val="accent1"/>
+                </a:solidFill>
+              </a14:hiddenFill>
+            </a:ext>
+          </a:extLst>
+        </p:spPr>
+        <p:style>
+          <a:lnRef idx="2">
+            <a:schemeClr val="accent1">
+              <a:shade val="50000"/>
+            </a:schemeClr>
+          </a:lnRef>
+          <a:fillRef idx="1">
+            <a:schemeClr val="accent1"/>
+          </a:fillRef>
+          <a:effectRef idx="0">
+            <a:schemeClr val="accent1"/>
+          </a:effectRef>
+          <a:fontRef idx="minor">
+            <a:schemeClr val="lt1"/>
+          </a:fontRef>
+        </p:style>
+        <p:txBody>
+          <a:bodyPr rtlCol="0" anchor="ctr"/>
+          <a:p>
+            <a:pPr algn="ctr"/>
+            <a:r>
+              <a:rPr lang="zh-CN" sz="1200">
+                <a:solidFill>
+                  <a:schemeClr val="tx1"/>
+                </a:solidFill>
+                <a:latin typeface="微软雅黑" panose="020B0503020204020204" pitchFamily="34" charset="-122"/>
+                <a:ea typeface="微软雅黑" panose="020B0503020204020204" pitchFamily="34" charset="-122"/>
+                <a:cs typeface="微软雅黑" panose="020B0503020204020204" pitchFamily="34" charset="-122"/>
+              </a:rPr>
+              <a:t>数据存储结构设计器</a:t>
+            </a:r>
+            <a:endParaRPr lang="zh-CN" sz="1200">
+              <a:solidFill>
+                <a:schemeClr val="tx1"/>
+              </a:solidFill>
+              <a:latin typeface="微软雅黑" panose="020B0503020204020204" pitchFamily="34" charset="-122"/>
+              <a:ea typeface="微软雅黑" panose="020B0503020204020204" pitchFamily="34" charset="-122"/>
+              <a:cs typeface="微软雅黑" panose="020B0503020204020204" pitchFamily="34" charset="-122"/>
+            </a:endParaRPr>
+          </a:p>
+        </p:txBody>
+      </p:sp>
+      <p:cxnSp>
+        <p:nvCxnSpPr>
+          <p:cNvPr id="91" name="肘形连接符 90"/>
+          <p:cNvCxnSpPr>
+            <a:stCxn id="72" idx="2"/>
+            <a:endCxn id="87" idx="0"/>
+          </p:cNvCxnSpPr>
+          <p:nvPr/>
+        </p:nvCxnSpPr>
+        <p:spPr>
+          <a:xfrm rot="5400000">
+            <a:off x="4910455" y="4443095"/>
+            <a:ext cx="793750" cy="377190"/>
+          </a:xfrm>
+          <a:prstGeom prst="bentConnector3">
+            <a:avLst>
+              <a:gd name="adj1" fmla="val 50000"/>
+            </a:avLst>
+          </a:prstGeom>
+          <a:ln>
+            <a:tailEnd type="arrow" w="med" len="med"/>
+          </a:ln>
+        </p:spPr>
+        <p:style>
+          <a:lnRef idx="1">
+            <a:schemeClr val="accent3"/>
+          </a:lnRef>
+          <a:fillRef idx="0">
+            <a:schemeClr val="accent3"/>
+          </a:fillRef>
+          <a:effectRef idx="0">
+            <a:schemeClr val="accent3"/>
+          </a:effectRef>
+          <a:fontRef idx="minor">
+            <a:schemeClr val="tx1"/>
+          </a:fontRef>
+        </p:style>
+      </p:cxnSp>
+      <p:cxnSp>
+        <p:nvCxnSpPr>
+          <p:cNvPr id="92" name="肘形连接符 91"/>
+          <p:cNvCxnSpPr>
+            <a:stCxn id="72" idx="2"/>
+            <a:endCxn id="88" idx="0"/>
+          </p:cNvCxnSpPr>
+          <p:nvPr/>
+        </p:nvCxnSpPr>
+        <p:spPr>
+          <a:xfrm rot="5400000" flipV="1">
+            <a:off x="5101273" y="4629468"/>
+            <a:ext cx="793750" cy="4445"/>
+          </a:xfrm>
+          <a:prstGeom prst="bentConnector3">
+            <a:avLst>
+              <a:gd name="adj1" fmla="val 49960"/>
+            </a:avLst>
+          </a:prstGeom>
+          <a:ln>
+            <a:tailEnd type="arrow" w="med" len="med"/>
+          </a:ln>
+        </p:spPr>
+        <p:style>
+          <a:lnRef idx="1">
+            <a:schemeClr val="accent3"/>
+          </a:lnRef>
+          <a:fillRef idx="0">
+            <a:schemeClr val="accent3"/>
+          </a:fillRef>
+          <a:effectRef idx="0">
+            <a:schemeClr val="accent3"/>
+          </a:effectRef>
+          <a:fontRef idx="minor">
+            <a:schemeClr val="tx1"/>
+          </a:fontRef>
+        </p:style>
+      </p:cxnSp>
+      <p:cxnSp>
+        <p:nvCxnSpPr>
+          <p:cNvPr id="93" name="肘形连接符 92"/>
+          <p:cNvCxnSpPr>
+            <a:stCxn id="72" idx="2"/>
+            <a:endCxn id="90" idx="0"/>
+          </p:cNvCxnSpPr>
+          <p:nvPr/>
+        </p:nvCxnSpPr>
+        <p:spPr>
+          <a:xfrm rot="5400000" flipV="1">
+            <a:off x="5303838" y="4426903"/>
+            <a:ext cx="778510" cy="394335"/>
+          </a:xfrm>
+          <a:prstGeom prst="bentConnector3">
+            <a:avLst>
+              <a:gd name="adj1" fmla="val 49959"/>
+            </a:avLst>
+          </a:prstGeom>
+          <a:ln>
+            <a:tailEnd type="arrow" w="med" len="med"/>
+          </a:ln>
+        </p:spPr>
+        <p:style>
+          <a:lnRef idx="1">
+            <a:schemeClr val="accent3"/>
+          </a:lnRef>
+          <a:fillRef idx="0">
+            <a:schemeClr val="accent3"/>
+          </a:fillRef>
+          <a:effectRef idx="0">
+            <a:schemeClr val="accent3"/>
+          </a:effectRef>
+          <a:fontRef idx="minor">
+            <a:schemeClr val="tx1"/>
+          </a:fontRef>
+        </p:style>
+      </p:cxnSp>
+      <p:sp>
+        <p:nvSpPr>
+          <p:cNvPr id="94" name="矩形 93"/>
+          <p:cNvSpPr/>
+          <p:nvPr/>
+        </p:nvSpPr>
+        <p:spPr>
+          <a:xfrm>
+            <a:off x="2153285" y="1121410"/>
+            <a:ext cx="1125220" cy="337185"/>
+          </a:xfrm>
+          <a:prstGeom prst="rect">
+            <a:avLst/>
+          </a:prstGeom>
+          <a:noFill/>
+          <a:ln>
+            <a:prstDash val="dash"/>
+          </a:ln>
+          <a:extLst>
+            <a:ext uri="{909E8E84-426E-40DD-AFC4-6F175D3DCCD1}">
+              <a14:hiddenFill xmlns:a14="http://schemas.microsoft.com/office/drawing/2010/main">
+                <a:solidFill>
+                  <a:schemeClr val="accent1"/>
+                </a:solidFill>
+              </a14:hiddenFill>
+            </a:ext>
+          </a:extLst>
+        </p:spPr>
+        <p:style>
+          <a:lnRef idx="2">
+            <a:schemeClr val="accent1">
+              <a:shade val="50000"/>
+            </a:schemeClr>
+          </a:lnRef>
+          <a:fillRef idx="1">
+            <a:schemeClr val="accent1"/>
+          </a:fillRef>
+          <a:effectRef idx="0">
+            <a:schemeClr val="accent1"/>
+          </a:effectRef>
+          <a:fontRef idx="minor">
+            <a:schemeClr val="lt1"/>
+          </a:fontRef>
+        </p:style>
+        <p:txBody>
+          <a:bodyPr rtlCol="0" anchor="ctr"/>
+          <a:p>
+            <a:pPr algn="ctr"/>
+            <a:r>
+              <a:rPr lang="zh-CN" sz="1200">
+                <a:solidFill>
+                  <a:schemeClr val="tx1"/>
+                </a:solidFill>
+                <a:latin typeface="微软雅黑" panose="020B0503020204020204" pitchFamily="34" charset="-122"/>
+                <a:ea typeface="微软雅黑" panose="020B0503020204020204" pitchFamily="34" charset="-122"/>
+                <a:cs typeface="微软雅黑" panose="020B0503020204020204" pitchFamily="34" charset="-122"/>
+              </a:rPr>
+              <a:t>软件研发管理工具云</a:t>
+            </a:r>
+            <a:endParaRPr lang="en-US" altLang="zh-CN" sz="1200">
+              <a:solidFill>
+                <a:schemeClr val="tx1"/>
+              </a:solidFill>
+              <a:latin typeface="微软雅黑" panose="020B0503020204020204" pitchFamily="34" charset="-122"/>
+              <a:ea typeface="微软雅黑" panose="020B0503020204020204" pitchFamily="34" charset="-122"/>
+              <a:cs typeface="微软雅黑" panose="020B0503020204020204" pitchFamily="34" charset="-122"/>
+            </a:endParaRPr>
+          </a:p>
+        </p:txBody>
+      </p:sp>
+      <p:cxnSp>
+        <p:nvCxnSpPr>
+          <p:cNvPr id="95" name="肘形连接符 94"/>
+          <p:cNvCxnSpPr>
+            <a:stCxn id="38" idx="2"/>
+            <a:endCxn id="89" idx="0"/>
+          </p:cNvCxnSpPr>
+          <p:nvPr/>
+        </p:nvCxnSpPr>
+        <p:spPr>
+          <a:xfrm rot="5400000" flipV="1">
+            <a:off x="5227638" y="2126298"/>
+            <a:ext cx="1068070" cy="2474595"/>
+          </a:xfrm>
+          <a:prstGeom prst="bentConnector3">
+            <a:avLst>
+              <a:gd name="adj1" fmla="val 49970"/>
+            </a:avLst>
+          </a:prstGeom>
+          <a:ln>
+            <a:tailEnd type="arrow" w="med" len="med"/>
+          </a:ln>
+        </p:spPr>
+        <p:style>
+          <a:lnRef idx="1">
+            <a:schemeClr val="accent3"/>
+          </a:lnRef>
+          <a:fillRef idx="0">
+            <a:schemeClr val="accent3"/>
+          </a:fillRef>
+          <a:effectRef idx="0">
+            <a:schemeClr val="accent3"/>
+          </a:effectRef>
+          <a:fontRef idx="minor">
+            <a:schemeClr val="tx1"/>
+          </a:fontRef>
+        </p:style>
+      </p:cxnSp>
+      <p:sp>
+        <p:nvSpPr>
+          <p:cNvPr id="96" name="矩形 95"/>
+          <p:cNvSpPr/>
+          <p:nvPr/>
+        </p:nvSpPr>
+        <p:spPr>
+          <a:xfrm>
+            <a:off x="6346190" y="5028565"/>
+            <a:ext cx="298450" cy="904240"/>
+          </a:xfrm>
+          <a:prstGeom prst="rect">
+            <a:avLst/>
+          </a:prstGeom>
+          <a:noFill/>
+          <a:extLst>
+            <a:ext uri="{909E8E84-426E-40DD-AFC4-6F175D3DCCD1}">
+              <a14:hiddenFill xmlns:a14="http://schemas.microsoft.com/office/drawing/2010/main">
+                <a:solidFill>
+                  <a:schemeClr val="accent1"/>
+                </a:solidFill>
+              </a14:hiddenFill>
+            </a:ext>
+          </a:extLst>
+        </p:spPr>
+        <p:style>
+          <a:lnRef idx="2">
+            <a:schemeClr val="accent1">
+              <a:shade val="50000"/>
+            </a:schemeClr>
+          </a:lnRef>
+          <a:fillRef idx="1">
+            <a:schemeClr val="accent1"/>
+          </a:fillRef>
+          <a:effectRef idx="0">
+            <a:schemeClr val="accent1"/>
+          </a:effectRef>
+          <a:fontRef idx="minor">
+            <a:schemeClr val="lt1"/>
+          </a:fontRef>
+        </p:style>
+        <p:txBody>
+          <a:bodyPr rtlCol="0" anchor="ctr"/>
+          <a:p>
+            <a:pPr algn="ctr"/>
+            <a:r>
+              <a:rPr lang="en-US" altLang="zh-CN" sz="1200">
+                <a:solidFill>
+                  <a:schemeClr val="tx1"/>
+                </a:solidFill>
+                <a:latin typeface="微软雅黑" panose="020B0503020204020204" pitchFamily="34" charset="-122"/>
+                <a:ea typeface="微软雅黑" panose="020B0503020204020204" pitchFamily="34" charset="-122"/>
+                <a:cs typeface="微软雅黑" panose="020B0503020204020204" pitchFamily="34" charset="-122"/>
+              </a:rPr>
+              <a:t>web</a:t>
+            </a:r>
+            <a:r>
+              <a:rPr lang="zh-CN" altLang="en-US" sz="1200">
+                <a:solidFill>
+                  <a:schemeClr val="tx1"/>
+                </a:solidFill>
+                <a:latin typeface="微软雅黑" panose="020B0503020204020204" pitchFamily="34" charset="-122"/>
+                <a:ea typeface="微软雅黑" panose="020B0503020204020204" pitchFamily="34" charset="-122"/>
+                <a:cs typeface="微软雅黑" panose="020B0503020204020204" pitchFamily="34" charset="-122"/>
+              </a:rPr>
+              <a:t>应用</a:t>
+            </a:r>
+            <a:endParaRPr lang="zh-CN" altLang="en-US" sz="1200">
+              <a:solidFill>
+                <a:schemeClr val="tx1"/>
+              </a:solidFill>
+              <a:latin typeface="微软雅黑" panose="020B0503020204020204" pitchFamily="34" charset="-122"/>
+              <a:ea typeface="微软雅黑" panose="020B0503020204020204" pitchFamily="34" charset="-122"/>
+              <a:cs typeface="微软雅黑" panose="020B0503020204020204" pitchFamily="34" charset="-122"/>
+            </a:endParaRPr>
+          </a:p>
+        </p:txBody>
+      </p:sp>
+      <p:sp>
+        <p:nvSpPr>
+          <p:cNvPr id="97" name="矩形 96"/>
+          <p:cNvSpPr/>
+          <p:nvPr/>
+        </p:nvSpPr>
+        <p:spPr>
+          <a:xfrm>
+            <a:off x="6743700" y="5028565"/>
+            <a:ext cx="298450" cy="1167765"/>
+          </a:xfrm>
+          <a:prstGeom prst="rect">
+            <a:avLst/>
+          </a:prstGeom>
+          <a:noFill/>
+          <a:extLst>
+            <a:ext uri="{909E8E84-426E-40DD-AFC4-6F175D3DCCD1}">
+              <a14:hiddenFill xmlns:a14="http://schemas.microsoft.com/office/drawing/2010/main">
+                <a:solidFill>
+                  <a:schemeClr val="accent1"/>
+                </a:solidFill>
+              </a14:hiddenFill>
+            </a:ext>
+          </a:extLst>
+        </p:spPr>
+        <p:style>
+          <a:lnRef idx="2">
+            <a:schemeClr val="accent1">
+              <a:shade val="50000"/>
+            </a:schemeClr>
+          </a:lnRef>
+          <a:fillRef idx="1">
+            <a:schemeClr val="accent1"/>
+          </a:fillRef>
+          <a:effectRef idx="0">
+            <a:schemeClr val="accent1"/>
+          </a:effectRef>
+          <a:fontRef idx="minor">
+            <a:schemeClr val="lt1"/>
+          </a:fontRef>
+        </p:style>
+        <p:txBody>
+          <a:bodyPr rtlCol="0" anchor="ctr"/>
+          <a:p>
+            <a:pPr algn="ctr"/>
+            <a:r>
+              <a:rPr lang="zh-CN" sz="1200">
+                <a:solidFill>
+                  <a:schemeClr val="tx1"/>
+                </a:solidFill>
+                <a:latin typeface="微软雅黑" panose="020B0503020204020204" pitchFamily="34" charset="-122"/>
+                <a:ea typeface="微软雅黑" panose="020B0503020204020204" pitchFamily="34" charset="-122"/>
+                <a:cs typeface="微软雅黑" panose="020B0503020204020204" pitchFamily="34" charset="-122"/>
+              </a:rPr>
+              <a:t>微信小程序</a:t>
+            </a:r>
+            <a:endParaRPr lang="zh-CN" sz="1200">
+              <a:solidFill>
+                <a:schemeClr val="tx1"/>
+              </a:solidFill>
+              <a:latin typeface="微软雅黑" panose="020B0503020204020204" pitchFamily="34" charset="-122"/>
+              <a:ea typeface="微软雅黑" panose="020B0503020204020204" pitchFamily="34" charset="-122"/>
+              <a:cs typeface="微软雅黑" panose="020B0503020204020204" pitchFamily="34" charset="-122"/>
+            </a:endParaRPr>
+          </a:p>
+        </p:txBody>
+      </p:sp>
+      <p:sp>
+        <p:nvSpPr>
+          <p:cNvPr id="98" name="矩形 97"/>
+          <p:cNvSpPr/>
+          <p:nvPr/>
+        </p:nvSpPr>
+        <p:spPr>
+          <a:xfrm>
+            <a:off x="7139940" y="5028565"/>
+            <a:ext cx="298450" cy="1150620"/>
+          </a:xfrm>
+          <a:prstGeom prst="rect">
+            <a:avLst/>
+          </a:prstGeom>
+          <a:noFill/>
+          <a:extLst>
+            <a:ext uri="{909E8E84-426E-40DD-AFC4-6F175D3DCCD1}">
+              <a14:hiddenFill xmlns:a14="http://schemas.microsoft.com/office/drawing/2010/main">
+                <a:solidFill>
+                  <a:schemeClr val="accent1"/>
+                </a:solidFill>
+              </a14:hiddenFill>
+            </a:ext>
+          </a:extLst>
+        </p:spPr>
+        <p:style>
+          <a:lnRef idx="2">
+            <a:schemeClr val="accent1">
+              <a:shade val="50000"/>
+            </a:schemeClr>
+          </a:lnRef>
+          <a:fillRef idx="1">
+            <a:schemeClr val="accent1"/>
+          </a:fillRef>
+          <a:effectRef idx="0">
+            <a:schemeClr val="accent1"/>
+          </a:effectRef>
+          <a:fontRef idx="minor">
+            <a:schemeClr val="lt1"/>
+          </a:fontRef>
+        </p:style>
+        <p:txBody>
+          <a:bodyPr rtlCol="0" anchor="ctr"/>
+          <a:p>
+            <a:pPr algn="ctr"/>
+            <a:r>
+              <a:rPr lang="zh-CN" sz="1200">
+                <a:solidFill>
+                  <a:schemeClr val="tx1"/>
+                </a:solidFill>
+                <a:latin typeface="微软雅黑" panose="020B0503020204020204" pitchFamily="34" charset="-122"/>
+                <a:ea typeface="微软雅黑" panose="020B0503020204020204" pitchFamily="34" charset="-122"/>
+                <a:cs typeface="微软雅黑" panose="020B0503020204020204" pitchFamily="34" charset="-122"/>
+              </a:rPr>
+              <a:t>支付宝小程序</a:t>
+            </a:r>
+            <a:endParaRPr lang="zh-CN" sz="1200">
+              <a:solidFill>
+                <a:schemeClr val="tx1"/>
+              </a:solidFill>
+              <a:latin typeface="微软雅黑" panose="020B0503020204020204" pitchFamily="34" charset="-122"/>
+              <a:ea typeface="微软雅黑" panose="020B0503020204020204" pitchFamily="34" charset="-122"/>
+              <a:cs typeface="微软雅黑" panose="020B0503020204020204" pitchFamily="34" charset="-122"/>
+            </a:endParaRPr>
+          </a:p>
+        </p:txBody>
+      </p:sp>
+      <p:sp>
+        <p:nvSpPr>
+          <p:cNvPr id="99" name="矩形 98"/>
+          <p:cNvSpPr/>
+          <p:nvPr/>
+        </p:nvSpPr>
+        <p:spPr>
+          <a:xfrm>
+            <a:off x="7552690" y="5028565"/>
+            <a:ext cx="298450" cy="1150620"/>
+          </a:xfrm>
+          <a:prstGeom prst="rect">
+            <a:avLst/>
+          </a:prstGeom>
+          <a:noFill/>
+          <a:extLst>
+            <a:ext uri="{909E8E84-426E-40DD-AFC4-6F175D3DCCD1}">
+              <a14:hiddenFill xmlns:a14="http://schemas.microsoft.com/office/drawing/2010/main">
+                <a:solidFill>
+                  <a:schemeClr val="accent1"/>
+                </a:solidFill>
+              </a14:hiddenFill>
+            </a:ext>
+          </a:extLst>
+        </p:spPr>
+        <p:style>
+          <a:lnRef idx="2">
+            <a:schemeClr val="accent1">
+              <a:shade val="50000"/>
+            </a:schemeClr>
+          </a:lnRef>
+          <a:fillRef idx="1">
+            <a:schemeClr val="accent1"/>
+          </a:fillRef>
+          <a:effectRef idx="0">
+            <a:schemeClr val="accent1"/>
+          </a:effectRef>
+          <a:fontRef idx="minor">
+            <a:schemeClr val="lt1"/>
+          </a:fontRef>
+        </p:style>
+        <p:txBody>
+          <a:bodyPr rtlCol="0" anchor="ctr"/>
+          <a:p>
+            <a:pPr algn="ctr"/>
+            <a:r>
+              <a:rPr lang="zh-CN" altLang="en-US" sz="1200">
+                <a:solidFill>
+                  <a:schemeClr val="tx1"/>
+                </a:solidFill>
+                <a:latin typeface="微软雅黑" panose="020B0503020204020204" pitchFamily="34" charset="-122"/>
+                <a:ea typeface="微软雅黑" panose="020B0503020204020204" pitchFamily="34" charset="-122"/>
+                <a:cs typeface="微软雅黑" panose="020B0503020204020204" pitchFamily="34" charset="-122"/>
+              </a:rPr>
+              <a:t>安卓</a:t>
+            </a:r>
+            <a:r>
+              <a:rPr lang="en-US" altLang="zh-CN" sz="1200">
+                <a:solidFill>
+                  <a:schemeClr val="tx1"/>
+                </a:solidFill>
+                <a:latin typeface="微软雅黑" panose="020B0503020204020204" pitchFamily="34" charset="-122"/>
+                <a:ea typeface="微软雅黑" panose="020B0503020204020204" pitchFamily="34" charset="-122"/>
+                <a:cs typeface="微软雅黑" panose="020B0503020204020204" pitchFamily="34" charset="-122"/>
+              </a:rPr>
+              <a:t>APP</a:t>
+            </a:r>
+            <a:endParaRPr lang="en-US" altLang="zh-CN" sz="1200">
+              <a:solidFill>
+                <a:schemeClr val="tx1"/>
+              </a:solidFill>
+              <a:latin typeface="微软雅黑" panose="020B0503020204020204" pitchFamily="34" charset="-122"/>
+              <a:ea typeface="微软雅黑" panose="020B0503020204020204" pitchFamily="34" charset="-122"/>
+              <a:cs typeface="微软雅黑" panose="020B0503020204020204" pitchFamily="34" charset="-122"/>
+            </a:endParaRPr>
+          </a:p>
+        </p:txBody>
+      </p:sp>
+      <p:sp>
+        <p:nvSpPr>
+          <p:cNvPr id="100" name="矩形 99"/>
+          <p:cNvSpPr/>
+          <p:nvPr/>
+        </p:nvSpPr>
+        <p:spPr>
+          <a:xfrm>
+            <a:off x="7964170" y="5028565"/>
+            <a:ext cx="298450" cy="1150620"/>
+          </a:xfrm>
+          <a:prstGeom prst="rect">
+            <a:avLst/>
+          </a:prstGeom>
+          <a:noFill/>
+          <a:extLst>
+            <a:ext uri="{909E8E84-426E-40DD-AFC4-6F175D3DCCD1}">
+              <a14:hiddenFill xmlns:a14="http://schemas.microsoft.com/office/drawing/2010/main">
+                <a:solidFill>
+                  <a:schemeClr val="accent1"/>
+                </a:solidFill>
+              </a14:hiddenFill>
+            </a:ext>
+          </a:extLst>
+        </p:spPr>
+        <p:style>
+          <a:lnRef idx="2">
+            <a:schemeClr val="accent1">
+              <a:shade val="50000"/>
+            </a:schemeClr>
+          </a:lnRef>
+          <a:fillRef idx="1">
+            <a:schemeClr val="accent1"/>
+          </a:fillRef>
+          <a:effectRef idx="0">
+            <a:schemeClr val="accent1"/>
+          </a:effectRef>
+          <a:fontRef idx="minor">
+            <a:schemeClr val="lt1"/>
+          </a:fontRef>
+        </p:style>
+        <p:txBody>
+          <a:bodyPr rtlCol="0" anchor="ctr"/>
+          <a:p>
+            <a:pPr algn="ctr"/>
+            <a:r>
+              <a:rPr lang="en-US" sz="1200">
+                <a:solidFill>
+                  <a:schemeClr val="tx1"/>
+                </a:solidFill>
+                <a:latin typeface="微软雅黑" panose="020B0503020204020204" pitchFamily="34" charset="-122"/>
+                <a:ea typeface="微软雅黑" panose="020B0503020204020204" pitchFamily="34" charset="-122"/>
+                <a:cs typeface="微软雅黑" panose="020B0503020204020204" pitchFamily="34" charset="-122"/>
+              </a:rPr>
+              <a:t>…</a:t>
+            </a:r>
+            <a:endParaRPr lang="en-US" sz="1200">
+              <a:solidFill>
+                <a:schemeClr val="tx1"/>
+              </a:solidFill>
+              <a:latin typeface="微软雅黑" panose="020B0503020204020204" pitchFamily="34" charset="-122"/>
+              <a:ea typeface="微软雅黑" panose="020B0503020204020204" pitchFamily="34" charset="-122"/>
+              <a:cs typeface="微软雅黑" panose="020B0503020204020204" pitchFamily="34" charset="-122"/>
+            </a:endParaRPr>
+          </a:p>
+        </p:txBody>
+      </p:sp>
+      <p:cxnSp>
+        <p:nvCxnSpPr>
+          <p:cNvPr id="101" name="肘形连接符 100"/>
+          <p:cNvCxnSpPr>
+            <a:stCxn id="89" idx="2"/>
+            <a:endCxn id="96" idx="0"/>
+          </p:cNvCxnSpPr>
+          <p:nvPr/>
+        </p:nvCxnSpPr>
+        <p:spPr>
+          <a:xfrm rot="5400000">
+            <a:off x="6350318" y="4379913"/>
+            <a:ext cx="793750" cy="503555"/>
+          </a:xfrm>
+          <a:prstGeom prst="bentConnector3">
+            <a:avLst>
+              <a:gd name="adj1" fmla="val 49960"/>
+            </a:avLst>
+          </a:prstGeom>
+          <a:ln>
+            <a:tailEnd type="arrow" w="med" len="med"/>
+          </a:ln>
+        </p:spPr>
+        <p:style>
+          <a:lnRef idx="1">
+            <a:schemeClr val="accent3"/>
+          </a:lnRef>
+          <a:fillRef idx="0">
+            <a:schemeClr val="accent3"/>
+          </a:fillRef>
+          <a:effectRef idx="0">
+            <a:schemeClr val="accent3"/>
+          </a:effectRef>
+          <a:fontRef idx="minor">
+            <a:schemeClr val="tx1"/>
+          </a:fontRef>
+        </p:style>
+      </p:cxnSp>
+      <p:cxnSp>
+        <p:nvCxnSpPr>
+          <p:cNvPr id="102" name="肘形连接符 101"/>
+          <p:cNvCxnSpPr>
+            <a:endCxn id="97" idx="0"/>
+          </p:cNvCxnSpPr>
+          <p:nvPr/>
+        </p:nvCxnSpPr>
+        <p:spPr>
+          <a:xfrm rot="5400000">
+            <a:off x="6561455" y="4589145"/>
+            <a:ext cx="770255" cy="107950"/>
+          </a:xfrm>
+          <a:prstGeom prst="bentConnector3">
+            <a:avLst>
+              <a:gd name="adj1" fmla="val 50000"/>
+            </a:avLst>
+          </a:prstGeom>
+          <a:ln>
+            <a:tailEnd type="arrow" w="med" len="med"/>
+          </a:ln>
+        </p:spPr>
+        <p:style>
+          <a:lnRef idx="1">
+            <a:schemeClr val="accent3"/>
+          </a:lnRef>
+          <a:fillRef idx="0">
+            <a:schemeClr val="accent3"/>
+          </a:fillRef>
+          <a:effectRef idx="0">
+            <a:schemeClr val="accent3"/>
+          </a:effectRef>
+          <a:fontRef idx="minor">
+            <a:schemeClr val="tx1"/>
+          </a:fontRef>
+        </p:style>
+      </p:cxnSp>
+      <p:cxnSp>
+        <p:nvCxnSpPr>
+          <p:cNvPr id="103" name="肘形连接符 102"/>
+          <p:cNvCxnSpPr>
+            <a:endCxn id="98" idx="0"/>
+          </p:cNvCxnSpPr>
+          <p:nvPr/>
+        </p:nvCxnSpPr>
+        <p:spPr>
+          <a:xfrm rot="5400000" flipV="1">
+            <a:off x="6757035" y="4496435"/>
+            <a:ext cx="781685" cy="281940"/>
+          </a:xfrm>
+          <a:prstGeom prst="bentConnector3">
+            <a:avLst>
+              <a:gd name="adj1" fmla="val 50000"/>
+            </a:avLst>
+          </a:prstGeom>
+          <a:ln>
+            <a:tailEnd type="arrow" w="med" len="med"/>
+          </a:ln>
+        </p:spPr>
+        <p:style>
+          <a:lnRef idx="1">
+            <a:schemeClr val="accent3"/>
+          </a:lnRef>
+          <a:fillRef idx="0">
+            <a:schemeClr val="accent3"/>
+          </a:fillRef>
+          <a:effectRef idx="0">
+            <a:schemeClr val="accent3"/>
+          </a:effectRef>
+          <a:fontRef idx="minor">
+            <a:schemeClr val="tx1"/>
+          </a:fontRef>
+        </p:style>
+      </p:cxnSp>
+      <p:cxnSp>
+        <p:nvCxnSpPr>
+          <p:cNvPr id="104" name="肘形连接符 103"/>
+          <p:cNvCxnSpPr>
+            <a:stCxn id="89" idx="2"/>
+            <a:endCxn id="99" idx="0"/>
+          </p:cNvCxnSpPr>
+          <p:nvPr/>
+        </p:nvCxnSpPr>
+        <p:spPr>
+          <a:xfrm rot="5400000" flipV="1">
+            <a:off x="6953568" y="4280218"/>
+            <a:ext cx="793750" cy="702945"/>
+          </a:xfrm>
+          <a:prstGeom prst="bentConnector3">
+            <a:avLst>
+              <a:gd name="adj1" fmla="val 49960"/>
+            </a:avLst>
+          </a:prstGeom>
+          <a:ln>
+            <a:tailEnd type="arrow" w="med" len="med"/>
+          </a:ln>
+        </p:spPr>
+        <p:style>
+          <a:lnRef idx="1">
+            <a:schemeClr val="accent3"/>
+          </a:lnRef>
+          <a:fillRef idx="0">
+            <a:schemeClr val="accent3"/>
+          </a:fillRef>
+          <a:effectRef idx="0">
+            <a:schemeClr val="accent3"/>
+          </a:effectRef>
+          <a:fontRef idx="minor">
+            <a:schemeClr val="tx1"/>
+          </a:fontRef>
+        </p:style>
+      </p:cxnSp>
+      <p:cxnSp>
+        <p:nvCxnSpPr>
+          <p:cNvPr id="105" name="肘形连接符 104"/>
+          <p:cNvCxnSpPr>
+            <a:stCxn id="89" idx="2"/>
+            <a:endCxn id="100" idx="0"/>
+          </p:cNvCxnSpPr>
+          <p:nvPr/>
+        </p:nvCxnSpPr>
+        <p:spPr>
+          <a:xfrm rot="5400000" flipV="1">
+            <a:off x="7159308" y="4074478"/>
+            <a:ext cx="793750" cy="1114425"/>
+          </a:xfrm>
+          <a:prstGeom prst="bentConnector3">
+            <a:avLst>
+              <a:gd name="adj1" fmla="val 49960"/>
+            </a:avLst>
+          </a:prstGeom>
+          <a:ln>
+            <a:tailEnd type="arrow" w="med" len="med"/>
+          </a:ln>
+        </p:spPr>
+        <p:style>
+          <a:lnRef idx="1">
+            <a:schemeClr val="accent3"/>
+          </a:lnRef>
+          <a:fillRef idx="0">
+            <a:schemeClr val="accent3"/>
+          </a:fillRef>
+          <a:effectRef idx="0">
+            <a:schemeClr val="accent3"/>
+          </a:effectRef>
+          <a:fontRef idx="minor">
+            <a:schemeClr val="tx1"/>
+          </a:fontRef>
+        </p:style>
+      </p:cxnSp>
+      <p:cxnSp>
+        <p:nvCxnSpPr>
+          <p:cNvPr id="106" name="肘形连接符 105"/>
+          <p:cNvCxnSpPr>
+            <a:stCxn id="48" idx="2"/>
+            <a:endCxn id="53" idx="0"/>
+          </p:cNvCxnSpPr>
+          <p:nvPr/>
+        </p:nvCxnSpPr>
+        <p:spPr>
+          <a:xfrm rot="5400000" flipV="1">
+            <a:off x="886143" y="4630738"/>
+            <a:ext cx="793750" cy="1905"/>
+          </a:xfrm>
+          <a:prstGeom prst="bentConnector3">
+            <a:avLst>
+              <a:gd name="adj1" fmla="val 49960"/>
+            </a:avLst>
+          </a:prstGeom>
+          <a:ln>
+            <a:tailEnd type="arrow" w="med" len="med"/>
+          </a:ln>
+        </p:spPr>
+        <p:style>
+          <a:lnRef idx="1">
+            <a:schemeClr val="accent3"/>
+          </a:lnRef>
+          <a:fillRef idx="0">
+            <a:schemeClr val="accent3"/>
+          </a:fillRef>
+          <a:effectRef idx="0">
+            <a:schemeClr val="accent3"/>
+          </a:effectRef>
+          <a:fontRef idx="minor">
+            <a:schemeClr val="tx1"/>
+          </a:fontRef>
+        </p:style>
+      </p:cxnSp>
+      <p:sp>
+        <p:nvSpPr>
+          <p:cNvPr id="107" name="矩形 106"/>
+          <p:cNvSpPr/>
+          <p:nvPr/>
+        </p:nvSpPr>
+        <p:spPr>
+          <a:xfrm>
+            <a:off x="23495" y="5010785"/>
+            <a:ext cx="767080" cy="866775"/>
+          </a:xfrm>
+          <a:prstGeom prst="rect">
+            <a:avLst/>
+          </a:prstGeom>
+          <a:noFill/>
+          <a:extLst>
+            <a:ext uri="{909E8E84-426E-40DD-AFC4-6F175D3DCCD1}">
+              <a14:hiddenFill xmlns:a14="http://schemas.microsoft.com/office/drawing/2010/main">
+                <a:solidFill>
+                  <a:schemeClr val="accent1"/>
+                </a:solidFill>
+              </a14:hiddenFill>
+            </a:ext>
+          </a:extLst>
+        </p:spPr>
+        <p:style>
+          <a:lnRef idx="2">
+            <a:schemeClr val="accent1">
+              <a:shade val="50000"/>
+            </a:schemeClr>
+          </a:lnRef>
+          <a:fillRef idx="1">
+            <a:schemeClr val="accent1"/>
+          </a:fillRef>
+          <a:effectRef idx="0">
+            <a:schemeClr val="accent1"/>
+          </a:effectRef>
+          <a:fontRef idx="minor">
+            <a:schemeClr val="lt1"/>
+          </a:fontRef>
+        </p:style>
+        <p:txBody>
+          <a:bodyPr rtlCol="0" anchor="ctr"/>
+          <a:p>
+            <a:pPr algn="ctr"/>
+            <a:endParaRPr lang="zh-CN" altLang="en-US" sz="1200">
+              <a:solidFill>
+                <a:schemeClr val="tx1"/>
+              </a:solidFill>
+              <a:latin typeface="微软雅黑" panose="020B0503020204020204" pitchFamily="34" charset="-122"/>
+              <a:ea typeface="微软雅黑" panose="020B0503020204020204" pitchFamily="34" charset="-122"/>
+              <a:cs typeface="微软雅黑" panose="020B0503020204020204" pitchFamily="34" charset="-122"/>
+            </a:endParaRPr>
+          </a:p>
+        </p:txBody>
+      </p:sp>
+      <p:cxnSp>
+        <p:nvCxnSpPr>
+          <p:cNvPr id="108" name="肘形连接符 107"/>
+          <p:cNvCxnSpPr>
+            <a:stCxn id="49" idx="2"/>
+            <a:endCxn id="107" idx="0"/>
+          </p:cNvCxnSpPr>
+          <p:nvPr/>
+        </p:nvCxnSpPr>
+        <p:spPr>
+          <a:xfrm rot="5400000">
+            <a:off x="20955" y="4620895"/>
+            <a:ext cx="775970" cy="3810"/>
+          </a:xfrm>
+          <a:prstGeom prst="bentConnector3">
+            <a:avLst>
+              <a:gd name="adj1" fmla="val 50000"/>
+            </a:avLst>
+          </a:prstGeom>
+          <a:ln>
+            <a:tailEnd type="arrow" w="med" len="med"/>
+          </a:ln>
+        </p:spPr>
+        <p:style>
+          <a:lnRef idx="1">
+            <a:schemeClr val="accent3"/>
+          </a:lnRef>
+          <a:fillRef idx="0">
+            <a:schemeClr val="accent3"/>
+          </a:fillRef>
+          <a:effectRef idx="0">
+            <a:schemeClr val="accent3"/>
+          </a:effectRef>
+          <a:fontRef idx="minor">
+            <a:schemeClr val="tx1"/>
+          </a:fontRef>
+        </p:style>
+      </p:cxnSp>
+      <p:cxnSp>
+        <p:nvCxnSpPr>
+          <p:cNvPr id="109" name="肘形连接符 108"/>
+          <p:cNvCxnSpPr>
+            <a:stCxn id="48" idx="2"/>
+            <a:endCxn id="107" idx="0"/>
+          </p:cNvCxnSpPr>
+          <p:nvPr/>
+        </p:nvCxnSpPr>
+        <p:spPr>
+          <a:xfrm rot="5400000">
+            <a:off x="456565" y="4185285"/>
+            <a:ext cx="775970" cy="875030"/>
+          </a:xfrm>
+          <a:prstGeom prst="bentConnector3">
+            <a:avLst>
+              <a:gd name="adj1" fmla="val 50000"/>
+            </a:avLst>
+          </a:prstGeom>
+          <a:ln>
+            <a:tailEnd type="arrow" w="med" len="med"/>
+          </a:ln>
+        </p:spPr>
+        <p:style>
+          <a:lnRef idx="1">
+            <a:schemeClr val="accent3"/>
+          </a:lnRef>
+          <a:fillRef idx="0">
+            <a:schemeClr val="accent3"/>
+          </a:fillRef>
+          <a:effectRef idx="0">
+            <a:schemeClr val="accent3"/>
+          </a:effectRef>
+          <a:fontRef idx="minor">
+            <a:schemeClr val="tx1"/>
+          </a:fontRef>
+        </p:style>
+      </p:cxnSp>
+      <p:cxnSp>
+        <p:nvCxnSpPr>
+          <p:cNvPr id="110" name="肘形连接符 109"/>
+          <p:cNvCxnSpPr>
+            <a:stCxn id="9" idx="2"/>
+            <a:endCxn id="94" idx="0"/>
+          </p:cNvCxnSpPr>
+          <p:nvPr/>
+        </p:nvCxnSpPr>
+        <p:spPr>
+          <a:xfrm rot="5400000">
+            <a:off x="4064635" y="-947420"/>
+            <a:ext cx="720090" cy="3417570"/>
+          </a:xfrm>
+          <a:prstGeom prst="bentConnector3">
+            <a:avLst>
+              <a:gd name="adj1" fmla="val 50000"/>
+            </a:avLst>
+          </a:prstGeom>
+          <a:ln>
+            <a:tailEnd type="arrow" w="med" len="med"/>
+          </a:ln>
+        </p:spPr>
+        <p:style>
+          <a:lnRef idx="1">
+            <a:schemeClr val="accent3"/>
+          </a:lnRef>
+          <a:fillRef idx="0">
+            <a:schemeClr val="accent3"/>
+          </a:fillRef>
+          <a:effectRef idx="0">
+            <a:schemeClr val="accent3"/>
+          </a:effectRef>
+          <a:fontRef idx="minor">
+            <a:schemeClr val="tx1"/>
+          </a:fontRef>
+        </p:style>
+      </p:cxnSp>
+      <p:sp>
+        <p:nvSpPr>
+          <p:cNvPr id="111" name="矩形 110"/>
+          <p:cNvSpPr/>
+          <p:nvPr/>
+        </p:nvSpPr>
+        <p:spPr>
+          <a:xfrm>
+            <a:off x="8968740" y="3909695"/>
+            <a:ext cx="1247775" cy="337185"/>
+          </a:xfrm>
+          <a:prstGeom prst="rect">
+            <a:avLst/>
+          </a:prstGeom>
+          <a:noFill/>
+          <a:extLst>
+            <a:ext uri="{909E8E84-426E-40DD-AFC4-6F175D3DCCD1}">
+              <a14:hiddenFill xmlns:a14="http://schemas.microsoft.com/office/drawing/2010/main">
+                <a:solidFill>
+                  <a:schemeClr val="accent1"/>
+                </a:solidFill>
+              </a14:hiddenFill>
+            </a:ext>
+          </a:extLst>
+        </p:spPr>
+        <p:style>
+          <a:lnRef idx="2">
+            <a:schemeClr val="accent1">
+              <a:shade val="50000"/>
+            </a:schemeClr>
+          </a:lnRef>
+          <a:fillRef idx="1">
+            <a:schemeClr val="accent1"/>
+          </a:fillRef>
+          <a:effectRef idx="0">
+            <a:schemeClr val="accent1"/>
+          </a:effectRef>
+          <a:fontRef idx="minor">
+            <a:schemeClr val="lt1"/>
+          </a:fontRef>
+        </p:style>
+        <p:txBody>
+          <a:bodyPr rtlCol="0" anchor="ctr"/>
+          <a:p>
+            <a:pPr algn="ctr"/>
+            <a:r>
+              <a:rPr lang="zh-CN" sz="1200">
+                <a:solidFill>
+                  <a:schemeClr val="tx1"/>
+                </a:solidFill>
+                <a:latin typeface="微软雅黑" panose="020B0503020204020204" pitchFamily="34" charset="-122"/>
+                <a:ea typeface="微软雅黑" panose="020B0503020204020204" pitchFamily="34" charset="-122"/>
+                <a:cs typeface="微软雅黑" panose="020B0503020204020204" pitchFamily="34" charset="-122"/>
+              </a:rPr>
+              <a:t>定义数据环境</a:t>
+            </a:r>
+            <a:endParaRPr lang="zh-CN" sz="1200">
+              <a:solidFill>
+                <a:schemeClr val="tx1"/>
+              </a:solidFill>
+              <a:latin typeface="微软雅黑" panose="020B0503020204020204" pitchFamily="34" charset="-122"/>
+              <a:ea typeface="微软雅黑" panose="020B0503020204020204" pitchFamily="34" charset="-122"/>
+              <a:cs typeface="微软雅黑" panose="020B0503020204020204" pitchFamily="34" charset="-122"/>
+            </a:endParaRPr>
+          </a:p>
+        </p:txBody>
+      </p:sp>
+      <p:sp>
+        <p:nvSpPr>
+          <p:cNvPr id="113" name="矩形 112"/>
+          <p:cNvSpPr/>
+          <p:nvPr/>
+        </p:nvSpPr>
+        <p:spPr>
+          <a:xfrm>
+            <a:off x="8820150" y="5030470"/>
+            <a:ext cx="298450" cy="1150620"/>
+          </a:xfrm>
+          <a:prstGeom prst="rect">
+            <a:avLst/>
+          </a:prstGeom>
+          <a:noFill/>
+          <a:extLst>
+            <a:ext uri="{909E8E84-426E-40DD-AFC4-6F175D3DCCD1}">
+              <a14:hiddenFill xmlns:a14="http://schemas.microsoft.com/office/drawing/2010/main">
+                <a:solidFill>
+                  <a:schemeClr val="accent1"/>
+                </a:solidFill>
+              </a14:hiddenFill>
+            </a:ext>
+          </a:extLst>
+        </p:spPr>
+        <p:style>
+          <a:lnRef idx="2">
+            <a:schemeClr val="accent1">
+              <a:shade val="50000"/>
+            </a:schemeClr>
+          </a:lnRef>
+          <a:fillRef idx="1">
+            <a:schemeClr val="accent1"/>
+          </a:fillRef>
+          <a:effectRef idx="0">
+            <a:schemeClr val="accent1"/>
+          </a:effectRef>
+          <a:fontRef idx="minor">
+            <a:schemeClr val="lt1"/>
+          </a:fontRef>
+        </p:style>
+        <p:txBody>
+          <a:bodyPr rtlCol="0" anchor="ctr"/>
+          <a:p>
+            <a:pPr algn="ctr"/>
+            <a:r>
+              <a:rPr lang="zh-CN" altLang="en-US" sz="1200">
+                <a:solidFill>
+                  <a:schemeClr val="tx1"/>
+                </a:solidFill>
+                <a:latin typeface="微软雅黑" panose="020B0503020204020204" pitchFamily="34" charset="-122"/>
+                <a:ea typeface="微软雅黑" panose="020B0503020204020204" pitchFamily="34" charset="-122"/>
+                <a:cs typeface="微软雅黑" panose="020B0503020204020204" pitchFamily="34" charset="-122"/>
+              </a:rPr>
+              <a:t>关系数据库</a:t>
+            </a:r>
+            <a:endParaRPr lang="zh-CN" altLang="en-US" sz="1200">
+              <a:solidFill>
+                <a:schemeClr val="tx1"/>
+              </a:solidFill>
+              <a:latin typeface="微软雅黑" panose="020B0503020204020204" pitchFamily="34" charset="-122"/>
+              <a:ea typeface="微软雅黑" panose="020B0503020204020204" pitchFamily="34" charset="-122"/>
+              <a:cs typeface="微软雅黑" panose="020B0503020204020204" pitchFamily="34" charset="-122"/>
+            </a:endParaRPr>
+          </a:p>
+        </p:txBody>
+      </p:sp>
+      <p:sp>
+        <p:nvSpPr>
+          <p:cNvPr id="114" name="矩形 113"/>
+          <p:cNvSpPr/>
+          <p:nvPr/>
+        </p:nvSpPr>
+        <p:spPr>
+          <a:xfrm>
+            <a:off x="9216390" y="5030470"/>
+            <a:ext cx="298450" cy="1443355"/>
+          </a:xfrm>
+          <a:prstGeom prst="rect">
+            <a:avLst/>
+          </a:prstGeom>
+          <a:noFill/>
+          <a:extLst>
+            <a:ext uri="{909E8E84-426E-40DD-AFC4-6F175D3DCCD1}">
+              <a14:hiddenFill xmlns:a14="http://schemas.microsoft.com/office/drawing/2010/main">
+                <a:solidFill>
+                  <a:schemeClr val="accent1"/>
+                </a:solidFill>
+              </a14:hiddenFill>
+            </a:ext>
+          </a:extLst>
+        </p:spPr>
+        <p:style>
+          <a:lnRef idx="2">
+            <a:schemeClr val="accent1">
+              <a:shade val="50000"/>
+            </a:schemeClr>
+          </a:lnRef>
+          <a:fillRef idx="1">
+            <a:schemeClr val="accent1"/>
+          </a:fillRef>
+          <a:effectRef idx="0">
+            <a:schemeClr val="accent1"/>
+          </a:effectRef>
+          <a:fontRef idx="minor">
+            <a:schemeClr val="lt1"/>
+          </a:fontRef>
+        </p:style>
+        <p:txBody>
+          <a:bodyPr rtlCol="0" anchor="ctr"/>
+          <a:p>
+            <a:pPr algn="ctr"/>
+            <a:r>
+              <a:rPr lang="en-US" altLang="zh-CN" sz="1200">
+                <a:solidFill>
+                  <a:schemeClr val="tx1"/>
+                </a:solidFill>
+                <a:latin typeface="微软雅黑" panose="020B0503020204020204" pitchFamily="34" charset="-122"/>
+                <a:ea typeface="微软雅黑" panose="020B0503020204020204" pitchFamily="34" charset="-122"/>
+                <a:cs typeface="微软雅黑" panose="020B0503020204020204" pitchFamily="34" charset="-122"/>
+              </a:rPr>
+              <a:t>NoSQL</a:t>
+            </a:r>
+            <a:r>
+              <a:rPr lang="zh-CN" altLang="en-US" sz="1200">
+                <a:solidFill>
+                  <a:schemeClr val="tx1"/>
+                </a:solidFill>
+                <a:latin typeface="微软雅黑" panose="020B0503020204020204" pitchFamily="34" charset="-122"/>
+                <a:ea typeface="微软雅黑" panose="020B0503020204020204" pitchFamily="34" charset="-122"/>
+                <a:cs typeface="微软雅黑" panose="020B0503020204020204" pitchFamily="34" charset="-122"/>
+              </a:rPr>
+              <a:t>数据库</a:t>
+            </a:r>
+            <a:endParaRPr lang="zh-CN" altLang="en-US" sz="1200">
+              <a:solidFill>
+                <a:schemeClr val="tx1"/>
+              </a:solidFill>
+              <a:latin typeface="微软雅黑" panose="020B0503020204020204" pitchFamily="34" charset="-122"/>
+              <a:ea typeface="微软雅黑" panose="020B0503020204020204" pitchFamily="34" charset="-122"/>
+              <a:cs typeface="微软雅黑" panose="020B0503020204020204" pitchFamily="34" charset="-122"/>
+            </a:endParaRPr>
+          </a:p>
+        </p:txBody>
+      </p:sp>
+      <p:sp>
+        <p:nvSpPr>
+          <p:cNvPr id="115" name="矩形 114"/>
+          <p:cNvSpPr/>
+          <p:nvPr/>
+        </p:nvSpPr>
+        <p:spPr>
+          <a:xfrm>
+            <a:off x="9647555" y="5030470"/>
+            <a:ext cx="298450" cy="1150620"/>
+          </a:xfrm>
+          <a:prstGeom prst="rect">
+            <a:avLst/>
+          </a:prstGeom>
+          <a:noFill/>
+          <a:extLst>
+            <a:ext uri="{909E8E84-426E-40DD-AFC4-6F175D3DCCD1}">
+              <a14:hiddenFill xmlns:a14="http://schemas.microsoft.com/office/drawing/2010/main">
+                <a:solidFill>
+                  <a:schemeClr val="accent1"/>
+                </a:solidFill>
+              </a14:hiddenFill>
+            </a:ext>
+          </a:extLst>
+        </p:spPr>
+        <p:style>
+          <a:lnRef idx="2">
+            <a:schemeClr val="accent1">
+              <a:shade val="50000"/>
+            </a:schemeClr>
+          </a:lnRef>
+          <a:fillRef idx="1">
+            <a:schemeClr val="accent1"/>
+          </a:fillRef>
+          <a:effectRef idx="0">
+            <a:schemeClr val="accent1"/>
+          </a:effectRef>
+          <a:fontRef idx="minor">
+            <a:schemeClr val="lt1"/>
+          </a:fontRef>
+        </p:style>
+        <p:txBody>
+          <a:bodyPr rtlCol="0" anchor="ctr"/>
+          <a:p>
+            <a:pPr algn="ctr"/>
+            <a:r>
+              <a:rPr lang="zh-CN" sz="1200">
+                <a:solidFill>
+                  <a:schemeClr val="tx1"/>
+                </a:solidFill>
+                <a:latin typeface="微软雅黑" panose="020B0503020204020204" pitchFamily="34" charset="-122"/>
+                <a:ea typeface="微软雅黑" panose="020B0503020204020204" pitchFamily="34" charset="-122"/>
+                <a:cs typeface="微软雅黑" panose="020B0503020204020204" pitchFamily="34" charset="-122"/>
+              </a:rPr>
+              <a:t>文件数据库</a:t>
+            </a:r>
+            <a:r>
+              <a:rPr lang="zh-CN" altLang="en-US" sz="1200">
+                <a:solidFill>
+                  <a:schemeClr val="tx1"/>
+                </a:solidFill>
+                <a:latin typeface="微软雅黑" panose="020B0503020204020204" pitchFamily="34" charset="-122"/>
+                <a:ea typeface="微软雅黑" panose="020B0503020204020204" pitchFamily="34" charset="-122"/>
+                <a:cs typeface="微软雅黑" panose="020B0503020204020204" pitchFamily="34" charset="-122"/>
+              </a:rPr>
+              <a:t>库</a:t>
+            </a:r>
+            <a:endParaRPr lang="zh-CN" altLang="en-US" sz="1200">
+              <a:solidFill>
+                <a:schemeClr val="tx1"/>
+              </a:solidFill>
+              <a:latin typeface="微软雅黑" panose="020B0503020204020204" pitchFamily="34" charset="-122"/>
+              <a:ea typeface="微软雅黑" panose="020B0503020204020204" pitchFamily="34" charset="-122"/>
+              <a:cs typeface="微软雅黑" panose="020B0503020204020204" pitchFamily="34" charset="-122"/>
+            </a:endParaRPr>
+          </a:p>
+        </p:txBody>
+      </p:sp>
+      <p:sp>
+        <p:nvSpPr>
+          <p:cNvPr id="116" name="矩形 115"/>
+          <p:cNvSpPr/>
+          <p:nvPr/>
+        </p:nvSpPr>
+        <p:spPr>
+          <a:xfrm>
+            <a:off x="10067290" y="5030470"/>
+            <a:ext cx="298450" cy="1150620"/>
+          </a:xfrm>
+          <a:prstGeom prst="rect">
+            <a:avLst/>
+          </a:prstGeom>
+          <a:noFill/>
+          <a:extLst>
+            <a:ext uri="{909E8E84-426E-40DD-AFC4-6F175D3DCCD1}">
+              <a14:hiddenFill xmlns:a14="http://schemas.microsoft.com/office/drawing/2010/main">
+                <a:solidFill>
+                  <a:schemeClr val="accent1"/>
+                </a:solidFill>
+              </a14:hiddenFill>
+            </a:ext>
+          </a:extLst>
+        </p:spPr>
+        <p:style>
+          <a:lnRef idx="2">
+            <a:schemeClr val="accent1">
+              <a:shade val="50000"/>
+            </a:schemeClr>
+          </a:lnRef>
+          <a:fillRef idx="1">
+            <a:schemeClr val="accent1"/>
+          </a:fillRef>
+          <a:effectRef idx="0">
+            <a:schemeClr val="accent1"/>
+          </a:effectRef>
+          <a:fontRef idx="minor">
+            <a:schemeClr val="lt1"/>
+          </a:fontRef>
+        </p:style>
+        <p:txBody>
+          <a:bodyPr rtlCol="0" anchor="ctr"/>
+          <a:p>
+            <a:pPr algn="ctr"/>
+            <a:r>
+              <a:rPr lang="zh-CN" sz="1200">
+                <a:solidFill>
+                  <a:schemeClr val="tx1"/>
+                </a:solidFill>
+                <a:latin typeface="微软雅黑" panose="020B0503020204020204" pitchFamily="34" charset="-122"/>
+                <a:ea typeface="微软雅黑" panose="020B0503020204020204" pitchFamily="34" charset="-122"/>
+                <a:cs typeface="微软雅黑" panose="020B0503020204020204" pitchFamily="34" charset="-122"/>
+              </a:rPr>
+              <a:t>实时数据库</a:t>
+            </a:r>
+            <a:endParaRPr lang="zh-CN" altLang="en-US" sz="1200">
+              <a:solidFill>
+                <a:schemeClr val="tx1"/>
+              </a:solidFill>
+              <a:latin typeface="微软雅黑" panose="020B0503020204020204" pitchFamily="34" charset="-122"/>
+              <a:ea typeface="微软雅黑" panose="020B0503020204020204" pitchFamily="34" charset="-122"/>
+              <a:cs typeface="微软雅黑" panose="020B0503020204020204" pitchFamily="34" charset="-122"/>
+            </a:endParaRPr>
+          </a:p>
+        </p:txBody>
+      </p:sp>
+      <p:cxnSp>
+        <p:nvCxnSpPr>
+          <p:cNvPr id="117" name="肘形连接符 116"/>
+          <p:cNvCxnSpPr>
+            <a:stCxn id="111" idx="2"/>
+            <a:endCxn id="113" idx="0"/>
+          </p:cNvCxnSpPr>
+          <p:nvPr/>
+        </p:nvCxnSpPr>
+        <p:spPr>
+          <a:xfrm rot="5400000">
+            <a:off x="8889365" y="4326890"/>
+            <a:ext cx="783590" cy="623570"/>
+          </a:xfrm>
+          <a:prstGeom prst="bentConnector3">
+            <a:avLst>
+              <a:gd name="adj1" fmla="val 50000"/>
+            </a:avLst>
+          </a:prstGeom>
+          <a:ln>
+            <a:tailEnd type="arrow" w="med" len="med"/>
+          </a:ln>
+        </p:spPr>
+        <p:style>
+          <a:lnRef idx="1">
+            <a:schemeClr val="accent3"/>
+          </a:lnRef>
+          <a:fillRef idx="0">
+            <a:schemeClr val="accent3"/>
+          </a:fillRef>
+          <a:effectRef idx="0">
+            <a:schemeClr val="accent3"/>
+          </a:effectRef>
+          <a:fontRef idx="minor">
+            <a:schemeClr val="tx1"/>
+          </a:fontRef>
+        </p:style>
+      </p:cxnSp>
+      <p:cxnSp>
+        <p:nvCxnSpPr>
+          <p:cNvPr id="118" name="肘形连接符 117"/>
+          <p:cNvCxnSpPr>
+            <a:stCxn id="111" idx="2"/>
+            <a:endCxn id="114" idx="0"/>
+          </p:cNvCxnSpPr>
+          <p:nvPr/>
+        </p:nvCxnSpPr>
+        <p:spPr>
+          <a:xfrm rot="5400000">
+            <a:off x="9087485" y="4525010"/>
+            <a:ext cx="783590" cy="227330"/>
+          </a:xfrm>
+          <a:prstGeom prst="bentConnector3">
+            <a:avLst>
+              <a:gd name="adj1" fmla="val 50000"/>
+            </a:avLst>
+          </a:prstGeom>
+          <a:ln>
+            <a:tailEnd type="arrow" w="med" len="med"/>
+          </a:ln>
+        </p:spPr>
+        <p:style>
+          <a:lnRef idx="1">
+            <a:schemeClr val="accent3"/>
+          </a:lnRef>
+          <a:fillRef idx="0">
+            <a:schemeClr val="accent3"/>
+          </a:fillRef>
+          <a:effectRef idx="0">
+            <a:schemeClr val="accent3"/>
+          </a:effectRef>
+          <a:fontRef idx="minor">
+            <a:schemeClr val="tx1"/>
+          </a:fontRef>
+        </p:style>
+      </p:cxnSp>
+      <p:cxnSp>
+        <p:nvCxnSpPr>
+          <p:cNvPr id="119" name="肘形连接符 118"/>
+          <p:cNvCxnSpPr>
+            <a:stCxn id="111" idx="2"/>
+            <a:endCxn id="115" idx="0"/>
+          </p:cNvCxnSpPr>
+          <p:nvPr/>
+        </p:nvCxnSpPr>
+        <p:spPr>
+          <a:xfrm rot="5400000" flipV="1">
+            <a:off x="9303068" y="4536758"/>
+            <a:ext cx="783590" cy="203835"/>
+          </a:xfrm>
+          <a:prstGeom prst="bentConnector3">
+            <a:avLst>
+              <a:gd name="adj1" fmla="val 49959"/>
+            </a:avLst>
+          </a:prstGeom>
+          <a:ln>
+            <a:tailEnd type="arrow" w="med" len="med"/>
+          </a:ln>
+        </p:spPr>
+        <p:style>
+          <a:lnRef idx="1">
+            <a:schemeClr val="accent3"/>
+          </a:lnRef>
+          <a:fillRef idx="0">
+            <a:schemeClr val="accent3"/>
+          </a:fillRef>
+          <a:effectRef idx="0">
+            <a:schemeClr val="accent3"/>
+          </a:effectRef>
+          <a:fontRef idx="minor">
+            <a:schemeClr val="tx1"/>
+          </a:fontRef>
+        </p:style>
+      </p:cxnSp>
+      <p:cxnSp>
+        <p:nvCxnSpPr>
+          <p:cNvPr id="120" name="肘形连接符 119"/>
+          <p:cNvCxnSpPr>
+            <a:stCxn id="111" idx="2"/>
+            <a:endCxn id="116" idx="0"/>
+          </p:cNvCxnSpPr>
+          <p:nvPr/>
+        </p:nvCxnSpPr>
+        <p:spPr>
+          <a:xfrm rot="5400000" flipV="1">
+            <a:off x="9512935" y="4326890"/>
+            <a:ext cx="783590" cy="623570"/>
+          </a:xfrm>
+          <a:prstGeom prst="bentConnector3">
+            <a:avLst>
+              <a:gd name="adj1" fmla="val 50000"/>
+            </a:avLst>
+          </a:prstGeom>
+          <a:ln>
+            <a:tailEnd type="arrow" w="med" len="med"/>
+          </a:ln>
+        </p:spPr>
+        <p:style>
+          <a:lnRef idx="1">
+            <a:schemeClr val="accent3"/>
+          </a:lnRef>
+          <a:fillRef idx="0">
+            <a:schemeClr val="accent3"/>
+          </a:fillRef>
+          <a:effectRef idx="0">
+            <a:schemeClr val="accent3"/>
+          </a:effectRef>
+          <a:fontRef idx="minor">
+            <a:schemeClr val="tx1"/>
+          </a:fontRef>
+        </p:style>
+      </p:cxnSp>
+      <p:sp>
+        <p:nvSpPr>
+          <p:cNvPr id="121" name="矩形 120"/>
+          <p:cNvSpPr/>
+          <p:nvPr/>
+        </p:nvSpPr>
+        <p:spPr>
+          <a:xfrm>
+            <a:off x="8113395" y="3921125"/>
+            <a:ext cx="635000" cy="337185"/>
+          </a:xfrm>
+          <a:prstGeom prst="rect">
+            <a:avLst/>
+          </a:prstGeom>
+          <a:noFill/>
+          <a:extLst>
+            <a:ext uri="{909E8E84-426E-40DD-AFC4-6F175D3DCCD1}">
+              <a14:hiddenFill xmlns:a14="http://schemas.microsoft.com/office/drawing/2010/main">
+                <a:solidFill>
+                  <a:schemeClr val="accent1"/>
+                </a:solidFill>
+              </a14:hiddenFill>
+            </a:ext>
+          </a:extLst>
+        </p:spPr>
+        <p:style>
+          <a:lnRef idx="2">
+            <a:schemeClr val="accent1">
+              <a:shade val="50000"/>
+            </a:schemeClr>
+          </a:lnRef>
+          <a:fillRef idx="1">
+            <a:schemeClr val="accent1"/>
+          </a:fillRef>
+          <a:effectRef idx="0">
+            <a:schemeClr val="accent1"/>
+          </a:effectRef>
+          <a:fontRef idx="minor">
+            <a:schemeClr val="lt1"/>
+          </a:fontRef>
+        </p:style>
+        <p:txBody>
+          <a:bodyPr rtlCol="0" anchor="ctr"/>
+          <a:p>
+            <a:pPr algn="ctr"/>
+            <a:r>
+              <a:rPr lang="zh-CN" sz="1200">
+                <a:solidFill>
+                  <a:schemeClr val="tx1"/>
+                </a:solidFill>
+                <a:latin typeface="微软雅黑" panose="020B0503020204020204" pitchFamily="34" charset="-122"/>
+                <a:ea typeface="微软雅黑" panose="020B0503020204020204" pitchFamily="34" charset="-122"/>
+                <a:cs typeface="微软雅黑" panose="020B0503020204020204" pitchFamily="34" charset="-122"/>
+              </a:rPr>
+              <a:t>软件编译</a:t>
+            </a:r>
+            <a:endParaRPr lang="zh-CN" sz="1200">
+              <a:solidFill>
+                <a:schemeClr val="tx1"/>
+              </a:solidFill>
+              <a:latin typeface="微软雅黑" panose="020B0503020204020204" pitchFamily="34" charset="-122"/>
+              <a:ea typeface="微软雅黑" panose="020B0503020204020204" pitchFamily="34" charset="-122"/>
+              <a:cs typeface="微软雅黑" panose="020B0503020204020204" pitchFamily="34" charset="-122"/>
+            </a:endParaRPr>
+          </a:p>
+        </p:txBody>
+      </p:sp>
+      <p:cxnSp>
+        <p:nvCxnSpPr>
+          <p:cNvPr id="122" name="肘形连接符 121"/>
+          <p:cNvCxnSpPr>
+            <a:stCxn id="39" idx="2"/>
+            <a:endCxn id="121" idx="0"/>
+          </p:cNvCxnSpPr>
+          <p:nvPr/>
+        </p:nvCxnSpPr>
+        <p:spPr>
+          <a:xfrm rot="5400000" flipV="1">
+            <a:off x="7282180" y="2771775"/>
+            <a:ext cx="1091565" cy="1206500"/>
+          </a:xfrm>
+          <a:prstGeom prst="bentConnector3">
+            <a:avLst>
+              <a:gd name="adj1" fmla="val 50000"/>
+            </a:avLst>
+          </a:prstGeom>
+          <a:ln>
+            <a:tailEnd type="arrow" w="med" len="med"/>
+          </a:ln>
+        </p:spPr>
+        <p:style>
+          <a:lnRef idx="1">
+            <a:schemeClr val="accent3"/>
+          </a:lnRef>
+          <a:fillRef idx="0">
+            <a:schemeClr val="accent3"/>
+          </a:fillRef>
+          <a:effectRef idx="0">
+            <a:schemeClr val="accent3"/>
+          </a:effectRef>
+          <a:fontRef idx="minor">
+            <a:schemeClr val="tx1"/>
+          </a:fontRef>
+        </p:style>
+      </p:cxnSp>
+      <p:cxnSp>
+        <p:nvCxnSpPr>
+          <p:cNvPr id="123" name="肘形连接符 122"/>
+          <p:cNvCxnSpPr>
+            <a:stCxn id="39" idx="2"/>
+            <a:endCxn id="111" idx="0"/>
+          </p:cNvCxnSpPr>
+          <p:nvPr/>
+        </p:nvCxnSpPr>
+        <p:spPr>
+          <a:xfrm rot="5400000" flipV="1">
+            <a:off x="7868920" y="2185035"/>
+            <a:ext cx="1080135" cy="2368550"/>
+          </a:xfrm>
+          <a:prstGeom prst="bentConnector3">
+            <a:avLst>
+              <a:gd name="adj1" fmla="val 50000"/>
+            </a:avLst>
+          </a:prstGeom>
+          <a:ln>
+            <a:tailEnd type="arrow" w="med" len="med"/>
+          </a:ln>
+        </p:spPr>
+        <p:style>
+          <a:lnRef idx="1">
+            <a:schemeClr val="accent3"/>
+          </a:lnRef>
+          <a:fillRef idx="0">
+            <a:schemeClr val="accent3"/>
+          </a:fillRef>
+          <a:effectRef idx="0">
+            <a:schemeClr val="accent3"/>
+          </a:effectRef>
+          <a:fontRef idx="minor">
+            <a:schemeClr val="tx1"/>
+          </a:fontRef>
+        </p:style>
+      </p:cxnSp>
     </p:spTree>
   </p:cSld>
   <p:clrMapOvr>

--- a/docs/spec/BlockLang.pptx
+++ b/docs/spec/BlockLang.pptx
@@ -11645,7 +11645,7 @@
         </p:nvSpPr>
         <p:spPr>
           <a:xfrm>
-            <a:off x="5311775" y="1121410"/>
+            <a:off x="5778500" y="1121410"/>
             <a:ext cx="720725" cy="337185"/>
           </a:xfrm>
           <a:prstGeom prst="rect">
@@ -12086,13 +12086,13 @@
           <p:nvPr/>
         </p:nvCxnSpPr>
         <p:spPr>
-          <a:xfrm rot="5400000">
-            <a:off x="5542915" y="530860"/>
-            <a:ext cx="720090" cy="461010"/>
+          <a:xfrm rot="5400000" flipV="1">
+            <a:off x="5776278" y="758508"/>
+            <a:ext cx="720090" cy="5715"/>
           </a:xfrm>
           <a:prstGeom prst="bentConnector3">
             <a:avLst>
-              <a:gd name="adj1" fmla="val 50000"/>
+              <a:gd name="adj1" fmla="val 49956"/>
             </a:avLst>
           </a:prstGeom>
           <a:ln>
@@ -12127,7 +12127,7 @@
           </a:xfrm>
           <a:prstGeom prst="bentConnector3">
             <a:avLst>
-              <a:gd name="adj1" fmla="val 49953"/>
+              <a:gd name="adj1" fmla="val 53651"/>
             </a:avLst>
           </a:prstGeom>
           <a:ln>
@@ -12561,12 +12561,12 @@
         </p:nvCxnSpPr>
         <p:spPr>
           <a:xfrm rot="5400000">
-            <a:off x="3508693" y="328613"/>
-            <a:ext cx="1033780" cy="3293745"/>
+            <a:off x="3742055" y="95250"/>
+            <a:ext cx="1033780" cy="3760470"/>
           </a:xfrm>
           <a:prstGeom prst="bentConnector3">
             <a:avLst>
-              <a:gd name="adj1" fmla="val 49969"/>
+              <a:gd name="adj1" fmla="val 50000"/>
             </a:avLst>
           </a:prstGeom>
           <a:ln>
@@ -13438,8 +13438,8 @@
         </p:nvSpPr>
         <p:spPr>
           <a:xfrm>
-            <a:off x="1008380" y="5028565"/>
-            <a:ext cx="551180" cy="337185"/>
+            <a:off x="1067435" y="5026660"/>
+            <a:ext cx="429895" cy="789940"/>
           </a:xfrm>
           <a:prstGeom prst="rect">
             <a:avLst/>
@@ -13519,7 +13519,7 @@
         </p:nvSpPr>
         <p:spPr>
           <a:xfrm>
-            <a:off x="2064385" y="3897630"/>
+            <a:off x="1919605" y="3897630"/>
             <a:ext cx="572135" cy="337185"/>
           </a:xfrm>
           <a:prstGeom prst="rect">
@@ -13589,8 +13589,8 @@
         </p:nvCxnSpPr>
         <p:spPr>
           <a:xfrm rot="5400000" flipV="1">
-            <a:off x="1209040" y="2755900"/>
-            <a:ext cx="1068070" cy="1215390"/>
+            <a:off x="1136650" y="2828290"/>
+            <a:ext cx="1068070" cy="1070610"/>
           </a:xfrm>
           <a:prstGeom prst="bentConnector3">
             <a:avLst>
@@ -13625,7 +13625,7 @@
         <p:spPr>
           <a:xfrm>
             <a:off x="1666875" y="5028565"/>
-            <a:ext cx="662940" cy="337185"/>
+            <a:ext cx="397510" cy="774065"/>
           </a:xfrm>
           <a:prstGeom prst="rect">
             <a:avLst/>
@@ -13692,7 +13692,7 @@
         <p:spPr>
           <a:xfrm>
             <a:off x="2374265" y="5028565"/>
-            <a:ext cx="599440" cy="337185"/>
+            <a:ext cx="341630" cy="848995"/>
           </a:xfrm>
           <a:prstGeom prst="rect">
             <a:avLst/>
@@ -13828,12 +13828,12 @@
         </p:nvCxnSpPr>
         <p:spPr>
           <a:xfrm rot="5400000">
-            <a:off x="4581525" y="1401445"/>
-            <a:ext cx="1033780" cy="1148080"/>
+            <a:off x="4814888" y="1168083"/>
+            <a:ext cx="1033780" cy="1614805"/>
           </a:xfrm>
           <a:prstGeom prst="bentConnector3">
             <a:avLst>
-              <a:gd name="adj1" fmla="val 50000"/>
+              <a:gd name="adj1" fmla="val 49969"/>
             </a:avLst>
           </a:prstGeom>
           <a:ln>
@@ -13866,12 +13866,12 @@
         </p:nvCxnSpPr>
         <p:spPr>
           <a:xfrm rot="5400000" flipV="1">
-            <a:off x="5931535" y="1199515"/>
-            <a:ext cx="1033780" cy="1551940"/>
+            <a:off x="6164898" y="1432878"/>
+            <a:ext cx="1033780" cy="1085215"/>
           </a:xfrm>
           <a:prstGeom prst="bentConnector3">
             <a:avLst>
-              <a:gd name="adj1" fmla="val 50000"/>
+              <a:gd name="adj1" fmla="val 49969"/>
             </a:avLst>
           </a:prstGeom>
           <a:ln>
@@ -13904,12 +13904,12 @@
         </p:nvCxnSpPr>
         <p:spPr>
           <a:xfrm rot="5400000" flipV="1">
-            <a:off x="6379845" y="751205"/>
-            <a:ext cx="1026160" cy="2440940"/>
+            <a:off x="6613208" y="984568"/>
+            <a:ext cx="1026160" cy="1974215"/>
           </a:xfrm>
           <a:prstGeom prst="bentConnector3">
             <a:avLst>
-              <a:gd name="adj1" fmla="val 50000"/>
+              <a:gd name="adj1" fmla="val 49969"/>
             </a:avLst>
           </a:prstGeom>
           <a:ln>
@@ -13977,12 +13977,12 @@
         </p:nvCxnSpPr>
         <p:spPr>
           <a:xfrm rot="5400000">
-            <a:off x="1777683" y="4455478"/>
-            <a:ext cx="793750" cy="352425"/>
+            <a:off x="1638935" y="4461510"/>
+            <a:ext cx="793750" cy="340360"/>
           </a:xfrm>
           <a:prstGeom prst="bentConnector3">
             <a:avLst>
-              <a:gd name="adj1" fmla="val 49960"/>
+              <a:gd name="adj1" fmla="val 50000"/>
             </a:avLst>
           </a:prstGeom>
           <a:ln>
@@ -14015,12 +14015,12 @@
         </p:nvCxnSpPr>
         <p:spPr>
           <a:xfrm rot="5400000" flipV="1">
-            <a:off x="2102803" y="4470083"/>
-            <a:ext cx="793750" cy="323215"/>
+            <a:off x="1978660" y="4462145"/>
+            <a:ext cx="793750" cy="339090"/>
           </a:xfrm>
           <a:prstGeom prst="bentConnector3">
             <a:avLst>
-              <a:gd name="adj1" fmla="val 49960"/>
+              <a:gd name="adj1" fmla="val 50000"/>
             </a:avLst>
           </a:prstGeom>
           <a:ln>
@@ -14418,7 +14418,7 @@
         </p:nvSpPr>
         <p:spPr>
           <a:xfrm>
-            <a:off x="3395980" y="5028565"/>
+            <a:off x="3366135" y="5028565"/>
             <a:ext cx="298450" cy="790575"/>
           </a:xfrm>
           <a:prstGeom prst="rect">
@@ -14485,7 +14485,7 @@
         </p:nvSpPr>
         <p:spPr>
           <a:xfrm>
-            <a:off x="3749675" y="5028565"/>
+            <a:off x="3752215" y="5028565"/>
             <a:ext cx="298450" cy="790575"/>
           </a:xfrm>
           <a:prstGeom prst="rect">
@@ -14552,7 +14552,7 @@
         </p:nvSpPr>
         <p:spPr>
           <a:xfrm>
-            <a:off x="4131310" y="5028565"/>
+            <a:off x="4138295" y="5028565"/>
             <a:ext cx="298450" cy="790575"/>
           </a:xfrm>
           <a:prstGeom prst="rect">
@@ -14689,12 +14689,12 @@
         </p:nvCxnSpPr>
         <p:spPr>
           <a:xfrm rot="5400000">
-            <a:off x="3421698" y="4358323"/>
-            <a:ext cx="793750" cy="546735"/>
+            <a:off x="3406775" y="4343400"/>
+            <a:ext cx="793750" cy="576580"/>
           </a:xfrm>
           <a:prstGeom prst="bentConnector3">
             <a:avLst>
-              <a:gd name="adj1" fmla="val 49960"/>
+              <a:gd name="adj1" fmla="val 50000"/>
             </a:avLst>
           </a:prstGeom>
           <a:ln>
@@ -14726,7 +14726,7 @@
         </p:nvCxnSpPr>
         <p:spPr>
           <a:xfrm rot="5400000">
-            <a:off x="3618230" y="4547870"/>
+            <a:off x="3620770" y="4547870"/>
             <a:ext cx="760730" cy="200025"/>
           </a:xfrm>
           <a:prstGeom prst="bentConnector3">
@@ -14763,7 +14763,7 @@
         </p:nvCxnSpPr>
         <p:spPr>
           <a:xfrm rot="5400000" flipV="1">
-            <a:off x="3809365" y="4557395"/>
+            <a:off x="3816350" y="4557395"/>
             <a:ext cx="756285" cy="186055"/>
           </a:xfrm>
           <a:prstGeom prst="bentConnector3">
@@ -15341,19 +15341,18 @@
         <p:nvCxnSpPr>
           <p:cNvPr id="95" name="肘形连接符 94"/>
           <p:cNvCxnSpPr>
-            <a:stCxn id="38" idx="2"/>
             <a:endCxn id="89" idx="0"/>
           </p:cNvCxnSpPr>
           <p:nvPr/>
         </p:nvCxnSpPr>
         <p:spPr>
-          <a:xfrm rot="5400000" flipV="1">
-            <a:off x="5227638" y="2126298"/>
-            <a:ext cx="1068070" cy="2474595"/>
+          <a:xfrm rot="5400000">
+            <a:off x="6586855" y="3266440"/>
+            <a:ext cx="1042670" cy="219075"/>
           </a:xfrm>
           <a:prstGeom prst="bentConnector3">
             <a:avLst>
-              <a:gd name="adj1" fmla="val 49970"/>
+              <a:gd name="adj1" fmla="val 50030"/>
             </a:avLst>
           </a:prstGeom>
           <a:ln>
@@ -15785,7 +15784,7 @@
           </a:xfrm>
           <a:prstGeom prst="bentConnector3">
             <a:avLst>
-              <a:gd name="adj1" fmla="val 50000"/>
+              <a:gd name="adj1" fmla="val 48845"/>
             </a:avLst>
           </a:prstGeom>
           <a:ln>
@@ -15822,7 +15821,7 @@
           </a:xfrm>
           <a:prstGeom prst="bentConnector3">
             <a:avLst>
-              <a:gd name="adj1" fmla="val 50000"/>
+              <a:gd name="adj1" fmla="val 49512"/>
             </a:avLst>
           </a:prstGeom>
           <a:ln>
@@ -15893,7 +15892,7 @@
         </p:nvCxnSpPr>
         <p:spPr>
           <a:xfrm rot="5400000" flipV="1">
-            <a:off x="7159308" y="4074478"/>
+            <a:off x="7158990" y="4074160"/>
             <a:ext cx="793750" cy="1114425"/>
           </a:xfrm>
           <a:prstGeom prst="bentConnector3">
@@ -15931,12 +15930,12 @@
         </p:nvCxnSpPr>
         <p:spPr>
           <a:xfrm rot="5400000" flipV="1">
-            <a:off x="886143" y="4630738"/>
-            <a:ext cx="793750" cy="1905"/>
+            <a:off x="886460" y="4630420"/>
+            <a:ext cx="791845" cy="635"/>
           </a:xfrm>
           <a:prstGeom prst="bentConnector3">
             <a:avLst>
-              <a:gd name="adj1" fmla="val 49960"/>
+              <a:gd name="adj1" fmla="val 50040"/>
             </a:avLst>
           </a:prstGeom>
           <a:ln>
@@ -16054,44 +16053,6 @@
       </p:cxnSp>
       <p:cxnSp>
         <p:nvCxnSpPr>
-          <p:cNvPr id="109" name="肘形连接符 108"/>
-          <p:cNvCxnSpPr>
-            <a:stCxn id="48" idx="2"/>
-            <a:endCxn id="107" idx="0"/>
-          </p:cNvCxnSpPr>
-          <p:nvPr/>
-        </p:nvCxnSpPr>
-        <p:spPr>
-          <a:xfrm rot="5400000">
-            <a:off x="456565" y="4185285"/>
-            <a:ext cx="775970" cy="875030"/>
-          </a:xfrm>
-          <a:prstGeom prst="bentConnector3">
-            <a:avLst>
-              <a:gd name="adj1" fmla="val 50000"/>
-            </a:avLst>
-          </a:prstGeom>
-          <a:ln>
-            <a:tailEnd type="arrow" w="med" len="med"/>
-          </a:ln>
-        </p:spPr>
-        <p:style>
-          <a:lnRef idx="1">
-            <a:schemeClr val="accent3"/>
-          </a:lnRef>
-          <a:fillRef idx="0">
-            <a:schemeClr val="accent3"/>
-          </a:fillRef>
-          <a:effectRef idx="0">
-            <a:schemeClr val="accent3"/>
-          </a:effectRef>
-          <a:fontRef idx="minor">
-            <a:schemeClr val="tx1"/>
-          </a:fontRef>
-        </p:style>
-      </p:cxnSp>
-      <p:cxnSp>
-        <p:nvCxnSpPr>
           <p:cNvPr id="110" name="肘形连接符 109"/>
           <p:cNvCxnSpPr>
             <a:stCxn id="9" idx="2"/>
@@ -16349,7 +16310,7 @@
         <p:spPr>
           <a:xfrm>
             <a:off x="9647555" y="5030470"/>
-            <a:ext cx="298450" cy="1150620"/>
+            <a:ext cx="298450" cy="1442720"/>
           </a:xfrm>
           <a:prstGeom prst="rect">
             <a:avLst/>
@@ -16386,7 +16347,7 @@
           <a:p>
             <a:pPr algn="ctr"/>
             <a:r>
-              <a:rPr lang="zh-CN" sz="1200">
+              <a:rPr lang="zh-CN" altLang="en-US" sz="1200">
                 <a:solidFill>
                   <a:schemeClr val="tx1"/>
                 </a:solidFill>
@@ -16394,18 +16355,7 @@
                 <a:ea typeface="微软雅黑" panose="020B0503020204020204" pitchFamily="34" charset="-122"/>
                 <a:cs typeface="微软雅黑" panose="020B0503020204020204" pitchFamily="34" charset="-122"/>
               </a:rPr>
-              <a:t>文件数据库</a:t>
-            </a:r>
-            <a:r>
-              <a:rPr lang="zh-CN" altLang="en-US" sz="1200">
-                <a:solidFill>
-                  <a:schemeClr val="tx1"/>
-                </a:solidFill>
-                <a:latin typeface="微软雅黑" panose="020B0503020204020204" pitchFamily="34" charset="-122"/>
-                <a:ea typeface="微软雅黑" panose="020B0503020204020204" pitchFamily="34" charset="-122"/>
-                <a:cs typeface="微软雅黑" panose="020B0503020204020204" pitchFamily="34" charset="-122"/>
-              </a:rPr>
-              <a:t>库</a:t>
+              <a:t>分布式文件系统</a:t>
             </a:r>
             <a:endParaRPr lang="zh-CN" altLang="en-US" sz="1200">
               <a:solidFill>
@@ -16645,7 +16595,7 @@
         </p:nvSpPr>
         <p:spPr>
           <a:xfrm>
-            <a:off x="8113395" y="3921125"/>
+            <a:off x="7953375" y="3921125"/>
             <a:ext cx="635000" cy="337185"/>
           </a:xfrm>
           <a:prstGeom prst="rect">
@@ -16715,8 +16665,8 @@
         </p:nvCxnSpPr>
         <p:spPr>
           <a:xfrm rot="5400000" flipV="1">
-            <a:off x="7282180" y="2771775"/>
-            <a:ext cx="1091565" cy="1206500"/>
+            <a:off x="7201853" y="2852103"/>
+            <a:ext cx="1091565" cy="1046480"/>
           </a:xfrm>
           <a:prstGeom prst="bentConnector3">
             <a:avLst>
@@ -16780,6 +16730,398 @@
           </a:fontRef>
         </p:style>
       </p:cxnSp>
+      <p:sp>
+        <p:nvSpPr>
+          <p:cNvPr id="4" name="矩形 3"/>
+          <p:cNvSpPr/>
+          <p:nvPr/>
+        </p:nvSpPr>
+        <p:spPr>
+          <a:xfrm>
+            <a:off x="2980055" y="5030470"/>
+            <a:ext cx="298450" cy="790575"/>
+          </a:xfrm>
+          <a:prstGeom prst="rect">
+            <a:avLst/>
+          </a:prstGeom>
+          <a:noFill/>
+          <a:extLst>
+            <a:ext uri="{909E8E84-426E-40DD-AFC4-6F175D3DCCD1}">
+              <a14:hiddenFill xmlns:a14="http://schemas.microsoft.com/office/drawing/2010/main">
+                <a:solidFill>
+                  <a:schemeClr val="accent1"/>
+                </a:solidFill>
+              </a14:hiddenFill>
+            </a:ext>
+          </a:extLst>
+        </p:spPr>
+        <p:style>
+          <a:lnRef idx="2">
+            <a:schemeClr val="accent1">
+              <a:shade val="50000"/>
+            </a:schemeClr>
+          </a:lnRef>
+          <a:fillRef idx="1">
+            <a:schemeClr val="accent1"/>
+          </a:fillRef>
+          <a:effectRef idx="0">
+            <a:schemeClr val="accent1"/>
+          </a:effectRef>
+          <a:fontRef idx="minor">
+            <a:schemeClr val="lt1"/>
+          </a:fontRef>
+        </p:style>
+        <p:txBody>
+          <a:bodyPr rtlCol="0" anchor="ctr"/>
+          <a:p>
+            <a:pPr algn="ctr"/>
+            <a:r>
+              <a:rPr lang="zh-CN" altLang="en-US" sz="1200">
+                <a:solidFill>
+                  <a:schemeClr val="tx1"/>
+                </a:solidFill>
+                <a:latin typeface="微软雅黑" panose="020B0503020204020204" pitchFamily="34" charset="-122"/>
+                <a:ea typeface="微软雅黑" panose="020B0503020204020204" pitchFamily="34" charset="-122"/>
+                <a:cs typeface="微软雅黑" panose="020B0503020204020204" pitchFamily="34" charset="-122"/>
+              </a:rPr>
+              <a:t>项目依赖</a:t>
+            </a:r>
+            <a:endParaRPr lang="zh-CN" altLang="en-US" sz="1200">
+              <a:solidFill>
+                <a:schemeClr val="tx1"/>
+              </a:solidFill>
+              <a:latin typeface="微软雅黑" panose="020B0503020204020204" pitchFamily="34" charset="-122"/>
+              <a:ea typeface="微软雅黑" panose="020B0503020204020204" pitchFamily="34" charset="-122"/>
+              <a:cs typeface="微软雅黑" panose="020B0503020204020204" pitchFamily="34" charset="-122"/>
+            </a:endParaRPr>
+          </a:p>
+        </p:txBody>
+      </p:sp>
+      <p:cxnSp>
+        <p:nvCxnSpPr>
+          <p:cNvPr id="5" name="肘形连接符 4"/>
+          <p:cNvCxnSpPr>
+            <a:stCxn id="60" idx="2"/>
+            <a:endCxn id="4" idx="0"/>
+          </p:cNvCxnSpPr>
+          <p:nvPr/>
+        </p:nvCxnSpPr>
+        <p:spPr>
+          <a:xfrm rot="5400000">
+            <a:off x="3213100" y="4150995"/>
+            <a:ext cx="795655" cy="962660"/>
+          </a:xfrm>
+          <a:prstGeom prst="bentConnector3">
+            <a:avLst>
+              <a:gd name="adj1" fmla="val 50000"/>
+            </a:avLst>
+          </a:prstGeom>
+          <a:ln>
+            <a:tailEnd type="arrow" w="med" len="med"/>
+          </a:ln>
+        </p:spPr>
+        <p:style>
+          <a:lnRef idx="1">
+            <a:schemeClr val="accent3"/>
+          </a:lnRef>
+          <a:fillRef idx="0">
+            <a:schemeClr val="accent3"/>
+          </a:fillRef>
+          <a:effectRef idx="0">
+            <a:schemeClr val="accent3"/>
+          </a:effectRef>
+          <a:fontRef idx="minor">
+            <a:schemeClr val="tx1"/>
+          </a:fontRef>
+        </p:style>
+      </p:cxnSp>
+      <p:cxnSp>
+        <p:nvCxnSpPr>
+          <p:cNvPr id="6" name="直接箭头连接符 5"/>
+          <p:cNvCxnSpPr>
+            <a:stCxn id="48" idx="2"/>
+            <a:endCxn id="107" idx="0"/>
+          </p:cNvCxnSpPr>
+          <p:nvPr/>
+        </p:nvCxnSpPr>
+        <p:spPr>
+          <a:xfrm flipH="1">
+            <a:off x="407035" y="4234815"/>
+            <a:ext cx="875030" cy="775970"/>
+          </a:xfrm>
+          <a:prstGeom prst="straightConnector1">
+            <a:avLst/>
+          </a:prstGeom>
+          <a:ln>
+            <a:tailEnd type="arrow" w="med" len="med"/>
+          </a:ln>
+        </p:spPr>
+        <p:style>
+          <a:lnRef idx="1">
+            <a:schemeClr val="accent3"/>
+          </a:lnRef>
+          <a:fillRef idx="0">
+            <a:schemeClr val="accent3"/>
+          </a:fillRef>
+          <a:effectRef idx="0">
+            <a:schemeClr val="accent3"/>
+          </a:effectRef>
+          <a:fontRef idx="minor">
+            <a:schemeClr val="tx1"/>
+          </a:fontRef>
+        </p:style>
+      </p:cxnSp>
+      <p:sp>
+        <p:nvSpPr>
+          <p:cNvPr id="7" name="矩形 6"/>
+          <p:cNvSpPr/>
+          <p:nvPr/>
+        </p:nvSpPr>
+        <p:spPr>
+          <a:xfrm>
+            <a:off x="193040" y="432435"/>
+            <a:ext cx="414020" cy="135890"/>
+          </a:xfrm>
+          <a:prstGeom prst="rect">
+            <a:avLst/>
+          </a:prstGeom>
+          <a:noFill/>
+          <a:ln w="19050">
+            <a:prstDash val="dash"/>
+          </a:ln>
+          <a:extLst>
+            <a:ext uri="{909E8E84-426E-40DD-AFC4-6F175D3DCCD1}">
+              <a14:hiddenFill xmlns:a14="http://schemas.microsoft.com/office/drawing/2010/main">
+                <a:solidFill>
+                  <a:schemeClr val="accent1"/>
+                </a:solidFill>
+              </a14:hiddenFill>
+            </a:ext>
+          </a:extLst>
+        </p:spPr>
+        <p:style>
+          <a:lnRef idx="2">
+            <a:schemeClr val="accent1">
+              <a:shade val="50000"/>
+            </a:schemeClr>
+          </a:lnRef>
+          <a:fillRef idx="1">
+            <a:schemeClr val="accent1"/>
+          </a:fillRef>
+          <a:effectRef idx="0">
+            <a:schemeClr val="accent1"/>
+          </a:effectRef>
+          <a:fontRef idx="minor">
+            <a:schemeClr val="lt1"/>
+          </a:fontRef>
+        </p:style>
+        <p:txBody>
+          <a:bodyPr rtlCol="0" anchor="ctr"/>
+          <a:p>
+            <a:pPr algn="ctr"/>
+            <a:endParaRPr lang="zh-CN" sz="1200">
+              <a:solidFill>
+                <a:schemeClr val="tx1"/>
+              </a:solidFill>
+              <a:latin typeface="微软雅黑" panose="020B0503020204020204" pitchFamily="34" charset="-122"/>
+              <a:ea typeface="微软雅黑" panose="020B0503020204020204" pitchFamily="34" charset="-122"/>
+              <a:cs typeface="微软雅黑" panose="020B0503020204020204" pitchFamily="34" charset="-122"/>
+            </a:endParaRPr>
+          </a:p>
+        </p:txBody>
+      </p:sp>
+      <p:sp>
+        <p:nvSpPr>
+          <p:cNvPr id="10" name="矩形 9"/>
+          <p:cNvSpPr/>
+          <p:nvPr/>
+        </p:nvSpPr>
+        <p:spPr>
+          <a:xfrm>
+            <a:off x="193675" y="658495"/>
+            <a:ext cx="414020" cy="135890"/>
+          </a:xfrm>
+          <a:prstGeom prst="rect">
+            <a:avLst/>
+          </a:prstGeom>
+          <a:noFill/>
+          <a:ln w="19050">
+            <a:prstDash val="solid"/>
+          </a:ln>
+          <a:extLst>
+            <a:ext uri="{909E8E84-426E-40DD-AFC4-6F175D3DCCD1}">
+              <a14:hiddenFill xmlns:a14="http://schemas.microsoft.com/office/drawing/2010/main">
+                <a:solidFill>
+                  <a:schemeClr val="accent1"/>
+                </a:solidFill>
+              </a14:hiddenFill>
+            </a:ext>
+          </a:extLst>
+        </p:spPr>
+        <p:style>
+          <a:lnRef idx="2">
+            <a:schemeClr val="accent1">
+              <a:shade val="50000"/>
+            </a:schemeClr>
+          </a:lnRef>
+          <a:fillRef idx="1">
+            <a:schemeClr val="accent1"/>
+          </a:fillRef>
+          <a:effectRef idx="0">
+            <a:schemeClr val="accent1"/>
+          </a:effectRef>
+          <a:fontRef idx="minor">
+            <a:schemeClr val="lt1"/>
+          </a:fontRef>
+        </p:style>
+        <p:txBody>
+          <a:bodyPr rtlCol="0" anchor="ctr"/>
+          <a:p>
+            <a:pPr algn="ctr"/>
+            <a:endParaRPr lang="zh-CN" sz="1200">
+              <a:solidFill>
+                <a:schemeClr val="tx1"/>
+              </a:solidFill>
+              <a:latin typeface="微软雅黑" panose="020B0503020204020204" pitchFamily="34" charset="-122"/>
+              <a:ea typeface="微软雅黑" panose="020B0503020204020204" pitchFamily="34" charset="-122"/>
+              <a:cs typeface="微软雅黑" panose="020B0503020204020204" pitchFamily="34" charset="-122"/>
+            </a:endParaRPr>
+          </a:p>
+        </p:txBody>
+      </p:sp>
+      <p:sp>
+        <p:nvSpPr>
+          <p:cNvPr id="11" name="文本框 10"/>
+          <p:cNvSpPr txBox="1"/>
+          <p:nvPr/>
+        </p:nvSpPr>
+        <p:spPr>
+          <a:xfrm>
+            <a:off x="666750" y="362585"/>
+            <a:ext cx="1706880" cy="275590"/>
+          </a:xfrm>
+          <a:prstGeom prst="rect">
+            <a:avLst/>
+          </a:prstGeom>
+          <a:noFill/>
+        </p:spPr>
+        <p:txBody>
+          <a:bodyPr wrap="none" rtlCol="0">
+            <a:spAutoFit/>
+          </a:bodyPr>
+          <a:p>
+            <a:r>
+              <a:rPr lang="zh-CN" altLang="en-US" sz="1200">
+                <a:latin typeface="微软雅黑" panose="020B0503020204020204" pitchFamily="34" charset="-122"/>
+                <a:ea typeface="微软雅黑" panose="020B0503020204020204" pitchFamily="34" charset="-122"/>
+              </a:rPr>
+              <a:t>虚线框代表第三方平台</a:t>
+            </a:r>
+            <a:endParaRPr lang="zh-CN" altLang="en-US" sz="1200">
+              <a:latin typeface="微软雅黑" panose="020B0503020204020204" pitchFamily="34" charset="-122"/>
+              <a:ea typeface="微软雅黑" panose="020B0503020204020204" pitchFamily="34" charset="-122"/>
+            </a:endParaRPr>
+          </a:p>
+        </p:txBody>
+      </p:sp>
+      <p:sp>
+        <p:nvSpPr>
+          <p:cNvPr id="17" name="文本框 16"/>
+          <p:cNvSpPr txBox="1"/>
+          <p:nvPr/>
+        </p:nvSpPr>
+        <p:spPr>
+          <a:xfrm>
+            <a:off x="666750" y="588645"/>
+            <a:ext cx="1997075" cy="275590"/>
+          </a:xfrm>
+          <a:prstGeom prst="rect">
+            <a:avLst/>
+          </a:prstGeom>
+          <a:noFill/>
+        </p:spPr>
+        <p:txBody>
+          <a:bodyPr wrap="none" rtlCol="0">
+            <a:spAutoFit/>
+          </a:bodyPr>
+          <a:p>
+            <a:r>
+              <a:rPr lang="zh-CN" altLang="en-US" sz="1200">
+                <a:latin typeface="微软雅黑" panose="020B0503020204020204" pitchFamily="34" charset="-122"/>
+                <a:ea typeface="微软雅黑" panose="020B0503020204020204" pitchFamily="34" charset="-122"/>
+                <a:cs typeface="微软雅黑" panose="020B0503020204020204" pitchFamily="34" charset="-122"/>
+              </a:rPr>
+              <a:t>实线框表示</a:t>
+            </a:r>
+            <a:r>
+              <a:rPr lang="en-US" altLang="zh-CN" sz="1200">
+                <a:latin typeface="微软雅黑" panose="020B0503020204020204" pitchFamily="34" charset="-122"/>
+                <a:ea typeface="微软雅黑" panose="020B0503020204020204" pitchFamily="34" charset="-122"/>
+                <a:cs typeface="微软雅黑" panose="020B0503020204020204" pitchFamily="34" charset="-122"/>
+              </a:rPr>
+              <a:t>BlockLang</a:t>
+            </a:r>
+            <a:r>
+              <a:rPr lang="zh-CN" altLang="en-US" sz="1200">
+                <a:latin typeface="微软雅黑" panose="020B0503020204020204" pitchFamily="34" charset="-122"/>
+                <a:ea typeface="微软雅黑" panose="020B0503020204020204" pitchFamily="34" charset="-122"/>
+                <a:cs typeface="微软雅黑" panose="020B0503020204020204" pitchFamily="34" charset="-122"/>
+              </a:rPr>
+              <a:t>平台</a:t>
+            </a:r>
+            <a:endParaRPr lang="zh-CN" altLang="en-US" sz="1200">
+              <a:latin typeface="微软雅黑" panose="020B0503020204020204" pitchFamily="34" charset="-122"/>
+              <a:ea typeface="微软雅黑" panose="020B0503020204020204" pitchFamily="34" charset="-122"/>
+              <a:cs typeface="微软雅黑" panose="020B0503020204020204" pitchFamily="34" charset="-122"/>
+            </a:endParaRPr>
+          </a:p>
+        </p:txBody>
+      </p:sp>
+      <p:sp>
+        <p:nvSpPr>
+          <p:cNvPr id="19" name="文本框 18"/>
+          <p:cNvSpPr txBox="1"/>
+          <p:nvPr/>
+        </p:nvSpPr>
+        <p:spPr>
+          <a:xfrm>
+            <a:off x="101600" y="64135"/>
+            <a:ext cx="2954655" cy="275590"/>
+          </a:xfrm>
+          <a:prstGeom prst="rect">
+            <a:avLst/>
+          </a:prstGeom>
+          <a:noFill/>
+        </p:spPr>
+        <p:txBody>
+          <a:bodyPr wrap="none" rtlCol="0">
+            <a:spAutoFit/>
+          </a:bodyPr>
+          <a:p>
+            <a:r>
+              <a:rPr lang="en-US" sz="1200" b="1">
+                <a:latin typeface="微软雅黑" panose="020B0503020204020204" pitchFamily="34" charset="-122"/>
+                <a:ea typeface="微软雅黑" panose="020B0503020204020204" pitchFamily="34" charset="-122"/>
+                <a:cs typeface="微软雅黑" panose="020B0503020204020204" pitchFamily="34" charset="-122"/>
+              </a:rPr>
+              <a:t>BlockLang</a:t>
+            </a:r>
+            <a:r>
+              <a:rPr lang="zh-CN" altLang="en-US" sz="1200" b="1">
+                <a:latin typeface="微软雅黑" panose="020B0503020204020204" pitchFamily="34" charset="-122"/>
+                <a:ea typeface="微软雅黑" panose="020B0503020204020204" pitchFamily="34" charset="-122"/>
+                <a:cs typeface="微软雅黑" panose="020B0503020204020204" pitchFamily="34" charset="-122"/>
+              </a:rPr>
+              <a:t>金字塔式自顶向下分层结构图</a:t>
+            </a:r>
+            <a:endParaRPr lang="zh-CN" altLang="en-US" sz="1200" b="1">
+              <a:latin typeface="微软雅黑" panose="020B0503020204020204" pitchFamily="34" charset="-122"/>
+              <a:ea typeface="微软雅黑" panose="020B0503020204020204" pitchFamily="34" charset="-122"/>
+              <a:cs typeface="微软雅黑" panose="020B0503020204020204" pitchFamily="34" charset="-122"/>
+            </a:endParaRPr>
+          </a:p>
+        </p:txBody>
+      </p:sp>
     </p:spTree>
   </p:cSld>
   <p:clrMapOvr>

--- a/docs/spec/BlockLang.pptx
+++ b/docs/spec/BlockLang.pptx
@@ -16,6 +16,7 @@
     <p:sldId id="263" r:id="rId9"/>
     <p:sldId id="264" r:id="rId10"/>
     <p:sldId id="265" r:id="rId11"/>
+    <p:sldId id="266" r:id="rId12"/>
   </p:sldIdLst>
   <p:sldSz cx="12192000" cy="6858000"/>
   <p:notesSz cx="6858000" cy="9144000"/>
@@ -1226,6 +1227,54 @@
             <a:r>
               <a:rPr lang="zh-CN" altLang="en-US"/>
               <a:t>系统管理</a:t>
+            </a:r>
+            <a:endParaRPr lang="zh-CN" altLang="en-US"/>
+          </a:p>
+        </p:txBody>
+      </p:sp>
+    </p:spTree>
+  </p:cSld>
+  <p:clrMapOvr>
+    <a:masterClrMapping/>
+  </p:clrMapOvr>
+</p:notes>
+</file>
+
+<file path=ppt/notesSlides/notesSlide6.xml><?xml version="1.0" encoding="utf-8"?>
+<p:notes xmlns:a="http://schemas.openxmlformats.org/drawingml/2006/main" xmlns:r="http://schemas.openxmlformats.org/officeDocument/2006/relationships" xmlns:p="http://schemas.openxmlformats.org/presentationml/2006/main">
+  <p:cSld>
+    <p:spTree>
+      <p:nvGrpSpPr>
+        <p:cNvPr id="1" name=""/>
+        <p:cNvGrpSpPr/>
+        <p:nvPr/>
+      </p:nvGrpSpPr>
+      <p:grpSpPr/>
+      <p:sp>
+        <p:nvSpPr>
+          <p:cNvPr id="2" name="幻灯片图像占位符 1"/>
+          <p:cNvSpPr/>
+          <p:nvPr>
+            <p:ph type="sldImg" idx="2"/>
+          </p:nvPr>
+        </p:nvSpPr>
+        <p:spPr/>
+      </p:sp>
+      <p:sp>
+        <p:nvSpPr>
+          <p:cNvPr id="3" name="文本占位符 2"/>
+          <p:cNvSpPr/>
+          <p:nvPr>
+            <p:ph type="body" idx="3"/>
+          </p:nvPr>
+        </p:nvSpPr>
+        <p:spPr/>
+        <p:txBody>
+          <a:bodyPr/>
+          <a:p>
+            <a:r>
+              <a:rPr lang="zh-CN" altLang="en-US"/>
+              <a:t>依赖图谱</a:t>
             </a:r>
             <a:endParaRPr lang="zh-CN" altLang="en-US"/>
           </a:p>
@@ -17122,6 +17171,691 @@
           </a:p>
         </p:txBody>
       </p:sp>
+    </p:spTree>
+  </p:cSld>
+  <p:clrMapOvr>
+    <a:masterClrMapping/>
+  </p:clrMapOvr>
+</p:sld>
+</file>
+
+<file path=ppt/slides/slide9.xml><?xml version="1.0" encoding="utf-8"?>
+<p:sld xmlns:a="http://schemas.openxmlformats.org/drawingml/2006/main" xmlns:r="http://schemas.openxmlformats.org/officeDocument/2006/relationships" xmlns:p="http://schemas.openxmlformats.org/presentationml/2006/main">
+  <p:cSld>
+    <p:spTree>
+      <p:nvGrpSpPr>
+        <p:cNvPr id="1" name=""/>
+        <p:cNvGrpSpPr/>
+        <p:nvPr/>
+      </p:nvGrpSpPr>
+      <p:grpSpPr/>
+      <p:sp>
+        <p:nvSpPr>
+          <p:cNvPr id="2" name="矩形 1"/>
+          <p:cNvSpPr/>
+          <p:nvPr/>
+        </p:nvSpPr>
+        <p:spPr>
+          <a:xfrm>
+            <a:off x="1939925" y="1027430"/>
+            <a:ext cx="7623175" cy="680085"/>
+          </a:xfrm>
+          <a:prstGeom prst="rect">
+            <a:avLst/>
+          </a:prstGeom>
+          <a:noFill/>
+          <a:extLst>
+            <a:ext uri="{909E8E84-426E-40DD-AFC4-6F175D3DCCD1}">
+              <a14:hiddenFill xmlns:a14="http://schemas.microsoft.com/office/drawing/2010/main">
+                <a:solidFill>
+                  <a:schemeClr val="accent1"/>
+                </a:solidFill>
+              </a14:hiddenFill>
+            </a:ext>
+          </a:extLst>
+        </p:spPr>
+        <p:style>
+          <a:lnRef idx="2">
+            <a:schemeClr val="accent1">
+              <a:shade val="50000"/>
+            </a:schemeClr>
+          </a:lnRef>
+          <a:fillRef idx="1">
+            <a:schemeClr val="accent1"/>
+          </a:fillRef>
+          <a:effectRef idx="0">
+            <a:schemeClr val="accent1"/>
+          </a:effectRef>
+          <a:fontRef idx="minor">
+            <a:schemeClr val="lt1"/>
+          </a:fontRef>
+        </p:style>
+        <p:txBody>
+          <a:bodyPr rtlCol="0" anchor="ctr"/>
+          <a:p>
+            <a:pPr algn="ctr"/>
+            <a:r>
+              <a:rPr>
+                <a:solidFill>
+                  <a:schemeClr val="tx1"/>
+                </a:solidFill>
+                <a:latin typeface="微软雅黑" panose="020B0503020204020204" pitchFamily="34" charset="-122"/>
+                <a:ea typeface="微软雅黑" panose="020B0503020204020204" pitchFamily="34" charset="-122"/>
+                <a:cs typeface="微软雅黑" panose="020B0503020204020204" pitchFamily="34" charset="-122"/>
+              </a:rPr>
+              <a:t>PROJECT_DEPENDENCE</a:t>
+            </a:r>
+            <a:r>
+              <a:rPr lang="zh-CN">
+                <a:solidFill>
+                  <a:schemeClr val="tx1"/>
+                </a:solidFill>
+                <a:latin typeface="微软雅黑" panose="020B0503020204020204" pitchFamily="34" charset="-122"/>
+                <a:ea typeface="微软雅黑" panose="020B0503020204020204" pitchFamily="34" charset="-122"/>
+                <a:cs typeface="微软雅黑" panose="020B0503020204020204" pitchFamily="34" charset="-122"/>
+              </a:rPr>
+              <a:t>：project_id ↔ component_repo_version_id</a:t>
+            </a:r>
+            <a:endParaRPr lang="zh-CN">
+              <a:solidFill>
+                <a:schemeClr val="tx1"/>
+              </a:solidFill>
+              <a:latin typeface="微软雅黑" panose="020B0503020204020204" pitchFamily="34" charset="-122"/>
+              <a:ea typeface="微软雅黑" panose="020B0503020204020204" pitchFamily="34" charset="-122"/>
+              <a:cs typeface="微软雅黑" panose="020B0503020204020204" pitchFamily="34" charset="-122"/>
+            </a:endParaRPr>
+          </a:p>
+        </p:txBody>
+      </p:sp>
+      <p:sp>
+        <p:nvSpPr>
+          <p:cNvPr id="3" name="文本框 2"/>
+          <p:cNvSpPr txBox="1"/>
+          <p:nvPr/>
+        </p:nvSpPr>
+        <p:spPr>
+          <a:xfrm>
+            <a:off x="0" y="0"/>
+            <a:ext cx="1097280" cy="368300"/>
+          </a:xfrm>
+          <a:prstGeom prst="rect">
+            <a:avLst/>
+          </a:prstGeom>
+          <a:noFill/>
+        </p:spPr>
+        <p:txBody>
+          <a:bodyPr wrap="none" rtlCol="0">
+            <a:spAutoFit/>
+          </a:bodyPr>
+          <a:p>
+            <a:r>
+              <a:rPr lang="zh-CN" altLang="en-US">
+                <a:latin typeface="微软雅黑" panose="020B0503020204020204" pitchFamily="34" charset="-122"/>
+                <a:ea typeface="微软雅黑" panose="020B0503020204020204" pitchFamily="34" charset="-122"/>
+              </a:rPr>
+              <a:t>依赖图谱</a:t>
+            </a:r>
+            <a:endParaRPr lang="zh-CN" altLang="en-US">
+              <a:latin typeface="微软雅黑" panose="020B0503020204020204" pitchFamily="34" charset="-122"/>
+              <a:ea typeface="微软雅黑" panose="020B0503020204020204" pitchFamily="34" charset="-122"/>
+            </a:endParaRPr>
+          </a:p>
+        </p:txBody>
+      </p:sp>
+      <p:sp>
+        <p:nvSpPr>
+          <p:cNvPr id="12" name="矩形 11"/>
+          <p:cNvSpPr/>
+          <p:nvPr/>
+        </p:nvSpPr>
+        <p:spPr>
+          <a:xfrm>
+            <a:off x="1939925" y="2214880"/>
+            <a:ext cx="7623175" cy="680085"/>
+          </a:xfrm>
+          <a:prstGeom prst="rect">
+            <a:avLst/>
+          </a:prstGeom>
+          <a:noFill/>
+          <a:extLst>
+            <a:ext uri="{909E8E84-426E-40DD-AFC4-6F175D3DCCD1}">
+              <a14:hiddenFill xmlns:a14="http://schemas.microsoft.com/office/drawing/2010/main">
+                <a:solidFill>
+                  <a:schemeClr val="accent1"/>
+                </a:solidFill>
+              </a14:hiddenFill>
+            </a:ext>
+          </a:extLst>
+        </p:spPr>
+        <p:style>
+          <a:lnRef idx="2">
+            <a:schemeClr val="accent1">
+              <a:shade val="50000"/>
+            </a:schemeClr>
+          </a:lnRef>
+          <a:fillRef idx="1">
+            <a:schemeClr val="accent1"/>
+          </a:fillRef>
+          <a:effectRef idx="0">
+            <a:schemeClr val="accent1"/>
+          </a:effectRef>
+          <a:fontRef idx="minor">
+            <a:schemeClr val="lt1"/>
+          </a:fontRef>
+        </p:style>
+        <p:txBody>
+          <a:bodyPr rtlCol="0" anchor="ctr"/>
+          <a:p>
+            <a:pPr algn="ctr"/>
+            <a:r>
+              <a:rPr>
+                <a:solidFill>
+                  <a:schemeClr val="tx1"/>
+                </a:solidFill>
+                <a:latin typeface="微软雅黑" panose="020B0503020204020204" pitchFamily="34" charset="-122"/>
+                <a:ea typeface="微软雅黑" panose="020B0503020204020204" pitchFamily="34" charset="-122"/>
+                <a:cs typeface="微软雅黑" panose="020B0503020204020204" pitchFamily="34" charset="-122"/>
+              </a:rPr>
+              <a:t>COMPONENT_REPO_VERSION</a:t>
+            </a:r>
+            <a:r>
+              <a:rPr lang="zh-CN">
+                <a:solidFill>
+                  <a:schemeClr val="tx1"/>
+                </a:solidFill>
+                <a:latin typeface="微软雅黑" panose="020B0503020204020204" pitchFamily="34" charset="-122"/>
+                <a:ea typeface="微软雅黑" panose="020B0503020204020204" pitchFamily="34" charset="-122"/>
+                <a:cs typeface="微软雅黑" panose="020B0503020204020204" pitchFamily="34" charset="-122"/>
+              </a:rPr>
+              <a:t>：dbid</a:t>
+            </a:r>
+            <a:r>
+              <a:rPr lang="zh-CN">
+                <a:solidFill>
+                  <a:schemeClr val="tx1"/>
+                </a:solidFill>
+                <a:latin typeface="微软雅黑" panose="020B0503020204020204" pitchFamily="34" charset="-122"/>
+                <a:ea typeface="微软雅黑" panose="020B0503020204020204" pitchFamily="34" charset="-122"/>
+                <a:cs typeface="微软雅黑" panose="020B0503020204020204" pitchFamily="34" charset="-122"/>
+                <a:sym typeface="+mn-ea"/>
+              </a:rPr>
+              <a:t> ↔ </a:t>
+            </a:r>
+            <a:r>
+              <a:rPr lang="zh-CN">
+                <a:solidFill>
+                  <a:schemeClr val="tx1"/>
+                </a:solidFill>
+                <a:latin typeface="微软雅黑" panose="020B0503020204020204" pitchFamily="34" charset="-122"/>
+                <a:ea typeface="微软雅黑" panose="020B0503020204020204" pitchFamily="34" charset="-122"/>
+                <a:cs typeface="微软雅黑" panose="020B0503020204020204" pitchFamily="34" charset="-122"/>
+              </a:rPr>
+              <a:t>api_repo_version_id</a:t>
+            </a:r>
+            <a:endParaRPr lang="zh-CN">
+              <a:solidFill>
+                <a:schemeClr val="tx1"/>
+              </a:solidFill>
+              <a:latin typeface="微软雅黑" panose="020B0503020204020204" pitchFamily="34" charset="-122"/>
+              <a:ea typeface="微软雅黑" panose="020B0503020204020204" pitchFamily="34" charset="-122"/>
+              <a:cs typeface="微软雅黑" panose="020B0503020204020204" pitchFamily="34" charset="-122"/>
+            </a:endParaRPr>
+          </a:p>
+        </p:txBody>
+      </p:sp>
+      <p:cxnSp>
+        <p:nvCxnSpPr>
+          <p:cNvPr id="14" name="直接箭头连接符 13"/>
+          <p:cNvCxnSpPr/>
+          <p:nvPr/>
+        </p:nvCxnSpPr>
+        <p:spPr>
+          <a:xfrm flipH="1">
+            <a:off x="6294755" y="1559560"/>
+            <a:ext cx="950595" cy="808990"/>
+          </a:xfrm>
+          <a:prstGeom prst="straightConnector1">
+            <a:avLst/>
+          </a:prstGeom>
+          <a:ln>
+            <a:tailEnd type="arrow" w="med" len="med"/>
+          </a:ln>
+        </p:spPr>
+        <p:style>
+          <a:lnRef idx="1">
+            <a:schemeClr val="accent3"/>
+          </a:lnRef>
+          <a:fillRef idx="0">
+            <a:schemeClr val="accent3"/>
+          </a:fillRef>
+          <a:effectRef idx="0">
+            <a:schemeClr val="accent3"/>
+          </a:effectRef>
+          <a:fontRef idx="minor">
+            <a:schemeClr val="tx1"/>
+          </a:fontRef>
+        </p:style>
+      </p:cxnSp>
+      <p:sp>
+        <p:nvSpPr>
+          <p:cNvPr id="15" name="矩形 14"/>
+          <p:cNvSpPr/>
+          <p:nvPr/>
+        </p:nvSpPr>
+        <p:spPr>
+          <a:xfrm>
+            <a:off x="1939925" y="3402330"/>
+            <a:ext cx="7623175" cy="680085"/>
+          </a:xfrm>
+          <a:prstGeom prst="rect">
+            <a:avLst/>
+          </a:prstGeom>
+          <a:noFill/>
+          <a:extLst>
+            <a:ext uri="{909E8E84-426E-40DD-AFC4-6F175D3DCCD1}">
+              <a14:hiddenFill xmlns:a14="http://schemas.microsoft.com/office/drawing/2010/main">
+                <a:solidFill>
+                  <a:schemeClr val="accent1"/>
+                </a:solidFill>
+              </a14:hiddenFill>
+            </a:ext>
+          </a:extLst>
+        </p:spPr>
+        <p:style>
+          <a:lnRef idx="2">
+            <a:schemeClr val="accent1">
+              <a:shade val="50000"/>
+            </a:schemeClr>
+          </a:lnRef>
+          <a:fillRef idx="1">
+            <a:schemeClr val="accent1"/>
+          </a:fillRef>
+          <a:effectRef idx="0">
+            <a:schemeClr val="accent1"/>
+          </a:effectRef>
+          <a:fontRef idx="minor">
+            <a:schemeClr val="lt1"/>
+          </a:fontRef>
+        </p:style>
+        <p:txBody>
+          <a:bodyPr rtlCol="0" anchor="ctr"/>
+          <a:p>
+            <a:pPr algn="ctr"/>
+            <a:r>
+              <a:rPr>
+                <a:solidFill>
+                  <a:schemeClr val="tx1"/>
+                </a:solidFill>
+                <a:latin typeface="微软雅黑" panose="020B0503020204020204" pitchFamily="34" charset="-122"/>
+                <a:ea typeface="微软雅黑" panose="020B0503020204020204" pitchFamily="34" charset="-122"/>
+                <a:cs typeface="微软雅黑" panose="020B0503020204020204" pitchFamily="34" charset="-122"/>
+              </a:rPr>
+              <a:t>API_REPO_VERSION</a:t>
+            </a:r>
+            <a:r>
+              <a:rPr lang="zh-CN">
+                <a:solidFill>
+                  <a:schemeClr val="tx1"/>
+                </a:solidFill>
+                <a:latin typeface="微软雅黑" panose="020B0503020204020204" pitchFamily="34" charset="-122"/>
+                <a:ea typeface="微软雅黑" panose="020B0503020204020204" pitchFamily="34" charset="-122"/>
+                <a:cs typeface="微软雅黑" panose="020B0503020204020204" pitchFamily="34" charset="-122"/>
+              </a:rPr>
+              <a:t>：dbid</a:t>
+            </a:r>
+            <a:r>
+              <a:rPr lang="zh-CN">
+                <a:solidFill>
+                  <a:schemeClr val="tx1"/>
+                </a:solidFill>
+                <a:latin typeface="微软雅黑" panose="020B0503020204020204" pitchFamily="34" charset="-122"/>
+                <a:ea typeface="微软雅黑" panose="020B0503020204020204" pitchFamily="34" charset="-122"/>
+                <a:cs typeface="微软雅黑" panose="020B0503020204020204" pitchFamily="34" charset="-122"/>
+                <a:sym typeface="+mn-ea"/>
+              </a:rPr>
+              <a:t> ↔ </a:t>
+            </a:r>
+            <a:r>
+              <a:rPr lang="en-US" altLang="zh-CN" b="1">
+                <a:solidFill>
+                  <a:schemeClr val="tx1"/>
+                </a:solidFill>
+                <a:latin typeface="微软雅黑" panose="020B0503020204020204" pitchFamily="34" charset="-122"/>
+                <a:ea typeface="微软雅黑" panose="020B0503020204020204" pitchFamily="34" charset="-122"/>
+                <a:cs typeface="微软雅黑" panose="020B0503020204020204" pitchFamily="34" charset="-122"/>
+                <a:sym typeface="+mn-ea"/>
+              </a:rPr>
+              <a:t>version</a:t>
+            </a:r>
+            <a:r>
+              <a:rPr lang="en-US" altLang="zh-CN">
+                <a:solidFill>
+                  <a:schemeClr val="tx1"/>
+                </a:solidFill>
+                <a:latin typeface="微软雅黑" panose="020B0503020204020204" pitchFamily="34" charset="-122"/>
+                <a:ea typeface="微软雅黑" panose="020B0503020204020204" pitchFamily="34" charset="-122"/>
+                <a:cs typeface="微软雅黑" panose="020B0503020204020204" pitchFamily="34" charset="-122"/>
+                <a:sym typeface="+mn-ea"/>
+              </a:rPr>
+              <a:t>, git_tag_name</a:t>
+            </a:r>
+            <a:endParaRPr lang="en-US" altLang="zh-CN">
+              <a:solidFill>
+                <a:schemeClr val="tx1"/>
+              </a:solidFill>
+              <a:latin typeface="微软雅黑" panose="020B0503020204020204" pitchFamily="34" charset="-122"/>
+              <a:ea typeface="微软雅黑" panose="020B0503020204020204" pitchFamily="34" charset="-122"/>
+              <a:cs typeface="微软雅黑" panose="020B0503020204020204" pitchFamily="34" charset="-122"/>
+              <a:sym typeface="+mn-ea"/>
+            </a:endParaRPr>
+          </a:p>
+        </p:txBody>
+      </p:sp>
+      <p:cxnSp>
+        <p:nvCxnSpPr>
+          <p:cNvPr id="16" name="直接箭头连接符 15"/>
+          <p:cNvCxnSpPr/>
+          <p:nvPr/>
+        </p:nvCxnSpPr>
+        <p:spPr>
+          <a:xfrm flipH="1">
+            <a:off x="5579110" y="2701290"/>
+            <a:ext cx="1793240" cy="851535"/>
+          </a:xfrm>
+          <a:prstGeom prst="straightConnector1">
+            <a:avLst/>
+          </a:prstGeom>
+          <a:ln>
+            <a:tailEnd type="arrow" w="med" len="med"/>
+          </a:ln>
+        </p:spPr>
+        <p:style>
+          <a:lnRef idx="1">
+            <a:schemeClr val="accent3"/>
+          </a:lnRef>
+          <a:fillRef idx="0">
+            <a:schemeClr val="accent3"/>
+          </a:fillRef>
+          <a:effectRef idx="0">
+            <a:schemeClr val="accent3"/>
+          </a:effectRef>
+          <a:fontRef idx="minor">
+            <a:schemeClr val="tx1"/>
+          </a:fontRef>
+        </p:style>
+      </p:cxnSp>
+      <p:sp>
+        <p:nvSpPr>
+          <p:cNvPr id="17" name="矩形 16"/>
+          <p:cNvSpPr/>
+          <p:nvPr/>
+        </p:nvSpPr>
+        <p:spPr>
+          <a:xfrm>
+            <a:off x="1939925" y="4589780"/>
+            <a:ext cx="7623175" cy="680085"/>
+          </a:xfrm>
+          <a:prstGeom prst="rect">
+            <a:avLst/>
+          </a:prstGeom>
+          <a:noFill/>
+          <a:extLst>
+            <a:ext uri="{909E8E84-426E-40DD-AFC4-6F175D3DCCD1}">
+              <a14:hiddenFill xmlns:a14="http://schemas.microsoft.com/office/drawing/2010/main">
+                <a:solidFill>
+                  <a:schemeClr val="accent1"/>
+                </a:solidFill>
+              </a14:hiddenFill>
+            </a:ext>
+          </a:extLst>
+        </p:spPr>
+        <p:style>
+          <a:lnRef idx="2">
+            <a:schemeClr val="accent1">
+              <a:shade val="50000"/>
+            </a:schemeClr>
+          </a:lnRef>
+          <a:fillRef idx="1">
+            <a:schemeClr val="accent1"/>
+          </a:fillRef>
+          <a:effectRef idx="0">
+            <a:schemeClr val="accent1"/>
+          </a:effectRef>
+          <a:fontRef idx="minor">
+            <a:schemeClr val="lt1"/>
+          </a:fontRef>
+        </p:style>
+        <p:txBody>
+          <a:bodyPr rtlCol="0" anchor="ctr"/>
+          <a:p>
+            <a:pPr algn="ctr"/>
+            <a:r>
+              <a:rPr>
+                <a:solidFill>
+                  <a:schemeClr val="tx1"/>
+                </a:solidFill>
+                <a:latin typeface="微软雅黑" panose="020B0503020204020204" pitchFamily="34" charset="-122"/>
+                <a:ea typeface="微软雅黑" panose="020B0503020204020204" pitchFamily="34" charset="-122"/>
+                <a:cs typeface="微软雅黑" panose="020B0503020204020204" pitchFamily="34" charset="-122"/>
+              </a:rPr>
+              <a:t>API_COMPONENT</a:t>
+            </a:r>
+            <a:r>
+              <a:rPr lang="zh-CN">
+                <a:solidFill>
+                  <a:schemeClr val="tx1"/>
+                </a:solidFill>
+                <a:latin typeface="微软雅黑" panose="020B0503020204020204" pitchFamily="34" charset="-122"/>
+                <a:ea typeface="微软雅黑" panose="020B0503020204020204" pitchFamily="34" charset="-122"/>
+                <a:cs typeface="微软雅黑" panose="020B0503020204020204" pitchFamily="34" charset="-122"/>
+              </a:rPr>
+              <a:t>：dbid</a:t>
+            </a:r>
+            <a:r>
+              <a:rPr lang="zh-CN">
+                <a:solidFill>
+                  <a:schemeClr val="tx1"/>
+                </a:solidFill>
+                <a:latin typeface="微软雅黑" panose="020B0503020204020204" pitchFamily="34" charset="-122"/>
+                <a:ea typeface="微软雅黑" panose="020B0503020204020204" pitchFamily="34" charset="-122"/>
+                <a:cs typeface="微软雅黑" panose="020B0503020204020204" pitchFamily="34" charset="-122"/>
+                <a:sym typeface="+mn-ea"/>
+              </a:rPr>
+              <a:t> ↔ </a:t>
+            </a:r>
+            <a:r>
+              <a:rPr lang="en-US" altLang="zh-CN">
+                <a:solidFill>
+                  <a:schemeClr val="tx1"/>
+                </a:solidFill>
+                <a:latin typeface="微软雅黑" panose="020B0503020204020204" pitchFamily="34" charset="-122"/>
+                <a:ea typeface="微软雅黑" panose="020B0503020204020204" pitchFamily="34" charset="-122"/>
+                <a:cs typeface="微软雅黑" panose="020B0503020204020204" pitchFamily="34" charset="-122"/>
+                <a:sym typeface="+mn-ea"/>
+              </a:rPr>
+              <a:t>api_repo_version_id</a:t>
+            </a:r>
+            <a:endParaRPr lang="en-US" altLang="zh-CN">
+              <a:solidFill>
+                <a:schemeClr val="tx1"/>
+              </a:solidFill>
+              <a:latin typeface="微软雅黑" panose="020B0503020204020204" pitchFamily="34" charset="-122"/>
+              <a:ea typeface="微软雅黑" panose="020B0503020204020204" pitchFamily="34" charset="-122"/>
+              <a:cs typeface="微软雅黑" panose="020B0503020204020204" pitchFamily="34" charset="-122"/>
+              <a:sym typeface="+mn-ea"/>
+            </a:endParaRPr>
+          </a:p>
+        </p:txBody>
+      </p:sp>
+      <p:cxnSp>
+        <p:nvCxnSpPr>
+          <p:cNvPr id="18" name="直接箭头连接符 17"/>
+          <p:cNvCxnSpPr/>
+          <p:nvPr/>
+        </p:nvCxnSpPr>
+        <p:spPr>
+          <a:xfrm>
+            <a:off x="5620385" y="3883025"/>
+            <a:ext cx="1266825" cy="826135"/>
+          </a:xfrm>
+          <a:prstGeom prst="straightConnector1">
+            <a:avLst/>
+          </a:prstGeom>
+          <a:ln>
+            <a:tailEnd type="arrow" w="med" len="med"/>
+          </a:ln>
+        </p:spPr>
+        <p:style>
+          <a:lnRef idx="1">
+            <a:schemeClr val="accent3"/>
+          </a:lnRef>
+          <a:fillRef idx="0">
+            <a:schemeClr val="accent3"/>
+          </a:fillRef>
+          <a:effectRef idx="0">
+            <a:schemeClr val="accent3"/>
+          </a:effectRef>
+          <a:fontRef idx="minor">
+            <a:schemeClr val="tx1"/>
+          </a:fontRef>
+        </p:style>
+      </p:cxnSp>
+      <p:sp>
+        <p:nvSpPr>
+          <p:cNvPr id="21" name="矩形 20"/>
+          <p:cNvSpPr/>
+          <p:nvPr/>
+        </p:nvSpPr>
+        <p:spPr>
+          <a:xfrm>
+            <a:off x="1939925" y="5777230"/>
+            <a:ext cx="7623175" cy="680085"/>
+          </a:xfrm>
+          <a:prstGeom prst="rect">
+            <a:avLst/>
+          </a:prstGeom>
+          <a:noFill/>
+          <a:extLst>
+            <a:ext uri="{909E8E84-426E-40DD-AFC4-6F175D3DCCD1}">
+              <a14:hiddenFill xmlns:a14="http://schemas.microsoft.com/office/drawing/2010/main">
+                <a:solidFill>
+                  <a:schemeClr val="accent1"/>
+                </a:solidFill>
+              </a14:hiddenFill>
+            </a:ext>
+          </a:extLst>
+        </p:spPr>
+        <p:style>
+          <a:lnRef idx="2">
+            <a:schemeClr val="accent1">
+              <a:shade val="50000"/>
+            </a:schemeClr>
+          </a:lnRef>
+          <a:fillRef idx="1">
+            <a:schemeClr val="accent1"/>
+          </a:fillRef>
+          <a:effectRef idx="0">
+            <a:schemeClr val="accent1"/>
+          </a:effectRef>
+          <a:fontRef idx="minor">
+            <a:schemeClr val="lt1"/>
+          </a:fontRef>
+        </p:style>
+        <p:txBody>
+          <a:bodyPr rtlCol="0" anchor="ctr"/>
+          <a:p>
+            <a:pPr algn="ctr"/>
+            <a:r>
+              <a:rPr>
+                <a:solidFill>
+                  <a:schemeClr val="tx1"/>
+                </a:solidFill>
+                <a:latin typeface="微软雅黑" panose="020B0503020204020204" pitchFamily="34" charset="-122"/>
+                <a:ea typeface="微软雅黑" panose="020B0503020204020204" pitchFamily="34" charset="-122"/>
+                <a:cs typeface="微软雅黑" panose="020B0503020204020204" pitchFamily="34" charset="-122"/>
+              </a:rPr>
+              <a:t>API_COMPONENT_ATTR</a:t>
+            </a:r>
+            <a:r>
+              <a:rPr lang="zh-CN">
+                <a:solidFill>
+                  <a:schemeClr val="tx1"/>
+                </a:solidFill>
+                <a:latin typeface="微软雅黑" panose="020B0503020204020204" pitchFamily="34" charset="-122"/>
+                <a:ea typeface="微软雅黑" panose="020B0503020204020204" pitchFamily="34" charset="-122"/>
+                <a:cs typeface="微软雅黑" panose="020B0503020204020204" pitchFamily="34" charset="-122"/>
+              </a:rPr>
+              <a:t>：dbid</a:t>
+            </a:r>
+            <a:r>
+              <a:rPr lang="zh-CN">
+                <a:solidFill>
+                  <a:schemeClr val="tx1"/>
+                </a:solidFill>
+                <a:latin typeface="微软雅黑" panose="020B0503020204020204" pitchFamily="34" charset="-122"/>
+                <a:ea typeface="微软雅黑" panose="020B0503020204020204" pitchFamily="34" charset="-122"/>
+                <a:cs typeface="微软雅黑" panose="020B0503020204020204" pitchFamily="34" charset="-122"/>
+                <a:sym typeface="+mn-ea"/>
+              </a:rPr>
+              <a:t> ↔ </a:t>
+            </a:r>
+            <a:r>
+              <a:rPr lang="en-US" altLang="zh-CN">
+                <a:solidFill>
+                  <a:schemeClr val="tx1"/>
+                </a:solidFill>
+                <a:latin typeface="微软雅黑" panose="020B0503020204020204" pitchFamily="34" charset="-122"/>
+                <a:ea typeface="微软雅黑" panose="020B0503020204020204" pitchFamily="34" charset="-122"/>
+                <a:cs typeface="微软雅黑" panose="020B0503020204020204" pitchFamily="34" charset="-122"/>
+                <a:sym typeface="+mn-ea"/>
+              </a:rPr>
+              <a:t>api_component_id</a:t>
+            </a:r>
+            <a:endParaRPr lang="en-US" altLang="zh-CN">
+              <a:solidFill>
+                <a:schemeClr val="tx1"/>
+              </a:solidFill>
+              <a:latin typeface="微软雅黑" panose="020B0503020204020204" pitchFamily="34" charset="-122"/>
+              <a:ea typeface="微软雅黑" panose="020B0503020204020204" pitchFamily="34" charset="-122"/>
+              <a:cs typeface="微软雅黑" panose="020B0503020204020204" pitchFamily="34" charset="-122"/>
+              <a:sym typeface="+mn-ea"/>
+            </a:endParaRPr>
+          </a:p>
+        </p:txBody>
+      </p:sp>
+      <p:cxnSp>
+        <p:nvCxnSpPr>
+          <p:cNvPr id="22" name="直接箭头连接符 21"/>
+          <p:cNvCxnSpPr/>
+          <p:nvPr/>
+        </p:nvCxnSpPr>
+        <p:spPr>
+          <a:xfrm>
+            <a:off x="5702935" y="5122545"/>
+            <a:ext cx="1101725" cy="839470"/>
+          </a:xfrm>
+          <a:prstGeom prst="straightConnector1">
+            <a:avLst/>
+          </a:prstGeom>
+          <a:ln>
+            <a:tailEnd type="arrow" w="med" len="med"/>
+          </a:ln>
+        </p:spPr>
+        <p:style>
+          <a:lnRef idx="1">
+            <a:schemeClr val="accent3"/>
+          </a:lnRef>
+          <a:fillRef idx="0">
+            <a:schemeClr val="accent3"/>
+          </a:fillRef>
+          <a:effectRef idx="0">
+            <a:schemeClr val="accent3"/>
+          </a:effectRef>
+          <a:fontRef idx="minor">
+            <a:schemeClr val="tx1"/>
+          </a:fontRef>
+        </p:style>
+      </p:cxnSp>
     </p:spTree>
   </p:cSld>
   <p:clrMapOvr>

--- a/docs/spec/BlockLang.pptx
+++ b/docs/spec/BlockLang.pptx
@@ -15759,7 +15759,7 @@
           <a:p>
             <a:pPr algn="ctr"/>
             <a:r>
-              <a:rPr lang="en-US" sz="1200">
+              <a:rPr lang="zh-CN" altLang="en-US" sz="1200">
                 <a:solidFill>
                   <a:schemeClr val="tx1"/>
                 </a:solidFill>
@@ -15767,9 +15767,20 @@
                 <a:ea typeface="微软雅黑" panose="020B0503020204020204" pitchFamily="34" charset="-122"/>
                 <a:cs typeface="微软雅黑" panose="020B0503020204020204" pitchFamily="34" charset="-122"/>
               </a:rPr>
-              <a:t>…</a:t>
-            </a:r>
-            <a:endParaRPr lang="en-US" sz="1200">
+              <a:t>鸿蒙</a:t>
+            </a:r>
+            <a:r>
+              <a:rPr lang="en-US" altLang="zh-CN" sz="1200">
+                <a:solidFill>
+                  <a:schemeClr val="tx1"/>
+                </a:solidFill>
+                <a:latin typeface="微软雅黑" panose="020B0503020204020204" pitchFamily="34" charset="-122"/>
+                <a:ea typeface="微软雅黑" panose="020B0503020204020204" pitchFamily="34" charset="-122"/>
+                <a:cs typeface="微软雅黑" panose="020B0503020204020204" pitchFamily="34" charset="-122"/>
+              </a:rPr>
+              <a:t>OS</a:t>
+            </a:r>
+            <a:endParaRPr lang="en-US" altLang="zh-CN" sz="1200">
               <a:solidFill>
                 <a:schemeClr val="tx1"/>
               </a:solidFill>

--- a/docs/spec/BlockLang.pptx
+++ b/docs/spec/BlockLang.pptx
@@ -17,6 +17,7 @@
     <p:sldId id="264" r:id="rId10"/>
     <p:sldId id="265" r:id="rId11"/>
     <p:sldId id="266" r:id="rId12"/>
+    <p:sldId id="267" r:id="rId13"/>
   </p:sldIdLst>
   <p:sldSz cx="12192000" cy="6858000"/>
   <p:notesSz cx="6858000" cy="9144000"/>
@@ -1275,6 +1276,104 @@
             <a:r>
               <a:rPr lang="zh-CN" altLang="en-US"/>
               <a:t>依赖图谱</a:t>
+            </a:r>
+            <a:endParaRPr lang="zh-CN" altLang="en-US"/>
+          </a:p>
+        </p:txBody>
+      </p:sp>
+    </p:spTree>
+  </p:cSld>
+  <p:clrMapOvr>
+    <a:masterClrMapping/>
+  </p:clrMapOvr>
+</p:notes>
+</file>
+
+<file path=ppt/notesSlides/notesSlide7.xml><?xml version="1.0" encoding="utf-8"?>
+<p:notes xmlns:a="http://schemas.openxmlformats.org/drawingml/2006/main" xmlns:r="http://schemas.openxmlformats.org/officeDocument/2006/relationships" xmlns:p="http://schemas.openxmlformats.org/presentationml/2006/main">
+  <p:cSld>
+    <p:spTree>
+      <p:nvGrpSpPr>
+        <p:cNvPr id="1" name=""/>
+        <p:cNvGrpSpPr/>
+        <p:nvPr/>
+      </p:nvGrpSpPr>
+      <p:grpSpPr/>
+      <p:sp>
+        <p:nvSpPr>
+          <p:cNvPr id="2" name="幻灯片图像占位符 1"/>
+          <p:cNvSpPr/>
+          <p:nvPr>
+            <p:ph type="sldImg" idx="2"/>
+          </p:nvPr>
+        </p:nvSpPr>
+        <p:spPr/>
+      </p:sp>
+      <p:sp>
+        <p:nvSpPr>
+          <p:cNvPr id="3" name="文本占位符 2"/>
+          <p:cNvSpPr/>
+          <p:nvPr>
+            <p:ph type="body" idx="3"/>
+          </p:nvPr>
+        </p:nvSpPr>
+        <p:spPr/>
+        <p:txBody>
+          <a:bodyPr/>
+          <a:p>
+            <a:r>
+              <a:rPr lang="en-US" altLang="zh-CN"/>
+              <a:t>BlockLang </a:t>
+            </a:r>
+            <a:r>
+              <a:rPr lang="zh-CN" altLang="en-US"/>
+              <a:t>平台提供最基础功能</a:t>
+            </a:r>
+            <a:endParaRPr lang="zh-CN" altLang="en-US"/>
+          </a:p>
+          <a:p>
+            <a:endParaRPr lang="zh-CN" altLang="en-US"/>
+          </a:p>
+          <a:p>
+            <a:r>
+              <a:rPr lang="zh-CN" altLang="en-US"/>
+              <a:t>三层功能：</a:t>
+            </a:r>
+            <a:endParaRPr lang="zh-CN" altLang="en-US"/>
+          </a:p>
+          <a:p>
+            <a:endParaRPr lang="zh-CN" altLang="en-US"/>
+          </a:p>
+          <a:p>
+            <a:r>
+              <a:rPr lang="zh-CN" altLang="en-US"/>
+              <a:t>拼装功能</a:t>
+            </a:r>
+            <a:endParaRPr lang="zh-CN" altLang="en-US"/>
+          </a:p>
+          <a:p>
+            <a:r>
+              <a:rPr lang="zh-CN" altLang="en-US"/>
+              <a:t>技术组件（核心组件</a:t>
+            </a:r>
+            <a:r>
+              <a:rPr lang="en-US" altLang="zh-CN"/>
+              <a:t>-&gt;</a:t>
+            </a:r>
+            <a:r>
+              <a:rPr lang="zh-CN" altLang="en-US"/>
+              <a:t>自定义组件</a:t>
+            </a:r>
+            <a:r>
+              <a:rPr lang="zh-CN" altLang="en-US"/>
+              <a:t>）</a:t>
+            </a:r>
+            <a:endParaRPr lang="zh-CN" altLang="en-US"/>
+          </a:p>
+          <a:p>
+            <a:r>
+              <a:rPr lang="zh-CN" altLang="en-US"/>
+              <a:t>业务功能（）</a:t>
             </a:r>
             <a:endParaRPr lang="zh-CN" altLang="en-US"/>
           </a:p>
@@ -4152,6 +4251,571 @@
       </p:par>
     </p:tnLst>
   </p:timing>
+</p:sld>
+</file>
+
+<file path=ppt/slides/slide10.xml><?xml version="1.0" encoding="utf-8"?>
+<p:sld xmlns:a="http://schemas.openxmlformats.org/drawingml/2006/main" xmlns:r="http://schemas.openxmlformats.org/officeDocument/2006/relationships" xmlns:p="http://schemas.openxmlformats.org/presentationml/2006/main">
+  <p:cSld>
+    <p:spTree>
+      <p:nvGrpSpPr>
+        <p:cNvPr id="1" name=""/>
+        <p:cNvGrpSpPr/>
+        <p:nvPr/>
+      </p:nvGrpSpPr>
+      <p:grpSpPr/>
+      <p:sp>
+        <p:nvSpPr>
+          <p:cNvPr id="9" name="矩形 8"/>
+          <p:cNvSpPr/>
+          <p:nvPr/>
+        </p:nvSpPr>
+        <p:spPr>
+          <a:xfrm>
+            <a:off x="3178810" y="4744720"/>
+            <a:ext cx="3053715" cy="680085"/>
+          </a:xfrm>
+          <a:prstGeom prst="rect">
+            <a:avLst/>
+          </a:prstGeom>
+          <a:solidFill>
+            <a:srgbClr val="92D050"/>
+          </a:solidFill>
+        </p:spPr>
+        <p:style>
+          <a:lnRef idx="2">
+            <a:schemeClr val="accent1">
+              <a:shade val="50000"/>
+            </a:schemeClr>
+          </a:lnRef>
+          <a:fillRef idx="1">
+            <a:schemeClr val="accent1"/>
+          </a:fillRef>
+          <a:effectRef idx="0">
+            <a:schemeClr val="accent1"/>
+          </a:effectRef>
+          <a:fontRef idx="minor">
+            <a:schemeClr val="lt1"/>
+          </a:fontRef>
+        </p:style>
+        <p:txBody>
+          <a:bodyPr rtlCol="0" anchor="ctr"/>
+          <a:p>
+            <a:pPr algn="ctr"/>
+            <a:r>
+              <a:rPr lang="zh-CN" altLang="en-US">
+                <a:solidFill>
+                  <a:schemeClr val="tx1"/>
+                </a:solidFill>
+                <a:latin typeface="微软雅黑" panose="020B0503020204020204" pitchFamily="34" charset="-122"/>
+                <a:ea typeface="微软雅黑" panose="020B0503020204020204" pitchFamily="34" charset="-122"/>
+                <a:cs typeface="微软雅黑" panose="020B0503020204020204" pitchFamily="34" charset="-122"/>
+              </a:rPr>
+              <a:t>拼装能力</a:t>
+            </a:r>
+            <a:endParaRPr lang="zh-CN" altLang="en-US">
+              <a:solidFill>
+                <a:schemeClr val="tx1"/>
+              </a:solidFill>
+              <a:latin typeface="微软雅黑" panose="020B0503020204020204" pitchFamily="34" charset="-122"/>
+              <a:ea typeface="微软雅黑" panose="020B0503020204020204" pitchFamily="34" charset="-122"/>
+              <a:cs typeface="微软雅黑" panose="020B0503020204020204" pitchFamily="34" charset="-122"/>
+            </a:endParaRPr>
+          </a:p>
+        </p:txBody>
+      </p:sp>
+      <p:sp>
+        <p:nvSpPr>
+          <p:cNvPr id="4" name="矩形 3"/>
+          <p:cNvSpPr/>
+          <p:nvPr/>
+        </p:nvSpPr>
+        <p:spPr>
+          <a:xfrm>
+            <a:off x="6729730" y="4756150"/>
+            <a:ext cx="2925445" cy="680085"/>
+          </a:xfrm>
+          <a:prstGeom prst="rect">
+            <a:avLst/>
+          </a:prstGeom>
+          <a:solidFill>
+            <a:srgbClr val="92D050"/>
+          </a:solidFill>
+        </p:spPr>
+        <p:style>
+          <a:lnRef idx="2">
+            <a:schemeClr val="accent1">
+              <a:shade val="50000"/>
+            </a:schemeClr>
+          </a:lnRef>
+          <a:fillRef idx="1">
+            <a:schemeClr val="accent1"/>
+          </a:fillRef>
+          <a:effectRef idx="0">
+            <a:schemeClr val="accent1"/>
+          </a:effectRef>
+          <a:fontRef idx="minor">
+            <a:schemeClr val="lt1"/>
+          </a:fontRef>
+        </p:style>
+        <p:txBody>
+          <a:bodyPr rtlCol="0" anchor="ctr"/>
+          <a:p>
+            <a:pPr algn="ctr"/>
+            <a:r>
+              <a:rPr lang="zh-CN" altLang="en-US">
+                <a:solidFill>
+                  <a:schemeClr val="tx1"/>
+                </a:solidFill>
+                <a:latin typeface="微软雅黑" panose="020B0503020204020204" pitchFamily="34" charset="-122"/>
+                <a:ea typeface="微软雅黑" panose="020B0503020204020204" pitchFamily="34" charset="-122"/>
+                <a:cs typeface="微软雅黑" panose="020B0503020204020204" pitchFamily="34" charset="-122"/>
+              </a:rPr>
+              <a:t>部署能力</a:t>
+            </a:r>
+            <a:endParaRPr lang="zh-CN" altLang="en-US">
+              <a:solidFill>
+                <a:schemeClr val="tx1"/>
+              </a:solidFill>
+              <a:latin typeface="微软雅黑" panose="020B0503020204020204" pitchFamily="34" charset="-122"/>
+              <a:ea typeface="微软雅黑" panose="020B0503020204020204" pitchFamily="34" charset="-122"/>
+              <a:cs typeface="微软雅黑" panose="020B0503020204020204" pitchFamily="34" charset="-122"/>
+            </a:endParaRPr>
+          </a:p>
+        </p:txBody>
+      </p:sp>
+      <p:sp>
+        <p:nvSpPr>
+          <p:cNvPr id="5" name="矩形 4"/>
+          <p:cNvSpPr/>
+          <p:nvPr/>
+        </p:nvSpPr>
+        <p:spPr>
+          <a:xfrm>
+            <a:off x="3178810" y="2555240"/>
+            <a:ext cx="3053080" cy="1878965"/>
+          </a:xfrm>
+          <a:prstGeom prst="rect">
+            <a:avLst/>
+          </a:prstGeom>
+          <a:noFill/>
+          <a:extLst>
+            <a:ext uri="{909E8E84-426E-40DD-AFC4-6F175D3DCCD1}">
+              <a14:hiddenFill xmlns:a14="http://schemas.microsoft.com/office/drawing/2010/main">
+                <a:solidFill>
+                  <a:schemeClr val="accent1"/>
+                </a:solidFill>
+              </a14:hiddenFill>
+            </a:ext>
+          </a:extLst>
+        </p:spPr>
+        <p:style>
+          <a:lnRef idx="2">
+            <a:schemeClr val="accent1">
+              <a:shade val="50000"/>
+            </a:schemeClr>
+          </a:lnRef>
+          <a:fillRef idx="1">
+            <a:schemeClr val="accent1"/>
+          </a:fillRef>
+          <a:effectRef idx="0">
+            <a:schemeClr val="accent1"/>
+          </a:effectRef>
+          <a:fontRef idx="minor">
+            <a:schemeClr val="lt1"/>
+          </a:fontRef>
+        </p:style>
+        <p:txBody>
+          <a:bodyPr rtlCol="0" anchor="ctr"/>
+          <a:p>
+            <a:pPr algn="ctr"/>
+            <a:endParaRPr lang="zh-CN" altLang="en-US">
+              <a:solidFill>
+                <a:schemeClr val="tx1"/>
+              </a:solidFill>
+              <a:latin typeface="微软雅黑" panose="020B0503020204020204" pitchFamily="34" charset="-122"/>
+              <a:ea typeface="微软雅黑" panose="020B0503020204020204" pitchFamily="34" charset="-122"/>
+              <a:cs typeface="微软雅黑" panose="020B0503020204020204" pitchFamily="34" charset="-122"/>
+            </a:endParaRPr>
+          </a:p>
+        </p:txBody>
+      </p:sp>
+      <p:sp>
+        <p:nvSpPr>
+          <p:cNvPr id="6" name="矩形 5"/>
+          <p:cNvSpPr/>
+          <p:nvPr/>
+        </p:nvSpPr>
+        <p:spPr>
+          <a:xfrm>
+            <a:off x="3249295" y="3567430"/>
+            <a:ext cx="2925445" cy="680085"/>
+          </a:xfrm>
+          <a:prstGeom prst="rect">
+            <a:avLst/>
+          </a:prstGeom>
+          <a:solidFill>
+            <a:srgbClr val="92D050"/>
+          </a:solidFill>
+        </p:spPr>
+        <p:style>
+          <a:lnRef idx="2">
+            <a:schemeClr val="accent1">
+              <a:shade val="50000"/>
+            </a:schemeClr>
+          </a:lnRef>
+          <a:fillRef idx="1">
+            <a:schemeClr val="accent1"/>
+          </a:fillRef>
+          <a:effectRef idx="0">
+            <a:schemeClr val="accent1"/>
+          </a:effectRef>
+          <a:fontRef idx="minor">
+            <a:schemeClr val="lt1"/>
+          </a:fontRef>
+        </p:style>
+        <p:txBody>
+          <a:bodyPr rtlCol="0" anchor="ctr"/>
+          <a:p>
+            <a:pPr algn="ctr"/>
+            <a:r>
+              <a:rPr lang="zh-CN" altLang="en-US">
+                <a:solidFill>
+                  <a:schemeClr val="tx1"/>
+                </a:solidFill>
+                <a:latin typeface="微软雅黑" panose="020B0503020204020204" pitchFamily="34" charset="-122"/>
+                <a:ea typeface="微软雅黑" panose="020B0503020204020204" pitchFamily="34" charset="-122"/>
+                <a:cs typeface="微软雅黑" panose="020B0503020204020204" pitchFamily="34" charset="-122"/>
+              </a:rPr>
+              <a:t>核心组件</a:t>
+            </a:r>
+            <a:endParaRPr lang="zh-CN" altLang="en-US">
+              <a:solidFill>
+                <a:schemeClr val="tx1"/>
+              </a:solidFill>
+              <a:latin typeface="微软雅黑" panose="020B0503020204020204" pitchFamily="34" charset="-122"/>
+              <a:ea typeface="微软雅黑" panose="020B0503020204020204" pitchFamily="34" charset="-122"/>
+              <a:cs typeface="微软雅黑" panose="020B0503020204020204" pitchFamily="34" charset="-122"/>
+            </a:endParaRPr>
+          </a:p>
+        </p:txBody>
+      </p:sp>
+      <p:sp>
+        <p:nvSpPr>
+          <p:cNvPr id="7" name="矩形 6"/>
+          <p:cNvSpPr/>
+          <p:nvPr/>
+        </p:nvSpPr>
+        <p:spPr>
+          <a:xfrm>
+            <a:off x="3260725" y="2705100"/>
+            <a:ext cx="2925445" cy="680085"/>
+          </a:xfrm>
+          <a:prstGeom prst="rect">
+            <a:avLst/>
+          </a:prstGeom>
+          <a:solidFill>
+            <a:srgbClr val="FF0000"/>
+          </a:solidFill>
+        </p:spPr>
+        <p:style>
+          <a:lnRef idx="2">
+            <a:schemeClr val="accent1">
+              <a:shade val="50000"/>
+            </a:schemeClr>
+          </a:lnRef>
+          <a:fillRef idx="1">
+            <a:schemeClr val="accent1"/>
+          </a:fillRef>
+          <a:effectRef idx="0">
+            <a:schemeClr val="accent1"/>
+          </a:effectRef>
+          <a:fontRef idx="minor">
+            <a:schemeClr val="lt1"/>
+          </a:fontRef>
+        </p:style>
+        <p:txBody>
+          <a:bodyPr rtlCol="0" anchor="ctr"/>
+          <a:p>
+            <a:pPr algn="ctr"/>
+            <a:r>
+              <a:rPr lang="zh-CN" altLang="en-US">
+                <a:solidFill>
+                  <a:schemeClr val="tx1"/>
+                </a:solidFill>
+                <a:latin typeface="微软雅黑" panose="020B0503020204020204" pitchFamily="34" charset="-122"/>
+                <a:ea typeface="微软雅黑" panose="020B0503020204020204" pitchFamily="34" charset="-122"/>
+                <a:cs typeface="微软雅黑" panose="020B0503020204020204" pitchFamily="34" charset="-122"/>
+              </a:rPr>
+              <a:t>用户定义组件</a:t>
+            </a:r>
+            <a:endParaRPr lang="zh-CN" altLang="en-US">
+              <a:solidFill>
+                <a:schemeClr val="tx1"/>
+              </a:solidFill>
+              <a:latin typeface="微软雅黑" panose="020B0503020204020204" pitchFamily="34" charset="-122"/>
+              <a:ea typeface="微软雅黑" panose="020B0503020204020204" pitchFamily="34" charset="-122"/>
+              <a:cs typeface="微软雅黑" panose="020B0503020204020204" pitchFamily="34" charset="-122"/>
+            </a:endParaRPr>
+          </a:p>
+        </p:txBody>
+      </p:sp>
+      <p:sp>
+        <p:nvSpPr>
+          <p:cNvPr id="8" name="矩形 7"/>
+          <p:cNvSpPr/>
+          <p:nvPr/>
+        </p:nvSpPr>
+        <p:spPr>
+          <a:xfrm>
+            <a:off x="3178810" y="1598930"/>
+            <a:ext cx="2925445" cy="680085"/>
+          </a:xfrm>
+          <a:prstGeom prst="rect">
+            <a:avLst/>
+          </a:prstGeom>
+          <a:solidFill>
+            <a:srgbClr val="FF0000"/>
+          </a:solidFill>
+        </p:spPr>
+        <p:style>
+          <a:lnRef idx="2">
+            <a:schemeClr val="accent1">
+              <a:shade val="50000"/>
+            </a:schemeClr>
+          </a:lnRef>
+          <a:fillRef idx="1">
+            <a:schemeClr val="accent1"/>
+          </a:fillRef>
+          <a:effectRef idx="0">
+            <a:schemeClr val="accent1"/>
+          </a:effectRef>
+          <a:fontRef idx="minor">
+            <a:schemeClr val="lt1"/>
+          </a:fontRef>
+        </p:style>
+        <p:txBody>
+          <a:bodyPr rtlCol="0" anchor="ctr"/>
+          <a:p>
+            <a:pPr algn="ctr"/>
+            <a:r>
+              <a:rPr lang="zh-CN" altLang="en-US">
+                <a:solidFill>
+                  <a:schemeClr val="tx1"/>
+                </a:solidFill>
+                <a:latin typeface="微软雅黑" panose="020B0503020204020204" pitchFamily="34" charset="-122"/>
+                <a:ea typeface="微软雅黑" panose="020B0503020204020204" pitchFamily="34" charset="-122"/>
+                <a:cs typeface="微软雅黑" panose="020B0503020204020204" pitchFamily="34" charset="-122"/>
+              </a:rPr>
+              <a:t>业务</a:t>
+            </a:r>
+            <a:endParaRPr lang="zh-CN" altLang="en-US">
+              <a:solidFill>
+                <a:schemeClr val="tx1"/>
+              </a:solidFill>
+              <a:latin typeface="微软雅黑" panose="020B0503020204020204" pitchFamily="34" charset="-122"/>
+              <a:ea typeface="微软雅黑" panose="020B0503020204020204" pitchFamily="34" charset="-122"/>
+              <a:cs typeface="微软雅黑" panose="020B0503020204020204" pitchFamily="34" charset="-122"/>
+            </a:endParaRPr>
+          </a:p>
+        </p:txBody>
+      </p:sp>
+      <p:sp>
+        <p:nvSpPr>
+          <p:cNvPr id="10" name="文本框 9"/>
+          <p:cNvSpPr txBox="1"/>
+          <p:nvPr/>
+        </p:nvSpPr>
+        <p:spPr>
+          <a:xfrm>
+            <a:off x="1181735" y="243205"/>
+            <a:ext cx="2697480" cy="922020"/>
+          </a:xfrm>
+          <a:prstGeom prst="rect">
+            <a:avLst/>
+          </a:prstGeom>
+          <a:noFill/>
+        </p:spPr>
+        <p:txBody>
+          <a:bodyPr wrap="none" rtlCol="0">
+            <a:spAutoFit/>
+          </a:bodyPr>
+          <a:p>
+            <a:r>
+              <a:rPr lang="zh-CN" altLang="en-US"/>
+              <a:t>一个优秀的平台，</a:t>
+            </a:r>
+            <a:endParaRPr lang="zh-CN" altLang="en-US"/>
+          </a:p>
+          <a:p>
+            <a:r>
+              <a:rPr lang="zh-CN" altLang="en-US"/>
+              <a:t>不是把同行都排挤出去，</a:t>
+            </a:r>
+            <a:endParaRPr lang="zh-CN" altLang="en-US"/>
+          </a:p>
+          <a:p>
+            <a:r>
+              <a:rPr lang="zh-CN" altLang="en-US"/>
+              <a:t>而是广迎四方客</a:t>
+            </a:r>
+            <a:endParaRPr lang="zh-CN" altLang="en-US"/>
+          </a:p>
+        </p:txBody>
+      </p:sp>
+      <p:sp>
+        <p:nvSpPr>
+          <p:cNvPr id="11" name="矩形 10"/>
+          <p:cNvSpPr/>
+          <p:nvPr/>
+        </p:nvSpPr>
+        <p:spPr>
+          <a:xfrm>
+            <a:off x="6577965" y="2705100"/>
+            <a:ext cx="3228340" cy="680085"/>
+          </a:xfrm>
+          <a:prstGeom prst="rect">
+            <a:avLst/>
+          </a:prstGeom>
+          <a:solidFill>
+            <a:srgbClr val="FF0000"/>
+          </a:solidFill>
+        </p:spPr>
+        <p:style>
+          <a:lnRef idx="2">
+            <a:schemeClr val="accent1">
+              <a:shade val="50000"/>
+            </a:schemeClr>
+          </a:lnRef>
+          <a:fillRef idx="1">
+            <a:schemeClr val="accent1"/>
+          </a:fillRef>
+          <a:effectRef idx="0">
+            <a:schemeClr val="accent1"/>
+          </a:effectRef>
+          <a:fontRef idx="minor">
+            <a:schemeClr val="lt1"/>
+          </a:fontRef>
+        </p:style>
+        <p:txBody>
+          <a:bodyPr rtlCol="0" anchor="ctr"/>
+          <a:p>
+            <a:pPr algn="ctr"/>
+            <a:r>
+              <a:rPr lang="zh-CN" altLang="en-US">
+                <a:solidFill>
+                  <a:schemeClr val="tx1"/>
+                </a:solidFill>
+                <a:latin typeface="微软雅黑" panose="020B0503020204020204" pitchFamily="34" charset="-122"/>
+                <a:ea typeface="微软雅黑" panose="020B0503020204020204" pitchFamily="34" charset="-122"/>
+                <a:cs typeface="微软雅黑" panose="020B0503020204020204" pitchFamily="34" charset="-122"/>
+              </a:rPr>
+              <a:t>云、小程序宿主、本地主机</a:t>
+            </a:r>
+            <a:endParaRPr lang="zh-CN" altLang="en-US">
+              <a:solidFill>
+                <a:schemeClr val="tx1"/>
+              </a:solidFill>
+              <a:latin typeface="微软雅黑" panose="020B0503020204020204" pitchFamily="34" charset="-122"/>
+              <a:ea typeface="微软雅黑" panose="020B0503020204020204" pitchFamily="34" charset="-122"/>
+              <a:cs typeface="微软雅黑" panose="020B0503020204020204" pitchFamily="34" charset="-122"/>
+            </a:endParaRPr>
+          </a:p>
+        </p:txBody>
+      </p:sp>
+      <p:sp>
+        <p:nvSpPr>
+          <p:cNvPr id="12" name="矩形 11"/>
+          <p:cNvSpPr/>
+          <p:nvPr/>
+        </p:nvSpPr>
+        <p:spPr>
+          <a:xfrm>
+            <a:off x="3072765" y="3489960"/>
+            <a:ext cx="6954520" cy="2146300"/>
+          </a:xfrm>
+          <a:prstGeom prst="rect">
+            <a:avLst/>
+          </a:prstGeom>
+          <a:noFill/>
+          <a:ln>
+            <a:prstDash val="sysDash"/>
+          </a:ln>
+          <a:extLst>
+            <a:ext uri="{909E8E84-426E-40DD-AFC4-6F175D3DCCD1}">
+              <a14:hiddenFill xmlns:a14="http://schemas.microsoft.com/office/drawing/2010/main">
+                <a:solidFill>
+                  <a:schemeClr val="accent1"/>
+                </a:solidFill>
+              </a14:hiddenFill>
+            </a:ext>
+          </a:extLst>
+        </p:spPr>
+        <p:style>
+          <a:lnRef idx="2">
+            <a:schemeClr val="accent1">
+              <a:shade val="50000"/>
+            </a:schemeClr>
+          </a:lnRef>
+          <a:fillRef idx="1">
+            <a:schemeClr val="accent1"/>
+          </a:fillRef>
+          <a:effectRef idx="0">
+            <a:schemeClr val="accent1"/>
+          </a:effectRef>
+          <a:fontRef idx="minor">
+            <a:schemeClr val="lt1"/>
+          </a:fontRef>
+        </p:style>
+        <p:txBody>
+          <a:bodyPr rtlCol="0" anchor="ctr"/>
+          <a:p>
+            <a:pPr algn="ctr"/>
+            <a:endParaRPr lang="zh-CN">
+              <a:solidFill>
+                <a:schemeClr val="tx1"/>
+              </a:solidFill>
+              <a:latin typeface="微软雅黑" panose="020B0503020204020204" pitchFamily="34" charset="-122"/>
+              <a:ea typeface="微软雅黑" panose="020B0503020204020204" pitchFamily="34" charset="-122"/>
+              <a:cs typeface="微软雅黑" panose="020B0503020204020204" pitchFamily="34" charset="-122"/>
+            </a:endParaRPr>
+          </a:p>
+        </p:txBody>
+      </p:sp>
+      <p:sp>
+        <p:nvSpPr>
+          <p:cNvPr id="13" name="文本框 12"/>
+          <p:cNvSpPr txBox="1"/>
+          <p:nvPr/>
+        </p:nvSpPr>
+        <p:spPr>
+          <a:xfrm>
+            <a:off x="1845945" y="4376420"/>
+            <a:ext cx="1113790" cy="368300"/>
+          </a:xfrm>
+          <a:prstGeom prst="rect">
+            <a:avLst/>
+          </a:prstGeom>
+          <a:noFill/>
+        </p:spPr>
+        <p:txBody>
+          <a:bodyPr wrap="none" rtlCol="0">
+            <a:spAutoFit/>
+          </a:bodyPr>
+          <a:p>
+            <a:r>
+              <a:rPr lang="en-US" altLang="zh-CN"/>
+              <a:t>BlockLang</a:t>
+            </a:r>
+            <a:endParaRPr lang="en-US" altLang="zh-CN"/>
+          </a:p>
+        </p:txBody>
+      </p:sp>
+    </p:spTree>
+  </p:cSld>
+  <p:clrMapOvr>
+    <a:masterClrMapping/>
+  </p:clrMapOvr>
 </p:sld>
 </file>
 
